--- a/assets uarm/2023 1 UarmPCrit/Kant intro crp prefmc2.pptx
+++ b/assets uarm/2023 1 UarmPCrit/Kant intro crp prefmc2.pptx
@@ -6,36 +6,38 @@
   </p:sldMasterIdLst>
   <p:sldIdLst>
     <p:sldId id="256" r:id="rId2"/>
-    <p:sldId id="269" r:id="rId3"/>
-    <p:sldId id="272" r:id="rId4"/>
-    <p:sldId id="271" r:id="rId5"/>
-    <p:sldId id="267" r:id="rId6"/>
-    <p:sldId id="273" r:id="rId7"/>
-    <p:sldId id="268" r:id="rId8"/>
-    <p:sldId id="274" r:id="rId9"/>
-    <p:sldId id="275" r:id="rId10"/>
-    <p:sldId id="270" r:id="rId11"/>
-    <p:sldId id="257" r:id="rId12"/>
-    <p:sldId id="258" r:id="rId13"/>
-    <p:sldId id="260" r:id="rId14"/>
-    <p:sldId id="285" r:id="rId15"/>
-    <p:sldId id="261" r:id="rId16"/>
-    <p:sldId id="277" r:id="rId17"/>
-    <p:sldId id="276" r:id="rId18"/>
-    <p:sldId id="262" r:id="rId19"/>
-    <p:sldId id="278" r:id="rId20"/>
-    <p:sldId id="263" r:id="rId21"/>
-    <p:sldId id="279" r:id="rId22"/>
-    <p:sldId id="264" r:id="rId23"/>
-    <p:sldId id="280" r:id="rId24"/>
-    <p:sldId id="281" r:id="rId25"/>
-    <p:sldId id="282" r:id="rId26"/>
-    <p:sldId id="283" r:id="rId27"/>
-    <p:sldId id="265" r:id="rId28"/>
-    <p:sldId id="266" r:id="rId29"/>
-    <p:sldId id="284" r:id="rId30"/>
-    <p:sldId id="286" r:id="rId31"/>
-    <p:sldId id="259" r:id="rId32"/>
+    <p:sldId id="287" r:id="rId3"/>
+    <p:sldId id="288" r:id="rId4"/>
+    <p:sldId id="269" r:id="rId5"/>
+    <p:sldId id="272" r:id="rId6"/>
+    <p:sldId id="271" r:id="rId7"/>
+    <p:sldId id="267" r:id="rId8"/>
+    <p:sldId id="273" r:id="rId9"/>
+    <p:sldId id="268" r:id="rId10"/>
+    <p:sldId id="274" r:id="rId11"/>
+    <p:sldId id="275" r:id="rId12"/>
+    <p:sldId id="270" r:id="rId13"/>
+    <p:sldId id="257" r:id="rId14"/>
+    <p:sldId id="258" r:id="rId15"/>
+    <p:sldId id="260" r:id="rId16"/>
+    <p:sldId id="285" r:id="rId17"/>
+    <p:sldId id="261" r:id="rId18"/>
+    <p:sldId id="277" r:id="rId19"/>
+    <p:sldId id="276" r:id="rId20"/>
+    <p:sldId id="262" r:id="rId21"/>
+    <p:sldId id="278" r:id="rId22"/>
+    <p:sldId id="263" r:id="rId23"/>
+    <p:sldId id="279" r:id="rId24"/>
+    <p:sldId id="264" r:id="rId25"/>
+    <p:sldId id="280" r:id="rId26"/>
+    <p:sldId id="281" r:id="rId27"/>
+    <p:sldId id="282" r:id="rId28"/>
+    <p:sldId id="283" r:id="rId29"/>
+    <p:sldId id="265" r:id="rId30"/>
+    <p:sldId id="266" r:id="rId31"/>
+    <p:sldId id="284" r:id="rId32"/>
+    <p:sldId id="286" r:id="rId33"/>
+    <p:sldId id="259" r:id="rId34"/>
   </p:sldIdLst>
   <p:sldSz cx="9144000" cy="6858000" type="screen4x3"/>
   <p:notesSz cx="6858000" cy="9144000"/>
@@ -335,7 +337,7 @@
             <a:fld id="{0CE51B5F-2EC2-45DF-AB75-99A90E626838}" type="datetimeFigureOut">
               <a:rPr lang="es-PE" smtClean="0"/>
               <a:pPr/>
-              <a:t>22/04/2023</a:t>
+              <a:t>23/09/2023</a:t>
             </a:fld>
             <a:endParaRPr lang="es-PE"/>
           </a:p>
@@ -502,7 +504,7 @@
             <a:fld id="{0CE51B5F-2EC2-45DF-AB75-99A90E626838}" type="datetimeFigureOut">
               <a:rPr lang="es-PE" smtClean="0"/>
               <a:pPr/>
-              <a:t>22/04/2023</a:t>
+              <a:t>23/09/2023</a:t>
             </a:fld>
             <a:endParaRPr lang="es-PE"/>
           </a:p>
@@ -679,7 +681,7 @@
             <a:fld id="{0CE51B5F-2EC2-45DF-AB75-99A90E626838}" type="datetimeFigureOut">
               <a:rPr lang="es-PE" smtClean="0"/>
               <a:pPr/>
-              <a:t>22/04/2023</a:t>
+              <a:t>23/09/2023</a:t>
             </a:fld>
             <a:endParaRPr lang="es-PE"/>
           </a:p>
@@ -846,7 +848,7 @@
             <a:fld id="{0CE51B5F-2EC2-45DF-AB75-99A90E626838}" type="datetimeFigureOut">
               <a:rPr lang="es-PE" smtClean="0"/>
               <a:pPr/>
-              <a:t>22/04/2023</a:t>
+              <a:t>23/09/2023</a:t>
             </a:fld>
             <a:endParaRPr lang="es-PE"/>
           </a:p>
@@ -1089,7 +1091,7 @@
             <a:fld id="{0CE51B5F-2EC2-45DF-AB75-99A90E626838}" type="datetimeFigureOut">
               <a:rPr lang="es-PE" smtClean="0"/>
               <a:pPr/>
-              <a:t>22/04/2023</a:t>
+              <a:t>23/09/2023</a:t>
             </a:fld>
             <a:endParaRPr lang="es-PE"/>
           </a:p>
@@ -1374,7 +1376,7 @@
             <a:fld id="{0CE51B5F-2EC2-45DF-AB75-99A90E626838}" type="datetimeFigureOut">
               <a:rPr lang="es-PE" smtClean="0"/>
               <a:pPr/>
-              <a:t>22/04/2023</a:t>
+              <a:t>23/09/2023</a:t>
             </a:fld>
             <a:endParaRPr lang="es-PE"/>
           </a:p>
@@ -1793,7 +1795,7 @@
             <a:fld id="{0CE51B5F-2EC2-45DF-AB75-99A90E626838}" type="datetimeFigureOut">
               <a:rPr lang="es-PE" smtClean="0"/>
               <a:pPr/>
-              <a:t>22/04/2023</a:t>
+              <a:t>23/09/2023</a:t>
             </a:fld>
             <a:endParaRPr lang="es-PE"/>
           </a:p>
@@ -1908,7 +1910,7 @@
             <a:fld id="{0CE51B5F-2EC2-45DF-AB75-99A90E626838}" type="datetimeFigureOut">
               <a:rPr lang="es-PE" smtClean="0"/>
               <a:pPr/>
-              <a:t>22/04/2023</a:t>
+              <a:t>23/09/2023</a:t>
             </a:fld>
             <a:endParaRPr lang="es-PE"/>
           </a:p>
@@ -2000,7 +2002,7 @@
             <a:fld id="{0CE51B5F-2EC2-45DF-AB75-99A90E626838}" type="datetimeFigureOut">
               <a:rPr lang="es-PE" smtClean="0"/>
               <a:pPr/>
-              <a:t>22/04/2023</a:t>
+              <a:t>23/09/2023</a:t>
             </a:fld>
             <a:endParaRPr lang="es-PE"/>
           </a:p>
@@ -2274,7 +2276,7 @@
             <a:fld id="{0CE51B5F-2EC2-45DF-AB75-99A90E626838}" type="datetimeFigureOut">
               <a:rPr lang="es-PE" smtClean="0"/>
               <a:pPr/>
-              <a:t>22/04/2023</a:t>
+              <a:t>23/09/2023</a:t>
             </a:fld>
             <a:endParaRPr lang="es-PE"/>
           </a:p>
@@ -2524,7 +2526,7 @@
             <a:fld id="{0CE51B5F-2EC2-45DF-AB75-99A90E626838}" type="datetimeFigureOut">
               <a:rPr lang="es-PE" smtClean="0"/>
               <a:pPr/>
-              <a:t>22/04/2023</a:t>
+              <a:t>23/09/2023</a:t>
             </a:fld>
             <a:endParaRPr lang="es-PE"/>
           </a:p>
@@ -2734,7 +2736,7 @@
             <a:fld id="{0CE51B5F-2EC2-45DF-AB75-99A90E626838}" type="datetimeFigureOut">
               <a:rPr lang="es-PE" smtClean="0"/>
               <a:pPr/>
-              <a:t>22/04/2023</a:t>
+              <a:t>23/09/2023</a:t>
             </a:fld>
             <a:endParaRPr lang="es-PE"/>
           </a:p>
@@ -3227,264 +3229,112 @@
       </p:grpSpPr>
       <p:sp>
         <p:nvSpPr>
-          <p:cNvPr id="8" name="CuadroTexto 7"/>
-          <p:cNvSpPr txBox="1"/>
-          <p:nvPr/>
-        </p:nvSpPr>
-        <p:spPr>
-          <a:xfrm>
-            <a:off x="899592" y="244770"/>
-            <a:ext cx="7920880" cy="6186309"/>
-          </a:xfrm>
-          <a:prstGeom prst="rect">
-            <a:avLst/>
-          </a:prstGeom>
-          <a:noFill/>
-        </p:spPr>
-        <p:txBody>
-          <a:bodyPr wrap="square" rtlCol="0">
-            <a:spAutoFit/>
+          <p:cNvPr id="3" name="Marcador de contenido 2"/>
+          <p:cNvSpPr>
+            <a:spLocks noGrp="1"/>
+          </p:cNvSpPr>
+          <p:nvPr>
+            <p:ph idx="1"/>
+          </p:nvPr>
+        </p:nvSpPr>
+        <p:spPr>
+          <a:xfrm>
+            <a:off x="457200" y="620688"/>
+            <a:ext cx="8229600" cy="5505475"/>
+          </a:xfrm>
+        </p:spPr>
+        <p:txBody>
+          <a:bodyPr>
+            <a:normAutofit fontScale="92500" lnSpcReduction="20000"/>
           </a:bodyPr>
           <a:lstStyle/>
           <a:p>
-            <a:r>
-              <a:rPr lang="es-PE" dirty="0" smtClean="0"/>
-              <a:t>Otros especialistas indican que en la obra de Kant se busca responder a </a:t>
-            </a:r>
-            <a:r>
-              <a:rPr lang="es-PE" dirty="0" smtClean="0">
-                <a:solidFill>
-                  <a:srgbClr val="00B050"/>
-                </a:solidFill>
-              </a:rPr>
-              <a:t>cuatro</a:t>
-            </a:r>
-            <a:r>
-              <a:rPr lang="es-PE" dirty="0" smtClean="0"/>
-              <a:t> grandes interrogantes:</a:t>
-            </a:r>
-          </a:p>
-          <a:p>
-            <a:endParaRPr lang="es-PE" dirty="0" smtClean="0"/>
-          </a:p>
-          <a:p>
-            <a:endParaRPr lang="es-PE" dirty="0" smtClean="0"/>
-          </a:p>
-          <a:p>
+            <a:pPr marL="0" indent="0">
+              <a:buNone/>
+            </a:pPr>
             <a:endParaRPr lang="es-PE" dirty="0"/>
           </a:p>
           <a:p>
-            <a:endParaRPr lang="es-PE" dirty="0" smtClean="0"/>
-          </a:p>
-          <a:p>
-            <a:endParaRPr lang="es-PE" dirty="0"/>
-          </a:p>
-          <a:p>
-            <a:endParaRPr lang="es-PE" dirty="0" smtClean="0"/>
-          </a:p>
-          <a:p>
-            <a:endParaRPr lang="es-PE" dirty="0"/>
-          </a:p>
-          <a:p>
-            <a:endParaRPr lang="es-PE" dirty="0"/>
-          </a:p>
-          <a:p>
-            <a:endParaRPr lang="es-PE" dirty="0"/>
-          </a:p>
-          <a:p>
-            <a:pPr marL="285750" indent="-285750">
+            <a:pPr marL="0" indent="0">
+              <a:buNone/>
+            </a:pPr>
+            <a:r>
+              <a:rPr lang="es-PE" sz="4000" b="1" dirty="0" smtClean="0"/>
+              <a:t>- ¿Porqué se habla de un giro Copernicano, en el caso de Kant?</a:t>
+            </a:r>
+            <a:endParaRPr lang="es-PE" b="1" dirty="0" smtClean="0">
+              <a:solidFill>
+                <a:schemeClr val="bg1">
+                  <a:lumMod val="75000"/>
+                </a:schemeClr>
+              </a:solidFill>
+            </a:endParaRPr>
+          </a:p>
+          <a:p>
+            <a:pPr marL="0" indent="0">
+              <a:buNone/>
+            </a:pPr>
+            <a:endParaRPr lang="es-PE" sz="4000" b="1" dirty="0"/>
+          </a:p>
+          <a:p>
+            <a:pPr>
               <a:buFontTx/>
               <a:buChar char="-"/>
             </a:pPr>
             <a:r>
-              <a:rPr lang="es-PE" dirty="0" smtClean="0"/>
-              <a:t>¿Qué puedo </a:t>
-            </a:r>
-            <a:r>
-              <a:rPr lang="es-PE" dirty="0" smtClean="0">
-                <a:solidFill>
-                  <a:srgbClr val="00B050"/>
-                </a:solidFill>
-              </a:rPr>
-              <a:t>conocer</a:t>
-            </a:r>
-            <a:r>
-              <a:rPr lang="es-PE" dirty="0" smtClean="0"/>
-              <a:t>?                                    (Campo de la Metafísica)</a:t>
-            </a:r>
-          </a:p>
-          <a:p>
-            <a:endParaRPr lang="es-PE" dirty="0" smtClean="0"/>
-          </a:p>
-          <a:p>
-            <a:pPr marL="285750" indent="-285750">
+              <a:rPr lang="es-PE" sz="4000" b="1" dirty="0" smtClean="0"/>
+              <a:t>¿Qué elementos componen la extensión de sus obras y pensamientos? ¿Qué se pregunta?</a:t>
+            </a:r>
+          </a:p>
+          <a:p>
+            <a:pPr>
               <a:buFontTx/>
               <a:buChar char="-"/>
             </a:pPr>
-            <a:endParaRPr lang="es-PE" dirty="0"/>
-          </a:p>
-          <a:p>
-            <a:pPr marL="285750" indent="-285750">
+            <a:endParaRPr lang="es-PE" sz="4000" b="1" dirty="0"/>
+          </a:p>
+          <a:p>
+            <a:pPr>
               <a:buFontTx/>
               <a:buChar char="-"/>
             </a:pPr>
             <a:r>
-              <a:rPr lang="es-PE" dirty="0" smtClean="0"/>
-              <a:t>¿</a:t>
-            </a:r>
-            <a:r>
-              <a:rPr lang="es-PE" dirty="0"/>
-              <a:t>Qué </a:t>
-            </a:r>
-            <a:r>
-              <a:rPr lang="es-PE" dirty="0" smtClean="0"/>
-              <a:t>debo </a:t>
-            </a:r>
-            <a:r>
-              <a:rPr lang="es-PE" dirty="0" smtClean="0">
-                <a:solidFill>
-                  <a:srgbClr val="00B050"/>
-                </a:solidFill>
-              </a:rPr>
-              <a:t>hacer</a:t>
-            </a:r>
-            <a:r>
-              <a:rPr lang="es-PE" dirty="0" smtClean="0"/>
-              <a:t>?		          </a:t>
-            </a:r>
-            <a:r>
-              <a:rPr lang="es-PE" dirty="0"/>
-              <a:t>(Campo de la </a:t>
-            </a:r>
-            <a:r>
-              <a:rPr lang="es-PE" dirty="0" smtClean="0"/>
-              <a:t>Moral)</a:t>
-            </a:r>
-            <a:endParaRPr lang="es-PE" dirty="0"/>
-          </a:p>
-          <a:p>
-            <a:pPr marL="285750" indent="-285750">
+              <a:rPr lang="es-PE" sz="4000" b="1" dirty="0" smtClean="0"/>
+              <a:t>¿Qué tiene que ver el giro copernicano con la C.R.P.?</a:t>
+            </a:r>
+          </a:p>
+          <a:p>
+            <a:pPr>
               <a:buFontTx/>
               <a:buChar char="-"/>
             </a:pPr>
-            <a:endParaRPr lang="es-PE" dirty="0" smtClean="0"/>
-          </a:p>
-          <a:p>
-            <a:pPr marL="285750" indent="-285750">
+            <a:endParaRPr lang="es-PE" sz="4000" b="1" dirty="0"/>
+          </a:p>
+          <a:p>
+            <a:pPr>
               <a:buFontTx/>
               <a:buChar char="-"/>
             </a:pPr>
-            <a:endParaRPr lang="es-PE" dirty="0"/>
-          </a:p>
-          <a:p>
-            <a:pPr marL="285750" indent="-285750">
-              <a:buFontTx/>
-              <a:buChar char="-"/>
-            </a:pPr>
-            <a:r>
-              <a:rPr lang="es-PE" dirty="0" smtClean="0"/>
-              <a:t>¿</a:t>
-            </a:r>
-            <a:r>
-              <a:rPr lang="es-PE" dirty="0"/>
-              <a:t>Qué puedo </a:t>
-            </a:r>
-            <a:r>
-              <a:rPr lang="es-PE" dirty="0" smtClean="0">
-                <a:solidFill>
-                  <a:srgbClr val="00B050"/>
-                </a:solidFill>
-              </a:rPr>
-              <a:t>esperar</a:t>
-            </a:r>
-            <a:r>
-              <a:rPr lang="es-PE" dirty="0" smtClean="0"/>
-              <a:t>?		          </a:t>
-            </a:r>
-            <a:r>
-              <a:rPr lang="es-PE" dirty="0"/>
-              <a:t>(Campo de la </a:t>
-            </a:r>
-            <a:r>
-              <a:rPr lang="es-PE" dirty="0" smtClean="0"/>
-              <a:t>Religión)</a:t>
-            </a:r>
-            <a:endParaRPr lang="es-PE" dirty="0"/>
-          </a:p>
-          <a:p>
-            <a:pPr marL="285750" indent="-285750">
-              <a:buFontTx/>
-              <a:buChar char="-"/>
-            </a:pPr>
-            <a:endParaRPr lang="es-PE" dirty="0" smtClean="0"/>
-          </a:p>
-          <a:p>
-            <a:pPr marL="285750" indent="-285750">
-              <a:buFontTx/>
-              <a:buChar char="-"/>
-            </a:pPr>
-            <a:endParaRPr lang="es-PE" dirty="0"/>
-          </a:p>
-          <a:p>
-            <a:pPr marL="285750" indent="-285750">
-              <a:buFontTx/>
-              <a:buChar char="-"/>
-            </a:pPr>
-            <a:r>
-              <a:rPr lang="es-PE" dirty="0" smtClean="0"/>
-              <a:t>¿</a:t>
-            </a:r>
-            <a:r>
-              <a:rPr lang="es-PE" dirty="0"/>
-              <a:t>Qué </a:t>
-            </a:r>
-            <a:r>
-              <a:rPr lang="es-PE" dirty="0" smtClean="0"/>
-              <a:t>es el ser </a:t>
-            </a:r>
-            <a:r>
-              <a:rPr lang="es-PE" dirty="0" smtClean="0">
-                <a:solidFill>
-                  <a:srgbClr val="00B050"/>
-                </a:solidFill>
-              </a:rPr>
-              <a:t>humano</a:t>
-            </a:r>
-            <a:r>
-              <a:rPr lang="es-PE" dirty="0" smtClean="0"/>
-              <a:t>?                                </a:t>
-            </a:r>
-            <a:r>
-              <a:rPr lang="es-PE" dirty="0"/>
-              <a:t>(Campo de la </a:t>
-            </a:r>
-            <a:r>
-              <a:rPr lang="es-PE" dirty="0" smtClean="0"/>
-              <a:t>Antropología)</a:t>
-            </a:r>
-            <a:endParaRPr lang="es-PE" dirty="0"/>
-          </a:p>
-          <a:p>
-            <a:endParaRPr lang="es-PE" dirty="0"/>
-          </a:p>
-        </p:txBody>
-      </p:sp>
-      <p:sp>
-        <p:nvSpPr>
-          <p:cNvPr id="17" name="Flecha derecha 16"/>
+            <a:endParaRPr lang="es-PE" sz="4000" b="1" dirty="0"/>
+          </a:p>
+        </p:txBody>
+      </p:sp>
+      <p:sp>
+        <p:nvSpPr>
+          <p:cNvPr id="2" name="Rectángulo 1"/>
           <p:cNvSpPr/>
           <p:nvPr/>
         </p:nvSpPr>
         <p:spPr>
           <a:xfrm>
-            <a:off x="3644102" y="5037868"/>
-            <a:ext cx="1224136" cy="216024"/>
-          </a:xfrm>
-          <a:prstGeom prst="rightArrow">
+            <a:off x="323528" y="2653344"/>
+            <a:ext cx="7776864" cy="1567743"/>
+          </a:xfrm>
+          <a:prstGeom prst="rect">
             <a:avLst/>
           </a:prstGeom>
           <a:noFill/>
-          <a:ln w="38100">
+          <a:ln w="76200">
             <a:solidFill>
               <a:srgbClr val="FF0000"/>
             </a:solidFill>
@@ -3507,12 +3357,7 @@
           </a:fontRef>
         </p:style>
         <p:txBody>
-          <a:bodyPr rot="0" spcFirstLastPara="0" vertOverflow="overflow" horzOverflow="overflow" vert="horz" wrap="square" lIns="91440" tIns="45720" rIns="91440" bIns="45720" numCol="1" spcCol="0" rtlCol="0" fromWordArt="0" anchor="ctr" anchorCtr="0" forceAA="0" compatLnSpc="1">
-            <a:prstTxWarp prst="textNoShape">
-              <a:avLst/>
-            </a:prstTxWarp>
-            <a:noAutofit/>
-          </a:bodyPr>
+          <a:bodyPr rtlCol="0" anchor="ctr"/>
           <a:lstStyle/>
           <a:p>
             <a:pPr algn="ctr"/>
@@ -3520,200 +3365,16 @@
           </a:p>
         </p:txBody>
       </p:sp>
-      <p:sp>
-        <p:nvSpPr>
-          <p:cNvPr id="19" name="Flecha derecha 18"/>
-          <p:cNvSpPr/>
-          <p:nvPr/>
-        </p:nvSpPr>
-        <p:spPr>
-          <a:xfrm>
-            <a:off x="3644102" y="5787857"/>
-            <a:ext cx="1224136" cy="216024"/>
-          </a:xfrm>
-          <a:prstGeom prst="rightArrow">
-            <a:avLst/>
-          </a:prstGeom>
-          <a:noFill/>
-          <a:ln w="38100">
-            <a:solidFill>
-              <a:srgbClr val="FF0000"/>
-            </a:solidFill>
-          </a:ln>
-        </p:spPr>
-        <p:style>
-          <a:lnRef idx="2">
-            <a:schemeClr val="accent1">
-              <a:shade val="50000"/>
-            </a:schemeClr>
-          </a:lnRef>
-          <a:fillRef idx="1">
-            <a:schemeClr val="accent1"/>
-          </a:fillRef>
-          <a:effectRef idx="0">
-            <a:schemeClr val="accent1"/>
-          </a:effectRef>
-          <a:fontRef idx="minor">
-            <a:schemeClr val="lt1"/>
-          </a:fontRef>
-        </p:style>
-        <p:txBody>
-          <a:bodyPr rot="0" spcFirstLastPara="0" vertOverflow="overflow" horzOverflow="overflow" vert="horz" wrap="square" lIns="91440" tIns="45720" rIns="91440" bIns="45720" numCol="1" spcCol="0" rtlCol="0" fromWordArt="0" anchor="ctr" anchorCtr="0" forceAA="0" compatLnSpc="1">
-            <a:prstTxWarp prst="textNoShape">
-              <a:avLst/>
-            </a:prstTxWarp>
-            <a:noAutofit/>
-          </a:bodyPr>
-          <a:lstStyle/>
-          <a:p>
-            <a:pPr algn="ctr"/>
-            <a:endParaRPr lang="es-PE"/>
-          </a:p>
-        </p:txBody>
-      </p:sp>
-      <p:sp>
-        <p:nvSpPr>
-          <p:cNvPr id="20" name="Flecha derecha 19"/>
-          <p:cNvSpPr/>
-          <p:nvPr/>
-        </p:nvSpPr>
-        <p:spPr>
-          <a:xfrm>
-            <a:off x="3674546" y="3358951"/>
-            <a:ext cx="1224136" cy="216024"/>
-          </a:xfrm>
-          <a:prstGeom prst="rightArrow">
-            <a:avLst/>
-          </a:prstGeom>
-          <a:noFill/>
-          <a:ln w="38100">
-            <a:solidFill>
-              <a:srgbClr val="FF0000"/>
-            </a:solidFill>
-          </a:ln>
-        </p:spPr>
-        <p:style>
-          <a:lnRef idx="2">
-            <a:schemeClr val="accent1">
-              <a:shade val="50000"/>
-            </a:schemeClr>
-          </a:lnRef>
-          <a:fillRef idx="1">
-            <a:schemeClr val="accent1"/>
-          </a:fillRef>
-          <a:effectRef idx="0">
-            <a:schemeClr val="accent1"/>
-          </a:effectRef>
-          <a:fontRef idx="minor">
-            <a:schemeClr val="lt1"/>
-          </a:fontRef>
-        </p:style>
-        <p:txBody>
-          <a:bodyPr rot="0" spcFirstLastPara="0" vertOverflow="overflow" horzOverflow="overflow" vert="horz" wrap="square" lIns="91440" tIns="45720" rIns="91440" bIns="45720" numCol="1" spcCol="0" rtlCol="0" fromWordArt="0" anchor="ctr" anchorCtr="0" forceAA="0" compatLnSpc="1">
-            <a:prstTxWarp prst="textNoShape">
-              <a:avLst/>
-            </a:prstTxWarp>
-            <a:noAutofit/>
-          </a:bodyPr>
-          <a:lstStyle/>
-          <a:p>
-            <a:pPr algn="ctr"/>
-            <a:endParaRPr lang="es-PE"/>
-          </a:p>
-        </p:txBody>
-      </p:sp>
-      <p:sp>
-        <p:nvSpPr>
-          <p:cNvPr id="21" name="Flecha derecha 20"/>
-          <p:cNvSpPr/>
-          <p:nvPr/>
-        </p:nvSpPr>
-        <p:spPr>
-          <a:xfrm>
-            <a:off x="3674546" y="4209994"/>
-            <a:ext cx="1224136" cy="216024"/>
-          </a:xfrm>
-          <a:prstGeom prst="rightArrow">
-            <a:avLst/>
-          </a:prstGeom>
-          <a:noFill/>
-          <a:ln w="38100">
-            <a:solidFill>
-              <a:srgbClr val="FF0000"/>
-            </a:solidFill>
-          </a:ln>
-        </p:spPr>
-        <p:style>
-          <a:lnRef idx="2">
-            <a:schemeClr val="accent1">
-              <a:shade val="50000"/>
-            </a:schemeClr>
-          </a:lnRef>
-          <a:fillRef idx="1">
-            <a:schemeClr val="accent1"/>
-          </a:fillRef>
-          <a:effectRef idx="0">
-            <a:schemeClr val="accent1"/>
-          </a:effectRef>
-          <a:fontRef idx="minor">
-            <a:schemeClr val="lt1"/>
-          </a:fontRef>
-        </p:style>
-        <p:txBody>
-          <a:bodyPr rot="0" spcFirstLastPara="0" vertOverflow="overflow" horzOverflow="overflow" vert="horz" wrap="square" lIns="91440" tIns="45720" rIns="91440" bIns="45720" numCol="1" spcCol="0" rtlCol="0" fromWordArt="0" anchor="ctr" anchorCtr="0" forceAA="0" compatLnSpc="1">
-            <a:prstTxWarp prst="textNoShape">
-              <a:avLst/>
-            </a:prstTxWarp>
-            <a:noAutofit/>
-          </a:bodyPr>
-          <a:lstStyle/>
-          <a:p>
-            <a:pPr algn="ctr"/>
-            <a:endParaRPr lang="es-PE"/>
-          </a:p>
-        </p:txBody>
-      </p:sp>
-      <p:pic>
-        <p:nvPicPr>
-          <p:cNvPr id="22" name="Imagen 21"/>
-          <p:cNvPicPr>
-            <a:picLocks noChangeAspect="1"/>
-          </p:cNvPicPr>
-          <p:nvPr/>
-        </p:nvPicPr>
-        <p:blipFill>
-          <a:blip r:embed="rId2"/>
-          <a:stretch>
-            <a:fillRect/>
-          </a:stretch>
-        </p:blipFill>
-        <p:spPr>
-          <a:xfrm>
-            <a:off x="2123728" y="1058198"/>
-            <a:ext cx="4752528" cy="1983243"/>
-          </a:xfrm>
-          <a:prstGeom prst="rect">
-            <a:avLst/>
-          </a:prstGeom>
-        </p:spPr>
-      </p:pic>
     </p:spTree>
     <p:extLst>
       <p:ext uri="{BB962C8B-B14F-4D97-AF65-F5344CB8AC3E}">
-        <p14:creationId xmlns:p14="http://schemas.microsoft.com/office/powerpoint/2010/main" val="2460636803"/>
+        <p14:creationId xmlns:p14="http://schemas.microsoft.com/office/powerpoint/2010/main" val="2242528497"/>
       </p:ext>
     </p:extLst>
   </p:cSld>
   <p:clrMapOvr>
     <a:masterClrMapping/>
   </p:clrMapOvr>
-  <p:timing>
-    <p:tnLst>
-      <p:par>
-        <p:cTn id="1" dur="indefinite" restart="never" nodeType="tmRoot"/>
-      </p:par>
-    </p:tnLst>
-  </p:timing>
 </p:sld>
 </file>
 
@@ -3734,39 +3395,260 @@
           <a:chExt cx="0" cy="0"/>
         </a:xfrm>
       </p:grpSpPr>
-      <p:pic>
-        <p:nvPicPr>
-          <p:cNvPr id="1026" name="Picture 2"/>
-          <p:cNvPicPr>
-            <a:picLocks noChangeAspect="1" noChangeArrowheads="1"/>
-          </p:cNvPicPr>
-          <p:nvPr/>
-        </p:nvPicPr>
-        <p:blipFill>
-          <a:blip r:embed="rId2"/>
-          <a:srcRect/>
-          <a:stretch>
-            <a:fillRect/>
-          </a:stretch>
-        </p:blipFill>
-        <p:spPr bwMode="auto">
-          <a:xfrm>
-            <a:off x="285720" y="0"/>
-            <a:ext cx="10013545" cy="6858000"/>
+      <p:sp>
+        <p:nvSpPr>
+          <p:cNvPr id="3" name="CuadroTexto 2"/>
+          <p:cNvSpPr txBox="1"/>
+          <p:nvPr/>
+        </p:nvSpPr>
+        <p:spPr>
+          <a:xfrm>
+            <a:off x="1187624" y="1700808"/>
+            <a:ext cx="6552728" cy="923330"/>
           </a:xfrm>
           <a:prstGeom prst="rect">
             <a:avLst/>
           </a:prstGeom>
           <a:noFill/>
-          <a:ln w="9525">
-            <a:noFill/>
-            <a:miter lim="800000"/>
-            <a:headEnd/>
-            <a:tailEnd/>
+        </p:spPr>
+        <p:txBody>
+          <a:bodyPr wrap="square" rtlCol="0">
+            <a:spAutoFit/>
+          </a:bodyPr>
+          <a:lstStyle/>
+          <a:p>
+            <a:pPr algn="ctr"/>
+            <a:r>
+              <a:rPr lang="es-PE" dirty="0" err="1" smtClean="0"/>
+              <a:t>Cognition</a:t>
+            </a:r>
+            <a:r>
+              <a:rPr lang="es-PE" dirty="0" smtClean="0"/>
+              <a:t>                                 </a:t>
+            </a:r>
+            <a:r>
+              <a:rPr lang="es-PE" dirty="0" err="1" smtClean="0"/>
+              <a:t>Feeling</a:t>
+            </a:r>
+            <a:r>
+              <a:rPr lang="es-PE" dirty="0" smtClean="0"/>
+              <a:t>                              </a:t>
+            </a:r>
+            <a:r>
+              <a:rPr lang="es-PE" dirty="0" err="1" smtClean="0"/>
+              <a:t>Desire</a:t>
+            </a:r>
+            <a:endParaRPr lang="es-PE" dirty="0" smtClean="0"/>
+          </a:p>
+          <a:p>
+            <a:endParaRPr lang="es-PE" dirty="0"/>
+          </a:p>
+          <a:p>
+            <a:endParaRPr lang="es-PE" dirty="0"/>
+          </a:p>
+        </p:txBody>
+      </p:sp>
+      <p:sp>
+        <p:nvSpPr>
+          <p:cNvPr id="8" name="CuadroTexto 7"/>
+          <p:cNvSpPr txBox="1"/>
+          <p:nvPr/>
+        </p:nvSpPr>
+        <p:spPr>
+          <a:xfrm>
+            <a:off x="793794" y="692696"/>
+            <a:ext cx="7920880" cy="369332"/>
+          </a:xfrm>
+          <a:prstGeom prst="rect">
+            <a:avLst/>
+          </a:prstGeom>
+          <a:noFill/>
+        </p:spPr>
+        <p:txBody>
+          <a:bodyPr wrap="square" rtlCol="0">
+            <a:spAutoFit/>
+          </a:bodyPr>
+          <a:lstStyle/>
+          <a:p>
+            <a:r>
+              <a:rPr lang="es-PE" dirty="0" smtClean="0"/>
+              <a:t>Algunos autores americanos separan los intereses de Kant en estas tres facultades. </a:t>
+            </a:r>
+            <a:endParaRPr lang="es-PE" dirty="0"/>
+          </a:p>
+        </p:txBody>
+      </p:sp>
+      <p:sp>
+        <p:nvSpPr>
+          <p:cNvPr id="10" name="CuadroTexto 9"/>
+          <p:cNvSpPr txBox="1"/>
+          <p:nvPr/>
+        </p:nvSpPr>
+        <p:spPr>
+          <a:xfrm>
+            <a:off x="1367644" y="2868907"/>
+            <a:ext cx="4068452" cy="646331"/>
+          </a:xfrm>
+          <a:prstGeom prst="rect">
+            <a:avLst/>
+          </a:prstGeom>
+          <a:noFill/>
+        </p:spPr>
+        <p:txBody>
+          <a:bodyPr wrap="square" rtlCol="0">
+            <a:spAutoFit/>
+          </a:bodyPr>
+          <a:lstStyle/>
+          <a:p>
+            <a:pPr algn="ctr"/>
+            <a:r>
+              <a:rPr lang="es-PE" dirty="0" smtClean="0"/>
+              <a:t>Campo de la Razón Teórica</a:t>
+            </a:r>
+            <a:endParaRPr lang="es-PE" dirty="0"/>
+          </a:p>
+          <a:p>
+            <a:endParaRPr lang="es-PE" dirty="0"/>
+          </a:p>
+        </p:txBody>
+      </p:sp>
+      <p:sp>
+        <p:nvSpPr>
+          <p:cNvPr id="11" name="CuadroTexto 10"/>
+          <p:cNvSpPr txBox="1"/>
+          <p:nvPr/>
+        </p:nvSpPr>
+        <p:spPr>
+          <a:xfrm>
+            <a:off x="4463988" y="2870542"/>
+            <a:ext cx="4068452" cy="646331"/>
+          </a:xfrm>
+          <a:prstGeom prst="rect">
+            <a:avLst/>
+          </a:prstGeom>
+          <a:noFill/>
+        </p:spPr>
+        <p:txBody>
+          <a:bodyPr wrap="square" rtlCol="0">
+            <a:spAutoFit/>
+          </a:bodyPr>
+          <a:lstStyle/>
+          <a:p>
+            <a:pPr algn="ctr"/>
+            <a:r>
+              <a:rPr lang="es-PE" dirty="0" smtClean="0"/>
+              <a:t>Campo de la Razón Práctica</a:t>
+            </a:r>
+            <a:endParaRPr lang="es-PE" dirty="0"/>
+          </a:p>
+          <a:p>
+            <a:endParaRPr lang="es-PE" dirty="0"/>
+          </a:p>
+        </p:txBody>
+      </p:sp>
+      <p:cxnSp>
+        <p:nvCxnSpPr>
+          <p:cNvPr id="12" name="Conector recto de flecha 11"/>
+          <p:cNvCxnSpPr>
+            <a:stCxn id="10" idx="0"/>
+          </p:cNvCxnSpPr>
+          <p:nvPr/>
+        </p:nvCxnSpPr>
+        <p:spPr>
+          <a:xfrm flipH="1" flipV="1">
+            <a:off x="2591780" y="2348880"/>
+            <a:ext cx="810090" cy="520027"/>
+          </a:xfrm>
+          <a:prstGeom prst="straightConnector1">
+            <a:avLst/>
+          </a:prstGeom>
+          <a:ln>
+            <a:tailEnd type="triangle"/>
           </a:ln>
-          <a:effectLst/>
-        </p:spPr>
-      </p:pic>
+        </p:spPr>
+        <p:style>
+          <a:lnRef idx="1">
+            <a:schemeClr val="accent1"/>
+          </a:lnRef>
+          <a:fillRef idx="0">
+            <a:schemeClr val="accent1"/>
+          </a:fillRef>
+          <a:effectRef idx="0">
+            <a:schemeClr val="accent1"/>
+          </a:effectRef>
+          <a:fontRef idx="minor">
+            <a:schemeClr val="tx1"/>
+          </a:fontRef>
+        </p:style>
+      </p:cxnSp>
+      <p:cxnSp>
+        <p:nvCxnSpPr>
+          <p:cNvPr id="14" name="Conector recto de flecha 13"/>
+          <p:cNvCxnSpPr>
+            <a:stCxn id="10" idx="0"/>
+          </p:cNvCxnSpPr>
+          <p:nvPr/>
+        </p:nvCxnSpPr>
+        <p:spPr>
+          <a:xfrm flipV="1">
+            <a:off x="3401870" y="2348880"/>
+            <a:ext cx="1014899" cy="520027"/>
+          </a:xfrm>
+          <a:prstGeom prst="straightConnector1">
+            <a:avLst/>
+          </a:prstGeom>
+          <a:ln>
+            <a:tailEnd type="triangle"/>
+          </a:ln>
+        </p:spPr>
+        <p:style>
+          <a:lnRef idx="1">
+            <a:schemeClr val="accent1"/>
+          </a:lnRef>
+          <a:fillRef idx="0">
+            <a:schemeClr val="accent1"/>
+          </a:fillRef>
+          <a:effectRef idx="0">
+            <a:schemeClr val="accent1"/>
+          </a:effectRef>
+          <a:fontRef idx="minor">
+            <a:schemeClr val="tx1"/>
+          </a:fontRef>
+        </p:style>
+      </p:cxnSp>
+      <p:cxnSp>
+        <p:nvCxnSpPr>
+          <p:cNvPr id="16" name="Conector recto de flecha 15"/>
+          <p:cNvCxnSpPr/>
+          <p:nvPr/>
+        </p:nvCxnSpPr>
+        <p:spPr>
+          <a:xfrm flipV="1">
+            <a:off x="6660232" y="2194160"/>
+            <a:ext cx="180020" cy="615520"/>
+          </a:xfrm>
+          <a:prstGeom prst="straightConnector1">
+            <a:avLst/>
+          </a:prstGeom>
+          <a:ln>
+            <a:tailEnd type="triangle"/>
+          </a:ln>
+        </p:spPr>
+        <p:style>
+          <a:lnRef idx="1">
+            <a:schemeClr val="accent1"/>
+          </a:lnRef>
+          <a:fillRef idx="0">
+            <a:schemeClr val="accent1"/>
+          </a:fillRef>
+          <a:effectRef idx="0">
+            <a:schemeClr val="accent1"/>
+          </a:effectRef>
+          <a:fontRef idx="minor">
+            <a:schemeClr val="tx1"/>
+          </a:fontRef>
+        </p:style>
+      </p:cxnSp>
       <p:sp>
         <p:nvSpPr>
           <p:cNvPr id="2" name="Rectángulo 1"/>
@@ -3775,17 +3657,17 @@
         </p:nvSpPr>
         <p:spPr>
           <a:xfrm>
-            <a:off x="3707904" y="2924944"/>
-            <a:ext cx="3528392" cy="936104"/>
-          </a:xfrm>
-          <a:prstGeom prst="rect">
-            <a:avLst/>
-          </a:prstGeom>
-          <a:solidFill>
-            <a:schemeClr val="bg1"/>
-          </a:solidFill>
-          <a:ln>
-            <a:noFill/>
+            <a:off x="1655676" y="1699173"/>
+            <a:ext cx="1152128" cy="463300"/>
+          </a:xfrm>
+          <a:prstGeom prst="rect">
+            <a:avLst/>
+          </a:prstGeom>
+          <a:noFill/>
+          <a:ln w="38100">
+            <a:solidFill>
+              <a:srgbClr val="FF0000"/>
+            </a:solidFill>
           </a:ln>
         </p:spPr>
         <p:style>
@@ -3815,20 +3697,20 @@
       </p:sp>
       <p:sp>
         <p:nvSpPr>
-          <p:cNvPr id="5" name="Rectángulo 4"/>
+          <p:cNvPr id="13" name="Rectángulo 12"/>
           <p:cNvSpPr/>
           <p:nvPr/>
         </p:nvSpPr>
         <p:spPr>
           <a:xfrm>
-            <a:off x="6660232" y="1268760"/>
-            <a:ext cx="2664296" cy="1944216"/>
+            <a:off x="4142166" y="1699173"/>
+            <a:ext cx="1152128" cy="463300"/>
           </a:xfrm>
           <a:prstGeom prst="rect">
             <a:avLst/>
           </a:prstGeom>
           <a:noFill/>
-          <a:ln w="76200">
+          <a:ln w="38100">
             <a:solidFill>
               <a:srgbClr val="FF0000"/>
             </a:solidFill>
@@ -3861,20 +3743,20 @@
       </p:sp>
       <p:sp>
         <p:nvSpPr>
-          <p:cNvPr id="6" name="Rectángulo 5"/>
+          <p:cNvPr id="15" name="Rectángulo 14"/>
           <p:cNvSpPr/>
           <p:nvPr/>
         </p:nvSpPr>
         <p:spPr>
           <a:xfrm>
-            <a:off x="107504" y="961015"/>
-            <a:ext cx="1872208" cy="1944216"/>
+            <a:off x="6309193" y="1699173"/>
+            <a:ext cx="1152128" cy="463300"/>
           </a:xfrm>
           <a:prstGeom prst="rect">
             <a:avLst/>
           </a:prstGeom>
           <a:noFill/>
-          <a:ln w="76200">
+          <a:ln w="38100">
             <a:solidFill>
               <a:srgbClr val="FF0000"/>
             </a:solidFill>
@@ -3905,24 +3787,180 @@
           </a:p>
         </p:txBody>
       </p:sp>
+      <p:sp>
+        <p:nvSpPr>
+          <p:cNvPr id="17" name="CuadroTexto 16"/>
+          <p:cNvSpPr txBox="1"/>
+          <p:nvPr/>
+        </p:nvSpPr>
+        <p:spPr>
+          <a:xfrm>
+            <a:off x="1187624" y="4382347"/>
+            <a:ext cx="6552728" cy="923330"/>
+          </a:xfrm>
+          <a:prstGeom prst="rect">
+            <a:avLst/>
+          </a:prstGeom>
+          <a:noFill/>
+        </p:spPr>
+        <p:txBody>
+          <a:bodyPr wrap="square" rtlCol="0">
+            <a:spAutoFit/>
+          </a:bodyPr>
+          <a:lstStyle/>
+          <a:p>
+            <a:pPr algn="ctr"/>
+            <a:r>
+              <a:rPr lang="es-PE" dirty="0" smtClean="0">
+                <a:solidFill>
+                  <a:srgbClr val="00B050"/>
+                </a:solidFill>
+              </a:rPr>
+              <a:t>Entendimiento                          Sensibilidad                           Voluntad</a:t>
+            </a:r>
+          </a:p>
+          <a:p>
+            <a:endParaRPr lang="es-PE" dirty="0">
+              <a:solidFill>
+                <a:srgbClr val="00B050"/>
+              </a:solidFill>
+            </a:endParaRPr>
+          </a:p>
+          <a:p>
+            <a:endParaRPr lang="es-PE" dirty="0">
+              <a:solidFill>
+                <a:srgbClr val="00B050"/>
+              </a:solidFill>
+            </a:endParaRPr>
+          </a:p>
+        </p:txBody>
+      </p:sp>
+      <p:cxnSp>
+        <p:nvCxnSpPr>
+          <p:cNvPr id="9" name="Conector recto de flecha 8"/>
+          <p:cNvCxnSpPr/>
+          <p:nvPr/>
+        </p:nvCxnSpPr>
+        <p:spPr>
+          <a:xfrm flipH="1">
+            <a:off x="1871700" y="2348880"/>
+            <a:ext cx="144016" cy="1939216"/>
+          </a:xfrm>
+          <a:prstGeom prst="straightConnector1">
+            <a:avLst/>
+          </a:prstGeom>
+          <a:ln>
+            <a:solidFill>
+              <a:srgbClr val="92D050"/>
+            </a:solidFill>
+            <a:tailEnd type="triangle"/>
+          </a:ln>
+        </p:spPr>
+        <p:style>
+          <a:lnRef idx="1">
+            <a:schemeClr val="accent1"/>
+          </a:lnRef>
+          <a:fillRef idx="0">
+            <a:schemeClr val="accent1"/>
+          </a:fillRef>
+          <a:effectRef idx="0">
+            <a:schemeClr val="accent1"/>
+          </a:effectRef>
+          <a:fontRef idx="minor">
+            <a:schemeClr val="tx1"/>
+          </a:fontRef>
+        </p:style>
+      </p:cxnSp>
+      <p:cxnSp>
+        <p:nvCxnSpPr>
+          <p:cNvPr id="18" name="Conector recto de flecha 17"/>
+          <p:cNvCxnSpPr/>
+          <p:nvPr/>
+        </p:nvCxnSpPr>
+        <p:spPr>
+          <a:xfrm flipH="1">
+            <a:off x="6930262" y="2348880"/>
+            <a:ext cx="144016" cy="1939216"/>
+          </a:xfrm>
+          <a:prstGeom prst="straightConnector1">
+            <a:avLst/>
+          </a:prstGeom>
+          <a:ln>
+            <a:solidFill>
+              <a:srgbClr val="92D050"/>
+            </a:solidFill>
+            <a:tailEnd type="triangle"/>
+          </a:ln>
+        </p:spPr>
+        <p:style>
+          <a:lnRef idx="1">
+            <a:schemeClr val="accent1"/>
+          </a:lnRef>
+          <a:fillRef idx="0">
+            <a:schemeClr val="accent1"/>
+          </a:fillRef>
+          <a:effectRef idx="0">
+            <a:schemeClr val="accent1"/>
+          </a:effectRef>
+          <a:fontRef idx="minor">
+            <a:schemeClr val="tx1"/>
+          </a:fontRef>
+        </p:style>
+      </p:cxnSp>
+      <p:cxnSp>
+        <p:nvCxnSpPr>
+          <p:cNvPr id="19" name="Conector recto de flecha 18"/>
+          <p:cNvCxnSpPr/>
+          <p:nvPr/>
+        </p:nvCxnSpPr>
+        <p:spPr>
+          <a:xfrm flipH="1">
+            <a:off x="4770378" y="2349624"/>
+            <a:ext cx="144016" cy="1939216"/>
+          </a:xfrm>
+          <a:prstGeom prst="straightConnector1">
+            <a:avLst/>
+          </a:prstGeom>
+          <a:ln>
+            <a:solidFill>
+              <a:srgbClr val="92D050"/>
+            </a:solidFill>
+            <a:tailEnd type="triangle"/>
+          </a:ln>
+        </p:spPr>
+        <p:style>
+          <a:lnRef idx="1">
+            <a:schemeClr val="accent1"/>
+          </a:lnRef>
+          <a:fillRef idx="0">
+            <a:schemeClr val="accent1"/>
+          </a:fillRef>
+          <a:effectRef idx="0">
+            <a:schemeClr val="accent1"/>
+          </a:effectRef>
+          <a:fontRef idx="minor">
+            <a:schemeClr val="tx1"/>
+          </a:fontRef>
+        </p:style>
+      </p:cxnSp>
       <p:pic>
         <p:nvPicPr>
-          <p:cNvPr id="3" name="Imagen 2"/>
+          <p:cNvPr id="20" name="Imagen 19"/>
           <p:cNvPicPr>
             <a:picLocks noChangeAspect="1"/>
           </p:cNvPicPr>
           <p:nvPr/>
         </p:nvPicPr>
         <p:blipFill>
-          <a:blip r:embed="rId3"/>
+          <a:blip r:embed="rId2"/>
           <a:stretch>
             <a:fillRect/>
           </a:stretch>
         </p:blipFill>
         <p:spPr>
           <a:xfrm>
-            <a:off x="5580112" y="3501008"/>
-            <a:ext cx="2518157" cy="3168542"/>
+            <a:off x="2257264" y="5399184"/>
+            <a:ext cx="4791506" cy="1282485"/>
           </a:xfrm>
           <a:prstGeom prst="rect">
             <a:avLst/>
@@ -3930,6 +3968,11 @@
         </p:spPr>
       </p:pic>
     </p:spTree>
+    <p:extLst>
+      <p:ext uri="{BB962C8B-B14F-4D97-AF65-F5344CB8AC3E}">
+        <p14:creationId xmlns:p14="http://schemas.microsoft.com/office/powerpoint/2010/main" val="1596985660"/>
+      </p:ext>
+    </p:extLst>
   </p:cSld>
   <p:clrMapOvr>
     <a:masterClrMapping/>
@@ -3963,14 +4006,14 @@
       </p:grpSpPr>
       <p:sp>
         <p:nvSpPr>
-          <p:cNvPr id="4" name="3 CuadroTexto"/>
+          <p:cNvPr id="8" name="CuadroTexto 7"/>
           <p:cNvSpPr txBox="1"/>
           <p:nvPr/>
         </p:nvSpPr>
         <p:spPr>
           <a:xfrm>
-            <a:off x="357158" y="357166"/>
-            <a:ext cx="8429684" cy="954107"/>
+            <a:off x="899592" y="244770"/>
+            <a:ext cx="7920880" cy="6186309"/>
           </a:xfrm>
           <a:prstGeom prst="rect">
             <a:avLst/>
@@ -3984,293 +4027,239 @@
           <a:lstStyle/>
           <a:p>
             <a:r>
-              <a:rPr lang="es-PE" sz="2800" dirty="0" smtClean="0"/>
-              <a:t>El pensamiento de Kant se ocupa </a:t>
-            </a:r>
-            <a:r>
-              <a:rPr lang="es-PE" sz="2800" dirty="0" smtClean="0"/>
-              <a:t>en parte de </a:t>
-            </a:r>
-            <a:r>
-              <a:rPr lang="es-PE" sz="2800" dirty="0" smtClean="0"/>
-              <a:t>la Filosofía </a:t>
-            </a:r>
-            <a:r>
-              <a:rPr lang="es-PE" sz="2800" dirty="0" smtClean="0">
+              <a:rPr lang="es-PE" dirty="0" smtClean="0"/>
+              <a:t>Otros especialistas indican que en la obra de Kant se busca responder a </a:t>
+            </a:r>
+            <a:r>
+              <a:rPr lang="es-PE" dirty="0" smtClean="0">
                 <a:solidFill>
                   <a:srgbClr val="00B050"/>
                 </a:solidFill>
               </a:rPr>
-              <a:t>Práctica</a:t>
-            </a:r>
-            <a:r>
-              <a:rPr lang="es-PE" sz="2800" dirty="0" smtClean="0"/>
-              <a:t>.</a:t>
-            </a:r>
-            <a:endParaRPr lang="es-PE" sz="2800" dirty="0"/>
-          </a:p>
-        </p:txBody>
-      </p:sp>
-      <p:pic>
-        <p:nvPicPr>
-          <p:cNvPr id="3073" name="Picture 1"/>
-          <p:cNvPicPr>
-            <a:picLocks noChangeAspect="1" noChangeArrowheads="1"/>
-          </p:cNvPicPr>
-          <p:nvPr/>
-        </p:nvPicPr>
-        <p:blipFill>
-          <a:blip r:embed="rId2"/>
-          <a:srcRect/>
-          <a:stretch>
-            <a:fillRect/>
-          </a:stretch>
-        </p:blipFill>
-        <p:spPr bwMode="auto">
-          <a:xfrm>
-            <a:off x="3428992" y="1000109"/>
-            <a:ext cx="4929222" cy="1785950"/>
-          </a:xfrm>
-          <a:prstGeom prst="rect">
-            <a:avLst/>
-          </a:prstGeom>
-          <a:noFill/>
-          <a:ln w="9525">
-            <a:noFill/>
-            <a:miter lim="800000"/>
-            <a:headEnd/>
-            <a:tailEnd/>
-          </a:ln>
-          <a:effectLst/>
-        </p:spPr>
-      </p:pic>
-      <p:sp>
-        <p:nvSpPr>
-          <p:cNvPr id="7" name="6 CuadroTexto"/>
-          <p:cNvSpPr txBox="1"/>
-          <p:nvPr/>
-        </p:nvSpPr>
-        <p:spPr>
-          <a:xfrm>
-            <a:off x="494605" y="2771412"/>
-            <a:ext cx="8358246" cy="2923877"/>
-          </a:xfrm>
-          <a:prstGeom prst="rect">
-            <a:avLst/>
-          </a:prstGeom>
-          <a:noFill/>
-        </p:spPr>
-        <p:txBody>
-          <a:bodyPr wrap="square" rtlCol="0">
-            <a:spAutoFit/>
-          </a:bodyPr>
-          <a:lstStyle/>
-          <a:p>
-            <a:pPr algn="just"/>
-            <a:r>
-              <a:rPr lang="es-PE" sz="1600" dirty="0" smtClean="0"/>
-              <a:t>Pero también se ocupa de la epistemología. La </a:t>
-            </a:r>
-            <a:r>
-              <a:rPr lang="es-PE" sz="1600" dirty="0" smtClean="0">
+              <a:t>cuatro</a:t>
+            </a:r>
+            <a:r>
+              <a:rPr lang="es-PE" dirty="0" smtClean="0"/>
+              <a:t> grandes interrogantes:</a:t>
+            </a:r>
+          </a:p>
+          <a:p>
+            <a:endParaRPr lang="es-PE" dirty="0" smtClean="0"/>
+          </a:p>
+          <a:p>
+            <a:endParaRPr lang="es-PE" dirty="0" smtClean="0"/>
+          </a:p>
+          <a:p>
+            <a:endParaRPr lang="es-PE" dirty="0"/>
+          </a:p>
+          <a:p>
+            <a:endParaRPr lang="es-PE" dirty="0" smtClean="0"/>
+          </a:p>
+          <a:p>
+            <a:endParaRPr lang="es-PE" dirty="0"/>
+          </a:p>
+          <a:p>
+            <a:endParaRPr lang="es-PE" dirty="0" smtClean="0"/>
+          </a:p>
+          <a:p>
+            <a:endParaRPr lang="es-PE" dirty="0"/>
+          </a:p>
+          <a:p>
+            <a:endParaRPr lang="es-PE" dirty="0"/>
+          </a:p>
+          <a:p>
+            <a:endParaRPr lang="es-PE" dirty="0"/>
+          </a:p>
+          <a:p>
+            <a:pPr marL="285750" indent="-285750">
+              <a:buFontTx/>
+              <a:buChar char="-"/>
+            </a:pPr>
+            <a:r>
+              <a:rPr lang="es-PE" dirty="0" smtClean="0"/>
+              <a:t>¿Qué puedo </a:t>
+            </a:r>
+            <a:r>
+              <a:rPr lang="es-PE" dirty="0" smtClean="0">
                 <a:solidFill>
                   <a:srgbClr val="00B050"/>
                 </a:solidFill>
               </a:rPr>
-              <a:t>razón</a:t>
-            </a:r>
-            <a:r>
-              <a:rPr lang="es-PE" sz="1600" dirty="0" smtClean="0"/>
-              <a:t> </a:t>
-            </a:r>
-            <a:r>
-              <a:rPr lang="es-PE" sz="1600" dirty="0" smtClean="0">
+              <a:t>conocer</a:t>
+            </a:r>
+            <a:r>
+              <a:rPr lang="es-PE" dirty="0" smtClean="0"/>
+              <a:t>?                                    (Campo de la Metafísica)</a:t>
+            </a:r>
+          </a:p>
+          <a:p>
+            <a:endParaRPr lang="es-PE" dirty="0" smtClean="0"/>
+          </a:p>
+          <a:p>
+            <a:pPr marL="285750" indent="-285750">
+              <a:buFontTx/>
+              <a:buChar char="-"/>
+            </a:pPr>
+            <a:endParaRPr lang="es-PE" dirty="0"/>
+          </a:p>
+          <a:p>
+            <a:pPr marL="285750" indent="-285750">
+              <a:buFontTx/>
+              <a:buChar char="-"/>
+            </a:pPr>
+            <a:r>
+              <a:rPr lang="es-PE" dirty="0" smtClean="0"/>
+              <a:t>¿</a:t>
+            </a:r>
+            <a:r>
+              <a:rPr lang="es-PE" dirty="0"/>
+              <a:t>Qué </a:t>
+            </a:r>
+            <a:r>
+              <a:rPr lang="es-PE" dirty="0" smtClean="0"/>
+              <a:t>debo </a:t>
+            </a:r>
+            <a:r>
+              <a:rPr lang="es-PE" dirty="0" smtClean="0">
                 <a:solidFill>
                   <a:srgbClr val="00B050"/>
                 </a:solidFill>
               </a:rPr>
-              <a:t>teórica</a:t>
-            </a:r>
-            <a:r>
-              <a:rPr lang="es-PE" sz="1600" dirty="0" smtClean="0"/>
-              <a:t> se ocupa del conocimiento de la realidad, y más precisamente, de las estructuras mediante las cuáles conocemos. </a:t>
-            </a:r>
-          </a:p>
-          <a:p>
-            <a:endParaRPr lang="es-PE" sz="1600" dirty="0"/>
-          </a:p>
-          <a:p>
-            <a:pPr algn="just"/>
-            <a:r>
-              <a:rPr lang="es-PE" sz="1600" dirty="0" smtClean="0"/>
-              <a:t>El proyecto de Kant es conocido como filosofía </a:t>
-            </a:r>
-            <a:r>
-              <a:rPr lang="es-PE" sz="1600" dirty="0" smtClean="0">
-                <a:solidFill>
-                  <a:srgbClr val="FF0000"/>
-                </a:solidFill>
-              </a:rPr>
-              <a:t>crítica</a:t>
-            </a:r>
-            <a:r>
-              <a:rPr lang="es-PE" sz="1600" dirty="0" smtClean="0"/>
-              <a:t>. </a:t>
-            </a:r>
-            <a:r>
-              <a:rPr lang="es-PE" sz="2000" dirty="0" smtClean="0">
-                <a:solidFill>
-                  <a:schemeClr val="tx2">
-                    <a:lumMod val="60000"/>
-                    <a:lumOff val="40000"/>
-                  </a:schemeClr>
-                </a:solidFill>
-              </a:rPr>
-              <a:t>Supone una crítica a la razón misma</a:t>
-            </a:r>
-            <a:r>
-              <a:rPr lang="es-PE" sz="1600" dirty="0" smtClean="0"/>
-              <a:t>. La razón se critica a sí misma para saber qué puede conocer legítimamente y qué no. (Límites de la razón</a:t>
-            </a:r>
-            <a:r>
-              <a:rPr lang="es-PE" sz="1600" dirty="0" smtClean="0"/>
-              <a:t>).</a:t>
-            </a:r>
-          </a:p>
-          <a:p>
-            <a:pPr algn="just"/>
-            <a:endParaRPr lang="es-PE" sz="1600" dirty="0"/>
-          </a:p>
-          <a:p>
-            <a:pPr algn="just"/>
-            <a:r>
-              <a:rPr lang="es-PE" sz="1600" dirty="0" smtClean="0"/>
-              <a:t> Estas siguientes ideas son ejemplos de lo que </a:t>
-            </a:r>
-            <a:r>
-              <a:rPr lang="es-PE" sz="1600" dirty="0"/>
-              <a:t>nuestra </a:t>
-            </a:r>
-            <a:r>
-              <a:rPr lang="es-PE" sz="1600" dirty="0" smtClean="0">
+              <a:t>hacer</a:t>
+            </a:r>
+            <a:r>
+              <a:rPr lang="es-PE" dirty="0" smtClean="0"/>
+              <a:t>?		          </a:t>
+            </a:r>
+            <a:r>
+              <a:rPr lang="es-PE" dirty="0"/>
+              <a:t>(Campo de la </a:t>
+            </a:r>
+            <a:r>
+              <a:rPr lang="es-PE" dirty="0" smtClean="0"/>
+              <a:t>Moral)</a:t>
+            </a:r>
+            <a:endParaRPr lang="es-PE" dirty="0"/>
+          </a:p>
+          <a:p>
+            <a:pPr marL="285750" indent="-285750">
+              <a:buFontTx/>
+              <a:buChar char="-"/>
+            </a:pPr>
+            <a:endParaRPr lang="es-PE" dirty="0" smtClean="0"/>
+          </a:p>
+          <a:p>
+            <a:pPr marL="285750" indent="-285750">
+              <a:buFontTx/>
+              <a:buChar char="-"/>
+            </a:pPr>
+            <a:endParaRPr lang="es-PE" dirty="0"/>
+          </a:p>
+          <a:p>
+            <a:pPr marL="285750" indent="-285750">
+              <a:buFontTx/>
+              <a:buChar char="-"/>
+            </a:pPr>
+            <a:r>
+              <a:rPr lang="es-PE" dirty="0" smtClean="0"/>
+              <a:t>¿</a:t>
+            </a:r>
+            <a:r>
+              <a:rPr lang="es-PE" dirty="0"/>
+              <a:t>Qué puedo </a:t>
+            </a:r>
+            <a:r>
+              <a:rPr lang="es-PE" dirty="0" smtClean="0">
                 <a:solidFill>
                   <a:srgbClr val="00B050"/>
                 </a:solidFill>
               </a:rPr>
-              <a:t>razón práctica </a:t>
-            </a:r>
-            <a:r>
-              <a:rPr lang="es-PE" sz="1600" dirty="0"/>
-              <a:t>postula </a:t>
-            </a:r>
-            <a:r>
-              <a:rPr lang="es-PE" sz="1600" dirty="0" smtClean="0"/>
-              <a:t>sin tener experiencia plena de los mismos:</a:t>
-            </a:r>
-            <a:endParaRPr lang="es-PE" sz="1600" dirty="0" smtClean="0"/>
-          </a:p>
-          <a:p>
-            <a:endParaRPr lang="es-PE" sz="1600" dirty="0"/>
-          </a:p>
-          <a:p>
-            <a:endParaRPr lang="es-PE" sz="1600" dirty="0"/>
-          </a:p>
-        </p:txBody>
-      </p:sp>
-      <p:sp>
-        <p:nvSpPr>
-          <p:cNvPr id="2" name="CuadroTexto 1"/>
-          <p:cNvSpPr txBox="1"/>
-          <p:nvPr/>
-        </p:nvSpPr>
-        <p:spPr>
-          <a:xfrm>
-            <a:off x="1505376" y="4811933"/>
-            <a:ext cx="6336704" cy="1815882"/>
-          </a:xfrm>
-          <a:prstGeom prst="rect">
-            <a:avLst/>
-          </a:prstGeom>
-          <a:noFill/>
-        </p:spPr>
-        <p:txBody>
-          <a:bodyPr wrap="square" rtlCol="0">
-            <a:spAutoFit/>
-          </a:bodyPr>
-          <a:lstStyle/>
-          <a:p>
-            <a:pPr algn="ctr"/>
-            <a:r>
-              <a:rPr lang="es-PE" sz="2800" dirty="0" smtClean="0"/>
-              <a:t>DIOS</a:t>
-            </a:r>
-          </a:p>
-          <a:p>
-            <a:pPr algn="ctr"/>
-            <a:r>
-              <a:rPr lang="es-PE" sz="2800" dirty="0" smtClean="0"/>
-              <a:t>ALMA INMORTAL</a:t>
-            </a:r>
-          </a:p>
-          <a:p>
-            <a:pPr algn="ctr"/>
-            <a:r>
-              <a:rPr lang="es-PE" sz="2800" dirty="0" smtClean="0"/>
-              <a:t>LIBERTAD</a:t>
-            </a:r>
-          </a:p>
-          <a:p>
-            <a:pPr algn="ctr"/>
-            <a:r>
-              <a:rPr lang="es-PE" sz="2800" dirty="0" smtClean="0"/>
-              <a:t>MUNDO </a:t>
-            </a:r>
-            <a:endParaRPr lang="es-PE" sz="2800" dirty="0"/>
-          </a:p>
-        </p:txBody>
-      </p:sp>
-      <p:sp>
-        <p:nvSpPr>
-          <p:cNvPr id="3" name="CuadroTexto 2"/>
-          <p:cNvSpPr txBox="1"/>
-          <p:nvPr/>
-        </p:nvSpPr>
-        <p:spPr>
-          <a:xfrm>
-            <a:off x="6012160" y="815443"/>
-            <a:ext cx="1584176" cy="369332"/>
-          </a:xfrm>
-          <a:prstGeom prst="rect">
-            <a:avLst/>
-          </a:prstGeom>
-          <a:noFill/>
-        </p:spPr>
-        <p:txBody>
-          <a:bodyPr wrap="square" rtlCol="0">
-            <a:spAutoFit/>
-          </a:bodyPr>
-          <a:lstStyle/>
-          <a:p>
+              <a:t>esperar</a:t>
+            </a:r>
             <a:r>
               <a:rPr lang="es-PE" dirty="0" smtClean="0"/>
-              <a:t>- historia</a:t>
+              <a:t>?		          </a:t>
+            </a:r>
+            <a:r>
+              <a:rPr lang="es-PE" dirty="0"/>
+              <a:t>(Campo de la </a:t>
+            </a:r>
+            <a:r>
+              <a:rPr lang="es-PE" dirty="0" smtClean="0"/>
+              <a:t>Religión)</a:t>
             </a:r>
             <a:endParaRPr lang="es-PE" dirty="0"/>
           </a:p>
-        </p:txBody>
-      </p:sp>
-      <p:sp>
-        <p:nvSpPr>
-          <p:cNvPr id="8" name="Rectángulo 7"/>
+          <a:p>
+            <a:pPr marL="285750" indent="-285750">
+              <a:buFontTx/>
+              <a:buChar char="-"/>
+            </a:pPr>
+            <a:endParaRPr lang="es-PE" dirty="0" smtClean="0"/>
+          </a:p>
+          <a:p>
+            <a:pPr marL="285750" indent="-285750">
+              <a:buFontTx/>
+              <a:buChar char="-"/>
+            </a:pPr>
+            <a:endParaRPr lang="es-PE" dirty="0"/>
+          </a:p>
+          <a:p>
+            <a:pPr marL="285750" indent="-285750">
+              <a:buFontTx/>
+              <a:buChar char="-"/>
+            </a:pPr>
+            <a:r>
+              <a:rPr lang="es-PE" dirty="0" smtClean="0"/>
+              <a:t>¿</a:t>
+            </a:r>
+            <a:r>
+              <a:rPr lang="es-PE" dirty="0"/>
+              <a:t>Qué </a:t>
+            </a:r>
+            <a:r>
+              <a:rPr lang="es-PE" dirty="0" smtClean="0"/>
+              <a:t>es el ser </a:t>
+            </a:r>
+            <a:r>
+              <a:rPr lang="es-PE" dirty="0" smtClean="0">
+                <a:solidFill>
+                  <a:srgbClr val="00B050"/>
+                </a:solidFill>
+              </a:rPr>
+              <a:t>humano</a:t>
+            </a:r>
+            <a:r>
+              <a:rPr lang="es-PE" dirty="0" smtClean="0"/>
+              <a:t>?                                </a:t>
+            </a:r>
+            <a:r>
+              <a:rPr lang="es-PE" dirty="0"/>
+              <a:t>(Campo de la </a:t>
+            </a:r>
+            <a:r>
+              <a:rPr lang="es-PE" dirty="0" smtClean="0"/>
+              <a:t>Antropología)</a:t>
+            </a:r>
+            <a:endParaRPr lang="es-PE" dirty="0"/>
+          </a:p>
+          <a:p>
+            <a:endParaRPr lang="es-PE" dirty="0"/>
+          </a:p>
+        </p:txBody>
+      </p:sp>
+      <p:sp>
+        <p:nvSpPr>
+          <p:cNvPr id="17" name="Flecha derecha 16"/>
           <p:cNvSpPr/>
           <p:nvPr/>
         </p:nvSpPr>
         <p:spPr>
           <a:xfrm>
-            <a:off x="494605" y="3429000"/>
-            <a:ext cx="8469883" cy="1080120"/>
-          </a:xfrm>
-          <a:prstGeom prst="rect">
+            <a:off x="3644102" y="5037868"/>
+            <a:ext cx="1224136" cy="216024"/>
+          </a:xfrm>
+          <a:prstGeom prst="rightArrow">
             <a:avLst/>
           </a:prstGeom>
           <a:noFill/>
@@ -4310,7 +4299,189 @@
           </a:p>
         </p:txBody>
       </p:sp>
+      <p:sp>
+        <p:nvSpPr>
+          <p:cNvPr id="19" name="Flecha derecha 18"/>
+          <p:cNvSpPr/>
+          <p:nvPr/>
+        </p:nvSpPr>
+        <p:spPr>
+          <a:xfrm>
+            <a:off x="3644102" y="5787857"/>
+            <a:ext cx="1224136" cy="216024"/>
+          </a:xfrm>
+          <a:prstGeom prst="rightArrow">
+            <a:avLst/>
+          </a:prstGeom>
+          <a:noFill/>
+          <a:ln w="38100">
+            <a:solidFill>
+              <a:srgbClr val="FF0000"/>
+            </a:solidFill>
+          </a:ln>
+        </p:spPr>
+        <p:style>
+          <a:lnRef idx="2">
+            <a:schemeClr val="accent1">
+              <a:shade val="50000"/>
+            </a:schemeClr>
+          </a:lnRef>
+          <a:fillRef idx="1">
+            <a:schemeClr val="accent1"/>
+          </a:fillRef>
+          <a:effectRef idx="0">
+            <a:schemeClr val="accent1"/>
+          </a:effectRef>
+          <a:fontRef idx="minor">
+            <a:schemeClr val="lt1"/>
+          </a:fontRef>
+        </p:style>
+        <p:txBody>
+          <a:bodyPr rot="0" spcFirstLastPara="0" vertOverflow="overflow" horzOverflow="overflow" vert="horz" wrap="square" lIns="91440" tIns="45720" rIns="91440" bIns="45720" numCol="1" spcCol="0" rtlCol="0" fromWordArt="0" anchor="ctr" anchorCtr="0" forceAA="0" compatLnSpc="1">
+            <a:prstTxWarp prst="textNoShape">
+              <a:avLst/>
+            </a:prstTxWarp>
+            <a:noAutofit/>
+          </a:bodyPr>
+          <a:lstStyle/>
+          <a:p>
+            <a:pPr algn="ctr"/>
+            <a:endParaRPr lang="es-PE"/>
+          </a:p>
+        </p:txBody>
+      </p:sp>
+      <p:sp>
+        <p:nvSpPr>
+          <p:cNvPr id="20" name="Flecha derecha 19"/>
+          <p:cNvSpPr/>
+          <p:nvPr/>
+        </p:nvSpPr>
+        <p:spPr>
+          <a:xfrm>
+            <a:off x="3674546" y="3358951"/>
+            <a:ext cx="1224136" cy="216024"/>
+          </a:xfrm>
+          <a:prstGeom prst="rightArrow">
+            <a:avLst/>
+          </a:prstGeom>
+          <a:noFill/>
+          <a:ln w="38100">
+            <a:solidFill>
+              <a:srgbClr val="FF0000"/>
+            </a:solidFill>
+          </a:ln>
+        </p:spPr>
+        <p:style>
+          <a:lnRef idx="2">
+            <a:schemeClr val="accent1">
+              <a:shade val="50000"/>
+            </a:schemeClr>
+          </a:lnRef>
+          <a:fillRef idx="1">
+            <a:schemeClr val="accent1"/>
+          </a:fillRef>
+          <a:effectRef idx="0">
+            <a:schemeClr val="accent1"/>
+          </a:effectRef>
+          <a:fontRef idx="minor">
+            <a:schemeClr val="lt1"/>
+          </a:fontRef>
+        </p:style>
+        <p:txBody>
+          <a:bodyPr rot="0" spcFirstLastPara="0" vertOverflow="overflow" horzOverflow="overflow" vert="horz" wrap="square" lIns="91440" tIns="45720" rIns="91440" bIns="45720" numCol="1" spcCol="0" rtlCol="0" fromWordArt="0" anchor="ctr" anchorCtr="0" forceAA="0" compatLnSpc="1">
+            <a:prstTxWarp prst="textNoShape">
+              <a:avLst/>
+            </a:prstTxWarp>
+            <a:noAutofit/>
+          </a:bodyPr>
+          <a:lstStyle/>
+          <a:p>
+            <a:pPr algn="ctr"/>
+            <a:endParaRPr lang="es-PE"/>
+          </a:p>
+        </p:txBody>
+      </p:sp>
+      <p:sp>
+        <p:nvSpPr>
+          <p:cNvPr id="21" name="Flecha derecha 20"/>
+          <p:cNvSpPr/>
+          <p:nvPr/>
+        </p:nvSpPr>
+        <p:spPr>
+          <a:xfrm>
+            <a:off x="3674546" y="4209994"/>
+            <a:ext cx="1224136" cy="216024"/>
+          </a:xfrm>
+          <a:prstGeom prst="rightArrow">
+            <a:avLst/>
+          </a:prstGeom>
+          <a:noFill/>
+          <a:ln w="38100">
+            <a:solidFill>
+              <a:srgbClr val="FF0000"/>
+            </a:solidFill>
+          </a:ln>
+        </p:spPr>
+        <p:style>
+          <a:lnRef idx="2">
+            <a:schemeClr val="accent1">
+              <a:shade val="50000"/>
+            </a:schemeClr>
+          </a:lnRef>
+          <a:fillRef idx="1">
+            <a:schemeClr val="accent1"/>
+          </a:fillRef>
+          <a:effectRef idx="0">
+            <a:schemeClr val="accent1"/>
+          </a:effectRef>
+          <a:fontRef idx="minor">
+            <a:schemeClr val="lt1"/>
+          </a:fontRef>
+        </p:style>
+        <p:txBody>
+          <a:bodyPr rot="0" spcFirstLastPara="0" vertOverflow="overflow" horzOverflow="overflow" vert="horz" wrap="square" lIns="91440" tIns="45720" rIns="91440" bIns="45720" numCol="1" spcCol="0" rtlCol="0" fromWordArt="0" anchor="ctr" anchorCtr="0" forceAA="0" compatLnSpc="1">
+            <a:prstTxWarp prst="textNoShape">
+              <a:avLst/>
+            </a:prstTxWarp>
+            <a:noAutofit/>
+          </a:bodyPr>
+          <a:lstStyle/>
+          <a:p>
+            <a:pPr algn="ctr"/>
+            <a:endParaRPr lang="es-PE"/>
+          </a:p>
+        </p:txBody>
+      </p:sp>
+      <p:pic>
+        <p:nvPicPr>
+          <p:cNvPr id="22" name="Imagen 21"/>
+          <p:cNvPicPr>
+            <a:picLocks noChangeAspect="1"/>
+          </p:cNvPicPr>
+          <p:nvPr/>
+        </p:nvPicPr>
+        <p:blipFill>
+          <a:blip r:embed="rId2"/>
+          <a:stretch>
+            <a:fillRect/>
+          </a:stretch>
+        </p:blipFill>
+        <p:spPr>
+          <a:xfrm>
+            <a:off x="2123728" y="1058198"/>
+            <a:ext cx="4752528" cy="1983243"/>
+          </a:xfrm>
+          <a:prstGeom prst="rect">
+            <a:avLst/>
+          </a:prstGeom>
+        </p:spPr>
+      </p:pic>
     </p:spTree>
+    <p:extLst>
+      <p:ext uri="{BB962C8B-B14F-4D97-AF65-F5344CB8AC3E}">
+        <p14:creationId xmlns:p14="http://schemas.microsoft.com/office/powerpoint/2010/main" val="2460636803"/>
+      </p:ext>
+    </p:extLst>
   </p:cSld>
   <p:clrMapOvr>
     <a:masterClrMapping/>
@@ -4342,215 +4513,9 @@
           <a:chExt cx="0" cy="0"/>
         </a:xfrm>
       </p:grpSpPr>
-      <p:sp>
-        <p:nvSpPr>
-          <p:cNvPr id="4" name="3 CuadroTexto"/>
-          <p:cNvSpPr txBox="1"/>
-          <p:nvPr/>
-        </p:nvSpPr>
-        <p:spPr>
-          <a:xfrm>
-            <a:off x="357158" y="214290"/>
-            <a:ext cx="8501122" cy="6340197"/>
-          </a:xfrm>
-          <a:prstGeom prst="rect">
-            <a:avLst/>
-          </a:prstGeom>
-          <a:noFill/>
-        </p:spPr>
-        <p:txBody>
-          <a:bodyPr wrap="square" rtlCol="0">
-            <a:spAutoFit/>
-          </a:bodyPr>
-          <a:lstStyle/>
-          <a:p>
-            <a:pPr algn="just"/>
-            <a:r>
-              <a:rPr lang="es-PE" sz="1400" dirty="0" smtClean="0"/>
-              <a:t>Kant recibe la tradición alemana </a:t>
-            </a:r>
-            <a:r>
-              <a:rPr lang="es-PE" sz="1400" dirty="0" smtClean="0">
-                <a:solidFill>
-                  <a:srgbClr val="C00000"/>
-                </a:solidFill>
-              </a:rPr>
-              <a:t>racionalista</a:t>
-            </a:r>
-            <a:r>
-              <a:rPr lang="es-PE" sz="1400" dirty="0" smtClean="0"/>
-              <a:t>. Lo que sostiene esta tradición es que </a:t>
-            </a:r>
-            <a:r>
-              <a:rPr lang="es-PE" sz="1400" dirty="0" smtClean="0">
-                <a:solidFill>
-                  <a:srgbClr val="C00000"/>
-                </a:solidFill>
-              </a:rPr>
-              <a:t>existen ideas innatas</a:t>
-            </a:r>
-            <a:r>
-              <a:rPr lang="es-PE" sz="1400" dirty="0" smtClean="0"/>
-              <a:t> a la razón, de modo que no necesito salir de mi razón para tener conocimiento de la realidad, en este sentido, se prescinde totalmente de la experiencia.</a:t>
-            </a:r>
-          </a:p>
-          <a:p>
-            <a:pPr algn="just"/>
-            <a:endParaRPr lang="es-PE" sz="1400" dirty="0"/>
-          </a:p>
-          <a:p>
-            <a:pPr algn="just"/>
-            <a:endParaRPr lang="es-PE" sz="1400" dirty="0" smtClean="0"/>
-          </a:p>
-          <a:p>
-            <a:pPr algn="just"/>
-            <a:endParaRPr lang="es-PE" sz="1400" dirty="0"/>
-          </a:p>
-          <a:p>
-            <a:pPr algn="just"/>
-            <a:endParaRPr lang="es-PE" sz="1400" dirty="0" smtClean="0"/>
-          </a:p>
-          <a:p>
-            <a:pPr algn="just"/>
-            <a:endParaRPr lang="es-PE" sz="1400" dirty="0"/>
-          </a:p>
-          <a:p>
-            <a:pPr algn="just"/>
-            <a:endParaRPr lang="es-PE" sz="1400" dirty="0" smtClean="0"/>
-          </a:p>
-          <a:p>
-            <a:pPr algn="just"/>
-            <a:endParaRPr lang="es-PE" sz="1400" dirty="0"/>
-          </a:p>
-          <a:p>
-            <a:pPr algn="just"/>
-            <a:endParaRPr lang="es-PE" sz="1400" dirty="0" smtClean="0"/>
-          </a:p>
-          <a:p>
-            <a:pPr algn="just"/>
-            <a:endParaRPr lang="es-PE" sz="1400" dirty="0"/>
-          </a:p>
-          <a:p>
-            <a:pPr algn="just"/>
-            <a:endParaRPr lang="es-PE" sz="1400" dirty="0" smtClean="0"/>
-          </a:p>
-          <a:p>
-            <a:pPr algn="just"/>
-            <a:endParaRPr lang="es-PE" sz="1400" dirty="0"/>
-          </a:p>
-          <a:p>
-            <a:pPr algn="just"/>
-            <a:endParaRPr lang="es-PE" sz="1400" dirty="0" smtClean="0"/>
-          </a:p>
-          <a:p>
-            <a:pPr algn="just"/>
-            <a:endParaRPr lang="es-PE" sz="1400" dirty="0"/>
-          </a:p>
-          <a:p>
-            <a:pPr algn="just"/>
-            <a:endParaRPr lang="es-PE" sz="1400" dirty="0" smtClean="0"/>
-          </a:p>
-          <a:p>
-            <a:pPr algn="just"/>
-            <a:endParaRPr lang="es-PE" sz="1400" dirty="0"/>
-          </a:p>
-          <a:p>
-            <a:pPr algn="just"/>
-            <a:endParaRPr lang="es-PE" sz="1400" dirty="0" smtClean="0"/>
-          </a:p>
-          <a:p>
-            <a:pPr algn="just"/>
-            <a:endParaRPr lang="es-PE" sz="1400" dirty="0"/>
-          </a:p>
-          <a:p>
-            <a:pPr algn="just"/>
-            <a:endParaRPr lang="es-PE" sz="1400" dirty="0" smtClean="0"/>
-          </a:p>
-          <a:p>
-            <a:pPr algn="just"/>
-            <a:endParaRPr lang="es-PE" sz="1400" dirty="0"/>
-          </a:p>
-          <a:p>
-            <a:pPr algn="just"/>
-            <a:endParaRPr lang="es-PE" sz="1400" dirty="0" smtClean="0"/>
-          </a:p>
-          <a:p>
-            <a:pPr algn="just"/>
-            <a:endParaRPr lang="es-PE" sz="1400" dirty="0"/>
-          </a:p>
-          <a:p>
-            <a:pPr algn="just"/>
-            <a:r>
-              <a:rPr lang="es-PE" sz="1400" dirty="0" smtClean="0"/>
-              <a:t>Los mercaderes ingleses llevaron a </a:t>
-            </a:r>
-            <a:r>
-              <a:rPr lang="es-PE" sz="1400" dirty="0" err="1" smtClean="0"/>
-              <a:t>Köningsberg</a:t>
-            </a:r>
-            <a:r>
-              <a:rPr lang="es-PE" sz="1400" dirty="0" smtClean="0"/>
-              <a:t> los textos de </a:t>
-            </a:r>
-            <a:r>
-              <a:rPr lang="es-PE" sz="1400" dirty="0" err="1" smtClean="0"/>
-              <a:t>Hume</a:t>
-            </a:r>
-            <a:r>
-              <a:rPr lang="es-PE" sz="1400" dirty="0" smtClean="0"/>
-              <a:t>, el escéptico </a:t>
-            </a:r>
-            <a:r>
-              <a:rPr lang="es-PE" sz="1400" dirty="0" smtClean="0">
-                <a:solidFill>
-                  <a:srgbClr val="C00000"/>
-                </a:solidFill>
-              </a:rPr>
-              <a:t>empirista</a:t>
-            </a:r>
-            <a:r>
-              <a:rPr lang="es-PE" sz="1400" dirty="0" smtClean="0"/>
-              <a:t>. Al removerle las convicciones racionalistas (como por ejemplo, la idea de causalidad), Kant declara que </a:t>
-            </a:r>
-            <a:r>
-              <a:rPr lang="es-PE" sz="1400" dirty="0" err="1" smtClean="0"/>
-              <a:t>Hume</a:t>
-            </a:r>
-            <a:r>
-              <a:rPr lang="es-PE" sz="1400" dirty="0" smtClean="0"/>
-              <a:t> le ha despertado de su sueño dogmático</a:t>
-            </a:r>
-            <a:r>
-              <a:rPr lang="es-PE" sz="1400" dirty="0" smtClean="0">
-                <a:solidFill>
-                  <a:srgbClr val="C00000"/>
-                </a:solidFill>
-              </a:rPr>
-              <a:t>: NO HAY IDEAS INNATAS</a:t>
-            </a:r>
-            <a:r>
-              <a:rPr lang="es-PE" sz="1400" dirty="0" smtClean="0"/>
-              <a:t>, su origen se encuentra en la experiencia. Mientras los racionalistas consideraban las ideas innatas como intuiciones racionales, los empiristas creen en una intuición sensible. </a:t>
-            </a:r>
-            <a:r>
-              <a:rPr lang="es-PE" sz="1400" dirty="0" smtClean="0">
-                <a:solidFill>
-                  <a:srgbClr val="00B050"/>
-                </a:solidFill>
-              </a:rPr>
-              <a:t>Kant, de algún modo, sintetiza ambas corrientes.</a:t>
-            </a:r>
-            <a:endParaRPr lang="es-PE" sz="1400" dirty="0">
-              <a:solidFill>
-                <a:srgbClr val="00B050"/>
-              </a:solidFill>
-            </a:endParaRPr>
-          </a:p>
-        </p:txBody>
-      </p:sp>
       <p:pic>
         <p:nvPicPr>
-          <p:cNvPr id="17410" name="Picture 2"/>
+          <p:cNvPr id="1026" name="Picture 2"/>
           <p:cNvPicPr>
             <a:picLocks noChangeAspect="1" noChangeArrowheads="1"/>
           </p:cNvPicPr>
@@ -4565,8 +4530,8 @@
         </p:blipFill>
         <p:spPr bwMode="auto">
           <a:xfrm>
-            <a:off x="0" y="1268760"/>
-            <a:ext cx="8878303" cy="3816424"/>
+            <a:off x="285720" y="0"/>
+            <a:ext cx="10013545" cy="6858000"/>
           </a:xfrm>
           <a:prstGeom prst="rect">
             <a:avLst/>
@@ -4589,17 +4554,17 @@
         </p:nvSpPr>
         <p:spPr>
           <a:xfrm>
-            <a:off x="1331640" y="1271108"/>
-            <a:ext cx="2376264" cy="357692"/>
-          </a:xfrm>
-          <a:prstGeom prst="rect">
-            <a:avLst/>
-          </a:prstGeom>
-          <a:noFill/>
-          <a:ln w="38100">
-            <a:solidFill>
-              <a:srgbClr val="FF0000"/>
-            </a:solidFill>
+            <a:off x="3707904" y="2924944"/>
+            <a:ext cx="3528392" cy="936104"/>
+          </a:xfrm>
+          <a:prstGeom prst="rect">
+            <a:avLst/>
+          </a:prstGeom>
+          <a:solidFill>
+            <a:schemeClr val="bg1"/>
+          </a:solidFill>
+          <a:ln>
+            <a:noFill/>
           </a:ln>
         </p:spPr>
         <p:style>
@@ -4619,12 +4584,7 @@
           </a:fontRef>
         </p:style>
         <p:txBody>
-          <a:bodyPr rot="0" spcFirstLastPara="0" vertOverflow="overflow" horzOverflow="overflow" vert="horz" wrap="square" lIns="91440" tIns="45720" rIns="91440" bIns="45720" numCol="1" spcCol="0" rtlCol="0" fromWordArt="0" anchor="ctr" anchorCtr="0" forceAA="0" compatLnSpc="1">
-            <a:prstTxWarp prst="textNoShape">
-              <a:avLst/>
-            </a:prstTxWarp>
-            <a:noAutofit/>
-          </a:bodyPr>
+          <a:bodyPr rtlCol="0" anchor="ctr"/>
           <a:lstStyle/>
           <a:p>
             <a:pPr algn="ctr"/>
@@ -4634,20 +4594,20 @@
       </p:sp>
       <p:sp>
         <p:nvSpPr>
-          <p:cNvPr id="3" name="Rectángulo 2"/>
+          <p:cNvPr id="5" name="Rectángulo 4"/>
           <p:cNvSpPr/>
           <p:nvPr/>
         </p:nvSpPr>
         <p:spPr>
           <a:xfrm>
-            <a:off x="611560" y="4725144"/>
-            <a:ext cx="2736304" cy="360040"/>
+            <a:off x="6660232" y="1268760"/>
+            <a:ext cx="2664296" cy="1944216"/>
           </a:xfrm>
           <a:prstGeom prst="rect">
             <a:avLst/>
           </a:prstGeom>
           <a:noFill/>
-          <a:ln w="38100">
+          <a:ln w="76200">
             <a:solidFill>
               <a:srgbClr val="FF0000"/>
             </a:solidFill>
@@ -4670,12 +4630,7 @@
           </a:fontRef>
         </p:style>
         <p:txBody>
-          <a:bodyPr rot="0" spcFirstLastPara="0" vertOverflow="overflow" horzOverflow="overflow" vert="horz" wrap="square" lIns="91440" tIns="45720" rIns="91440" bIns="45720" numCol="1" spcCol="0" rtlCol="0" fromWordArt="0" anchor="ctr" anchorCtr="0" forceAA="0" compatLnSpc="1">
-            <a:prstTxWarp prst="textNoShape">
-              <a:avLst/>
-            </a:prstTxWarp>
-            <a:noAutofit/>
-          </a:bodyPr>
+          <a:bodyPr rtlCol="0" anchor="ctr"/>
           <a:lstStyle/>
           <a:p>
             <a:pPr algn="ctr"/>
@@ -4685,20 +4640,20 @@
       </p:sp>
       <p:sp>
         <p:nvSpPr>
-          <p:cNvPr id="5" name="Rectángulo 4"/>
+          <p:cNvPr id="6" name="Rectángulo 5"/>
           <p:cNvSpPr/>
           <p:nvPr/>
         </p:nvSpPr>
         <p:spPr>
           <a:xfrm>
-            <a:off x="7596336" y="2708920"/>
-            <a:ext cx="1080120" cy="720080"/>
+            <a:off x="107504" y="961015"/>
+            <a:ext cx="1872208" cy="1944216"/>
           </a:xfrm>
           <a:prstGeom prst="rect">
             <a:avLst/>
           </a:prstGeom>
           <a:noFill/>
-          <a:ln w="38100">
+          <a:ln w="76200">
             <a:solidFill>
               <a:srgbClr val="FF0000"/>
             </a:solidFill>
@@ -4721,12 +4676,7 @@
           </a:fontRef>
         </p:style>
         <p:txBody>
-          <a:bodyPr rot="0" spcFirstLastPara="0" vertOverflow="overflow" horzOverflow="overflow" vert="horz" wrap="square" lIns="91440" tIns="45720" rIns="91440" bIns="45720" numCol="1" spcCol="0" rtlCol="0" fromWordArt="0" anchor="ctr" anchorCtr="0" forceAA="0" compatLnSpc="1">
-            <a:prstTxWarp prst="textNoShape">
-              <a:avLst/>
-            </a:prstTxWarp>
-            <a:noAutofit/>
-          </a:bodyPr>
+          <a:bodyPr rtlCol="0" anchor="ctr"/>
           <a:lstStyle/>
           <a:p>
             <a:pPr algn="ctr"/>
@@ -4734,6 +4684,30 @@
           </a:p>
         </p:txBody>
       </p:sp>
+      <p:pic>
+        <p:nvPicPr>
+          <p:cNvPr id="3" name="Imagen 2"/>
+          <p:cNvPicPr>
+            <a:picLocks noChangeAspect="1"/>
+          </p:cNvPicPr>
+          <p:nvPr/>
+        </p:nvPicPr>
+        <p:blipFill>
+          <a:blip r:embed="rId3"/>
+          <a:stretch>
+            <a:fillRect/>
+          </a:stretch>
+        </p:blipFill>
+        <p:spPr>
+          <a:xfrm>
+            <a:off x="5580112" y="3501008"/>
+            <a:ext cx="2518157" cy="3168542"/>
+          </a:xfrm>
+          <a:prstGeom prst="rect">
+            <a:avLst/>
+          </a:prstGeom>
+        </p:spPr>
+      </p:pic>
     </p:spTree>
   </p:cSld>
   <p:clrMapOvr>
@@ -4768,116 +4742,305 @@
       </p:grpSpPr>
       <p:sp>
         <p:nvSpPr>
-          <p:cNvPr id="3" name="Marcador de contenido 2"/>
-          <p:cNvSpPr>
-            <a:spLocks noGrp="1"/>
-          </p:cNvSpPr>
-          <p:nvPr>
-            <p:ph idx="1"/>
-          </p:nvPr>
-        </p:nvSpPr>
-        <p:spPr>
-          <a:xfrm>
-            <a:off x="457200" y="620688"/>
-            <a:ext cx="8229600" cy="5505475"/>
-          </a:xfrm>
-        </p:spPr>
-        <p:txBody>
-          <a:bodyPr>
-            <a:normAutofit fontScale="92500" lnSpcReduction="20000"/>
+          <p:cNvPr id="4" name="3 CuadroTexto"/>
+          <p:cNvSpPr txBox="1"/>
+          <p:nvPr/>
+        </p:nvSpPr>
+        <p:spPr>
+          <a:xfrm>
+            <a:off x="357158" y="357166"/>
+            <a:ext cx="8429684" cy="954107"/>
+          </a:xfrm>
+          <a:prstGeom prst="rect">
+            <a:avLst/>
+          </a:prstGeom>
+          <a:noFill/>
+        </p:spPr>
+        <p:txBody>
+          <a:bodyPr wrap="square" rtlCol="0">
+            <a:spAutoFit/>
           </a:bodyPr>
           <a:lstStyle/>
           <a:p>
-            <a:pPr marL="0" indent="0">
-              <a:buNone/>
-            </a:pPr>
+            <a:r>
+              <a:rPr lang="es-PE" sz="2800" dirty="0" smtClean="0"/>
+              <a:t>El pensamiento de Kant se ocupa en parte de la Filosofía </a:t>
+            </a:r>
+            <a:r>
+              <a:rPr lang="es-PE" sz="2800" dirty="0" smtClean="0">
+                <a:solidFill>
+                  <a:srgbClr val="00B050"/>
+                </a:solidFill>
+              </a:rPr>
+              <a:t>Práctica</a:t>
+            </a:r>
+            <a:r>
+              <a:rPr lang="es-PE" sz="2800" dirty="0" smtClean="0"/>
+              <a:t>.</a:t>
+            </a:r>
+            <a:endParaRPr lang="es-PE" sz="2800" dirty="0"/>
+          </a:p>
+        </p:txBody>
+      </p:sp>
+      <p:pic>
+        <p:nvPicPr>
+          <p:cNvPr id="3073" name="Picture 1"/>
+          <p:cNvPicPr>
+            <a:picLocks noChangeAspect="1" noChangeArrowheads="1"/>
+          </p:cNvPicPr>
+          <p:nvPr/>
+        </p:nvPicPr>
+        <p:blipFill>
+          <a:blip r:embed="rId2"/>
+          <a:srcRect/>
+          <a:stretch>
+            <a:fillRect/>
+          </a:stretch>
+        </p:blipFill>
+        <p:spPr bwMode="auto">
+          <a:xfrm>
+            <a:off x="3428992" y="1000109"/>
+            <a:ext cx="4929222" cy="1785950"/>
+          </a:xfrm>
+          <a:prstGeom prst="rect">
+            <a:avLst/>
+          </a:prstGeom>
+          <a:noFill/>
+          <a:ln w="9525">
+            <a:noFill/>
+            <a:miter lim="800000"/>
+            <a:headEnd/>
+            <a:tailEnd/>
+          </a:ln>
+          <a:effectLst/>
+        </p:spPr>
+      </p:pic>
+      <p:sp>
+        <p:nvSpPr>
+          <p:cNvPr id="7" name="6 CuadroTexto"/>
+          <p:cNvSpPr txBox="1"/>
+          <p:nvPr/>
+        </p:nvSpPr>
+        <p:spPr>
+          <a:xfrm>
+            <a:off x="494605" y="2771412"/>
+            <a:ext cx="8358246" cy="2923877"/>
+          </a:xfrm>
+          <a:prstGeom prst="rect">
+            <a:avLst/>
+          </a:prstGeom>
+          <a:noFill/>
+        </p:spPr>
+        <p:txBody>
+          <a:bodyPr wrap="square" rtlCol="0">
+            <a:spAutoFit/>
+          </a:bodyPr>
+          <a:lstStyle/>
+          <a:p>
+            <a:pPr algn="just"/>
+            <a:r>
+              <a:rPr lang="es-PE" sz="1600" dirty="0" smtClean="0"/>
+              <a:t>Pero también se ocupa de la epistemología. La </a:t>
+            </a:r>
+            <a:r>
+              <a:rPr lang="es-PE" sz="1600" dirty="0" smtClean="0">
+                <a:solidFill>
+                  <a:srgbClr val="00B050"/>
+                </a:solidFill>
+              </a:rPr>
+              <a:t>razón</a:t>
+            </a:r>
+            <a:r>
+              <a:rPr lang="es-PE" sz="1600" dirty="0" smtClean="0"/>
+              <a:t> </a:t>
+            </a:r>
+            <a:r>
+              <a:rPr lang="es-PE" sz="1600" dirty="0" smtClean="0">
+                <a:solidFill>
+                  <a:srgbClr val="00B050"/>
+                </a:solidFill>
+              </a:rPr>
+              <a:t>teórica</a:t>
+            </a:r>
+            <a:r>
+              <a:rPr lang="es-PE" sz="1600" dirty="0" smtClean="0"/>
+              <a:t> se ocupa del conocimiento de la realidad, y más precisamente, de las estructuras mediante las cuáles conocemos. </a:t>
+            </a:r>
+          </a:p>
+          <a:p>
+            <a:endParaRPr lang="es-PE" sz="1600" dirty="0"/>
+          </a:p>
+          <a:p>
+            <a:pPr algn="just"/>
+            <a:r>
+              <a:rPr lang="es-PE" sz="1600" dirty="0" smtClean="0"/>
+              <a:t>El proyecto de Kant es conocido como filosofía </a:t>
+            </a:r>
+            <a:r>
+              <a:rPr lang="es-PE" sz="1600" dirty="0" smtClean="0">
+                <a:solidFill>
+                  <a:srgbClr val="FF0000"/>
+                </a:solidFill>
+              </a:rPr>
+              <a:t>crítica</a:t>
+            </a:r>
+            <a:r>
+              <a:rPr lang="es-PE" sz="1600" dirty="0" smtClean="0"/>
+              <a:t>. </a:t>
+            </a:r>
+            <a:r>
+              <a:rPr lang="es-PE" sz="2000" dirty="0" smtClean="0">
+                <a:solidFill>
+                  <a:schemeClr val="tx2">
+                    <a:lumMod val="60000"/>
+                    <a:lumOff val="40000"/>
+                  </a:schemeClr>
+                </a:solidFill>
+              </a:rPr>
+              <a:t>Supone una crítica a la razón misma</a:t>
+            </a:r>
+            <a:r>
+              <a:rPr lang="es-PE" sz="1600" dirty="0" smtClean="0"/>
+              <a:t>. La razón se critica a sí misma para saber qué puede conocer legítimamente y qué no. (Límites de la razón).</a:t>
+            </a:r>
+          </a:p>
+          <a:p>
+            <a:pPr algn="just"/>
+            <a:endParaRPr lang="es-PE" sz="1600" dirty="0"/>
+          </a:p>
+          <a:p>
+            <a:pPr algn="just"/>
+            <a:r>
+              <a:rPr lang="es-PE" sz="1600" dirty="0" smtClean="0"/>
+              <a:t> Estas siguientes ideas son ejemplos de lo que </a:t>
+            </a:r>
+            <a:r>
+              <a:rPr lang="es-PE" sz="1600" dirty="0"/>
+              <a:t>nuestra </a:t>
+            </a:r>
+            <a:r>
+              <a:rPr lang="es-PE" sz="1600" dirty="0" smtClean="0">
+                <a:solidFill>
+                  <a:srgbClr val="00B050"/>
+                </a:solidFill>
+              </a:rPr>
+              <a:t>razón práctica </a:t>
+            </a:r>
+            <a:r>
+              <a:rPr lang="es-PE" sz="1600" dirty="0"/>
+              <a:t>postula </a:t>
+            </a:r>
+            <a:r>
+              <a:rPr lang="es-PE" sz="1600" dirty="0" smtClean="0"/>
+              <a:t>sin tener experiencia plena de los mismos:</a:t>
+            </a:r>
+          </a:p>
+          <a:p>
+            <a:endParaRPr lang="es-PE" sz="1600" dirty="0"/>
+          </a:p>
+          <a:p>
+            <a:endParaRPr lang="es-PE" sz="1600" dirty="0"/>
+          </a:p>
+        </p:txBody>
+      </p:sp>
+      <p:sp>
+        <p:nvSpPr>
+          <p:cNvPr id="2" name="CuadroTexto 1"/>
+          <p:cNvSpPr txBox="1"/>
+          <p:nvPr/>
+        </p:nvSpPr>
+        <p:spPr>
+          <a:xfrm>
+            <a:off x="1505376" y="4811933"/>
+            <a:ext cx="6336704" cy="1815882"/>
+          </a:xfrm>
+          <a:prstGeom prst="rect">
+            <a:avLst/>
+          </a:prstGeom>
+          <a:noFill/>
+        </p:spPr>
+        <p:txBody>
+          <a:bodyPr wrap="square" rtlCol="0">
+            <a:spAutoFit/>
+          </a:bodyPr>
+          <a:lstStyle/>
+          <a:p>
+            <a:pPr algn="ctr"/>
+            <a:r>
+              <a:rPr lang="es-PE" sz="2800" dirty="0" smtClean="0"/>
+              <a:t>DIOS</a:t>
+            </a:r>
+          </a:p>
+          <a:p>
+            <a:pPr algn="ctr"/>
+            <a:r>
+              <a:rPr lang="es-PE" sz="2800" dirty="0" smtClean="0"/>
+              <a:t>ALMA INMORTAL</a:t>
+            </a:r>
+          </a:p>
+          <a:p>
+            <a:pPr algn="ctr"/>
+            <a:r>
+              <a:rPr lang="es-PE" sz="2800" dirty="0" smtClean="0"/>
+              <a:t>LIBERTAD</a:t>
+            </a:r>
+          </a:p>
+          <a:p>
+            <a:pPr algn="ctr"/>
+            <a:r>
+              <a:rPr lang="es-PE" sz="2800" dirty="0" smtClean="0"/>
+              <a:t>MUNDO </a:t>
+            </a:r>
+            <a:endParaRPr lang="es-PE" sz="2800" dirty="0"/>
+          </a:p>
+        </p:txBody>
+      </p:sp>
+      <p:sp>
+        <p:nvSpPr>
+          <p:cNvPr id="3" name="CuadroTexto 2"/>
+          <p:cNvSpPr txBox="1"/>
+          <p:nvPr/>
+        </p:nvSpPr>
+        <p:spPr>
+          <a:xfrm>
+            <a:off x="6012160" y="815443"/>
+            <a:ext cx="1584176" cy="369332"/>
+          </a:xfrm>
+          <a:prstGeom prst="rect">
+            <a:avLst/>
+          </a:prstGeom>
+          <a:noFill/>
+        </p:spPr>
+        <p:txBody>
+          <a:bodyPr wrap="square" rtlCol="0">
+            <a:spAutoFit/>
+          </a:bodyPr>
+          <a:lstStyle/>
+          <a:p>
+            <a:r>
+              <a:rPr lang="es-PE" dirty="0" smtClean="0"/>
+              <a:t>- historia</a:t>
+            </a:r>
             <a:endParaRPr lang="es-PE" dirty="0"/>
           </a:p>
-          <a:p>
-            <a:pPr marL="0" indent="0">
-              <a:buNone/>
-            </a:pPr>
-            <a:r>
-              <a:rPr lang="es-PE" sz="4000" b="1" dirty="0" smtClean="0"/>
-              <a:t>- </a:t>
-            </a:r>
-            <a:r>
-              <a:rPr lang="es-PE" sz="4000" b="1" dirty="0" smtClean="0"/>
-              <a:t>¿Porqué se habla de un giro Copernicano, en el caso de Kant?</a:t>
-            </a:r>
-            <a:endParaRPr lang="es-PE" b="1" dirty="0" smtClean="0">
-              <a:solidFill>
-                <a:schemeClr val="bg1">
-                  <a:lumMod val="75000"/>
-                </a:schemeClr>
-              </a:solidFill>
-            </a:endParaRPr>
-          </a:p>
-          <a:p>
-            <a:pPr marL="0" indent="0">
-              <a:buNone/>
-            </a:pPr>
-            <a:endParaRPr lang="es-PE" sz="4000" b="1" dirty="0"/>
-          </a:p>
-          <a:p>
-            <a:pPr>
-              <a:buFontTx/>
-              <a:buChar char="-"/>
-            </a:pPr>
-            <a:r>
-              <a:rPr lang="es-PE" sz="4000" b="1" dirty="0" smtClean="0"/>
-              <a:t>¿Qué elementos componen la extensión de sus obras y pensamientos? ¿Qué se pregunta?</a:t>
-            </a:r>
-          </a:p>
-          <a:p>
-            <a:pPr>
-              <a:buFontTx/>
-              <a:buChar char="-"/>
-            </a:pPr>
-            <a:endParaRPr lang="es-PE" sz="4000" b="1" dirty="0"/>
-          </a:p>
-          <a:p>
-            <a:pPr>
-              <a:buFontTx/>
-              <a:buChar char="-"/>
-            </a:pPr>
-            <a:r>
-              <a:rPr lang="es-PE" sz="4000" b="1" dirty="0" smtClean="0"/>
-              <a:t>¿Qué tiene que ver el giro copernicano con la C.R.P.?</a:t>
-            </a:r>
-          </a:p>
-          <a:p>
-            <a:pPr>
-              <a:buFontTx/>
-              <a:buChar char="-"/>
-            </a:pPr>
-            <a:endParaRPr lang="es-PE" sz="4000" b="1" dirty="0"/>
-          </a:p>
-          <a:p>
-            <a:pPr>
-              <a:buFontTx/>
-              <a:buChar char="-"/>
-            </a:pPr>
-            <a:endParaRPr lang="es-PE" sz="4000" b="1" dirty="0"/>
-          </a:p>
-        </p:txBody>
-      </p:sp>
-      <p:sp>
-        <p:nvSpPr>
-          <p:cNvPr id="2" name="Rectángulo 1"/>
+        </p:txBody>
+      </p:sp>
+      <p:sp>
+        <p:nvSpPr>
+          <p:cNvPr id="8" name="Rectángulo 7"/>
           <p:cNvSpPr/>
           <p:nvPr/>
         </p:nvSpPr>
         <p:spPr>
           <a:xfrm>
-            <a:off x="461422" y="4551691"/>
-            <a:ext cx="8225377" cy="1567743"/>
+            <a:off x="494605" y="3429000"/>
+            <a:ext cx="8469883" cy="1080120"/>
           </a:xfrm>
           <a:prstGeom prst="rect">
             <a:avLst/>
           </a:prstGeom>
           <a:noFill/>
-          <a:ln w="76200">
+          <a:ln w="38100">
             <a:solidFill>
               <a:srgbClr val="FF0000"/>
             </a:solidFill>
@@ -4900,7 +5063,12 @@
           </a:fontRef>
         </p:style>
         <p:txBody>
-          <a:bodyPr rtlCol="0" anchor="ctr"/>
+          <a:bodyPr rot="0" spcFirstLastPara="0" vertOverflow="overflow" horzOverflow="overflow" vert="horz" wrap="square" lIns="91440" tIns="45720" rIns="91440" bIns="45720" numCol="1" spcCol="0" rtlCol="0" fromWordArt="0" anchor="ctr" anchorCtr="0" forceAA="0" compatLnSpc="1">
+            <a:prstTxWarp prst="textNoShape">
+              <a:avLst/>
+            </a:prstTxWarp>
+            <a:noAutofit/>
+          </a:bodyPr>
           <a:lstStyle/>
           <a:p>
             <a:pPr algn="ctr"/>
@@ -4909,15 +5077,17 @@
         </p:txBody>
       </p:sp>
     </p:spTree>
-    <p:extLst>
-      <p:ext uri="{BB962C8B-B14F-4D97-AF65-F5344CB8AC3E}">
-        <p14:creationId xmlns:p14="http://schemas.microsoft.com/office/powerpoint/2010/main" val="2498334702"/>
-      </p:ext>
-    </p:extLst>
   </p:cSld>
   <p:clrMapOvr>
     <a:masterClrMapping/>
   </p:clrMapOvr>
+  <p:timing>
+    <p:tnLst>
+      <p:par>
+        <p:cTn id="1" dur="indefinite" restart="never" nodeType="tmRoot"/>
+      </p:par>
+    </p:tnLst>
+  </p:timing>
 </p:sld>
 </file>
 
@@ -4946,8 +5116,8 @@
         </p:nvSpPr>
         <p:spPr>
           <a:xfrm>
-            <a:off x="428596" y="428604"/>
-            <a:ext cx="8286808" cy="3416320"/>
+            <a:off x="357158" y="214290"/>
+            <a:ext cx="8501122" cy="6340197"/>
           </a:xfrm>
           <a:prstGeom prst="rect">
             <a:avLst/>
@@ -4960,134 +5130,388 @@
           </a:bodyPr>
           <a:lstStyle/>
           <a:p>
-            <a:pPr>
-              <a:buNone/>
-            </a:pPr>
-            <a:r>
-              <a:rPr lang="es-PE" dirty="0" smtClean="0"/>
-              <a:t>Así, Kant rescata la importancia de la </a:t>
-            </a:r>
-            <a:r>
-              <a:rPr lang="es-PE" dirty="0" smtClean="0">
+            <a:pPr algn="just"/>
+            <a:r>
+              <a:rPr lang="es-PE" sz="1400" dirty="0" smtClean="0"/>
+              <a:t>Kant recibe la tradición alemana </a:t>
+            </a:r>
+            <a:r>
+              <a:rPr lang="es-PE" sz="1400" dirty="0" smtClean="0">
                 <a:solidFill>
-                  <a:srgbClr val="FF0000"/>
+                  <a:srgbClr val="C00000"/>
                 </a:solidFill>
               </a:rPr>
-              <a:t>SENSIBILIDAD</a:t>
-            </a:r>
-            <a:r>
-              <a:rPr lang="es-PE" dirty="0" smtClean="0"/>
-              <a:t>.</a:t>
-            </a:r>
-          </a:p>
-          <a:p>
-            <a:pPr>
-              <a:buNone/>
-            </a:pPr>
-            <a:endParaRPr lang="es-PE" dirty="0" smtClean="0"/>
-          </a:p>
-          <a:p>
-            <a:pPr algn="just">
-              <a:buNone/>
-            </a:pPr>
-            <a:r>
-              <a:rPr lang="es-PE" dirty="0" smtClean="0"/>
-              <a:t>La sensibilidad es lo que nos pone en contacto directo con los objetos. Cuando capto los datos sensibles, mi mente ordena las ideas bajo </a:t>
-            </a:r>
-            <a:r>
-              <a:rPr lang="es-PE" dirty="0" smtClean="0">
+              <a:t>racionalista</a:t>
+            </a:r>
+            <a:r>
+              <a:rPr lang="es-PE" sz="1400" dirty="0" smtClean="0"/>
+              <a:t>. Lo que sostiene esta tradición es que </a:t>
+            </a:r>
+            <a:r>
+              <a:rPr lang="es-PE" sz="1400" dirty="0" smtClean="0">
                 <a:solidFill>
-                  <a:srgbClr val="FF0000"/>
+                  <a:srgbClr val="C00000"/>
                 </a:solidFill>
               </a:rPr>
-              <a:t>CATEGORÍAS</a:t>
-            </a:r>
-            <a:r>
-              <a:rPr lang="es-PE" dirty="0" smtClean="0"/>
-              <a:t>, lo que presupone una estructura para el conocimiento y evita el caos de sensaciones. </a:t>
-            </a:r>
-          </a:p>
-          <a:p>
-            <a:pPr algn="just">
-              <a:buNone/>
-            </a:pPr>
-            <a:endParaRPr lang="es-PE" dirty="0"/>
-          </a:p>
-          <a:p>
-            <a:pPr algn="just">
-              <a:buNone/>
-            </a:pPr>
-            <a:r>
-              <a:rPr lang="es-PE" dirty="0" smtClean="0"/>
-              <a:t>La cosa en sí es el mundo, lo captado por nuestra </a:t>
-            </a:r>
-            <a:r>
-              <a:rPr lang="es-PE" dirty="0" err="1" smtClean="0"/>
-              <a:t>sensibilidad+entendimiento</a:t>
-            </a:r>
-            <a:r>
-              <a:rPr lang="es-PE" dirty="0" smtClean="0"/>
-              <a:t> es el fenómeno que se constituye cuando se aplican las categorías de la mente a los datos sensibles. </a:t>
-            </a:r>
-            <a:r>
-              <a:rPr lang="es-PE" dirty="0" smtClean="0">
+              <a:t>existen ideas innatas</a:t>
+            </a:r>
+            <a:r>
+              <a:rPr lang="es-PE" sz="1400" dirty="0" smtClean="0"/>
+              <a:t> a la razón, de modo que no necesito salir de mi razón para tener conocimiento de la realidad, en este sentido, se prescinde totalmente de la experiencia.</a:t>
+            </a:r>
+          </a:p>
+          <a:p>
+            <a:pPr algn="just"/>
+            <a:endParaRPr lang="es-PE" sz="1400" dirty="0"/>
+          </a:p>
+          <a:p>
+            <a:pPr algn="just"/>
+            <a:endParaRPr lang="es-PE" sz="1400" dirty="0" smtClean="0"/>
+          </a:p>
+          <a:p>
+            <a:pPr algn="just"/>
+            <a:endParaRPr lang="es-PE" sz="1400" dirty="0"/>
+          </a:p>
+          <a:p>
+            <a:pPr algn="just"/>
+            <a:endParaRPr lang="es-PE" sz="1400" dirty="0" smtClean="0"/>
+          </a:p>
+          <a:p>
+            <a:pPr algn="just"/>
+            <a:endParaRPr lang="es-PE" sz="1400" dirty="0"/>
+          </a:p>
+          <a:p>
+            <a:pPr algn="just"/>
+            <a:endParaRPr lang="es-PE" sz="1400" dirty="0" smtClean="0"/>
+          </a:p>
+          <a:p>
+            <a:pPr algn="just"/>
+            <a:endParaRPr lang="es-PE" sz="1400" dirty="0"/>
+          </a:p>
+          <a:p>
+            <a:pPr algn="just"/>
+            <a:endParaRPr lang="es-PE" sz="1400" dirty="0" smtClean="0"/>
+          </a:p>
+          <a:p>
+            <a:pPr algn="just"/>
+            <a:endParaRPr lang="es-PE" sz="1400" dirty="0"/>
+          </a:p>
+          <a:p>
+            <a:pPr algn="just"/>
+            <a:endParaRPr lang="es-PE" sz="1400" dirty="0" smtClean="0"/>
+          </a:p>
+          <a:p>
+            <a:pPr algn="just"/>
+            <a:endParaRPr lang="es-PE" sz="1400" dirty="0"/>
+          </a:p>
+          <a:p>
+            <a:pPr algn="just"/>
+            <a:endParaRPr lang="es-PE" sz="1400" dirty="0" smtClean="0"/>
+          </a:p>
+          <a:p>
+            <a:pPr algn="just"/>
+            <a:endParaRPr lang="es-PE" sz="1400" dirty="0"/>
+          </a:p>
+          <a:p>
+            <a:pPr algn="just"/>
+            <a:endParaRPr lang="es-PE" sz="1400" dirty="0" smtClean="0"/>
+          </a:p>
+          <a:p>
+            <a:pPr algn="just"/>
+            <a:endParaRPr lang="es-PE" sz="1400" dirty="0"/>
+          </a:p>
+          <a:p>
+            <a:pPr algn="just"/>
+            <a:endParaRPr lang="es-PE" sz="1400" dirty="0" smtClean="0"/>
+          </a:p>
+          <a:p>
+            <a:pPr algn="just"/>
+            <a:endParaRPr lang="es-PE" sz="1400" dirty="0"/>
+          </a:p>
+          <a:p>
+            <a:pPr algn="just"/>
+            <a:endParaRPr lang="es-PE" sz="1400" dirty="0" smtClean="0"/>
+          </a:p>
+          <a:p>
+            <a:pPr algn="just"/>
+            <a:endParaRPr lang="es-PE" sz="1400" dirty="0"/>
+          </a:p>
+          <a:p>
+            <a:pPr algn="just"/>
+            <a:endParaRPr lang="es-PE" sz="1400" dirty="0" smtClean="0"/>
+          </a:p>
+          <a:p>
+            <a:pPr algn="just"/>
+            <a:endParaRPr lang="es-PE" sz="1400" dirty="0"/>
+          </a:p>
+          <a:p>
+            <a:pPr algn="just"/>
+            <a:r>
+              <a:rPr lang="es-PE" sz="1400" dirty="0" smtClean="0"/>
+              <a:t>Los mercaderes ingleses llevaron a </a:t>
+            </a:r>
+            <a:r>
+              <a:rPr lang="es-PE" sz="1400" dirty="0" err="1" smtClean="0"/>
+              <a:t>Köningsberg</a:t>
+            </a:r>
+            <a:r>
+              <a:rPr lang="es-PE" sz="1400" dirty="0" smtClean="0"/>
+              <a:t> los textos de </a:t>
+            </a:r>
+            <a:r>
+              <a:rPr lang="es-PE" sz="1400" dirty="0" err="1" smtClean="0"/>
+              <a:t>Hume</a:t>
+            </a:r>
+            <a:r>
+              <a:rPr lang="es-PE" sz="1400" dirty="0" smtClean="0"/>
+              <a:t>, el escéptico </a:t>
+            </a:r>
+            <a:r>
+              <a:rPr lang="es-PE" sz="1400" dirty="0" smtClean="0">
                 <a:solidFill>
-                  <a:srgbClr val="FF0000"/>
+                  <a:srgbClr val="C00000"/>
                 </a:solidFill>
               </a:rPr>
-              <a:t>Según Kant: PODEMOS CONOCER LOS FENÓMENOS PERO NO LA COSA EN SÍ.</a:t>
-            </a:r>
-          </a:p>
-          <a:p>
-            <a:pPr algn="just">
-              <a:buNone/>
-            </a:pPr>
-            <a:endParaRPr lang="es-PE" dirty="0"/>
-          </a:p>
-          <a:p>
-            <a:pPr algn="just">
-              <a:buNone/>
-            </a:pPr>
-            <a:endParaRPr lang="es-PE" dirty="0" smtClean="0">
+              <a:t>empirista</a:t>
+            </a:r>
+            <a:r>
+              <a:rPr lang="es-PE" sz="1400" dirty="0" smtClean="0"/>
+              <a:t>. Al removerle las convicciones racionalistas (como por ejemplo, la idea de causalidad), Kant declara que </a:t>
+            </a:r>
+            <a:r>
+              <a:rPr lang="es-PE" sz="1400" dirty="0" err="1" smtClean="0"/>
+              <a:t>Hume</a:t>
+            </a:r>
+            <a:r>
+              <a:rPr lang="es-PE" sz="1400" dirty="0" smtClean="0"/>
+              <a:t> le ha despertado de su sueño dogmático</a:t>
+            </a:r>
+            <a:r>
+              <a:rPr lang="es-PE" sz="1400" dirty="0" smtClean="0">
+                <a:solidFill>
+                  <a:srgbClr val="C00000"/>
+                </a:solidFill>
+              </a:rPr>
+              <a:t>: NO HAY IDEAS INNATAS</a:t>
+            </a:r>
+            <a:r>
+              <a:rPr lang="es-PE" sz="1400" dirty="0" smtClean="0"/>
+              <a:t>, su origen se encuentra en la experiencia. Mientras los racionalistas consideraban las ideas innatas como intuiciones racionales, los empiristas creen en una intuición sensible. </a:t>
+            </a:r>
+            <a:r>
+              <a:rPr lang="es-PE" sz="1400" dirty="0" smtClean="0">
+                <a:solidFill>
+                  <a:srgbClr val="00B050"/>
+                </a:solidFill>
+              </a:rPr>
+              <a:t>Kant, de algún modo, sintetiza ambas corrientes.</a:t>
+            </a:r>
+            <a:endParaRPr lang="es-PE" sz="1400" dirty="0">
               <a:solidFill>
-                <a:srgbClr val="FF0000"/>
+                <a:srgbClr val="00B050"/>
               </a:solidFill>
             </a:endParaRPr>
           </a:p>
-          <a:p>
-            <a:endParaRPr lang="es-PE" dirty="0"/>
-          </a:p>
         </p:txBody>
       </p:sp>
       <p:pic>
         <p:nvPicPr>
-          <p:cNvPr id="2" name="Imagen 1"/>
+          <p:cNvPr id="17410" name="Picture 2"/>
           <p:cNvPicPr>
-            <a:picLocks noChangeAspect="1"/>
+            <a:picLocks noChangeAspect="1" noChangeArrowheads="1"/>
           </p:cNvPicPr>
           <p:nvPr/>
         </p:nvPicPr>
         <p:blipFill>
           <a:blip r:embed="rId2"/>
+          <a:srcRect/>
           <a:stretch>
             <a:fillRect/>
           </a:stretch>
         </p:blipFill>
-        <p:spPr>
-          <a:xfrm>
-            <a:off x="1790700" y="3501008"/>
-            <a:ext cx="5562600" cy="2867025"/>
-          </a:xfrm>
-          <a:prstGeom prst="rect">
-            <a:avLst/>
-          </a:prstGeom>
+        <p:spPr bwMode="auto">
+          <a:xfrm>
+            <a:off x="0" y="1268760"/>
+            <a:ext cx="8878303" cy="3816424"/>
+          </a:xfrm>
+          <a:prstGeom prst="rect">
+            <a:avLst/>
+          </a:prstGeom>
+          <a:noFill/>
+          <a:ln w="9525">
+            <a:noFill/>
+            <a:miter lim="800000"/>
+            <a:headEnd/>
+            <a:tailEnd/>
+          </a:ln>
+          <a:effectLst/>
         </p:spPr>
       </p:pic>
+      <p:sp>
+        <p:nvSpPr>
+          <p:cNvPr id="2" name="Rectángulo 1"/>
+          <p:cNvSpPr/>
+          <p:nvPr/>
+        </p:nvSpPr>
+        <p:spPr>
+          <a:xfrm>
+            <a:off x="1331640" y="1271108"/>
+            <a:ext cx="2376264" cy="357692"/>
+          </a:xfrm>
+          <a:prstGeom prst="rect">
+            <a:avLst/>
+          </a:prstGeom>
+          <a:noFill/>
+          <a:ln w="38100">
+            <a:solidFill>
+              <a:srgbClr val="FF0000"/>
+            </a:solidFill>
+          </a:ln>
+        </p:spPr>
+        <p:style>
+          <a:lnRef idx="2">
+            <a:schemeClr val="accent1">
+              <a:shade val="50000"/>
+            </a:schemeClr>
+          </a:lnRef>
+          <a:fillRef idx="1">
+            <a:schemeClr val="accent1"/>
+          </a:fillRef>
+          <a:effectRef idx="0">
+            <a:schemeClr val="accent1"/>
+          </a:effectRef>
+          <a:fontRef idx="minor">
+            <a:schemeClr val="lt1"/>
+          </a:fontRef>
+        </p:style>
+        <p:txBody>
+          <a:bodyPr rot="0" spcFirstLastPara="0" vertOverflow="overflow" horzOverflow="overflow" vert="horz" wrap="square" lIns="91440" tIns="45720" rIns="91440" bIns="45720" numCol="1" spcCol="0" rtlCol="0" fromWordArt="0" anchor="ctr" anchorCtr="0" forceAA="0" compatLnSpc="1">
+            <a:prstTxWarp prst="textNoShape">
+              <a:avLst/>
+            </a:prstTxWarp>
+            <a:noAutofit/>
+          </a:bodyPr>
+          <a:lstStyle/>
+          <a:p>
+            <a:pPr algn="ctr"/>
+            <a:endParaRPr lang="es-PE"/>
+          </a:p>
+        </p:txBody>
+      </p:sp>
+      <p:sp>
+        <p:nvSpPr>
+          <p:cNvPr id="3" name="Rectángulo 2"/>
+          <p:cNvSpPr/>
+          <p:nvPr/>
+        </p:nvSpPr>
+        <p:spPr>
+          <a:xfrm>
+            <a:off x="611560" y="4725144"/>
+            <a:ext cx="2736304" cy="360040"/>
+          </a:xfrm>
+          <a:prstGeom prst="rect">
+            <a:avLst/>
+          </a:prstGeom>
+          <a:noFill/>
+          <a:ln w="38100">
+            <a:solidFill>
+              <a:srgbClr val="FF0000"/>
+            </a:solidFill>
+          </a:ln>
+        </p:spPr>
+        <p:style>
+          <a:lnRef idx="2">
+            <a:schemeClr val="accent1">
+              <a:shade val="50000"/>
+            </a:schemeClr>
+          </a:lnRef>
+          <a:fillRef idx="1">
+            <a:schemeClr val="accent1"/>
+          </a:fillRef>
+          <a:effectRef idx="0">
+            <a:schemeClr val="accent1"/>
+          </a:effectRef>
+          <a:fontRef idx="minor">
+            <a:schemeClr val="lt1"/>
+          </a:fontRef>
+        </p:style>
+        <p:txBody>
+          <a:bodyPr rot="0" spcFirstLastPara="0" vertOverflow="overflow" horzOverflow="overflow" vert="horz" wrap="square" lIns="91440" tIns="45720" rIns="91440" bIns="45720" numCol="1" spcCol="0" rtlCol="0" fromWordArt="0" anchor="ctr" anchorCtr="0" forceAA="0" compatLnSpc="1">
+            <a:prstTxWarp prst="textNoShape">
+              <a:avLst/>
+            </a:prstTxWarp>
+            <a:noAutofit/>
+          </a:bodyPr>
+          <a:lstStyle/>
+          <a:p>
+            <a:pPr algn="ctr"/>
+            <a:endParaRPr lang="es-PE"/>
+          </a:p>
+        </p:txBody>
+      </p:sp>
+      <p:sp>
+        <p:nvSpPr>
+          <p:cNvPr id="5" name="Rectángulo 4"/>
+          <p:cNvSpPr/>
+          <p:nvPr/>
+        </p:nvSpPr>
+        <p:spPr>
+          <a:xfrm>
+            <a:off x="7596336" y="2708920"/>
+            <a:ext cx="1080120" cy="720080"/>
+          </a:xfrm>
+          <a:prstGeom prst="rect">
+            <a:avLst/>
+          </a:prstGeom>
+          <a:noFill/>
+          <a:ln w="38100">
+            <a:solidFill>
+              <a:srgbClr val="FF0000"/>
+            </a:solidFill>
+          </a:ln>
+        </p:spPr>
+        <p:style>
+          <a:lnRef idx="2">
+            <a:schemeClr val="accent1">
+              <a:shade val="50000"/>
+            </a:schemeClr>
+          </a:lnRef>
+          <a:fillRef idx="1">
+            <a:schemeClr val="accent1"/>
+          </a:fillRef>
+          <a:effectRef idx="0">
+            <a:schemeClr val="accent1"/>
+          </a:effectRef>
+          <a:fontRef idx="minor">
+            <a:schemeClr val="lt1"/>
+          </a:fontRef>
+        </p:style>
+        <p:txBody>
+          <a:bodyPr rot="0" spcFirstLastPara="0" vertOverflow="overflow" horzOverflow="overflow" vert="horz" wrap="square" lIns="91440" tIns="45720" rIns="91440" bIns="45720" numCol="1" spcCol="0" rtlCol="0" fromWordArt="0" anchor="ctr" anchorCtr="0" forceAA="0" compatLnSpc="1">
+            <a:prstTxWarp prst="textNoShape">
+              <a:avLst/>
+            </a:prstTxWarp>
+            <a:noAutofit/>
+          </a:bodyPr>
+          <a:lstStyle/>
+          <a:p>
+            <a:pPr algn="ctr"/>
+            <a:endParaRPr lang="es-PE"/>
+          </a:p>
+        </p:txBody>
+      </p:sp>
     </p:spTree>
   </p:cSld>
   <p:clrMapOvr>
     <a:masterClrMapping/>
   </p:clrMapOvr>
+  <p:timing>
+    <p:tnLst>
+      <p:par>
+        <p:cTn id="1" dur="indefinite" restart="never" nodeType="tmRoot"/>
+      </p:par>
+    </p:tnLst>
+  </p:timing>
 </p:sld>
 </file>
 
@@ -5110,175 +5534,146 @@
       </p:grpSpPr>
       <p:sp>
         <p:nvSpPr>
-          <p:cNvPr id="4" name="3 CuadroTexto"/>
-          <p:cNvSpPr txBox="1"/>
-          <p:nvPr/>
-        </p:nvSpPr>
-        <p:spPr>
-          <a:xfrm>
-            <a:off x="4716016" y="19472"/>
-            <a:ext cx="3999388" cy="7017306"/>
-          </a:xfrm>
-          <a:prstGeom prst="rect">
-            <a:avLst/>
-          </a:prstGeom>
-          <a:noFill/>
-        </p:spPr>
-        <p:txBody>
-          <a:bodyPr wrap="square" rtlCol="0">
-            <a:spAutoFit/>
+          <p:cNvPr id="3" name="Marcador de contenido 2"/>
+          <p:cNvSpPr>
+            <a:spLocks noGrp="1"/>
+          </p:cNvSpPr>
+          <p:nvPr>
+            <p:ph idx="1"/>
+          </p:nvPr>
+        </p:nvSpPr>
+        <p:spPr>
+          <a:xfrm>
+            <a:off x="457200" y="620688"/>
+            <a:ext cx="8229600" cy="5505475"/>
+          </a:xfrm>
+        </p:spPr>
+        <p:txBody>
+          <a:bodyPr>
+            <a:normAutofit fontScale="92500" lnSpcReduction="20000"/>
           </a:bodyPr>
           <a:lstStyle/>
           <a:p>
-            <a:pPr>
-              <a:buNone/>
-            </a:pPr>
-            <a:r>
-              <a:rPr lang="es-PE" dirty="0" smtClean="0">
-                <a:solidFill>
-                  <a:srgbClr val="FF0000"/>
-                </a:solidFill>
-              </a:rPr>
-              <a:t>.</a:t>
-            </a:r>
-            <a:endParaRPr lang="es-PE" dirty="0" smtClean="0">
-              <a:solidFill>
-                <a:srgbClr val="FF0000"/>
-              </a:solidFill>
-            </a:endParaRPr>
-          </a:p>
-          <a:p>
-            <a:pPr algn="just">
+            <a:pPr marL="0" indent="0">
               <a:buNone/>
             </a:pPr>
             <a:endParaRPr lang="es-PE" dirty="0"/>
           </a:p>
           <a:p>
-            <a:pPr algn="just">
+            <a:pPr marL="0" indent="0">
               <a:buNone/>
             </a:pPr>
             <a:r>
-              <a:rPr lang="es-PE" dirty="0" smtClean="0"/>
-              <a:t>Entonces… puede ser legítimo preguntarnos…. ¿Qué pasa con la </a:t>
-            </a:r>
-            <a:r>
-              <a:rPr lang="es-PE" dirty="0" smtClean="0">
-                <a:solidFill>
-                  <a:srgbClr val="00B050"/>
-                </a:solidFill>
-              </a:rPr>
-              <a:t>verdad</a:t>
-            </a:r>
-            <a:r>
-              <a:rPr lang="es-PE" dirty="0" smtClean="0"/>
-              <a:t>?</a:t>
-            </a:r>
-          </a:p>
-          <a:p>
-            <a:pPr algn="just">
+              <a:rPr lang="es-PE" sz="4000" b="1" dirty="0" smtClean="0"/>
+              <a:t>- ¿Porqué se habla de un giro Copernicano, en el caso de Kant?</a:t>
+            </a:r>
+            <a:endParaRPr lang="es-PE" b="1" dirty="0" smtClean="0">
+              <a:solidFill>
+                <a:schemeClr val="bg1">
+                  <a:lumMod val="75000"/>
+                </a:schemeClr>
+              </a:solidFill>
+            </a:endParaRPr>
+          </a:p>
+          <a:p>
+            <a:pPr marL="0" indent="0">
               <a:buNone/>
             </a:pPr>
-            <a:endParaRPr lang="es-PE" dirty="0"/>
-          </a:p>
-          <a:p>
-            <a:pPr algn="just">
-              <a:buNone/>
+            <a:endParaRPr lang="es-PE" sz="4000" b="1" dirty="0"/>
+          </a:p>
+          <a:p>
+            <a:pPr>
+              <a:buFontTx/>
+              <a:buChar char="-"/>
             </a:pPr>
             <a:r>
-              <a:rPr lang="es-PE" dirty="0" smtClean="0"/>
-              <a:t>Al cuestionar los alcances de la razón y fijar los límites en la experiencia, llegamos a la idea que supone que no podemos conocer realmente la “verdad” o la cosa en sí, ni mucho menos a Dios y a sus supuestos “interpretes</a:t>
-            </a:r>
-            <a:r>
-              <a:rPr lang="es-PE" dirty="0" smtClean="0"/>
-              <a:t>”.</a:t>
-            </a:r>
-          </a:p>
-          <a:p>
-            <a:pPr algn="just">
-              <a:buNone/>
+              <a:rPr lang="es-PE" sz="4000" b="1" dirty="0" smtClean="0"/>
+              <a:t>¿Qué elementos componen la extensión de sus obras y pensamientos? ¿Qué se pregunta?</a:t>
+            </a:r>
+          </a:p>
+          <a:p>
+            <a:pPr>
+              <a:buFontTx/>
+              <a:buChar char="-"/>
             </a:pPr>
-            <a:endParaRPr lang="es-PE" dirty="0"/>
-          </a:p>
-          <a:p>
-            <a:pPr algn="just">
-              <a:buNone/>
+            <a:endParaRPr lang="es-PE" sz="4000" b="1" dirty="0"/>
+          </a:p>
+          <a:p>
+            <a:pPr>
+              <a:buFontTx/>
+              <a:buChar char="-"/>
             </a:pPr>
             <a:r>
-              <a:rPr lang="es-PE" dirty="0" smtClean="0"/>
-              <a:t>De </a:t>
-            </a:r>
-            <a:r>
-              <a:rPr lang="es-PE" dirty="0" smtClean="0"/>
-              <a:t>éste modo, se cortan las alas del despotismo…. En este sentido, la C.R.P. no es sólo un texto sobre teoría del </a:t>
-            </a:r>
-            <a:r>
-              <a:rPr lang="es-PE" dirty="0" smtClean="0">
-                <a:solidFill>
-                  <a:srgbClr val="00B050"/>
-                </a:solidFill>
-              </a:rPr>
-              <a:t>conocimiento humano</a:t>
-            </a:r>
-            <a:r>
-              <a:rPr lang="es-PE" dirty="0" smtClean="0"/>
-              <a:t>, sino que además tiene claros alcances </a:t>
-            </a:r>
-            <a:r>
-              <a:rPr lang="es-PE" dirty="0" smtClean="0">
-                <a:solidFill>
-                  <a:srgbClr val="00B050"/>
-                </a:solidFill>
-              </a:rPr>
-              <a:t>políticos</a:t>
-            </a:r>
-            <a:r>
-              <a:rPr lang="es-PE" dirty="0" smtClean="0"/>
-              <a:t>. No olvidemos que al soberano Guillermo II no le gustará para nada tal concepto y Kant, y todo quien enseñe sus doctrinas será “censurado”, por usar una palabra ligera. </a:t>
-            </a:r>
-          </a:p>
-          <a:p>
-            <a:pPr algn="just">
-              <a:buNone/>
+              <a:rPr lang="es-PE" sz="4000" b="1" dirty="0" smtClean="0"/>
+              <a:t>¿Qué tiene que ver el giro copernicano con la C.R.P.?</a:t>
+            </a:r>
+          </a:p>
+          <a:p>
+            <a:pPr>
+              <a:buFontTx/>
+              <a:buChar char="-"/>
             </a:pPr>
-            <a:endParaRPr lang="es-PE" dirty="0" smtClean="0">
-              <a:solidFill>
-                <a:srgbClr val="FF0000"/>
-              </a:solidFill>
-            </a:endParaRPr>
-          </a:p>
-          <a:p>
-            <a:endParaRPr lang="es-PE" dirty="0"/>
-          </a:p>
-        </p:txBody>
-      </p:sp>
-      <p:pic>
-        <p:nvPicPr>
-          <p:cNvPr id="3" name="Imagen 2"/>
-          <p:cNvPicPr>
-            <a:picLocks noChangeAspect="1"/>
-          </p:cNvPicPr>
-          <p:nvPr/>
-        </p:nvPicPr>
-        <p:blipFill>
-          <a:blip r:embed="rId2"/>
-          <a:stretch>
-            <a:fillRect/>
-          </a:stretch>
-        </p:blipFill>
-        <p:spPr>
-          <a:xfrm>
-            <a:off x="251520" y="332656"/>
-            <a:ext cx="4145806" cy="6242400"/>
-          </a:xfrm>
-          <a:prstGeom prst="rect">
-            <a:avLst/>
-          </a:prstGeom>
-        </p:spPr>
-      </p:pic>
+            <a:endParaRPr lang="es-PE" sz="4000" b="1" dirty="0"/>
+          </a:p>
+          <a:p>
+            <a:pPr>
+              <a:buFontTx/>
+              <a:buChar char="-"/>
+            </a:pPr>
+            <a:endParaRPr lang="es-PE" sz="4000" b="1" dirty="0"/>
+          </a:p>
+        </p:txBody>
+      </p:sp>
+      <p:sp>
+        <p:nvSpPr>
+          <p:cNvPr id="2" name="Rectángulo 1"/>
+          <p:cNvSpPr/>
+          <p:nvPr/>
+        </p:nvSpPr>
+        <p:spPr>
+          <a:xfrm>
+            <a:off x="461422" y="4551691"/>
+            <a:ext cx="8225377" cy="1567743"/>
+          </a:xfrm>
+          <a:prstGeom prst="rect">
+            <a:avLst/>
+          </a:prstGeom>
+          <a:noFill/>
+          <a:ln w="76200">
+            <a:solidFill>
+              <a:srgbClr val="FF0000"/>
+            </a:solidFill>
+          </a:ln>
+        </p:spPr>
+        <p:style>
+          <a:lnRef idx="2">
+            <a:schemeClr val="accent1">
+              <a:shade val="50000"/>
+            </a:schemeClr>
+          </a:lnRef>
+          <a:fillRef idx="1">
+            <a:schemeClr val="accent1"/>
+          </a:fillRef>
+          <a:effectRef idx="0">
+            <a:schemeClr val="accent1"/>
+          </a:effectRef>
+          <a:fontRef idx="minor">
+            <a:schemeClr val="lt1"/>
+          </a:fontRef>
+        </p:style>
+        <p:txBody>
+          <a:bodyPr rtlCol="0" anchor="ctr"/>
+          <a:lstStyle/>
+          <a:p>
+            <a:pPr algn="ctr"/>
+            <a:endParaRPr lang="es-PE"/>
+          </a:p>
+        </p:txBody>
+      </p:sp>
     </p:spTree>
     <p:extLst>
       <p:ext uri="{BB962C8B-B14F-4D97-AF65-F5344CB8AC3E}">
-        <p14:creationId xmlns:p14="http://schemas.microsoft.com/office/powerpoint/2010/main" val="130871090"/>
+        <p14:creationId xmlns:p14="http://schemas.microsoft.com/office/powerpoint/2010/main" val="2498334702"/>
       </p:ext>
     </p:extLst>
   </p:cSld>
@@ -5305,9 +5700,130 @@
           <a:chExt cx="0" cy="0"/>
         </a:xfrm>
       </p:grpSpPr>
+      <p:sp>
+        <p:nvSpPr>
+          <p:cNvPr id="4" name="3 CuadroTexto"/>
+          <p:cNvSpPr txBox="1"/>
+          <p:nvPr/>
+        </p:nvSpPr>
+        <p:spPr>
+          <a:xfrm>
+            <a:off x="428596" y="428604"/>
+            <a:ext cx="8286808" cy="3416320"/>
+          </a:xfrm>
+          <a:prstGeom prst="rect">
+            <a:avLst/>
+          </a:prstGeom>
+          <a:noFill/>
+        </p:spPr>
+        <p:txBody>
+          <a:bodyPr wrap="square" rtlCol="0">
+            <a:spAutoFit/>
+          </a:bodyPr>
+          <a:lstStyle/>
+          <a:p>
+            <a:pPr>
+              <a:buNone/>
+            </a:pPr>
+            <a:r>
+              <a:rPr lang="es-PE" dirty="0" smtClean="0"/>
+              <a:t>Así, Kant rescata la importancia de la </a:t>
+            </a:r>
+            <a:r>
+              <a:rPr lang="es-PE" dirty="0" smtClean="0">
+                <a:solidFill>
+                  <a:srgbClr val="FF0000"/>
+                </a:solidFill>
+              </a:rPr>
+              <a:t>SENSIBILIDAD</a:t>
+            </a:r>
+            <a:r>
+              <a:rPr lang="es-PE" dirty="0" smtClean="0"/>
+              <a:t>.</a:t>
+            </a:r>
+          </a:p>
+          <a:p>
+            <a:pPr>
+              <a:buNone/>
+            </a:pPr>
+            <a:endParaRPr lang="es-PE" dirty="0" smtClean="0"/>
+          </a:p>
+          <a:p>
+            <a:pPr algn="just">
+              <a:buNone/>
+            </a:pPr>
+            <a:r>
+              <a:rPr lang="es-PE" dirty="0" smtClean="0"/>
+              <a:t>La sensibilidad es lo que nos pone en contacto directo con los objetos. Cuando capto los datos sensibles, mi mente ordena las ideas bajo </a:t>
+            </a:r>
+            <a:r>
+              <a:rPr lang="es-PE" dirty="0" smtClean="0">
+                <a:solidFill>
+                  <a:srgbClr val="FF0000"/>
+                </a:solidFill>
+              </a:rPr>
+              <a:t>CATEGORÍAS</a:t>
+            </a:r>
+            <a:r>
+              <a:rPr lang="es-PE" dirty="0" smtClean="0"/>
+              <a:t>, lo que presupone una estructura para el conocimiento y evita el caos de sensaciones. </a:t>
+            </a:r>
+          </a:p>
+          <a:p>
+            <a:pPr algn="just">
+              <a:buNone/>
+            </a:pPr>
+            <a:endParaRPr lang="es-PE" dirty="0"/>
+          </a:p>
+          <a:p>
+            <a:pPr algn="just">
+              <a:buNone/>
+            </a:pPr>
+            <a:r>
+              <a:rPr lang="es-PE" dirty="0" smtClean="0"/>
+              <a:t>La cosa en sí es el mundo, lo captado por nuestra </a:t>
+            </a:r>
+            <a:r>
+              <a:rPr lang="es-PE" dirty="0" err="1" smtClean="0"/>
+              <a:t>sensibilidad+entendimiento</a:t>
+            </a:r>
+            <a:r>
+              <a:rPr lang="es-PE" dirty="0" smtClean="0"/>
+              <a:t> es el fenómeno que se constituye cuando se aplican las categorías de la mente a los datos sensibles. </a:t>
+            </a:r>
+            <a:r>
+              <a:rPr lang="es-PE" dirty="0" smtClean="0">
+                <a:solidFill>
+                  <a:srgbClr val="FF0000"/>
+                </a:solidFill>
+              </a:rPr>
+              <a:t>Según Kant: PODEMOS CONOCER LOS FENÓMENOS PERO NO LA COSA EN SÍ.</a:t>
+            </a:r>
+          </a:p>
+          <a:p>
+            <a:pPr algn="just">
+              <a:buNone/>
+            </a:pPr>
+            <a:endParaRPr lang="es-PE" dirty="0"/>
+          </a:p>
+          <a:p>
+            <a:pPr algn="just">
+              <a:buNone/>
+            </a:pPr>
+            <a:endParaRPr lang="es-PE" dirty="0" smtClean="0">
+              <a:solidFill>
+                <a:srgbClr val="FF0000"/>
+              </a:solidFill>
+            </a:endParaRPr>
+          </a:p>
+          <a:p>
+            <a:endParaRPr lang="es-PE" dirty="0"/>
+          </a:p>
+        </p:txBody>
+      </p:sp>
       <p:pic>
         <p:nvPicPr>
-          <p:cNvPr id="5" name="Imagen 4"/>
+          <p:cNvPr id="2" name="Imagen 1"/>
           <p:cNvPicPr>
             <a:picLocks noChangeAspect="1"/>
           </p:cNvPicPr>
@@ -5321,8 +5837,8 @@
         </p:blipFill>
         <p:spPr>
           <a:xfrm>
-            <a:off x="899592" y="908720"/>
-            <a:ext cx="7488832" cy="4724498"/>
+            <a:off x="1790700" y="3501008"/>
+            <a:ext cx="5562600" cy="2867025"/>
           </a:xfrm>
           <a:prstGeom prst="rect">
             <a:avLst/>
@@ -5330,11 +5846,6 @@
         </p:spPr>
       </p:pic>
     </p:spTree>
-    <p:extLst>
-      <p:ext uri="{BB962C8B-B14F-4D97-AF65-F5344CB8AC3E}">
-        <p14:creationId xmlns:p14="http://schemas.microsoft.com/office/powerpoint/2010/main" val="2145563828"/>
-      </p:ext>
-    </p:extLst>
   </p:cSld>
   <p:clrMapOvr>
     <a:masterClrMapping/>
@@ -5367,8 +5878,8 @@
         </p:nvSpPr>
         <p:spPr>
           <a:xfrm>
-            <a:off x="285720" y="285728"/>
-            <a:ext cx="8501122" cy="7017306"/>
+            <a:off x="4716016" y="19472"/>
+            <a:ext cx="3999388" cy="7017306"/>
           </a:xfrm>
           <a:prstGeom prst="rect">
             <a:avLst/>
@@ -5381,10 +5892,31 @@
           </a:bodyPr>
           <a:lstStyle/>
           <a:p>
-            <a:pPr algn="just"/>
+            <a:pPr>
+              <a:buNone/>
+            </a:pPr>
+            <a:r>
+              <a:rPr lang="es-PE" dirty="0" smtClean="0">
+                <a:solidFill>
+                  <a:srgbClr val="FF0000"/>
+                </a:solidFill>
+              </a:rPr>
+              <a:t>.</a:t>
+            </a:r>
+          </a:p>
+          <a:p>
+            <a:pPr algn="just">
+              <a:buNone/>
+            </a:pPr>
+            <a:endParaRPr lang="es-PE" dirty="0"/>
+          </a:p>
+          <a:p>
+            <a:pPr algn="just">
+              <a:buNone/>
+            </a:pPr>
             <a:r>
               <a:rPr lang="es-PE" dirty="0" smtClean="0"/>
-              <a:t>J. Locke había establecido que la </a:t>
+              <a:t>Entonces… puede ser legítimo preguntarnos…. ¿Qué pasa con la </a:t>
             </a:r>
             <a:r>
               <a:rPr lang="es-PE" dirty="0" smtClean="0">
@@ -5392,11 +5924,41 @@
                   <a:srgbClr val="00B050"/>
                 </a:solidFill>
               </a:rPr>
-              <a:t>mente</a:t>
+              <a:t>verdad</a:t>
             </a:r>
             <a:r>
               <a:rPr lang="es-PE" dirty="0" smtClean="0"/>
-              <a:t> es como un </a:t>
+              <a:t>?</a:t>
+            </a:r>
+          </a:p>
+          <a:p>
+            <a:pPr algn="just">
+              <a:buNone/>
+            </a:pPr>
+            <a:endParaRPr lang="es-PE" dirty="0"/>
+          </a:p>
+          <a:p>
+            <a:pPr algn="just">
+              <a:buNone/>
+            </a:pPr>
+            <a:r>
+              <a:rPr lang="es-PE" dirty="0" smtClean="0"/>
+              <a:t>Al cuestionar los alcances de la razón y fijar los límites en la experiencia, llegamos a la idea que supone que no podemos conocer realmente la “verdad” o la cosa en sí, ni mucho menos a Dios y a sus supuestos “interpretes”.</a:t>
+            </a:r>
+          </a:p>
+          <a:p>
+            <a:pPr algn="just">
+              <a:buNone/>
+            </a:pPr>
+            <a:endParaRPr lang="es-PE" dirty="0"/>
+          </a:p>
+          <a:p>
+            <a:pPr algn="just">
+              <a:buNone/>
+            </a:pPr>
+            <a:r>
+              <a:rPr lang="es-PE" dirty="0" smtClean="0"/>
+              <a:t>De éste modo, se cortan las alas del despotismo…. En este sentido, la C.R.P. no es sólo un texto sobre teoría del </a:t>
             </a:r>
             <a:r>
               <a:rPr lang="es-PE" dirty="0" smtClean="0">
@@ -5404,19 +5966,11 @@
                   <a:srgbClr val="00B050"/>
                 </a:solidFill>
               </a:rPr>
-              <a:t>papel en blanco </a:t>
+              <a:t>conocimiento humano</a:t>
             </a:r>
             <a:r>
               <a:rPr lang="es-PE" dirty="0" smtClean="0"/>
-              <a:t>en donde se </a:t>
-            </a:r>
-            <a:r>
-              <a:rPr lang="es-PE" dirty="0" smtClean="0"/>
-              <a:t>plasman </a:t>
-            </a:r>
-            <a:r>
-              <a:rPr lang="es-PE" dirty="0" smtClean="0"/>
-              <a:t>nuestras impresiones (Una </a:t>
+              <a:t>, sino que además tiene claros alcances </a:t>
             </a:r>
             <a:r>
               <a:rPr lang="es-PE" dirty="0" smtClean="0">
@@ -5424,108 +5978,18 @@
                   <a:srgbClr val="00B050"/>
                 </a:solidFill>
               </a:rPr>
-              <a:t>tabula rasa</a:t>
+              <a:t>políticos</a:t>
             </a:r>
             <a:r>
               <a:rPr lang="es-PE" dirty="0" smtClean="0"/>
-              <a:t>, en contra del concepto de ideas innatas). Para Kant, en la mente hay una estructura predeterminada y percibimos las cosas ordenadamente gracias a dicha arquitectónica. </a:t>
-            </a:r>
-            <a:endParaRPr lang="es-PE" dirty="0" smtClean="0"/>
-          </a:p>
-          <a:p>
-            <a:pPr algn="just"/>
-            <a:endParaRPr lang="es-PE" dirty="0"/>
-          </a:p>
-          <a:p>
-            <a:pPr algn="just"/>
-            <a:endParaRPr lang="es-PE" dirty="0" smtClean="0"/>
-          </a:p>
-          <a:p>
-            <a:pPr algn="just"/>
-            <a:endParaRPr lang="es-PE" dirty="0"/>
-          </a:p>
-          <a:p>
-            <a:pPr algn="just"/>
-            <a:endParaRPr lang="es-PE" dirty="0" smtClean="0"/>
-          </a:p>
-          <a:p>
-            <a:pPr algn="just"/>
-            <a:endParaRPr lang="es-PE" dirty="0"/>
-          </a:p>
-          <a:p>
-            <a:pPr algn="just"/>
-            <a:endParaRPr lang="es-PE" dirty="0" smtClean="0"/>
-          </a:p>
-          <a:p>
-            <a:pPr algn="just"/>
-            <a:r>
-              <a:rPr lang="es-PE" dirty="0" smtClean="0"/>
-              <a:t>La </a:t>
-            </a:r>
-            <a:r>
-              <a:rPr lang="es-PE" dirty="0" smtClean="0"/>
-              <a:t>estructura organiza datos de la experiencia y </a:t>
-            </a:r>
-            <a:r>
-              <a:rPr lang="es-PE" dirty="0" smtClean="0">
-                <a:solidFill>
-                  <a:srgbClr val="FF0000"/>
-                </a:solidFill>
-              </a:rPr>
-              <a:t>FORMA</a:t>
-            </a:r>
-            <a:r>
-              <a:rPr lang="es-PE" dirty="0" smtClean="0"/>
-              <a:t> el objeto. La mente “distorsiona” los contenidos del mundo; en nuestra mente se constituyen objetos de otra naturaleza que no son equivalentes a los de la realidad, es decir, una vez más, no hay correlato exacto entre fenómeno y cosa en sí. </a:t>
-            </a:r>
-            <a:endParaRPr lang="es-PE" dirty="0" smtClean="0"/>
-          </a:p>
-          <a:p>
-            <a:pPr algn="just"/>
-            <a:endParaRPr lang="es-PE" dirty="0"/>
-          </a:p>
-          <a:p>
-            <a:pPr algn="just"/>
-            <a:endParaRPr lang="es-PE" dirty="0" smtClean="0"/>
-          </a:p>
-          <a:p>
-            <a:pPr algn="just"/>
-            <a:endParaRPr lang="es-PE" dirty="0"/>
-          </a:p>
-          <a:p>
-            <a:pPr algn="just"/>
-            <a:endParaRPr lang="es-PE" dirty="0" smtClean="0"/>
-          </a:p>
-          <a:p>
-            <a:pPr algn="just"/>
-            <a:endParaRPr lang="es-PE" dirty="0"/>
-          </a:p>
-          <a:p>
-            <a:pPr algn="just"/>
-            <a:r>
-              <a:rPr lang="es-PE" dirty="0" smtClean="0"/>
-              <a:t>Por ejemplo: la idea de causa/efecto no está propiamente en la realidad, sino que se trata de </a:t>
-            </a:r>
-            <a:r>
-              <a:rPr lang="es-PE" i="1" dirty="0" smtClean="0">
-                <a:solidFill>
-                  <a:srgbClr val="FF0000"/>
-                </a:solidFill>
-              </a:rPr>
-              <a:t>nuestra </a:t>
-            </a:r>
-            <a:r>
-              <a:rPr lang="es-PE" dirty="0" smtClean="0"/>
-              <a:t>manera de entender el mundo, lo mismo sucede con el espacio/tiempo, estas son condiciones que posibilitan el conocimiento, </a:t>
-            </a:r>
-            <a:r>
-              <a:rPr lang="es-PE" b="1" u="sng" dirty="0" smtClean="0"/>
-              <a:t>son formas puras de sensibilidad.</a:t>
-            </a:r>
-          </a:p>
-          <a:p>
-            <a:pPr algn="just"/>
-            <a:endParaRPr lang="es-PE" b="1" u="sng" dirty="0">
+              <a:t>. No olvidemos que al soberano Guillermo II no le gustará para nada tal concepto y Kant, y todo quien enseñe sus doctrinas será “censurado”, por usar una palabra ligera. </a:t>
+            </a:r>
+          </a:p>
+          <a:p>
+            <a:pPr algn="just">
+              <a:buNone/>
+            </a:pPr>
+            <a:endParaRPr lang="es-PE" dirty="0" smtClean="0">
               <a:solidFill>
                 <a:srgbClr val="FF0000"/>
               </a:solidFill>
@@ -5534,14 +5998,11 @@
           <a:p>
             <a:endParaRPr lang="es-PE" dirty="0"/>
           </a:p>
-          <a:p>
-            <a:endParaRPr lang="es-PE" dirty="0"/>
-          </a:p>
         </p:txBody>
       </p:sp>
       <p:pic>
         <p:nvPicPr>
-          <p:cNvPr id="2" name="Imagen 1"/>
+          <p:cNvPr id="3" name="Imagen 2"/>
           <p:cNvPicPr>
             <a:picLocks noChangeAspect="1"/>
           </p:cNvPicPr>
@@ -5555,32 +6016,8 @@
         </p:blipFill>
         <p:spPr>
           <a:xfrm>
-            <a:off x="3707904" y="1556792"/>
-            <a:ext cx="1386359" cy="1393024"/>
-          </a:xfrm>
-          <a:prstGeom prst="rect">
-            <a:avLst/>
-          </a:prstGeom>
-        </p:spPr>
-      </p:pic>
-      <p:pic>
-        <p:nvPicPr>
-          <p:cNvPr id="3" name="Imagen 2"/>
-          <p:cNvPicPr>
-            <a:picLocks noChangeAspect="1"/>
-          </p:cNvPicPr>
-          <p:nvPr/>
-        </p:nvPicPr>
-        <p:blipFill>
-          <a:blip r:embed="rId3"/>
-          <a:stretch>
-            <a:fillRect/>
-          </a:stretch>
-        </p:blipFill>
-        <p:spPr>
-          <a:xfrm>
-            <a:off x="3275856" y="4220880"/>
-            <a:ext cx="2219461" cy="1229240"/>
+            <a:off x="251520" y="332656"/>
+            <a:ext cx="4145806" cy="6242400"/>
           </a:xfrm>
           <a:prstGeom prst="rect">
             <a:avLst/>
@@ -5588,6 +6025,11 @@
         </p:spPr>
       </p:pic>
     </p:spTree>
+    <p:extLst>
+      <p:ext uri="{BB962C8B-B14F-4D97-AF65-F5344CB8AC3E}">
+        <p14:creationId xmlns:p14="http://schemas.microsoft.com/office/powerpoint/2010/main" val="130871090"/>
+      </p:ext>
+    </p:extLst>
   </p:cSld>
   <p:clrMapOvr>
     <a:masterClrMapping/>
@@ -5612,236 +6054,9 @@
           <a:chExt cx="0" cy="0"/>
         </a:xfrm>
       </p:grpSpPr>
-      <p:sp>
-        <p:nvSpPr>
-          <p:cNvPr id="4" name="3 CuadroTexto"/>
-          <p:cNvSpPr txBox="1"/>
-          <p:nvPr/>
-        </p:nvSpPr>
-        <p:spPr>
-          <a:xfrm>
-            <a:off x="323528" y="81925"/>
-            <a:ext cx="8501122" cy="7017306"/>
-          </a:xfrm>
-          <a:prstGeom prst="rect">
-            <a:avLst/>
-          </a:prstGeom>
-          <a:noFill/>
-        </p:spPr>
-        <p:txBody>
-          <a:bodyPr wrap="square" rtlCol="0">
-            <a:spAutoFit/>
-          </a:bodyPr>
-          <a:lstStyle/>
-          <a:p>
-            <a:pPr algn="just"/>
-            <a:endParaRPr lang="es-PE" b="1" u="sng" dirty="0">
-              <a:solidFill>
-                <a:srgbClr val="FF0000"/>
-              </a:solidFill>
-            </a:endParaRPr>
-          </a:p>
-          <a:p>
-            <a:pPr algn="just"/>
-            <a:r>
-              <a:rPr lang="es-PE" b="1" u="sng" dirty="0" smtClean="0">
-                <a:solidFill>
-                  <a:srgbClr val="FF0000"/>
-                </a:solidFill>
-              </a:rPr>
-              <a:t>Las formas puras, tal y como espacio/tiempo o causa/efecto se encuentran pasivamente en el ámbito de la </a:t>
-            </a:r>
-            <a:r>
-              <a:rPr lang="es-PE" b="1" u="sng" dirty="0" smtClean="0">
-                <a:solidFill>
-                  <a:srgbClr val="FF0000"/>
-                </a:solidFill>
-              </a:rPr>
-              <a:t>sensibilidad, </a:t>
-            </a:r>
-            <a:r>
-              <a:rPr lang="es-PE" b="1" u="sng" dirty="0" smtClean="0">
-                <a:solidFill>
-                  <a:srgbClr val="FF0000"/>
-                </a:solidFill>
-              </a:rPr>
-              <a:t>mientras que las categorías se ubican en el entendimiento. Todas ellas son </a:t>
-            </a:r>
-            <a:r>
-              <a:rPr lang="es-PE" b="1" u="sng" dirty="0" smtClean="0">
-                <a:solidFill>
-                  <a:srgbClr val="00B050"/>
-                </a:solidFill>
-              </a:rPr>
-              <a:t>condiciones de posibilidad</a:t>
-            </a:r>
-            <a:r>
-              <a:rPr lang="es-PE" b="1" u="sng" dirty="0" smtClean="0">
-                <a:solidFill>
-                  <a:srgbClr val="FF0000"/>
-                </a:solidFill>
-              </a:rPr>
-              <a:t>, estructuras a priori o estructuras trascendentales. </a:t>
-            </a:r>
-            <a:endParaRPr lang="es-PE" b="1" u="sng" dirty="0" smtClean="0">
-              <a:solidFill>
-                <a:srgbClr val="FF0000"/>
-              </a:solidFill>
-            </a:endParaRPr>
-          </a:p>
-          <a:p>
-            <a:pPr algn="just"/>
-            <a:endParaRPr lang="es-PE" b="1" u="sng" dirty="0">
-              <a:solidFill>
-                <a:srgbClr val="FF0000"/>
-              </a:solidFill>
-            </a:endParaRPr>
-          </a:p>
-          <a:p>
-            <a:pPr algn="just"/>
-            <a:endParaRPr lang="es-PE" b="1" u="sng" dirty="0" smtClean="0">
-              <a:solidFill>
-                <a:srgbClr val="FF0000"/>
-              </a:solidFill>
-            </a:endParaRPr>
-          </a:p>
-          <a:p>
-            <a:pPr algn="just"/>
-            <a:endParaRPr lang="es-PE" b="1" u="sng" dirty="0">
-              <a:solidFill>
-                <a:srgbClr val="FF0000"/>
-              </a:solidFill>
-            </a:endParaRPr>
-          </a:p>
-          <a:p>
-            <a:pPr algn="just"/>
-            <a:endParaRPr lang="es-PE" b="1" u="sng" dirty="0" smtClean="0">
-              <a:solidFill>
-                <a:srgbClr val="FF0000"/>
-              </a:solidFill>
-            </a:endParaRPr>
-          </a:p>
-          <a:p>
-            <a:pPr algn="just"/>
-            <a:endParaRPr lang="es-PE" b="1" u="sng" dirty="0">
-              <a:solidFill>
-                <a:srgbClr val="FF0000"/>
-              </a:solidFill>
-            </a:endParaRPr>
-          </a:p>
-          <a:p>
-            <a:pPr algn="just"/>
-            <a:endParaRPr lang="es-PE" b="1" u="sng" dirty="0" smtClean="0">
-              <a:solidFill>
-                <a:srgbClr val="FF0000"/>
-              </a:solidFill>
-            </a:endParaRPr>
-          </a:p>
-          <a:p>
-            <a:pPr algn="just"/>
-            <a:endParaRPr lang="es-PE" b="1" u="sng" dirty="0" smtClean="0">
-              <a:solidFill>
-                <a:srgbClr val="FF0000"/>
-              </a:solidFill>
-            </a:endParaRPr>
-          </a:p>
-          <a:p>
-            <a:pPr algn="just"/>
-            <a:endParaRPr lang="es-PE" b="1" u="sng" dirty="0">
-              <a:solidFill>
-                <a:srgbClr val="FF0000"/>
-              </a:solidFill>
-            </a:endParaRPr>
-          </a:p>
-          <a:p>
-            <a:pPr algn="just"/>
-            <a:endParaRPr lang="es-PE" b="1" u="sng" dirty="0">
-              <a:solidFill>
-                <a:srgbClr val="FF0000"/>
-              </a:solidFill>
-            </a:endParaRPr>
-          </a:p>
-          <a:p>
-            <a:pPr algn="just"/>
-            <a:endParaRPr lang="es-PE" b="1" u="sng" dirty="0" smtClean="0">
-              <a:solidFill>
-                <a:srgbClr val="FF0000"/>
-              </a:solidFill>
-            </a:endParaRPr>
-          </a:p>
-          <a:p>
-            <a:pPr algn="just"/>
-            <a:endParaRPr lang="es-PE" b="1" u="sng" dirty="0">
-              <a:solidFill>
-                <a:srgbClr val="FF0000"/>
-              </a:solidFill>
-            </a:endParaRPr>
-          </a:p>
-          <a:p>
-            <a:pPr algn="just"/>
-            <a:r>
-              <a:rPr lang="es-PE" dirty="0" smtClean="0"/>
-              <a:t>El mundo de mis experiencias es el mundo fenoménico. El objeto del mundo, la cosa en sí, produce en mis </a:t>
-            </a:r>
-            <a:r>
-              <a:rPr lang="es-PE" dirty="0" smtClean="0">
-                <a:solidFill>
-                  <a:srgbClr val="00B050"/>
-                </a:solidFill>
-              </a:rPr>
-              <a:t>condiciones de </a:t>
-            </a:r>
-            <a:r>
-              <a:rPr lang="es-PE" dirty="0" smtClean="0">
-                <a:solidFill>
-                  <a:srgbClr val="00B050"/>
-                </a:solidFill>
-              </a:rPr>
-              <a:t>posibilidad </a:t>
-            </a:r>
-            <a:r>
-              <a:rPr lang="es-PE" dirty="0" smtClean="0"/>
-              <a:t>(</a:t>
-            </a:r>
-            <a:r>
-              <a:rPr lang="es-PE" dirty="0" err="1" smtClean="0"/>
-              <a:t>sensib+entend</a:t>
-            </a:r>
-            <a:r>
-              <a:rPr lang="es-PE" dirty="0" smtClean="0"/>
-              <a:t>) un fenómeno</a:t>
-            </a:r>
-            <a:r>
-              <a:rPr lang="es-PE" dirty="0" smtClean="0"/>
-              <a:t>.</a:t>
-            </a:r>
-          </a:p>
-          <a:p>
-            <a:pPr algn="just"/>
-            <a:endParaRPr lang="es-PE" dirty="0"/>
-          </a:p>
-          <a:p>
-            <a:pPr algn="just"/>
-            <a:r>
-              <a:rPr lang="es-PE" dirty="0" smtClean="0"/>
-              <a:t>Kant </a:t>
-            </a:r>
-            <a:r>
-              <a:rPr lang="es-PE" dirty="0" smtClean="0"/>
-              <a:t>va a señalarnos que el error de la metafísica tradicional es aplicar las categorías del entendimiento “hacia arriba”, es decir, hacia ideas como las de Dios y otras, de las cuales carecemos totalmente de experiencia concreta. Siguiendo a Kant, debemos aplicar las categorías “hacia abajo”, es decir, hacia los objetos del mundo, hacia la sensibilidad.</a:t>
-            </a:r>
-          </a:p>
-          <a:p>
-            <a:endParaRPr lang="es-PE" dirty="0"/>
-          </a:p>
-          <a:p>
-            <a:endParaRPr lang="es-PE" dirty="0"/>
-          </a:p>
-        </p:txBody>
-      </p:sp>
       <p:pic>
         <p:nvPicPr>
-          <p:cNvPr id="2" name="Imagen 1"/>
+          <p:cNvPr id="5" name="Imagen 4"/>
           <p:cNvPicPr>
             <a:picLocks noChangeAspect="1"/>
           </p:cNvPicPr>
@@ -5855,69 +6070,18 @@
         </p:blipFill>
         <p:spPr>
           <a:xfrm>
-            <a:off x="1331640" y="1628800"/>
-            <a:ext cx="6712976" cy="2592288"/>
+            <a:off x="899592" y="908720"/>
+            <a:ext cx="7488832" cy="4724498"/>
           </a:xfrm>
           <a:prstGeom prst="rect">
             <a:avLst/>
           </a:prstGeom>
         </p:spPr>
       </p:pic>
-      <p:sp>
-        <p:nvSpPr>
-          <p:cNvPr id="3" name="Rectángulo 2"/>
-          <p:cNvSpPr/>
-          <p:nvPr/>
-        </p:nvSpPr>
-        <p:spPr>
-          <a:xfrm>
-            <a:off x="1331640" y="2420888"/>
-            <a:ext cx="2016224" cy="648072"/>
-          </a:xfrm>
-          <a:prstGeom prst="rect">
-            <a:avLst/>
-          </a:prstGeom>
-          <a:noFill/>
-          <a:ln w="38100">
-            <a:solidFill>
-              <a:srgbClr val="92D050"/>
-            </a:solidFill>
-          </a:ln>
-        </p:spPr>
-        <p:style>
-          <a:lnRef idx="2">
-            <a:schemeClr val="accent1">
-              <a:shade val="50000"/>
-            </a:schemeClr>
-          </a:lnRef>
-          <a:fillRef idx="1">
-            <a:schemeClr val="accent1"/>
-          </a:fillRef>
-          <a:effectRef idx="0">
-            <a:schemeClr val="accent1"/>
-          </a:effectRef>
-          <a:fontRef idx="minor">
-            <a:schemeClr val="lt1"/>
-          </a:fontRef>
-        </p:style>
-        <p:txBody>
-          <a:bodyPr rot="0" spcFirstLastPara="0" vertOverflow="overflow" horzOverflow="overflow" vert="horz" wrap="square" lIns="91440" tIns="45720" rIns="91440" bIns="45720" numCol="1" spcCol="0" rtlCol="0" fromWordArt="0" anchor="ctr" anchorCtr="0" forceAA="0" compatLnSpc="1">
-            <a:prstTxWarp prst="textNoShape">
-              <a:avLst/>
-            </a:prstTxWarp>
-            <a:noAutofit/>
-          </a:bodyPr>
-          <a:lstStyle/>
-          <a:p>
-            <a:pPr algn="ctr"/>
-            <a:endParaRPr lang="es-PE"/>
-          </a:p>
-        </p:txBody>
-      </p:sp>
     </p:spTree>
     <p:extLst>
       <p:ext uri="{BB962C8B-B14F-4D97-AF65-F5344CB8AC3E}">
-        <p14:creationId xmlns:p14="http://schemas.microsoft.com/office/powerpoint/2010/main" val="3295092495"/>
+        <p14:creationId xmlns:p14="http://schemas.microsoft.com/office/powerpoint/2010/main" val="2145563828"/>
       </p:ext>
     </p:extLst>
   </p:cSld>
@@ -5944,152 +6108,73 @@
           <a:chExt cx="0" cy="0"/>
         </a:xfrm>
       </p:grpSpPr>
-      <p:sp>
-        <p:nvSpPr>
-          <p:cNvPr id="3" name="Marcador de contenido 2"/>
-          <p:cNvSpPr>
-            <a:spLocks noGrp="1"/>
-          </p:cNvSpPr>
-          <p:nvPr>
-            <p:ph idx="1"/>
-          </p:nvPr>
-        </p:nvSpPr>
-        <p:spPr>
-          <a:xfrm>
-            <a:off x="457200" y="620688"/>
-            <a:ext cx="8229600" cy="5505475"/>
-          </a:xfrm>
-        </p:spPr>
-        <p:txBody>
-          <a:bodyPr>
-            <a:normAutofit fontScale="92500" lnSpcReduction="20000"/>
+      <p:pic>
+        <p:nvPicPr>
+          <p:cNvPr id="4" name="Imagen 3"/>
+          <p:cNvPicPr>
+            <a:picLocks noChangeAspect="1"/>
+          </p:cNvPicPr>
+          <p:nvPr/>
+        </p:nvPicPr>
+        <p:blipFill>
+          <a:blip r:embed="rId2"/>
+          <a:stretch>
+            <a:fillRect/>
+          </a:stretch>
+        </p:blipFill>
+        <p:spPr>
+          <a:xfrm>
+            <a:off x="0" y="1484784"/>
+            <a:ext cx="9144000" cy="3600400"/>
+          </a:xfrm>
+          <a:prstGeom prst="rect">
+            <a:avLst/>
+          </a:prstGeom>
+        </p:spPr>
+      </p:pic>
+      <p:sp>
+        <p:nvSpPr>
+          <p:cNvPr id="2" name="CuadroTexto 1"/>
+          <p:cNvSpPr txBox="1"/>
+          <p:nvPr/>
+        </p:nvSpPr>
+        <p:spPr>
+          <a:xfrm>
+            <a:off x="683568" y="404664"/>
+            <a:ext cx="8136904" cy="646331"/>
+          </a:xfrm>
+          <a:prstGeom prst="rect">
+            <a:avLst/>
+          </a:prstGeom>
+          <a:noFill/>
+        </p:spPr>
+        <p:txBody>
+          <a:bodyPr wrap="square" rtlCol="0">
+            <a:spAutoFit/>
           </a:bodyPr>
           <a:lstStyle/>
           <a:p>
-            <a:pPr marL="0" indent="0">
-              <a:buNone/>
-            </a:pPr>
-            <a:endParaRPr lang="es-PE" dirty="0"/>
-          </a:p>
-          <a:p>
-            <a:pPr marL="0" indent="0">
-              <a:buNone/>
-            </a:pPr>
-            <a:r>
-              <a:rPr lang="es-PE" sz="4000" b="1" dirty="0" smtClean="0"/>
-              <a:t>- </a:t>
-            </a:r>
-            <a:r>
-              <a:rPr lang="es-PE" sz="4000" b="1" dirty="0" smtClean="0"/>
-              <a:t>¿Porqué se habla de un giro Copernicano, en el caso de Kant?</a:t>
-            </a:r>
-            <a:endParaRPr lang="es-PE" b="1" dirty="0" smtClean="0">
-              <a:solidFill>
-                <a:schemeClr val="bg1">
-                  <a:lumMod val="75000"/>
-                </a:schemeClr>
-              </a:solidFill>
-            </a:endParaRPr>
-          </a:p>
-          <a:p>
-            <a:pPr marL="0" indent="0">
-              <a:buNone/>
-            </a:pPr>
-            <a:endParaRPr lang="es-PE" sz="4000" b="1" dirty="0"/>
-          </a:p>
-          <a:p>
-            <a:pPr>
-              <a:buFontTx/>
-              <a:buChar char="-"/>
-            </a:pPr>
-            <a:r>
-              <a:rPr lang="es-PE" sz="4000" b="1" dirty="0" smtClean="0"/>
-              <a:t>¿Qué elementos componen la extensión de sus obras y pensamientos? ¿Qué se pregunta?</a:t>
-            </a:r>
-          </a:p>
-          <a:p>
-            <a:pPr>
-              <a:buFontTx/>
-              <a:buChar char="-"/>
-            </a:pPr>
-            <a:endParaRPr lang="es-PE" sz="4000" b="1" dirty="0"/>
-          </a:p>
-          <a:p>
-            <a:pPr>
-              <a:buFontTx/>
-              <a:buChar char="-"/>
-            </a:pPr>
-            <a:r>
-              <a:rPr lang="es-PE" sz="4000" b="1" dirty="0" smtClean="0"/>
-              <a:t>¿Qué tiene que ver el giro copernicano con la C.R.P.?</a:t>
-            </a:r>
-          </a:p>
-          <a:p>
-            <a:pPr>
-              <a:buFontTx/>
-              <a:buChar char="-"/>
-            </a:pPr>
-            <a:endParaRPr lang="es-PE" sz="4000" b="1" dirty="0"/>
-          </a:p>
-          <a:p>
-            <a:pPr>
-              <a:buFontTx/>
-              <a:buChar char="-"/>
-            </a:pPr>
-            <a:endParaRPr lang="es-PE" sz="4000" b="1" dirty="0"/>
-          </a:p>
-        </p:txBody>
-      </p:sp>
-      <p:sp>
-        <p:nvSpPr>
-          <p:cNvPr id="2" name="Rectángulo 1"/>
-          <p:cNvSpPr/>
-          <p:nvPr/>
-        </p:nvSpPr>
-        <p:spPr>
-          <a:xfrm>
-            <a:off x="251520" y="836712"/>
-            <a:ext cx="7272808" cy="1440160"/>
-          </a:xfrm>
-          <a:prstGeom prst="rect">
-            <a:avLst/>
-          </a:prstGeom>
-          <a:noFill/>
-          <a:ln w="76200">
-            <a:solidFill>
-              <a:srgbClr val="FF0000"/>
-            </a:solidFill>
-          </a:ln>
-        </p:spPr>
-        <p:style>
-          <a:lnRef idx="2">
-            <a:schemeClr val="accent1">
-              <a:shade val="50000"/>
-            </a:schemeClr>
-          </a:lnRef>
-          <a:fillRef idx="1">
-            <a:schemeClr val="accent1"/>
-          </a:fillRef>
-          <a:effectRef idx="0">
-            <a:schemeClr val="accent1"/>
-          </a:effectRef>
-          <a:fontRef idx="minor">
-            <a:schemeClr val="lt1"/>
-          </a:fontRef>
-        </p:style>
-        <p:txBody>
-          <a:bodyPr rtlCol="0" anchor="ctr"/>
-          <a:lstStyle/>
-          <a:p>
-            <a:pPr algn="ctr"/>
-            <a:endParaRPr lang="es-PE"/>
+            <a:r>
+              <a:rPr lang="es-PE" dirty="0" smtClean="0"/>
+              <a:t>Video Recomendado: </a:t>
+            </a:r>
+          </a:p>
+          <a:p>
+            <a:r>
+              <a:rPr lang="es-PE" dirty="0" smtClean="0"/>
+              <a:t>https</a:t>
+            </a:r>
+            <a:r>
+              <a:rPr lang="es-PE" dirty="0"/>
+              <a:t>://www.youtube.com/watch?v=NeIqEMcxM5c&amp;ab_channel=TuercasyTornillos</a:t>
+            </a:r>
           </a:p>
         </p:txBody>
       </p:sp>
     </p:spTree>
     <p:extLst>
       <p:ext uri="{BB962C8B-B14F-4D97-AF65-F5344CB8AC3E}">
-        <p14:creationId xmlns:p14="http://schemas.microsoft.com/office/powerpoint/2010/main" val="1991544293"/>
+        <p14:creationId xmlns:p14="http://schemas.microsoft.com/office/powerpoint/2010/main" val="1465212996"/>
       </p:ext>
     </p:extLst>
   </p:cSld>
@@ -6124,8 +6209,8 @@
         </p:nvSpPr>
         <p:spPr>
           <a:xfrm>
-            <a:off x="500033" y="296736"/>
-            <a:ext cx="8429684" cy="1200329"/>
+            <a:off x="285720" y="285728"/>
+            <a:ext cx="8501122" cy="7017306"/>
           </a:xfrm>
           <a:prstGeom prst="rect">
             <a:avLst/>
@@ -6138,49 +6223,196 @@
           </a:bodyPr>
           <a:lstStyle/>
           <a:p>
+            <a:pPr algn="just"/>
             <a:r>
               <a:rPr lang="es-PE" dirty="0" smtClean="0"/>
-              <a:t>De éste modo, Kant restringe el conocer al ámbito de la experiencia, al mundo de los fenómenos. No al mundo en sí mismo, (que es inexpugnable), ni a los objetos metafísicos, (que escapan a nuestra posibilidad de experiencia), sino que solamente a nuestros fenómenos</a:t>
+              <a:t>J. Locke había establecido que la </a:t>
+            </a:r>
+            <a:r>
+              <a:rPr lang="es-PE" dirty="0" smtClean="0">
+                <a:solidFill>
+                  <a:srgbClr val="00B050"/>
+                </a:solidFill>
+              </a:rPr>
+              <a:t>mente</a:t>
             </a:r>
             <a:r>
               <a:rPr lang="es-PE" dirty="0" smtClean="0"/>
-              <a:t>. </a:t>
-            </a:r>
+              <a:t> es como un </a:t>
+            </a:r>
+            <a:r>
+              <a:rPr lang="es-PE" dirty="0" smtClean="0">
+                <a:solidFill>
+                  <a:srgbClr val="00B050"/>
+                </a:solidFill>
+              </a:rPr>
+              <a:t>papel en blanco </a:t>
+            </a:r>
+            <a:r>
+              <a:rPr lang="es-PE" dirty="0" smtClean="0"/>
+              <a:t>en donde se plasman nuestras impresiones (Una </a:t>
+            </a:r>
+            <a:r>
+              <a:rPr lang="es-PE" dirty="0" smtClean="0">
+                <a:solidFill>
+                  <a:srgbClr val="00B050"/>
+                </a:solidFill>
+              </a:rPr>
+              <a:t>tabula rasa</a:t>
+            </a:r>
+            <a:r>
+              <a:rPr lang="es-PE" dirty="0" smtClean="0"/>
+              <a:t>, en contra del concepto de ideas innatas). Para Kant, en la mente hay una estructura predeterminada y percibimos las cosas ordenadamente gracias a dicha arquitectónica. </a:t>
+            </a:r>
+          </a:p>
+          <a:p>
+            <a:pPr algn="just"/>
+            <a:endParaRPr lang="es-PE" dirty="0"/>
+          </a:p>
+          <a:p>
+            <a:pPr algn="just"/>
+            <a:endParaRPr lang="es-PE" dirty="0" smtClean="0"/>
+          </a:p>
+          <a:p>
+            <a:pPr algn="just"/>
+            <a:endParaRPr lang="es-PE" dirty="0"/>
+          </a:p>
+          <a:p>
+            <a:pPr algn="just"/>
+            <a:endParaRPr lang="es-PE" dirty="0" smtClean="0"/>
+          </a:p>
+          <a:p>
+            <a:pPr algn="just"/>
+            <a:endParaRPr lang="es-PE" dirty="0"/>
+          </a:p>
+          <a:p>
+            <a:pPr algn="just"/>
+            <a:endParaRPr lang="es-PE" dirty="0" smtClean="0"/>
+          </a:p>
+          <a:p>
+            <a:pPr algn="just"/>
+            <a:r>
+              <a:rPr lang="es-PE" dirty="0" smtClean="0"/>
+              <a:t>La estructura organiza datos de la experiencia y </a:t>
+            </a:r>
+            <a:r>
+              <a:rPr lang="es-PE" dirty="0" smtClean="0">
+                <a:solidFill>
+                  <a:srgbClr val="FF0000"/>
+                </a:solidFill>
+              </a:rPr>
+              <a:t>FORMA</a:t>
+            </a:r>
+            <a:r>
+              <a:rPr lang="es-PE" dirty="0" smtClean="0"/>
+              <a:t> el objeto. La mente “distorsiona” los contenidos del mundo; en nuestra mente se constituyen objetos de otra naturaleza que no son equivalentes a los de la realidad, es decir, una vez más, no hay correlato exacto entre fenómeno y cosa en sí. </a:t>
+            </a:r>
+          </a:p>
+          <a:p>
+            <a:pPr algn="just"/>
+            <a:endParaRPr lang="es-PE" dirty="0"/>
+          </a:p>
+          <a:p>
+            <a:pPr algn="just"/>
+            <a:endParaRPr lang="es-PE" dirty="0" smtClean="0"/>
+          </a:p>
+          <a:p>
+            <a:pPr algn="just"/>
+            <a:endParaRPr lang="es-PE" dirty="0"/>
+          </a:p>
+          <a:p>
+            <a:pPr algn="just"/>
+            <a:endParaRPr lang="es-PE" dirty="0" smtClean="0"/>
+          </a:p>
+          <a:p>
+            <a:pPr algn="just"/>
+            <a:endParaRPr lang="es-PE" dirty="0"/>
+          </a:p>
+          <a:p>
+            <a:pPr algn="just"/>
+            <a:r>
+              <a:rPr lang="es-PE" dirty="0" smtClean="0"/>
+              <a:t>Por ejemplo: la idea de causa/efecto no está propiamente en la realidad, sino que se trata de </a:t>
+            </a:r>
+            <a:r>
+              <a:rPr lang="es-PE" i="1" dirty="0" smtClean="0">
+                <a:solidFill>
+                  <a:srgbClr val="FF0000"/>
+                </a:solidFill>
+              </a:rPr>
+              <a:t>nuestra </a:t>
+            </a:r>
+            <a:r>
+              <a:rPr lang="es-PE" dirty="0" smtClean="0"/>
+              <a:t>manera de entender el mundo, lo mismo sucede con el espacio/tiempo, estas son condiciones que posibilitan el conocimiento, </a:t>
+            </a:r>
+            <a:r>
+              <a:rPr lang="es-PE" b="1" u="sng" dirty="0" smtClean="0"/>
+              <a:t>son formas puras de sensibilidad.</a:t>
+            </a:r>
+          </a:p>
+          <a:p>
+            <a:pPr algn="just"/>
+            <a:endParaRPr lang="es-PE" b="1" u="sng" dirty="0">
+              <a:solidFill>
+                <a:srgbClr val="FF0000"/>
+              </a:solidFill>
+            </a:endParaRPr>
+          </a:p>
+          <a:p>
+            <a:endParaRPr lang="es-PE" dirty="0"/>
+          </a:p>
+          <a:p>
             <a:endParaRPr lang="es-PE" dirty="0"/>
           </a:p>
         </p:txBody>
       </p:sp>
       <p:pic>
         <p:nvPicPr>
-          <p:cNvPr id="20483" name="Picture 3"/>
+          <p:cNvPr id="2" name="Imagen 1"/>
           <p:cNvPicPr>
-            <a:picLocks noChangeAspect="1" noChangeArrowheads="1"/>
+            <a:picLocks noChangeAspect="1"/>
           </p:cNvPicPr>
           <p:nvPr/>
         </p:nvPicPr>
         <p:blipFill>
           <a:blip r:embed="rId2"/>
-          <a:srcRect/>
           <a:stretch>
             <a:fillRect/>
           </a:stretch>
         </p:blipFill>
-        <p:spPr bwMode="auto">
-          <a:xfrm>
-            <a:off x="214282" y="1500188"/>
-            <a:ext cx="8715435" cy="5143522"/>
-          </a:xfrm>
-          <a:prstGeom prst="rect">
-            <a:avLst/>
-          </a:prstGeom>
-          <a:noFill/>
-          <a:ln w="9525">
-            <a:noFill/>
-            <a:miter lim="800000"/>
-            <a:headEnd/>
-            <a:tailEnd/>
-          </a:ln>
-          <a:effectLst/>
+        <p:spPr>
+          <a:xfrm>
+            <a:off x="3707904" y="1556792"/>
+            <a:ext cx="1386359" cy="1393024"/>
+          </a:xfrm>
+          <a:prstGeom prst="rect">
+            <a:avLst/>
+          </a:prstGeom>
+        </p:spPr>
+      </p:pic>
+      <p:pic>
+        <p:nvPicPr>
+          <p:cNvPr id="3" name="Imagen 2"/>
+          <p:cNvPicPr>
+            <a:picLocks noChangeAspect="1"/>
+          </p:cNvPicPr>
+          <p:nvPr/>
+        </p:nvPicPr>
+        <p:blipFill>
+          <a:blip r:embed="rId3"/>
+          <a:stretch>
+            <a:fillRect/>
+          </a:stretch>
+        </p:blipFill>
+        <p:spPr>
+          <a:xfrm>
+            <a:off x="3275856" y="4220880"/>
+            <a:ext cx="2219461" cy="1229240"/>
+          </a:xfrm>
+          <a:prstGeom prst="rect">
+            <a:avLst/>
+          </a:prstGeom>
         </p:spPr>
       </p:pic>
     </p:spTree>
@@ -6192,6 +6424,389 @@
 </file>
 
 <file path=ppt/slides/slide21.xml><?xml version="1.0" encoding="utf-8"?>
+<p:sld xmlns:a="http://schemas.openxmlformats.org/drawingml/2006/main" xmlns:r="http://schemas.openxmlformats.org/officeDocument/2006/relationships" xmlns:p="http://schemas.openxmlformats.org/presentationml/2006/main">
+  <p:cSld>
+    <p:spTree>
+      <p:nvGrpSpPr>
+        <p:cNvPr id="1" name=""/>
+        <p:cNvGrpSpPr/>
+        <p:nvPr/>
+      </p:nvGrpSpPr>
+      <p:grpSpPr>
+        <a:xfrm>
+          <a:off x="0" y="0"/>
+          <a:ext cx="0" cy="0"/>
+          <a:chOff x="0" y="0"/>
+          <a:chExt cx="0" cy="0"/>
+        </a:xfrm>
+      </p:grpSpPr>
+      <p:sp>
+        <p:nvSpPr>
+          <p:cNvPr id="4" name="3 CuadroTexto"/>
+          <p:cNvSpPr txBox="1"/>
+          <p:nvPr/>
+        </p:nvSpPr>
+        <p:spPr>
+          <a:xfrm>
+            <a:off x="323528" y="81925"/>
+            <a:ext cx="8501122" cy="7017306"/>
+          </a:xfrm>
+          <a:prstGeom prst="rect">
+            <a:avLst/>
+          </a:prstGeom>
+          <a:noFill/>
+        </p:spPr>
+        <p:txBody>
+          <a:bodyPr wrap="square" rtlCol="0">
+            <a:spAutoFit/>
+          </a:bodyPr>
+          <a:lstStyle/>
+          <a:p>
+            <a:pPr algn="just"/>
+            <a:endParaRPr lang="es-PE" b="1" u="sng" dirty="0">
+              <a:solidFill>
+                <a:srgbClr val="FF0000"/>
+              </a:solidFill>
+            </a:endParaRPr>
+          </a:p>
+          <a:p>
+            <a:pPr algn="just"/>
+            <a:r>
+              <a:rPr lang="es-PE" b="1" u="sng" dirty="0" smtClean="0">
+                <a:solidFill>
+                  <a:srgbClr val="FF0000"/>
+                </a:solidFill>
+              </a:rPr>
+              <a:t>Las formas puras, tal y como espacio/tiempo o causa/efecto se encuentran pasivamente en el ámbito de la sensibilidad, mientras que las categorías se ubican en el entendimiento. Todas ellas son </a:t>
+            </a:r>
+            <a:r>
+              <a:rPr lang="es-PE" b="1" u="sng" dirty="0" smtClean="0">
+                <a:solidFill>
+                  <a:srgbClr val="00B050"/>
+                </a:solidFill>
+              </a:rPr>
+              <a:t>condiciones de posibilidad</a:t>
+            </a:r>
+            <a:r>
+              <a:rPr lang="es-PE" b="1" u="sng" dirty="0" smtClean="0">
+                <a:solidFill>
+                  <a:srgbClr val="FF0000"/>
+                </a:solidFill>
+              </a:rPr>
+              <a:t>, estructuras a priori o estructuras trascendentales. </a:t>
+            </a:r>
+          </a:p>
+          <a:p>
+            <a:pPr algn="just"/>
+            <a:endParaRPr lang="es-PE" b="1" u="sng" dirty="0">
+              <a:solidFill>
+                <a:srgbClr val="FF0000"/>
+              </a:solidFill>
+            </a:endParaRPr>
+          </a:p>
+          <a:p>
+            <a:pPr algn="just"/>
+            <a:endParaRPr lang="es-PE" b="1" u="sng" dirty="0" smtClean="0">
+              <a:solidFill>
+                <a:srgbClr val="FF0000"/>
+              </a:solidFill>
+            </a:endParaRPr>
+          </a:p>
+          <a:p>
+            <a:pPr algn="just"/>
+            <a:endParaRPr lang="es-PE" b="1" u="sng" dirty="0">
+              <a:solidFill>
+                <a:srgbClr val="FF0000"/>
+              </a:solidFill>
+            </a:endParaRPr>
+          </a:p>
+          <a:p>
+            <a:pPr algn="just"/>
+            <a:endParaRPr lang="es-PE" b="1" u="sng" dirty="0" smtClean="0">
+              <a:solidFill>
+                <a:srgbClr val="FF0000"/>
+              </a:solidFill>
+            </a:endParaRPr>
+          </a:p>
+          <a:p>
+            <a:pPr algn="just"/>
+            <a:endParaRPr lang="es-PE" b="1" u="sng" dirty="0">
+              <a:solidFill>
+                <a:srgbClr val="FF0000"/>
+              </a:solidFill>
+            </a:endParaRPr>
+          </a:p>
+          <a:p>
+            <a:pPr algn="just"/>
+            <a:endParaRPr lang="es-PE" b="1" u="sng" dirty="0" smtClean="0">
+              <a:solidFill>
+                <a:srgbClr val="FF0000"/>
+              </a:solidFill>
+            </a:endParaRPr>
+          </a:p>
+          <a:p>
+            <a:pPr algn="just"/>
+            <a:endParaRPr lang="es-PE" b="1" u="sng" dirty="0" smtClean="0">
+              <a:solidFill>
+                <a:srgbClr val="FF0000"/>
+              </a:solidFill>
+            </a:endParaRPr>
+          </a:p>
+          <a:p>
+            <a:pPr algn="just"/>
+            <a:endParaRPr lang="es-PE" b="1" u="sng" dirty="0">
+              <a:solidFill>
+                <a:srgbClr val="FF0000"/>
+              </a:solidFill>
+            </a:endParaRPr>
+          </a:p>
+          <a:p>
+            <a:pPr algn="just"/>
+            <a:endParaRPr lang="es-PE" b="1" u="sng" dirty="0">
+              <a:solidFill>
+                <a:srgbClr val="FF0000"/>
+              </a:solidFill>
+            </a:endParaRPr>
+          </a:p>
+          <a:p>
+            <a:pPr algn="just"/>
+            <a:endParaRPr lang="es-PE" b="1" u="sng" dirty="0" smtClean="0">
+              <a:solidFill>
+                <a:srgbClr val="FF0000"/>
+              </a:solidFill>
+            </a:endParaRPr>
+          </a:p>
+          <a:p>
+            <a:pPr algn="just"/>
+            <a:endParaRPr lang="es-PE" b="1" u="sng" dirty="0">
+              <a:solidFill>
+                <a:srgbClr val="FF0000"/>
+              </a:solidFill>
+            </a:endParaRPr>
+          </a:p>
+          <a:p>
+            <a:pPr algn="just"/>
+            <a:r>
+              <a:rPr lang="es-PE" dirty="0" smtClean="0"/>
+              <a:t>El mundo de mis experiencias es el mundo fenoménico. El objeto del mundo, la cosa en sí, produce en mis </a:t>
+            </a:r>
+            <a:r>
+              <a:rPr lang="es-PE" dirty="0" smtClean="0">
+                <a:solidFill>
+                  <a:srgbClr val="00B050"/>
+                </a:solidFill>
+              </a:rPr>
+              <a:t>condiciones de posibilidad </a:t>
+            </a:r>
+            <a:r>
+              <a:rPr lang="es-PE" dirty="0" smtClean="0"/>
+              <a:t>(</a:t>
+            </a:r>
+            <a:r>
+              <a:rPr lang="es-PE" dirty="0" err="1" smtClean="0"/>
+              <a:t>sensib+entend</a:t>
+            </a:r>
+            <a:r>
+              <a:rPr lang="es-PE" dirty="0" smtClean="0"/>
+              <a:t>) un fenómeno.</a:t>
+            </a:r>
+          </a:p>
+          <a:p>
+            <a:pPr algn="just"/>
+            <a:endParaRPr lang="es-PE" dirty="0"/>
+          </a:p>
+          <a:p>
+            <a:pPr algn="just"/>
+            <a:r>
+              <a:rPr lang="es-PE" dirty="0" smtClean="0"/>
+              <a:t>Kant va a señalarnos que el error de la metafísica tradicional es aplicar las categorías del entendimiento “hacia arriba”, es decir, hacia ideas como las de Dios y otras, de las cuales carecemos totalmente de experiencia concreta. Siguiendo a Kant, debemos aplicar las categorías “hacia abajo”, es decir, hacia los objetos del mundo, hacia la sensibilidad.</a:t>
+            </a:r>
+          </a:p>
+          <a:p>
+            <a:endParaRPr lang="es-PE" dirty="0"/>
+          </a:p>
+          <a:p>
+            <a:endParaRPr lang="es-PE" dirty="0"/>
+          </a:p>
+        </p:txBody>
+      </p:sp>
+      <p:pic>
+        <p:nvPicPr>
+          <p:cNvPr id="2" name="Imagen 1"/>
+          <p:cNvPicPr>
+            <a:picLocks noChangeAspect="1"/>
+          </p:cNvPicPr>
+          <p:nvPr/>
+        </p:nvPicPr>
+        <p:blipFill>
+          <a:blip r:embed="rId2"/>
+          <a:stretch>
+            <a:fillRect/>
+          </a:stretch>
+        </p:blipFill>
+        <p:spPr>
+          <a:xfrm>
+            <a:off x="1331640" y="1628800"/>
+            <a:ext cx="6712976" cy="2592288"/>
+          </a:xfrm>
+          <a:prstGeom prst="rect">
+            <a:avLst/>
+          </a:prstGeom>
+        </p:spPr>
+      </p:pic>
+      <p:sp>
+        <p:nvSpPr>
+          <p:cNvPr id="3" name="Rectángulo 2"/>
+          <p:cNvSpPr/>
+          <p:nvPr/>
+        </p:nvSpPr>
+        <p:spPr>
+          <a:xfrm>
+            <a:off x="1331640" y="2420888"/>
+            <a:ext cx="2016224" cy="648072"/>
+          </a:xfrm>
+          <a:prstGeom prst="rect">
+            <a:avLst/>
+          </a:prstGeom>
+          <a:noFill/>
+          <a:ln w="38100">
+            <a:solidFill>
+              <a:srgbClr val="92D050"/>
+            </a:solidFill>
+          </a:ln>
+        </p:spPr>
+        <p:style>
+          <a:lnRef idx="2">
+            <a:schemeClr val="accent1">
+              <a:shade val="50000"/>
+            </a:schemeClr>
+          </a:lnRef>
+          <a:fillRef idx="1">
+            <a:schemeClr val="accent1"/>
+          </a:fillRef>
+          <a:effectRef idx="0">
+            <a:schemeClr val="accent1"/>
+          </a:effectRef>
+          <a:fontRef idx="minor">
+            <a:schemeClr val="lt1"/>
+          </a:fontRef>
+        </p:style>
+        <p:txBody>
+          <a:bodyPr rot="0" spcFirstLastPara="0" vertOverflow="overflow" horzOverflow="overflow" vert="horz" wrap="square" lIns="91440" tIns="45720" rIns="91440" bIns="45720" numCol="1" spcCol="0" rtlCol="0" fromWordArt="0" anchor="ctr" anchorCtr="0" forceAA="0" compatLnSpc="1">
+            <a:prstTxWarp prst="textNoShape">
+              <a:avLst/>
+            </a:prstTxWarp>
+            <a:noAutofit/>
+          </a:bodyPr>
+          <a:lstStyle/>
+          <a:p>
+            <a:pPr algn="ctr"/>
+            <a:endParaRPr lang="es-PE"/>
+          </a:p>
+        </p:txBody>
+      </p:sp>
+    </p:spTree>
+    <p:extLst>
+      <p:ext uri="{BB962C8B-B14F-4D97-AF65-F5344CB8AC3E}">
+        <p14:creationId xmlns:p14="http://schemas.microsoft.com/office/powerpoint/2010/main" val="3295092495"/>
+      </p:ext>
+    </p:extLst>
+  </p:cSld>
+  <p:clrMapOvr>
+    <a:masterClrMapping/>
+  </p:clrMapOvr>
+</p:sld>
+</file>
+
+<file path=ppt/slides/slide22.xml><?xml version="1.0" encoding="utf-8"?>
+<p:sld xmlns:a="http://schemas.openxmlformats.org/drawingml/2006/main" xmlns:r="http://schemas.openxmlformats.org/officeDocument/2006/relationships" xmlns:p="http://schemas.openxmlformats.org/presentationml/2006/main">
+  <p:cSld>
+    <p:spTree>
+      <p:nvGrpSpPr>
+        <p:cNvPr id="1" name=""/>
+        <p:cNvGrpSpPr/>
+        <p:nvPr/>
+      </p:nvGrpSpPr>
+      <p:grpSpPr>
+        <a:xfrm>
+          <a:off x="0" y="0"/>
+          <a:ext cx="0" cy="0"/>
+          <a:chOff x="0" y="0"/>
+          <a:chExt cx="0" cy="0"/>
+        </a:xfrm>
+      </p:grpSpPr>
+      <p:sp>
+        <p:nvSpPr>
+          <p:cNvPr id="4" name="3 CuadroTexto"/>
+          <p:cNvSpPr txBox="1"/>
+          <p:nvPr/>
+        </p:nvSpPr>
+        <p:spPr>
+          <a:xfrm>
+            <a:off x="500033" y="296736"/>
+            <a:ext cx="8429684" cy="1200329"/>
+          </a:xfrm>
+          <a:prstGeom prst="rect">
+            <a:avLst/>
+          </a:prstGeom>
+          <a:noFill/>
+        </p:spPr>
+        <p:txBody>
+          <a:bodyPr wrap="square" rtlCol="0">
+            <a:spAutoFit/>
+          </a:bodyPr>
+          <a:lstStyle/>
+          <a:p>
+            <a:r>
+              <a:rPr lang="es-PE" dirty="0" smtClean="0"/>
+              <a:t>De éste modo, Kant restringe el conocer al ámbito de la experiencia, al mundo de los fenómenos. No al mundo en sí mismo, (que es inexpugnable), ni a los objetos metafísicos, (que escapan a nuestra posibilidad de experiencia), sino que solamente a nuestros fenómenos. </a:t>
+            </a:r>
+            <a:endParaRPr lang="es-PE" dirty="0"/>
+          </a:p>
+        </p:txBody>
+      </p:sp>
+      <p:pic>
+        <p:nvPicPr>
+          <p:cNvPr id="20483" name="Picture 3"/>
+          <p:cNvPicPr>
+            <a:picLocks noChangeAspect="1" noChangeArrowheads="1"/>
+          </p:cNvPicPr>
+          <p:nvPr/>
+        </p:nvPicPr>
+        <p:blipFill>
+          <a:blip r:embed="rId2"/>
+          <a:srcRect/>
+          <a:stretch>
+            <a:fillRect/>
+          </a:stretch>
+        </p:blipFill>
+        <p:spPr bwMode="auto">
+          <a:xfrm>
+            <a:off x="214282" y="1500188"/>
+            <a:ext cx="8715435" cy="5143522"/>
+          </a:xfrm>
+          <a:prstGeom prst="rect">
+            <a:avLst/>
+          </a:prstGeom>
+          <a:noFill/>
+          <a:ln w="9525">
+            <a:noFill/>
+            <a:miter lim="800000"/>
+            <a:headEnd/>
+            <a:tailEnd/>
+          </a:ln>
+          <a:effectLst/>
+        </p:spPr>
+      </p:pic>
+    </p:spTree>
+  </p:cSld>
+  <p:clrMapOvr>
+    <a:masterClrMapping/>
+  </p:clrMapOvr>
+</p:sld>
+</file>
+
+<file path=ppt/slides/slide23.xml><?xml version="1.0" encoding="utf-8"?>
 <p:sld xmlns:a="http://schemas.openxmlformats.org/drawingml/2006/main" xmlns:r="http://schemas.openxmlformats.org/officeDocument/2006/relationships" xmlns:p="http://schemas.openxmlformats.org/presentationml/2006/main">
   <p:cSld>
     <p:spTree>
@@ -6374,391 +6989,6 @@
 </p:sld>
 </file>
 
-<file path=ppt/slides/slide22.xml><?xml version="1.0" encoding="utf-8"?>
-<p:sld xmlns:a="http://schemas.openxmlformats.org/drawingml/2006/main" xmlns:r="http://schemas.openxmlformats.org/officeDocument/2006/relationships" xmlns:p="http://schemas.openxmlformats.org/presentationml/2006/main">
-  <p:cSld>
-    <p:spTree>
-      <p:nvGrpSpPr>
-        <p:cNvPr id="1" name=""/>
-        <p:cNvGrpSpPr/>
-        <p:nvPr/>
-      </p:nvGrpSpPr>
-      <p:grpSpPr>
-        <a:xfrm>
-          <a:off x="0" y="0"/>
-          <a:ext cx="0" cy="0"/>
-          <a:chOff x="0" y="0"/>
-          <a:chExt cx="0" cy="0"/>
-        </a:xfrm>
-      </p:grpSpPr>
-      <p:sp>
-        <p:nvSpPr>
-          <p:cNvPr id="4" name="3 CuadroTexto"/>
-          <p:cNvSpPr txBox="1"/>
-          <p:nvPr/>
-        </p:nvSpPr>
-        <p:spPr>
-          <a:xfrm>
-            <a:off x="285720" y="285728"/>
-            <a:ext cx="8501122" cy="3416320"/>
-          </a:xfrm>
-          <a:prstGeom prst="rect">
-            <a:avLst/>
-          </a:prstGeom>
-          <a:noFill/>
-        </p:spPr>
-        <p:txBody>
-          <a:bodyPr wrap="square" rtlCol="0">
-            <a:spAutoFit/>
-          </a:bodyPr>
-          <a:lstStyle/>
-          <a:p>
-            <a:r>
-              <a:rPr lang="es-PE" dirty="0" smtClean="0"/>
-              <a:t>Algunos apuntes sobre los postulados de la Razón Práctica: </a:t>
-            </a:r>
-          </a:p>
-          <a:p>
-            <a:r>
-              <a:rPr lang="es-PE" dirty="0" smtClean="0"/>
-              <a:t>(</a:t>
-            </a:r>
-            <a:r>
-              <a:rPr lang="es-PE" dirty="0" smtClean="0">
-                <a:solidFill>
-                  <a:srgbClr val="00B050"/>
-                </a:solidFill>
-              </a:rPr>
-              <a:t>Mundo</a:t>
-            </a:r>
-            <a:r>
-              <a:rPr lang="es-PE" dirty="0" smtClean="0"/>
-              <a:t>, Alma libre/inmortal, Dios)</a:t>
-            </a:r>
-          </a:p>
-          <a:p>
-            <a:endParaRPr lang="es-PE" dirty="0"/>
-          </a:p>
-          <a:p>
-            <a:r>
-              <a:rPr lang="es-PE" dirty="0" smtClean="0"/>
-              <a:t>“</a:t>
-            </a:r>
-            <a:r>
-              <a:rPr lang="es-PE" dirty="0" smtClean="0">
-                <a:solidFill>
-                  <a:srgbClr val="00B050"/>
-                </a:solidFill>
-              </a:rPr>
-              <a:t>Mundo</a:t>
-            </a:r>
-            <a:r>
-              <a:rPr lang="es-PE" dirty="0" smtClean="0"/>
-              <a:t>” llamamos al conjunto de experiencias. No podemos conocer sino parcialmente este mundo, no su totalidad. El mundo es una idea metafísica: va más allá de la posibilidad de nuestra experiencia. La razón teórica necesita el postulado del “mundo” por parte de la razón práctica. La razón práctica postula sin necesidad de experiencia, siempre y cuando se demuestre la necesidad de sus postulados con los elementos de la lógica, como sucede con las leyes generales que rigen la naturaleza. </a:t>
-            </a:r>
-          </a:p>
-          <a:p>
-            <a:endParaRPr lang="es-PE" dirty="0"/>
-          </a:p>
-          <a:p>
-            <a:endParaRPr lang="es-PE" dirty="0"/>
-          </a:p>
-          <a:p>
-            <a:endParaRPr lang="es-PE" dirty="0" smtClean="0"/>
-          </a:p>
-        </p:txBody>
-      </p:sp>
-      <p:pic>
-        <p:nvPicPr>
-          <p:cNvPr id="2" name="Imagen 1"/>
-          <p:cNvPicPr>
-            <a:picLocks noChangeAspect="1"/>
-          </p:cNvPicPr>
-          <p:nvPr/>
-        </p:nvPicPr>
-        <p:blipFill>
-          <a:blip r:embed="rId2"/>
-          <a:stretch>
-            <a:fillRect/>
-          </a:stretch>
-        </p:blipFill>
-        <p:spPr>
-          <a:xfrm>
-            <a:off x="1943993" y="3212976"/>
-            <a:ext cx="5184576" cy="3449660"/>
-          </a:xfrm>
-          <a:prstGeom prst="rect">
-            <a:avLst/>
-          </a:prstGeom>
-        </p:spPr>
-      </p:pic>
-    </p:spTree>
-  </p:cSld>
-  <p:clrMapOvr>
-    <a:masterClrMapping/>
-  </p:clrMapOvr>
-  <p:timing>
-    <p:tnLst>
-      <p:par>
-        <p:cTn id="1" dur="indefinite" restart="never" nodeType="tmRoot"/>
-      </p:par>
-    </p:tnLst>
-  </p:timing>
-</p:sld>
-</file>
-
-<file path=ppt/slides/slide23.xml><?xml version="1.0" encoding="utf-8"?>
-<p:sld xmlns:a="http://schemas.openxmlformats.org/drawingml/2006/main" xmlns:r="http://schemas.openxmlformats.org/officeDocument/2006/relationships" xmlns:p="http://schemas.openxmlformats.org/presentationml/2006/main">
-  <p:cSld>
-    <p:spTree>
-      <p:nvGrpSpPr>
-        <p:cNvPr id="1" name=""/>
-        <p:cNvGrpSpPr/>
-        <p:nvPr/>
-      </p:nvGrpSpPr>
-      <p:grpSpPr>
-        <a:xfrm>
-          <a:off x="0" y="0"/>
-          <a:ext cx="0" cy="0"/>
-          <a:chOff x="0" y="0"/>
-          <a:chExt cx="0" cy="0"/>
-        </a:xfrm>
-      </p:grpSpPr>
-      <p:pic>
-        <p:nvPicPr>
-          <p:cNvPr id="3" name="Imagen 2"/>
-          <p:cNvPicPr>
-            <a:picLocks noChangeAspect="1"/>
-          </p:cNvPicPr>
-          <p:nvPr/>
-        </p:nvPicPr>
-        <p:blipFill>
-          <a:blip r:embed="rId2"/>
-          <a:stretch>
-            <a:fillRect/>
-          </a:stretch>
-        </p:blipFill>
-        <p:spPr>
-          <a:xfrm>
-            <a:off x="827584" y="3356992"/>
-            <a:ext cx="6797201" cy="3501008"/>
-          </a:xfrm>
-          <a:prstGeom prst="rect">
-            <a:avLst/>
-          </a:prstGeom>
-        </p:spPr>
-      </p:pic>
-      <p:sp>
-        <p:nvSpPr>
-          <p:cNvPr id="4" name="3 CuadroTexto"/>
-          <p:cNvSpPr txBox="1"/>
-          <p:nvPr/>
-        </p:nvSpPr>
-        <p:spPr>
-          <a:xfrm>
-            <a:off x="285720" y="285728"/>
-            <a:ext cx="8501122" cy="3693319"/>
-          </a:xfrm>
-          <a:prstGeom prst="rect">
-            <a:avLst/>
-          </a:prstGeom>
-          <a:noFill/>
-        </p:spPr>
-        <p:txBody>
-          <a:bodyPr wrap="square" rtlCol="0">
-            <a:spAutoFit/>
-          </a:bodyPr>
-          <a:lstStyle/>
-          <a:p>
-            <a:r>
-              <a:rPr lang="es-PE" dirty="0" smtClean="0"/>
-              <a:t>Algunos apuntes sobre los postulados de la Razón Práctica: </a:t>
-            </a:r>
-          </a:p>
-          <a:p>
-            <a:r>
-              <a:rPr lang="es-PE" dirty="0" smtClean="0"/>
-              <a:t>(Mundo, </a:t>
-            </a:r>
-            <a:r>
-              <a:rPr lang="es-PE" dirty="0" smtClean="0">
-                <a:solidFill>
-                  <a:srgbClr val="00B050"/>
-                </a:solidFill>
-              </a:rPr>
-              <a:t>Alma libre/inmortal</a:t>
-            </a:r>
-            <a:r>
-              <a:rPr lang="es-PE" dirty="0" smtClean="0"/>
-              <a:t>, Dios)</a:t>
-            </a:r>
-          </a:p>
-          <a:p>
-            <a:endParaRPr lang="es-PE" dirty="0"/>
-          </a:p>
-          <a:p>
-            <a:r>
-              <a:rPr lang="es-PE" dirty="0" smtClean="0"/>
-              <a:t>La </a:t>
-            </a:r>
-            <a:r>
-              <a:rPr lang="es-PE" dirty="0" smtClean="0"/>
-              <a:t>idea de mundo es la condición que hace posible que mi experiencia tenga sentido, del mismo modo que la idea de </a:t>
-            </a:r>
-            <a:r>
-              <a:rPr lang="es-PE" dirty="0" smtClean="0">
-                <a:solidFill>
-                  <a:srgbClr val="00B050"/>
-                </a:solidFill>
-              </a:rPr>
-              <a:t>alma libre </a:t>
-            </a:r>
-            <a:r>
-              <a:rPr lang="es-PE" dirty="0" smtClean="0"/>
-              <a:t>condiciona el sentido de nuestro juicio moral.  Los postulados de la razón práctica dotan de sentido nuestra experiencia.  </a:t>
-            </a:r>
-            <a:endParaRPr lang="es-PE" dirty="0" smtClean="0"/>
-          </a:p>
-          <a:p>
-            <a:endParaRPr lang="es-PE" dirty="0"/>
-          </a:p>
-          <a:p>
-            <a:r>
-              <a:rPr lang="es-PE" dirty="0" smtClean="0"/>
-              <a:t>Si no tuviéramos un alma libre…. Nos meteríamos en problemas densos… (e importantes)</a:t>
-            </a:r>
-          </a:p>
-          <a:p>
-            <a:endParaRPr lang="es-PE" dirty="0"/>
-          </a:p>
-          <a:p>
-            <a:r>
-              <a:rPr lang="es-PE" dirty="0" smtClean="0"/>
-              <a:t>La </a:t>
-            </a:r>
-            <a:r>
-              <a:rPr lang="es-PE" dirty="0" smtClean="0"/>
-              <a:t>relación entre </a:t>
-            </a:r>
-            <a:r>
-              <a:rPr lang="es-PE" dirty="0" smtClean="0">
-                <a:solidFill>
-                  <a:srgbClr val="FF0000"/>
-                </a:solidFill>
-              </a:rPr>
-              <a:t>razón</a:t>
-            </a:r>
-            <a:r>
-              <a:rPr lang="es-PE" dirty="0" smtClean="0"/>
-              <a:t> y mis </a:t>
-            </a:r>
-            <a:r>
-              <a:rPr lang="es-PE" dirty="0" smtClean="0">
-                <a:solidFill>
-                  <a:schemeClr val="tx2">
-                    <a:lumMod val="60000"/>
-                    <a:lumOff val="40000"/>
-                  </a:schemeClr>
-                </a:solidFill>
-              </a:rPr>
-              <a:t>fenómenos</a:t>
-            </a:r>
-            <a:r>
-              <a:rPr lang="es-PE" dirty="0" smtClean="0"/>
-              <a:t> no es la de causa/efecto, sino la de </a:t>
-            </a:r>
-            <a:r>
-              <a:rPr lang="es-PE" dirty="0" smtClean="0">
-                <a:solidFill>
-                  <a:srgbClr val="00B050"/>
-                </a:solidFill>
-              </a:rPr>
-              <a:t>dotación de sentido</a:t>
-            </a:r>
-            <a:r>
-              <a:rPr lang="es-PE" dirty="0" smtClean="0"/>
-              <a:t>.</a:t>
-            </a:r>
-          </a:p>
-          <a:p>
-            <a:endParaRPr lang="es-PE" dirty="0"/>
-          </a:p>
-          <a:p>
-            <a:endParaRPr lang="es-PE" dirty="0" smtClean="0"/>
-          </a:p>
-        </p:txBody>
-      </p:sp>
-      <p:sp>
-        <p:nvSpPr>
-          <p:cNvPr id="2" name="Rectángulo 1"/>
-          <p:cNvSpPr/>
-          <p:nvPr/>
-        </p:nvSpPr>
-        <p:spPr>
-          <a:xfrm>
-            <a:off x="285720" y="2636912"/>
-            <a:ext cx="8501122" cy="936104"/>
-          </a:xfrm>
-          <a:prstGeom prst="rect">
-            <a:avLst/>
-          </a:prstGeom>
-          <a:noFill/>
-          <a:ln w="38100">
-            <a:solidFill>
-              <a:srgbClr val="FF0000"/>
-            </a:solidFill>
-          </a:ln>
-        </p:spPr>
-        <p:style>
-          <a:lnRef idx="2">
-            <a:schemeClr val="accent1">
-              <a:shade val="50000"/>
-            </a:schemeClr>
-          </a:lnRef>
-          <a:fillRef idx="1">
-            <a:schemeClr val="accent1"/>
-          </a:fillRef>
-          <a:effectRef idx="0">
-            <a:schemeClr val="accent1"/>
-          </a:effectRef>
-          <a:fontRef idx="minor">
-            <a:schemeClr val="lt1"/>
-          </a:fontRef>
-        </p:style>
-        <p:txBody>
-          <a:bodyPr rot="0" spcFirstLastPara="0" vertOverflow="overflow" horzOverflow="overflow" vert="horz" wrap="square" lIns="91440" tIns="45720" rIns="91440" bIns="45720" numCol="1" spcCol="0" rtlCol="0" fromWordArt="0" anchor="ctr" anchorCtr="0" forceAA="0" compatLnSpc="1">
-            <a:prstTxWarp prst="textNoShape">
-              <a:avLst/>
-            </a:prstTxWarp>
-            <a:noAutofit/>
-          </a:bodyPr>
-          <a:lstStyle/>
-          <a:p>
-            <a:pPr algn="ctr"/>
-            <a:endParaRPr lang="es-PE"/>
-          </a:p>
-        </p:txBody>
-      </p:sp>
-    </p:spTree>
-    <p:extLst>
-      <p:ext uri="{BB962C8B-B14F-4D97-AF65-F5344CB8AC3E}">
-        <p14:creationId xmlns:p14="http://schemas.microsoft.com/office/powerpoint/2010/main" val="3631470083"/>
-      </p:ext>
-    </p:extLst>
-  </p:cSld>
-  <p:clrMapOvr>
-    <a:masterClrMapping/>
-  </p:clrMapOvr>
-  <p:timing>
-    <p:tnLst>
-      <p:par>
-        <p:cTn id="1" dur="indefinite" restart="never" nodeType="tmRoot"/>
-      </p:par>
-    </p:tnLst>
-  </p:timing>
-</p:sld>
-</file>
-
 <file path=ppt/slides/slide24.xml><?xml version="1.0" encoding="utf-8"?>
 <p:sld xmlns:a="http://schemas.openxmlformats.org/drawingml/2006/main" xmlns:r="http://schemas.openxmlformats.org/officeDocument/2006/relationships" xmlns:p="http://schemas.openxmlformats.org/presentationml/2006/main">
   <p:cSld>
@@ -6785,7 +7015,7 @@
         <p:spPr>
           <a:xfrm>
             <a:off x="285720" y="285728"/>
-            <a:ext cx="8501122" cy="2308324"/>
+            <a:ext cx="8501122" cy="3416320"/>
           </a:xfrm>
           <a:prstGeom prst="rect">
             <a:avLst/>
@@ -6806,7 +7036,7 @@
           <a:p>
             <a:r>
               <a:rPr lang="es-PE" dirty="0" smtClean="0"/>
-              <a:t>(Mundo, Alma libre/inmortal, </a:t>
+              <a:t>(</a:t>
             </a:r>
             <a:r>
               <a:rPr lang="es-PE" dirty="0" smtClean="0">
@@ -6814,11 +7044,11 @@
                   <a:srgbClr val="00B050"/>
                 </a:solidFill>
               </a:rPr>
-              <a:t>Dios</a:t>
+              <a:t>Mundo</a:t>
             </a:r>
             <a:r>
               <a:rPr lang="es-PE" dirty="0" smtClean="0"/>
-              <a:t>)</a:t>
+              <a:t>, Alma libre/inmortal, Dios)</a:t>
             </a:r>
           </a:p>
           <a:p>
@@ -6827,11 +7057,7 @@
           <a:p>
             <a:r>
               <a:rPr lang="es-PE" dirty="0" smtClean="0"/>
-              <a:t>Tanto </a:t>
-            </a:r>
-            <a:r>
-              <a:rPr lang="es-PE" dirty="0" smtClean="0"/>
-              <a:t>la idea de “mundo”, como la de “alma”, se llenan de sentido con la idea de “</a:t>
+              <a:t>“</a:t>
             </a:r>
             <a:r>
               <a:rPr lang="es-PE" dirty="0" smtClean="0">
@@ -6839,22 +7065,15 @@
                   <a:srgbClr val="00B050"/>
                 </a:solidFill>
               </a:rPr>
-              <a:t>Dios</a:t>
+              <a:t>Mundo</a:t>
             </a:r>
             <a:r>
               <a:rPr lang="es-PE" dirty="0" smtClean="0"/>
-              <a:t>”.</a:t>
-            </a:r>
-          </a:p>
-          <a:p>
-            <a:r>
-              <a:rPr lang="es-PE" dirty="0" smtClean="0"/>
-              <a:t>El </a:t>
-            </a:r>
-            <a:r>
-              <a:rPr lang="es-PE" dirty="0" smtClean="0"/>
-              <a:t>límite de la razón es la experiencia, de Dios no puedo tener experiencia, pero eso no me impide tener fe, o alguna apertura a lo sublime. </a:t>
-            </a:r>
+              <a:t>” llamamos al conjunto de experiencias. No podemos conocer sino parcialmente este mundo, no su totalidad. El mundo es una idea metafísica: va más allá de la posibilidad de nuestra experiencia. La razón teórica necesita el postulado del “mundo” por parte de la razón práctica. La razón práctica postula sin necesidad de experiencia, siempre y cuando se demuestre la necesidad de sus postulados con los elementos de la lógica, como sucede con las leyes generales que rigen la naturaleza. </a:t>
+            </a:r>
+          </a:p>
+          <a:p>
+            <a:endParaRPr lang="es-PE" dirty="0"/>
           </a:p>
           <a:p>
             <a:endParaRPr lang="es-PE" dirty="0"/>
@@ -6880,87 +7099,8 @@
         </p:blipFill>
         <p:spPr>
           <a:xfrm>
-            <a:off x="386261" y="4616121"/>
-            <a:ext cx="1488034" cy="1035154"/>
-          </a:xfrm>
-          <a:prstGeom prst="rect">
-            <a:avLst/>
-          </a:prstGeom>
-        </p:spPr>
-      </p:pic>
-      <p:sp>
-        <p:nvSpPr>
-          <p:cNvPr id="3" name="Señal de prohibido 2"/>
-          <p:cNvSpPr/>
-          <p:nvPr/>
-        </p:nvSpPr>
-        <p:spPr>
-          <a:xfrm>
-            <a:off x="179512" y="4437112"/>
-            <a:ext cx="2160240" cy="1728192"/>
-          </a:xfrm>
-          <a:prstGeom prst="noSmoking">
-            <a:avLst/>
-          </a:prstGeom>
-          <a:noFill/>
-          <a:ln w="38100">
-            <a:solidFill>
-              <a:srgbClr val="FF0000"/>
-            </a:solidFill>
-          </a:ln>
-        </p:spPr>
-        <p:style>
-          <a:lnRef idx="2">
-            <a:schemeClr val="accent1">
-              <a:shade val="50000"/>
-            </a:schemeClr>
-          </a:lnRef>
-          <a:fillRef idx="1">
-            <a:schemeClr val="accent1"/>
-          </a:fillRef>
-          <a:effectRef idx="0">
-            <a:schemeClr val="accent1"/>
-          </a:effectRef>
-          <a:fontRef idx="minor">
-            <a:schemeClr val="lt1"/>
-          </a:fontRef>
-        </p:style>
-        <p:txBody>
-          <a:bodyPr rot="0" spcFirstLastPara="0" vertOverflow="overflow" horzOverflow="overflow" vert="horz" wrap="square" lIns="91440" tIns="45720" rIns="91440" bIns="45720" numCol="1" spcCol="0" rtlCol="0" fromWordArt="0" anchor="ctr" anchorCtr="0" forceAA="0" compatLnSpc="1">
-            <a:prstTxWarp prst="textNoShape">
-              <a:avLst/>
-            </a:prstTxWarp>
-            <a:noAutofit/>
-          </a:bodyPr>
-          <a:lstStyle/>
-          <a:p>
-            <a:pPr algn="ctr"/>
-            <a:endParaRPr lang="es-PE">
-              <a:solidFill>
-                <a:schemeClr val="tx1"/>
-              </a:solidFill>
-            </a:endParaRPr>
-          </a:p>
-        </p:txBody>
-      </p:sp>
-      <p:pic>
-        <p:nvPicPr>
-          <p:cNvPr id="5" name="Imagen 4"/>
-          <p:cNvPicPr>
-            <a:picLocks noChangeAspect="1"/>
-          </p:cNvPicPr>
-          <p:nvPr/>
-        </p:nvPicPr>
-        <p:blipFill>
-          <a:blip r:embed="rId3"/>
-          <a:stretch>
-            <a:fillRect/>
-          </a:stretch>
-        </p:blipFill>
-        <p:spPr>
-          <a:xfrm>
-            <a:off x="3995936" y="2254601"/>
-            <a:ext cx="3456384" cy="4365021"/>
+            <a:off x="1943993" y="3212976"/>
+            <a:ext cx="5184576" cy="3449660"/>
           </a:xfrm>
           <a:prstGeom prst="rect">
             <a:avLst/>
@@ -6968,11 +7108,6 @@
         </p:spPr>
       </p:pic>
     </p:spTree>
-    <p:extLst>
-      <p:ext uri="{BB962C8B-B14F-4D97-AF65-F5344CB8AC3E}">
-        <p14:creationId xmlns:p14="http://schemas.microsoft.com/office/powerpoint/2010/main" val="1740312642"/>
-      </p:ext>
-    </p:extLst>
   </p:cSld>
   <p:clrMapOvr>
     <a:masterClrMapping/>
@@ -7006,6 +7141,469 @@
       </p:grpSpPr>
       <p:pic>
         <p:nvPicPr>
+          <p:cNvPr id="3" name="Imagen 2"/>
+          <p:cNvPicPr>
+            <a:picLocks noChangeAspect="1"/>
+          </p:cNvPicPr>
+          <p:nvPr/>
+        </p:nvPicPr>
+        <p:blipFill>
+          <a:blip r:embed="rId2"/>
+          <a:stretch>
+            <a:fillRect/>
+          </a:stretch>
+        </p:blipFill>
+        <p:spPr>
+          <a:xfrm>
+            <a:off x="827584" y="3356992"/>
+            <a:ext cx="6797201" cy="3501008"/>
+          </a:xfrm>
+          <a:prstGeom prst="rect">
+            <a:avLst/>
+          </a:prstGeom>
+        </p:spPr>
+      </p:pic>
+      <p:sp>
+        <p:nvSpPr>
+          <p:cNvPr id="4" name="3 CuadroTexto"/>
+          <p:cNvSpPr txBox="1"/>
+          <p:nvPr/>
+        </p:nvSpPr>
+        <p:spPr>
+          <a:xfrm>
+            <a:off x="285720" y="285728"/>
+            <a:ext cx="8501122" cy="3693319"/>
+          </a:xfrm>
+          <a:prstGeom prst="rect">
+            <a:avLst/>
+          </a:prstGeom>
+          <a:noFill/>
+        </p:spPr>
+        <p:txBody>
+          <a:bodyPr wrap="square" rtlCol="0">
+            <a:spAutoFit/>
+          </a:bodyPr>
+          <a:lstStyle/>
+          <a:p>
+            <a:r>
+              <a:rPr lang="es-PE" dirty="0" smtClean="0"/>
+              <a:t>Algunos apuntes sobre los postulados de la Razón Práctica: </a:t>
+            </a:r>
+          </a:p>
+          <a:p>
+            <a:r>
+              <a:rPr lang="es-PE" dirty="0" smtClean="0"/>
+              <a:t>(Mundo, </a:t>
+            </a:r>
+            <a:r>
+              <a:rPr lang="es-PE" dirty="0" smtClean="0">
+                <a:solidFill>
+                  <a:srgbClr val="00B050"/>
+                </a:solidFill>
+              </a:rPr>
+              <a:t>Alma libre/inmortal</a:t>
+            </a:r>
+            <a:r>
+              <a:rPr lang="es-PE" dirty="0" smtClean="0"/>
+              <a:t>, Dios)</a:t>
+            </a:r>
+          </a:p>
+          <a:p>
+            <a:endParaRPr lang="es-PE" dirty="0"/>
+          </a:p>
+          <a:p>
+            <a:r>
+              <a:rPr lang="es-PE" dirty="0" smtClean="0"/>
+              <a:t>La idea de mundo es la condición que hace posible que mi experiencia tenga sentido, del mismo modo que la idea de </a:t>
+            </a:r>
+            <a:r>
+              <a:rPr lang="es-PE" dirty="0" smtClean="0">
+                <a:solidFill>
+                  <a:srgbClr val="00B050"/>
+                </a:solidFill>
+              </a:rPr>
+              <a:t>alma libre </a:t>
+            </a:r>
+            <a:r>
+              <a:rPr lang="es-PE" dirty="0" smtClean="0"/>
+              <a:t>condiciona el sentido de nuestro juicio moral.  Los postulados de la razón práctica dotan de sentido nuestra experiencia.  </a:t>
+            </a:r>
+          </a:p>
+          <a:p>
+            <a:endParaRPr lang="es-PE" dirty="0"/>
+          </a:p>
+          <a:p>
+            <a:r>
+              <a:rPr lang="es-PE" dirty="0" smtClean="0"/>
+              <a:t>Si no tuviéramos un alma libre…. Nos meteríamos en problemas densos… (e importantes)</a:t>
+            </a:r>
+          </a:p>
+          <a:p>
+            <a:endParaRPr lang="es-PE" dirty="0"/>
+          </a:p>
+          <a:p>
+            <a:r>
+              <a:rPr lang="es-PE" dirty="0" smtClean="0"/>
+              <a:t>La relación entre </a:t>
+            </a:r>
+            <a:r>
+              <a:rPr lang="es-PE" dirty="0" smtClean="0">
+                <a:solidFill>
+                  <a:srgbClr val="FF0000"/>
+                </a:solidFill>
+              </a:rPr>
+              <a:t>razón</a:t>
+            </a:r>
+            <a:r>
+              <a:rPr lang="es-PE" dirty="0" smtClean="0"/>
+              <a:t> y mis </a:t>
+            </a:r>
+            <a:r>
+              <a:rPr lang="es-PE" dirty="0" smtClean="0">
+                <a:solidFill>
+                  <a:schemeClr val="tx2">
+                    <a:lumMod val="60000"/>
+                    <a:lumOff val="40000"/>
+                  </a:schemeClr>
+                </a:solidFill>
+              </a:rPr>
+              <a:t>fenómenos</a:t>
+            </a:r>
+            <a:r>
+              <a:rPr lang="es-PE" dirty="0" smtClean="0"/>
+              <a:t> no es la de causa/efecto, sino la de </a:t>
+            </a:r>
+            <a:r>
+              <a:rPr lang="es-PE" dirty="0" smtClean="0">
+                <a:solidFill>
+                  <a:srgbClr val="00B050"/>
+                </a:solidFill>
+              </a:rPr>
+              <a:t>dotación de sentido</a:t>
+            </a:r>
+            <a:r>
+              <a:rPr lang="es-PE" dirty="0" smtClean="0"/>
+              <a:t>.</a:t>
+            </a:r>
+          </a:p>
+          <a:p>
+            <a:endParaRPr lang="es-PE" dirty="0"/>
+          </a:p>
+          <a:p>
+            <a:endParaRPr lang="es-PE" dirty="0" smtClean="0"/>
+          </a:p>
+        </p:txBody>
+      </p:sp>
+      <p:sp>
+        <p:nvSpPr>
+          <p:cNvPr id="2" name="Rectángulo 1"/>
+          <p:cNvSpPr/>
+          <p:nvPr/>
+        </p:nvSpPr>
+        <p:spPr>
+          <a:xfrm>
+            <a:off x="285720" y="2636912"/>
+            <a:ext cx="8501122" cy="936104"/>
+          </a:xfrm>
+          <a:prstGeom prst="rect">
+            <a:avLst/>
+          </a:prstGeom>
+          <a:noFill/>
+          <a:ln w="38100">
+            <a:solidFill>
+              <a:srgbClr val="FF0000"/>
+            </a:solidFill>
+          </a:ln>
+        </p:spPr>
+        <p:style>
+          <a:lnRef idx="2">
+            <a:schemeClr val="accent1">
+              <a:shade val="50000"/>
+            </a:schemeClr>
+          </a:lnRef>
+          <a:fillRef idx="1">
+            <a:schemeClr val="accent1"/>
+          </a:fillRef>
+          <a:effectRef idx="0">
+            <a:schemeClr val="accent1"/>
+          </a:effectRef>
+          <a:fontRef idx="minor">
+            <a:schemeClr val="lt1"/>
+          </a:fontRef>
+        </p:style>
+        <p:txBody>
+          <a:bodyPr rot="0" spcFirstLastPara="0" vertOverflow="overflow" horzOverflow="overflow" vert="horz" wrap="square" lIns="91440" tIns="45720" rIns="91440" bIns="45720" numCol="1" spcCol="0" rtlCol="0" fromWordArt="0" anchor="ctr" anchorCtr="0" forceAA="0" compatLnSpc="1">
+            <a:prstTxWarp prst="textNoShape">
+              <a:avLst/>
+            </a:prstTxWarp>
+            <a:noAutofit/>
+          </a:bodyPr>
+          <a:lstStyle/>
+          <a:p>
+            <a:pPr algn="ctr"/>
+            <a:endParaRPr lang="es-PE"/>
+          </a:p>
+        </p:txBody>
+      </p:sp>
+    </p:spTree>
+    <p:extLst>
+      <p:ext uri="{BB962C8B-B14F-4D97-AF65-F5344CB8AC3E}">
+        <p14:creationId xmlns:p14="http://schemas.microsoft.com/office/powerpoint/2010/main" val="3631470083"/>
+      </p:ext>
+    </p:extLst>
+  </p:cSld>
+  <p:clrMapOvr>
+    <a:masterClrMapping/>
+  </p:clrMapOvr>
+  <p:timing>
+    <p:tnLst>
+      <p:par>
+        <p:cTn id="1" dur="indefinite" restart="never" nodeType="tmRoot"/>
+      </p:par>
+    </p:tnLst>
+  </p:timing>
+</p:sld>
+</file>
+
+<file path=ppt/slides/slide26.xml><?xml version="1.0" encoding="utf-8"?>
+<p:sld xmlns:a="http://schemas.openxmlformats.org/drawingml/2006/main" xmlns:r="http://schemas.openxmlformats.org/officeDocument/2006/relationships" xmlns:p="http://schemas.openxmlformats.org/presentationml/2006/main">
+  <p:cSld>
+    <p:spTree>
+      <p:nvGrpSpPr>
+        <p:cNvPr id="1" name=""/>
+        <p:cNvGrpSpPr/>
+        <p:nvPr/>
+      </p:nvGrpSpPr>
+      <p:grpSpPr>
+        <a:xfrm>
+          <a:off x="0" y="0"/>
+          <a:ext cx="0" cy="0"/>
+          <a:chOff x="0" y="0"/>
+          <a:chExt cx="0" cy="0"/>
+        </a:xfrm>
+      </p:grpSpPr>
+      <p:sp>
+        <p:nvSpPr>
+          <p:cNvPr id="4" name="3 CuadroTexto"/>
+          <p:cNvSpPr txBox="1"/>
+          <p:nvPr/>
+        </p:nvSpPr>
+        <p:spPr>
+          <a:xfrm>
+            <a:off x="285720" y="285728"/>
+            <a:ext cx="8501122" cy="2308324"/>
+          </a:xfrm>
+          <a:prstGeom prst="rect">
+            <a:avLst/>
+          </a:prstGeom>
+          <a:noFill/>
+        </p:spPr>
+        <p:txBody>
+          <a:bodyPr wrap="square" rtlCol="0">
+            <a:spAutoFit/>
+          </a:bodyPr>
+          <a:lstStyle/>
+          <a:p>
+            <a:r>
+              <a:rPr lang="es-PE" dirty="0" smtClean="0"/>
+              <a:t>Algunos apuntes sobre los postulados de la Razón Práctica: </a:t>
+            </a:r>
+          </a:p>
+          <a:p>
+            <a:r>
+              <a:rPr lang="es-PE" dirty="0" smtClean="0"/>
+              <a:t>(Mundo, Alma libre/inmortal, </a:t>
+            </a:r>
+            <a:r>
+              <a:rPr lang="es-PE" dirty="0" smtClean="0">
+                <a:solidFill>
+                  <a:srgbClr val="00B050"/>
+                </a:solidFill>
+              </a:rPr>
+              <a:t>Dios</a:t>
+            </a:r>
+            <a:r>
+              <a:rPr lang="es-PE" dirty="0" smtClean="0"/>
+              <a:t>)</a:t>
+            </a:r>
+          </a:p>
+          <a:p>
+            <a:endParaRPr lang="es-PE" dirty="0"/>
+          </a:p>
+          <a:p>
+            <a:r>
+              <a:rPr lang="es-PE" dirty="0" smtClean="0"/>
+              <a:t>Tanto la idea de “mundo”, como la de “alma”, se llenan de sentido con la idea de “</a:t>
+            </a:r>
+            <a:r>
+              <a:rPr lang="es-PE" dirty="0" smtClean="0">
+                <a:solidFill>
+                  <a:srgbClr val="00B050"/>
+                </a:solidFill>
+              </a:rPr>
+              <a:t>Dios</a:t>
+            </a:r>
+            <a:r>
+              <a:rPr lang="es-PE" dirty="0" smtClean="0"/>
+              <a:t>”.</a:t>
+            </a:r>
+          </a:p>
+          <a:p>
+            <a:r>
+              <a:rPr lang="es-PE" dirty="0" smtClean="0"/>
+              <a:t>El límite de la razón es la experiencia, de Dios no puedo tener experiencia, pero eso no me impide tener fe, o alguna apertura a lo sublime. </a:t>
+            </a:r>
+          </a:p>
+          <a:p>
+            <a:endParaRPr lang="es-PE" dirty="0"/>
+          </a:p>
+          <a:p>
+            <a:endParaRPr lang="es-PE" dirty="0" smtClean="0"/>
+          </a:p>
+        </p:txBody>
+      </p:sp>
+      <p:pic>
+        <p:nvPicPr>
+          <p:cNvPr id="2" name="Imagen 1"/>
+          <p:cNvPicPr>
+            <a:picLocks noChangeAspect="1"/>
+          </p:cNvPicPr>
+          <p:nvPr/>
+        </p:nvPicPr>
+        <p:blipFill>
+          <a:blip r:embed="rId2"/>
+          <a:stretch>
+            <a:fillRect/>
+          </a:stretch>
+        </p:blipFill>
+        <p:spPr>
+          <a:xfrm>
+            <a:off x="386261" y="4616121"/>
+            <a:ext cx="1488034" cy="1035154"/>
+          </a:xfrm>
+          <a:prstGeom prst="rect">
+            <a:avLst/>
+          </a:prstGeom>
+        </p:spPr>
+      </p:pic>
+      <p:sp>
+        <p:nvSpPr>
+          <p:cNvPr id="3" name="Señal de prohibido 2"/>
+          <p:cNvSpPr/>
+          <p:nvPr/>
+        </p:nvSpPr>
+        <p:spPr>
+          <a:xfrm>
+            <a:off x="179512" y="4437112"/>
+            <a:ext cx="2160240" cy="1728192"/>
+          </a:xfrm>
+          <a:prstGeom prst="noSmoking">
+            <a:avLst/>
+          </a:prstGeom>
+          <a:noFill/>
+          <a:ln w="38100">
+            <a:solidFill>
+              <a:srgbClr val="FF0000"/>
+            </a:solidFill>
+          </a:ln>
+        </p:spPr>
+        <p:style>
+          <a:lnRef idx="2">
+            <a:schemeClr val="accent1">
+              <a:shade val="50000"/>
+            </a:schemeClr>
+          </a:lnRef>
+          <a:fillRef idx="1">
+            <a:schemeClr val="accent1"/>
+          </a:fillRef>
+          <a:effectRef idx="0">
+            <a:schemeClr val="accent1"/>
+          </a:effectRef>
+          <a:fontRef idx="minor">
+            <a:schemeClr val="lt1"/>
+          </a:fontRef>
+        </p:style>
+        <p:txBody>
+          <a:bodyPr rot="0" spcFirstLastPara="0" vertOverflow="overflow" horzOverflow="overflow" vert="horz" wrap="square" lIns="91440" tIns="45720" rIns="91440" bIns="45720" numCol="1" spcCol="0" rtlCol="0" fromWordArt="0" anchor="ctr" anchorCtr="0" forceAA="0" compatLnSpc="1">
+            <a:prstTxWarp prst="textNoShape">
+              <a:avLst/>
+            </a:prstTxWarp>
+            <a:noAutofit/>
+          </a:bodyPr>
+          <a:lstStyle/>
+          <a:p>
+            <a:pPr algn="ctr"/>
+            <a:endParaRPr lang="es-PE">
+              <a:solidFill>
+                <a:schemeClr val="tx1"/>
+              </a:solidFill>
+            </a:endParaRPr>
+          </a:p>
+        </p:txBody>
+      </p:sp>
+      <p:pic>
+        <p:nvPicPr>
+          <p:cNvPr id="5" name="Imagen 4"/>
+          <p:cNvPicPr>
+            <a:picLocks noChangeAspect="1"/>
+          </p:cNvPicPr>
+          <p:nvPr/>
+        </p:nvPicPr>
+        <p:blipFill>
+          <a:blip r:embed="rId3"/>
+          <a:stretch>
+            <a:fillRect/>
+          </a:stretch>
+        </p:blipFill>
+        <p:spPr>
+          <a:xfrm>
+            <a:off x="3995936" y="2254601"/>
+            <a:ext cx="3456384" cy="4365021"/>
+          </a:xfrm>
+          <a:prstGeom prst="rect">
+            <a:avLst/>
+          </a:prstGeom>
+        </p:spPr>
+      </p:pic>
+    </p:spTree>
+    <p:extLst>
+      <p:ext uri="{BB962C8B-B14F-4D97-AF65-F5344CB8AC3E}">
+        <p14:creationId xmlns:p14="http://schemas.microsoft.com/office/powerpoint/2010/main" val="1740312642"/>
+      </p:ext>
+    </p:extLst>
+  </p:cSld>
+  <p:clrMapOvr>
+    <a:masterClrMapping/>
+  </p:clrMapOvr>
+  <p:timing>
+    <p:tnLst>
+      <p:par>
+        <p:cTn id="1" dur="indefinite" restart="never" nodeType="tmRoot"/>
+      </p:par>
+    </p:tnLst>
+  </p:timing>
+</p:sld>
+</file>
+
+<file path=ppt/slides/slide27.xml><?xml version="1.0" encoding="utf-8"?>
+<p:sld xmlns:a="http://schemas.openxmlformats.org/drawingml/2006/main" xmlns:r="http://schemas.openxmlformats.org/officeDocument/2006/relationships" xmlns:p="http://schemas.openxmlformats.org/presentationml/2006/main">
+  <p:cSld>
+    <p:spTree>
+      <p:nvGrpSpPr>
+        <p:cNvPr id="1" name=""/>
+        <p:cNvGrpSpPr/>
+        <p:nvPr/>
+      </p:nvGrpSpPr>
+      <p:grpSpPr>
+        <a:xfrm>
+          <a:off x="0" y="0"/>
+          <a:ext cx="0" cy="0"/>
+          <a:chOff x="0" y="0"/>
+          <a:chExt cx="0" cy="0"/>
+        </a:xfrm>
+      </p:grpSpPr>
+      <p:pic>
+        <p:nvPicPr>
           <p:cNvPr id="4" name="Imagen 3"/>
           <p:cNvPicPr>
             <a:picLocks noChangeAspect="1"/>
@@ -7041,7 +7639,7 @@
 </p:sld>
 </file>
 
-<file path=ppt/slides/slide26.xml><?xml version="1.0" encoding="utf-8"?>
+<file path=ppt/slides/slide28.xml><?xml version="1.0" encoding="utf-8"?>
 <p:sld xmlns:a="http://schemas.openxmlformats.org/drawingml/2006/main" xmlns:r="http://schemas.openxmlformats.org/officeDocument/2006/relationships" xmlns:p="http://schemas.openxmlformats.org/presentationml/2006/main">
   <p:cSld>
     <p:spTree>
@@ -7088,231 +7686,6 @@
         <p14:creationId xmlns:p14="http://schemas.microsoft.com/office/powerpoint/2010/main" val="423887319"/>
       </p:ext>
     </p:extLst>
-  </p:cSld>
-  <p:clrMapOvr>
-    <a:masterClrMapping/>
-  </p:clrMapOvr>
-</p:sld>
-</file>
-
-<file path=ppt/slides/slide27.xml><?xml version="1.0" encoding="utf-8"?>
-<p:sld xmlns:a="http://schemas.openxmlformats.org/drawingml/2006/main" xmlns:r="http://schemas.openxmlformats.org/officeDocument/2006/relationships" xmlns:p="http://schemas.openxmlformats.org/presentationml/2006/main">
-  <p:cSld>
-    <p:spTree>
-      <p:nvGrpSpPr>
-        <p:cNvPr id="1" name=""/>
-        <p:cNvGrpSpPr/>
-        <p:nvPr/>
-      </p:nvGrpSpPr>
-      <p:grpSpPr>
-        <a:xfrm>
-          <a:off x="0" y="0"/>
-          <a:ext cx="0" cy="0"/>
-          <a:chOff x="0" y="0"/>
-          <a:chExt cx="0" cy="0"/>
-        </a:xfrm>
-      </p:grpSpPr>
-      <p:sp>
-        <p:nvSpPr>
-          <p:cNvPr id="4" name="3 CuadroTexto"/>
-          <p:cNvSpPr txBox="1"/>
-          <p:nvPr/>
-        </p:nvSpPr>
-        <p:spPr>
-          <a:xfrm>
-            <a:off x="214282" y="548680"/>
-            <a:ext cx="8643998" cy="2308324"/>
-          </a:xfrm>
-          <a:prstGeom prst="rect">
-            <a:avLst/>
-          </a:prstGeom>
-          <a:noFill/>
-        </p:spPr>
-        <p:txBody>
-          <a:bodyPr wrap="square" rtlCol="0">
-            <a:spAutoFit/>
-          </a:bodyPr>
-          <a:lstStyle/>
-          <a:p>
-            <a:r>
-              <a:rPr lang="es-PE" dirty="0" smtClean="0"/>
-              <a:t>El mundo, es entonces, la sumatoria de experiencias, el conjunto infinito de fenómenos. Es un postulado de la razón para que nuestro conocimiento tenga sentido. Es una idea</a:t>
-            </a:r>
-            <a:r>
-              <a:rPr lang="es-PE" dirty="0" smtClean="0"/>
-              <a:t>. Consideremos </a:t>
-            </a:r>
-            <a:r>
-              <a:rPr lang="es-PE" dirty="0" smtClean="0"/>
-              <a:t>como conclusión, que en todo nivel, </a:t>
-            </a:r>
-            <a:r>
-              <a:rPr lang="es-PE" dirty="0" smtClean="0">
-                <a:solidFill>
-                  <a:srgbClr val="00B050"/>
-                </a:solidFill>
-              </a:rPr>
-              <a:t>la razón da sentido a nuestra experiencia. </a:t>
-            </a:r>
-          </a:p>
-          <a:p>
-            <a:endParaRPr lang="es-PE" dirty="0"/>
-          </a:p>
-          <a:p>
-            <a:endParaRPr lang="es-PE" dirty="0"/>
-          </a:p>
-          <a:p>
-            <a:endParaRPr lang="es-PE" dirty="0"/>
-          </a:p>
-          <a:p>
-            <a:endParaRPr lang="es-PE" dirty="0"/>
-          </a:p>
-        </p:txBody>
-      </p:sp>
-      <p:pic>
-        <p:nvPicPr>
-          <p:cNvPr id="2" name="Imagen 1"/>
-          <p:cNvPicPr>
-            <a:picLocks noChangeAspect="1"/>
-          </p:cNvPicPr>
-          <p:nvPr/>
-        </p:nvPicPr>
-        <p:blipFill>
-          <a:blip r:embed="rId2"/>
-          <a:stretch>
-            <a:fillRect/>
-          </a:stretch>
-        </p:blipFill>
-        <p:spPr>
-          <a:xfrm>
-            <a:off x="1907989" y="1556792"/>
-            <a:ext cx="5256584" cy="3991631"/>
-          </a:xfrm>
-          <a:prstGeom prst="rect">
-            <a:avLst/>
-          </a:prstGeom>
-        </p:spPr>
-      </p:pic>
-    </p:spTree>
-  </p:cSld>
-  <p:clrMapOvr>
-    <a:masterClrMapping/>
-  </p:clrMapOvr>
-  <p:timing>
-    <p:tnLst>
-      <p:par>
-        <p:cTn id="1" dur="indefinite" restart="never" nodeType="tmRoot"/>
-      </p:par>
-    </p:tnLst>
-  </p:timing>
-</p:sld>
-</file>
-
-<file path=ppt/slides/slide28.xml><?xml version="1.0" encoding="utf-8"?>
-<p:sld xmlns:a="http://schemas.openxmlformats.org/drawingml/2006/main" xmlns:r="http://schemas.openxmlformats.org/officeDocument/2006/relationships" xmlns:p="http://schemas.openxmlformats.org/presentationml/2006/main">
-  <p:cSld>
-    <p:spTree>
-      <p:nvGrpSpPr>
-        <p:cNvPr id="1" name=""/>
-        <p:cNvGrpSpPr/>
-        <p:nvPr/>
-      </p:nvGrpSpPr>
-      <p:grpSpPr>
-        <a:xfrm>
-          <a:off x="0" y="0"/>
-          <a:ext cx="0" cy="0"/>
-          <a:chOff x="0" y="0"/>
-          <a:chExt cx="0" cy="0"/>
-        </a:xfrm>
-      </p:grpSpPr>
-      <p:pic>
-        <p:nvPicPr>
-          <p:cNvPr id="23554" name="Picture 2" descr="Image result for kant meme"/>
-          <p:cNvPicPr>
-            <a:picLocks noChangeAspect="1" noChangeArrowheads="1"/>
-          </p:cNvPicPr>
-          <p:nvPr/>
-        </p:nvPicPr>
-        <p:blipFill>
-          <a:blip r:embed="rId2"/>
-          <a:srcRect/>
-          <a:stretch>
-            <a:fillRect/>
-          </a:stretch>
-        </p:blipFill>
-        <p:spPr bwMode="auto">
-          <a:xfrm>
-            <a:off x="357158" y="1905847"/>
-            <a:ext cx="3528392" cy="4490681"/>
-          </a:xfrm>
-          <a:prstGeom prst="rect">
-            <a:avLst/>
-          </a:prstGeom>
-          <a:noFill/>
-        </p:spPr>
-      </p:pic>
-      <p:sp>
-        <p:nvSpPr>
-          <p:cNvPr id="4" name="3 CuadroTexto"/>
-          <p:cNvSpPr txBox="1"/>
-          <p:nvPr/>
-        </p:nvSpPr>
-        <p:spPr>
-          <a:xfrm>
-            <a:off x="357158" y="357166"/>
-            <a:ext cx="8429684" cy="1477328"/>
-          </a:xfrm>
-          <a:prstGeom prst="rect">
-            <a:avLst/>
-          </a:prstGeom>
-          <a:noFill/>
-        </p:spPr>
-        <p:txBody>
-          <a:bodyPr wrap="square" rtlCol="0">
-            <a:spAutoFit/>
-          </a:bodyPr>
-          <a:lstStyle/>
-          <a:p>
-            <a:r>
-              <a:rPr lang="es-PE" dirty="0" smtClean="0"/>
-              <a:t>Consideremos </a:t>
-            </a:r>
-            <a:r>
-              <a:rPr lang="es-PE" dirty="0" smtClean="0"/>
-              <a:t>como conclusión que la razón práctica es ámbito de la fe, mientras que la razón teórica es ámbito del conocer. Recordemos que el proyecto crítico de Kant pretendía que la razón, en una crítica a sí misma, considere los límites de aquello que le es legítimo conocer. </a:t>
-            </a:r>
-            <a:endParaRPr lang="es-PE" dirty="0" smtClean="0"/>
-          </a:p>
-          <a:p>
-            <a:endParaRPr lang="es-PE" dirty="0"/>
-          </a:p>
-        </p:txBody>
-      </p:sp>
-      <p:pic>
-        <p:nvPicPr>
-          <p:cNvPr id="5" name="Imagen 4"/>
-          <p:cNvPicPr>
-            <a:picLocks noChangeAspect="1"/>
-          </p:cNvPicPr>
-          <p:nvPr/>
-        </p:nvPicPr>
-        <p:blipFill>
-          <a:blip r:embed="rId3"/>
-          <a:stretch>
-            <a:fillRect/>
-          </a:stretch>
-        </p:blipFill>
-        <p:spPr>
-          <a:xfrm>
-            <a:off x="4788024" y="1905847"/>
-            <a:ext cx="3456384" cy="4282911"/>
-          </a:xfrm>
-          <a:prstGeom prst="rect">
-            <a:avLst/>
-          </a:prstGeom>
-        </p:spPr>
-      </p:pic>
-    </p:spTree>
   </p:cSld>
   <p:clrMapOvr>
     <a:masterClrMapping/>
@@ -7337,9 +7710,58 @@
           <a:chExt cx="0" cy="0"/>
         </a:xfrm>
       </p:grpSpPr>
+      <p:sp>
+        <p:nvSpPr>
+          <p:cNvPr id="4" name="3 CuadroTexto"/>
+          <p:cNvSpPr txBox="1"/>
+          <p:nvPr/>
+        </p:nvSpPr>
+        <p:spPr>
+          <a:xfrm>
+            <a:off x="214282" y="548680"/>
+            <a:ext cx="8643998" cy="2308324"/>
+          </a:xfrm>
+          <a:prstGeom prst="rect">
+            <a:avLst/>
+          </a:prstGeom>
+          <a:noFill/>
+        </p:spPr>
+        <p:txBody>
+          <a:bodyPr wrap="square" rtlCol="0">
+            <a:spAutoFit/>
+          </a:bodyPr>
+          <a:lstStyle/>
+          <a:p>
+            <a:r>
+              <a:rPr lang="es-PE" dirty="0" smtClean="0"/>
+              <a:t>El mundo, es entonces, la sumatoria de experiencias, el conjunto infinito de fenómenos. Es un postulado de la razón para que nuestro conocimiento tenga sentido. Es una idea. Consideremos como conclusión, que en todo nivel, </a:t>
+            </a:r>
+            <a:r>
+              <a:rPr lang="es-PE" dirty="0" smtClean="0">
+                <a:solidFill>
+                  <a:srgbClr val="00B050"/>
+                </a:solidFill>
+              </a:rPr>
+              <a:t>la razón da sentido a nuestra experiencia. </a:t>
+            </a:r>
+          </a:p>
+          <a:p>
+            <a:endParaRPr lang="es-PE" dirty="0"/>
+          </a:p>
+          <a:p>
+            <a:endParaRPr lang="es-PE" dirty="0"/>
+          </a:p>
+          <a:p>
+            <a:endParaRPr lang="es-PE" dirty="0"/>
+          </a:p>
+          <a:p>
+            <a:endParaRPr lang="es-PE" dirty="0"/>
+          </a:p>
+        </p:txBody>
+      </p:sp>
       <p:pic>
         <p:nvPicPr>
-          <p:cNvPr id="4" name="Imagen 3"/>
+          <p:cNvPr id="2" name="Imagen 1"/>
           <p:cNvPicPr>
             <a:picLocks noChangeAspect="1"/>
           </p:cNvPicPr>
@@ -7353,78 +7775,26 @@
         </p:blipFill>
         <p:spPr>
           <a:xfrm>
-            <a:off x="1403648" y="3861048"/>
-            <a:ext cx="6325056" cy="2376264"/>
+            <a:off x="1907989" y="1556792"/>
+            <a:ext cx="5256584" cy="3991631"/>
           </a:xfrm>
           <a:prstGeom prst="rect">
             <a:avLst/>
           </a:prstGeom>
         </p:spPr>
       </p:pic>
-      <p:pic>
-        <p:nvPicPr>
-          <p:cNvPr id="5" name="Imagen 4"/>
-          <p:cNvPicPr>
-            <a:picLocks noChangeAspect="1"/>
-          </p:cNvPicPr>
-          <p:nvPr/>
-        </p:nvPicPr>
-        <p:blipFill>
-          <a:blip r:embed="rId3"/>
-          <a:stretch>
-            <a:fillRect/>
-          </a:stretch>
-        </p:blipFill>
-        <p:spPr>
-          <a:xfrm>
-            <a:off x="2218263" y="1628800"/>
-            <a:ext cx="4695825" cy="1876425"/>
-          </a:xfrm>
-          <a:prstGeom prst="rect">
-            <a:avLst/>
-          </a:prstGeom>
-        </p:spPr>
-      </p:pic>
-      <p:sp>
-        <p:nvSpPr>
-          <p:cNvPr id="6" name="CuadroTexto 5"/>
-          <p:cNvSpPr txBox="1"/>
-          <p:nvPr/>
-        </p:nvSpPr>
-        <p:spPr>
-          <a:xfrm>
-            <a:off x="1115616" y="404664"/>
-            <a:ext cx="7200800" cy="923330"/>
-          </a:xfrm>
-          <a:prstGeom prst="rect">
-            <a:avLst/>
-          </a:prstGeom>
-          <a:noFill/>
-        </p:spPr>
-        <p:txBody>
-          <a:bodyPr wrap="square" rtlCol="0">
-            <a:spAutoFit/>
-          </a:bodyPr>
-          <a:lstStyle/>
-          <a:p>
-            <a:r>
-              <a:rPr lang="es-PE" dirty="0" smtClean="0"/>
-              <a:t>Pero su proyecto crítico se refiere, en este contexto, al ámbito de la razón. Sin embargo, la invitación al pensar crítico será mucho mejor desarrollado en su obra ética, política y antropológica.</a:t>
-            </a:r>
-            <a:endParaRPr lang="es-PE" dirty="0"/>
-          </a:p>
-        </p:txBody>
-      </p:sp>
     </p:spTree>
-    <p:extLst>
-      <p:ext uri="{BB962C8B-B14F-4D97-AF65-F5344CB8AC3E}">
-        <p14:creationId xmlns:p14="http://schemas.microsoft.com/office/powerpoint/2010/main" val="2507641072"/>
-      </p:ext>
-    </p:extLst>
   </p:cSld>
   <p:clrMapOvr>
     <a:masterClrMapping/>
   </p:clrMapOvr>
+  <p:timing>
+    <p:tnLst>
+      <p:par>
+        <p:cTn id="1" dur="indefinite" restart="never" nodeType="tmRoot"/>
+      </p:par>
+    </p:tnLst>
+  </p:timing>
 </p:sld>
 </file>
 
@@ -7447,272 +7817,22 @@
       </p:grpSpPr>
       <p:pic>
         <p:nvPicPr>
-          <p:cNvPr id="1026" name="Picture 2" descr="https://upload.wikimedia.org/wikipedia/commons/e/ea/Apparent_retrograde_motion.gif"/>
+          <p:cNvPr id="4" name="Imagen 3"/>
           <p:cNvPicPr>
-            <a:picLocks noChangeAspect="1" noChangeArrowheads="1" noCrop="1"/>
+            <a:picLocks noChangeAspect="1"/>
           </p:cNvPicPr>
           <p:nvPr/>
         </p:nvPicPr>
         <p:blipFill>
-          <a:blip r:embed="rId2">
-            <a:extLst>
-              <a:ext uri="{28A0092B-C50C-407E-A947-70E740481C1C}">
-                <a14:useLocalDpi xmlns:a14="http://schemas.microsoft.com/office/drawing/2010/main" val="0"/>
-              </a:ext>
-            </a:extLst>
-          </a:blip>
-          <a:srcRect/>
+          <a:blip r:embed="rId2"/>
           <a:stretch>
             <a:fillRect/>
           </a:stretch>
         </p:blipFill>
-        <p:spPr bwMode="auto">
-          <a:xfrm>
-            <a:off x="798628" y="1732294"/>
-            <a:ext cx="7272808" cy="3636404"/>
-          </a:xfrm>
-          <a:prstGeom prst="rect">
-            <a:avLst/>
-          </a:prstGeom>
-          <a:noFill/>
-          <a:extLst>
-            <a:ext uri="{909E8E84-426E-40DD-AFC4-6F175D3DCCD1}">
-              <a14:hiddenFill xmlns:a14="http://schemas.microsoft.com/office/drawing/2010/main">
-                <a:solidFill>
-                  <a:srgbClr val="FFFFFF"/>
-                </a:solidFill>
-              </a14:hiddenFill>
-            </a:ext>
-          </a:extLst>
-        </p:spPr>
-      </p:pic>
-      <p:sp>
-        <p:nvSpPr>
-          <p:cNvPr id="5" name="CuadroTexto 4"/>
-          <p:cNvSpPr txBox="1"/>
-          <p:nvPr/>
-        </p:nvSpPr>
-        <p:spPr>
-          <a:xfrm>
-            <a:off x="827584" y="1162745"/>
-            <a:ext cx="1872208" cy="646331"/>
-          </a:xfrm>
-          <a:prstGeom prst="rect">
-            <a:avLst/>
-          </a:prstGeom>
-          <a:noFill/>
-        </p:spPr>
-        <p:txBody>
-          <a:bodyPr wrap="square" rtlCol="0">
-            <a:spAutoFit/>
-          </a:bodyPr>
-          <a:lstStyle/>
-          <a:p>
-            <a:r>
-              <a:rPr lang="es-PE" dirty="0" smtClean="0"/>
-              <a:t>Teoría Heliocéntrica</a:t>
-            </a:r>
-            <a:endParaRPr lang="es-PE" dirty="0"/>
-          </a:p>
-        </p:txBody>
-      </p:sp>
-      <p:sp>
-        <p:nvSpPr>
-          <p:cNvPr id="7" name="CuadroTexto 6"/>
-          <p:cNvSpPr txBox="1"/>
-          <p:nvPr/>
-        </p:nvSpPr>
-        <p:spPr>
-          <a:xfrm>
-            <a:off x="4076328" y="701080"/>
-            <a:ext cx="1872208" cy="923330"/>
-          </a:xfrm>
-          <a:prstGeom prst="rect">
-            <a:avLst/>
-          </a:prstGeom>
-          <a:noFill/>
-        </p:spPr>
-        <p:txBody>
-          <a:bodyPr wrap="square" rtlCol="0">
-            <a:spAutoFit/>
-          </a:bodyPr>
-          <a:lstStyle/>
-          <a:p>
-            <a:r>
-              <a:rPr lang="es-PE" dirty="0" smtClean="0">
-                <a:solidFill>
-                  <a:srgbClr val="FF0000"/>
-                </a:solidFill>
-              </a:rPr>
-              <a:t>Rojo</a:t>
-            </a:r>
-            <a:r>
-              <a:rPr lang="es-PE" dirty="0" smtClean="0"/>
-              <a:t>: Marte</a:t>
-            </a:r>
-          </a:p>
-          <a:p>
-            <a:r>
-              <a:rPr lang="es-PE" dirty="0" smtClean="0">
-                <a:solidFill>
-                  <a:schemeClr val="accent1"/>
-                </a:solidFill>
-              </a:rPr>
-              <a:t>Azul</a:t>
-            </a:r>
-            <a:r>
-              <a:rPr lang="es-PE" dirty="0" smtClean="0"/>
-              <a:t>: Tierra</a:t>
-            </a:r>
-          </a:p>
-          <a:p>
-            <a:r>
-              <a:rPr lang="es-PE" dirty="0" smtClean="0">
-                <a:solidFill>
-                  <a:srgbClr val="FFC000"/>
-                </a:solidFill>
-              </a:rPr>
-              <a:t>Amarillo</a:t>
-            </a:r>
-            <a:r>
-              <a:rPr lang="es-PE" dirty="0" smtClean="0"/>
-              <a:t>: Sol</a:t>
-            </a:r>
-            <a:endParaRPr lang="es-PE" dirty="0"/>
-          </a:p>
-        </p:txBody>
-      </p:sp>
-      <p:sp>
-        <p:nvSpPr>
-          <p:cNvPr id="8" name="CuadroTexto 7"/>
-          <p:cNvSpPr txBox="1"/>
-          <p:nvPr/>
-        </p:nvSpPr>
-        <p:spPr>
-          <a:xfrm>
-            <a:off x="6628121" y="1162745"/>
-            <a:ext cx="1872208" cy="646331"/>
-          </a:xfrm>
-          <a:prstGeom prst="rect">
-            <a:avLst/>
-          </a:prstGeom>
-          <a:noFill/>
-        </p:spPr>
-        <p:txBody>
-          <a:bodyPr wrap="square" rtlCol="0">
-            <a:spAutoFit/>
-          </a:bodyPr>
-          <a:lstStyle/>
-          <a:p>
-            <a:pPr algn="r"/>
-            <a:r>
-              <a:rPr lang="es-PE" dirty="0" smtClean="0"/>
-              <a:t>Teoría Geocéntrica</a:t>
-            </a:r>
-            <a:endParaRPr lang="es-PE" dirty="0"/>
-          </a:p>
-        </p:txBody>
-      </p:sp>
-      <p:pic>
-        <p:nvPicPr>
-          <p:cNvPr id="6" name="Imagen 5"/>
-          <p:cNvPicPr>
-            <a:picLocks noChangeAspect="1"/>
-          </p:cNvPicPr>
-          <p:nvPr/>
-        </p:nvPicPr>
-        <p:blipFill>
-          <a:blip r:embed="rId3"/>
-          <a:stretch>
-            <a:fillRect/>
-          </a:stretch>
-        </p:blipFill>
-        <p:spPr>
-          <a:xfrm>
-            <a:off x="220185" y="4725144"/>
-            <a:ext cx="1524000" cy="1962150"/>
-          </a:xfrm>
-          <a:prstGeom prst="rect">
-            <a:avLst/>
-          </a:prstGeom>
-        </p:spPr>
-      </p:pic>
-      <p:pic>
-        <p:nvPicPr>
-          <p:cNvPr id="9" name="Imagen 8"/>
-          <p:cNvPicPr>
-            <a:picLocks noChangeAspect="1"/>
-          </p:cNvPicPr>
-          <p:nvPr/>
-        </p:nvPicPr>
-        <p:blipFill>
-          <a:blip r:embed="rId4"/>
-          <a:stretch>
-            <a:fillRect/>
-          </a:stretch>
-        </p:blipFill>
-        <p:spPr>
-          <a:xfrm>
-            <a:off x="6246231" y="5119294"/>
-            <a:ext cx="1359768" cy="1681434"/>
-          </a:xfrm>
-          <a:prstGeom prst="rect">
-            <a:avLst/>
-          </a:prstGeom>
-        </p:spPr>
-      </p:pic>
-      <p:sp>
-        <p:nvSpPr>
-          <p:cNvPr id="10" name="CuadroTexto 9"/>
-          <p:cNvSpPr txBox="1"/>
-          <p:nvPr/>
-        </p:nvSpPr>
-        <p:spPr>
-          <a:xfrm>
-            <a:off x="4223200" y="5291916"/>
-            <a:ext cx="2232248" cy="369332"/>
-          </a:xfrm>
-          <a:prstGeom prst="rect">
-            <a:avLst/>
-          </a:prstGeom>
-          <a:noFill/>
-        </p:spPr>
-        <p:txBody>
-          <a:bodyPr wrap="square" rtlCol="0">
-            <a:spAutoFit/>
-          </a:bodyPr>
-          <a:lstStyle/>
-          <a:p>
-            <a:r>
-              <a:rPr lang="es-PE" dirty="0" err="1" smtClean="0"/>
-              <a:t>Eudoxo</a:t>
-            </a:r>
-            <a:r>
-              <a:rPr lang="es-PE" dirty="0" smtClean="0"/>
-              <a:t> y Ptolomeo</a:t>
-            </a:r>
-            <a:endParaRPr lang="es-PE" dirty="0"/>
-          </a:p>
-        </p:txBody>
-      </p:sp>
-      <p:pic>
-        <p:nvPicPr>
-          <p:cNvPr id="11" name="Imagen 10"/>
-          <p:cNvPicPr>
-            <a:picLocks noChangeAspect="1"/>
-          </p:cNvPicPr>
-          <p:nvPr/>
-        </p:nvPicPr>
-        <p:blipFill>
-          <a:blip r:embed="rId5"/>
-          <a:stretch>
-            <a:fillRect/>
-          </a:stretch>
-        </p:blipFill>
-        <p:spPr>
-          <a:xfrm flipH="1">
-            <a:off x="7662354" y="5193007"/>
-            <a:ext cx="1283602" cy="1524763"/>
+        <p:spPr>
+          <a:xfrm>
+            <a:off x="0" y="1916832"/>
+            <a:ext cx="9123851" cy="3014488"/>
           </a:xfrm>
           <a:prstGeom prst="rect">
             <a:avLst/>
@@ -7722,20 +7842,13 @@
     </p:spTree>
     <p:extLst>
       <p:ext uri="{BB962C8B-B14F-4D97-AF65-F5344CB8AC3E}">
-        <p14:creationId xmlns:p14="http://schemas.microsoft.com/office/powerpoint/2010/main" val="2427763832"/>
+        <p14:creationId xmlns:p14="http://schemas.microsoft.com/office/powerpoint/2010/main" val="3613507083"/>
       </p:ext>
     </p:extLst>
   </p:cSld>
   <p:clrMapOvr>
     <a:masterClrMapping/>
   </p:clrMapOvr>
-  <p:timing>
-    <p:tnLst>
-      <p:par>
-        <p:cTn id="1" dur="indefinite" restart="never" nodeType="tmRoot"/>
-      </p:par>
-    </p:tnLst>
-  </p:timing>
 </p:sld>
 </file>
 
@@ -7756,6 +7869,221 @@
           <a:chExt cx="0" cy="0"/>
         </a:xfrm>
       </p:grpSpPr>
+      <p:pic>
+        <p:nvPicPr>
+          <p:cNvPr id="23554" name="Picture 2" descr="Image result for kant meme"/>
+          <p:cNvPicPr>
+            <a:picLocks noChangeAspect="1" noChangeArrowheads="1"/>
+          </p:cNvPicPr>
+          <p:nvPr/>
+        </p:nvPicPr>
+        <p:blipFill>
+          <a:blip r:embed="rId2"/>
+          <a:srcRect/>
+          <a:stretch>
+            <a:fillRect/>
+          </a:stretch>
+        </p:blipFill>
+        <p:spPr bwMode="auto">
+          <a:xfrm>
+            <a:off x="357158" y="1905847"/>
+            <a:ext cx="3528392" cy="4490681"/>
+          </a:xfrm>
+          <a:prstGeom prst="rect">
+            <a:avLst/>
+          </a:prstGeom>
+          <a:noFill/>
+        </p:spPr>
+      </p:pic>
+      <p:sp>
+        <p:nvSpPr>
+          <p:cNvPr id="4" name="3 CuadroTexto"/>
+          <p:cNvSpPr txBox="1"/>
+          <p:nvPr/>
+        </p:nvSpPr>
+        <p:spPr>
+          <a:xfrm>
+            <a:off x="357158" y="357166"/>
+            <a:ext cx="8429684" cy="1477328"/>
+          </a:xfrm>
+          <a:prstGeom prst="rect">
+            <a:avLst/>
+          </a:prstGeom>
+          <a:noFill/>
+        </p:spPr>
+        <p:txBody>
+          <a:bodyPr wrap="square" rtlCol="0">
+            <a:spAutoFit/>
+          </a:bodyPr>
+          <a:lstStyle/>
+          <a:p>
+            <a:r>
+              <a:rPr lang="es-PE" dirty="0" smtClean="0"/>
+              <a:t>Consideremos como conclusión que la razón práctica es ámbito de la fe, mientras que la razón teórica es ámbito del conocer. Recordemos que el proyecto crítico de Kant pretendía que la razón, en una crítica a sí misma, considere los límites de aquello que le es legítimo conocer. </a:t>
+            </a:r>
+          </a:p>
+          <a:p>
+            <a:endParaRPr lang="es-PE" dirty="0"/>
+          </a:p>
+        </p:txBody>
+      </p:sp>
+      <p:pic>
+        <p:nvPicPr>
+          <p:cNvPr id="5" name="Imagen 4"/>
+          <p:cNvPicPr>
+            <a:picLocks noChangeAspect="1"/>
+          </p:cNvPicPr>
+          <p:nvPr/>
+        </p:nvPicPr>
+        <p:blipFill>
+          <a:blip r:embed="rId3"/>
+          <a:stretch>
+            <a:fillRect/>
+          </a:stretch>
+        </p:blipFill>
+        <p:spPr>
+          <a:xfrm>
+            <a:off x="4788024" y="1905847"/>
+            <a:ext cx="3456384" cy="4282911"/>
+          </a:xfrm>
+          <a:prstGeom prst="rect">
+            <a:avLst/>
+          </a:prstGeom>
+        </p:spPr>
+      </p:pic>
+    </p:spTree>
+  </p:cSld>
+  <p:clrMapOvr>
+    <a:masterClrMapping/>
+  </p:clrMapOvr>
+</p:sld>
+</file>
+
+<file path=ppt/slides/slide31.xml><?xml version="1.0" encoding="utf-8"?>
+<p:sld xmlns:a="http://schemas.openxmlformats.org/drawingml/2006/main" xmlns:r="http://schemas.openxmlformats.org/officeDocument/2006/relationships" xmlns:p="http://schemas.openxmlformats.org/presentationml/2006/main">
+  <p:cSld>
+    <p:spTree>
+      <p:nvGrpSpPr>
+        <p:cNvPr id="1" name=""/>
+        <p:cNvGrpSpPr/>
+        <p:nvPr/>
+      </p:nvGrpSpPr>
+      <p:grpSpPr>
+        <a:xfrm>
+          <a:off x="0" y="0"/>
+          <a:ext cx="0" cy="0"/>
+          <a:chOff x="0" y="0"/>
+          <a:chExt cx="0" cy="0"/>
+        </a:xfrm>
+      </p:grpSpPr>
+      <p:pic>
+        <p:nvPicPr>
+          <p:cNvPr id="4" name="Imagen 3"/>
+          <p:cNvPicPr>
+            <a:picLocks noChangeAspect="1"/>
+          </p:cNvPicPr>
+          <p:nvPr/>
+        </p:nvPicPr>
+        <p:blipFill>
+          <a:blip r:embed="rId2"/>
+          <a:stretch>
+            <a:fillRect/>
+          </a:stretch>
+        </p:blipFill>
+        <p:spPr>
+          <a:xfrm>
+            <a:off x="1403648" y="3861048"/>
+            <a:ext cx="6325056" cy="2376264"/>
+          </a:xfrm>
+          <a:prstGeom prst="rect">
+            <a:avLst/>
+          </a:prstGeom>
+        </p:spPr>
+      </p:pic>
+      <p:pic>
+        <p:nvPicPr>
+          <p:cNvPr id="5" name="Imagen 4"/>
+          <p:cNvPicPr>
+            <a:picLocks noChangeAspect="1"/>
+          </p:cNvPicPr>
+          <p:nvPr/>
+        </p:nvPicPr>
+        <p:blipFill>
+          <a:blip r:embed="rId3"/>
+          <a:stretch>
+            <a:fillRect/>
+          </a:stretch>
+        </p:blipFill>
+        <p:spPr>
+          <a:xfrm>
+            <a:off x="2218263" y="1628800"/>
+            <a:ext cx="4695825" cy="1876425"/>
+          </a:xfrm>
+          <a:prstGeom prst="rect">
+            <a:avLst/>
+          </a:prstGeom>
+        </p:spPr>
+      </p:pic>
+      <p:sp>
+        <p:nvSpPr>
+          <p:cNvPr id="6" name="CuadroTexto 5"/>
+          <p:cNvSpPr txBox="1"/>
+          <p:nvPr/>
+        </p:nvSpPr>
+        <p:spPr>
+          <a:xfrm>
+            <a:off x="1115616" y="404664"/>
+            <a:ext cx="7200800" cy="923330"/>
+          </a:xfrm>
+          <a:prstGeom prst="rect">
+            <a:avLst/>
+          </a:prstGeom>
+          <a:noFill/>
+        </p:spPr>
+        <p:txBody>
+          <a:bodyPr wrap="square" rtlCol="0">
+            <a:spAutoFit/>
+          </a:bodyPr>
+          <a:lstStyle/>
+          <a:p>
+            <a:r>
+              <a:rPr lang="es-PE" dirty="0" smtClean="0"/>
+              <a:t>Pero su proyecto crítico se refiere, en este contexto, al ámbito de la razón. Sin embargo, la invitación al pensar crítico será mucho mejor desarrollado en su obra ética, política y antropológica.</a:t>
+            </a:r>
+            <a:endParaRPr lang="es-PE" dirty="0"/>
+          </a:p>
+        </p:txBody>
+      </p:sp>
+    </p:spTree>
+    <p:extLst>
+      <p:ext uri="{BB962C8B-B14F-4D97-AF65-F5344CB8AC3E}">
+        <p14:creationId xmlns:p14="http://schemas.microsoft.com/office/powerpoint/2010/main" val="2507641072"/>
+      </p:ext>
+    </p:extLst>
+  </p:cSld>
+  <p:clrMapOvr>
+    <a:masterClrMapping/>
+  </p:clrMapOvr>
+</p:sld>
+</file>
+
+<file path=ppt/slides/slide32.xml><?xml version="1.0" encoding="utf-8"?>
+<p:sld xmlns:a="http://schemas.openxmlformats.org/drawingml/2006/main" xmlns:r="http://schemas.openxmlformats.org/officeDocument/2006/relationships" xmlns:p="http://schemas.openxmlformats.org/presentationml/2006/main">
+  <p:cSld>
+    <p:spTree>
+      <p:nvGrpSpPr>
+        <p:cNvPr id="1" name=""/>
+        <p:cNvGrpSpPr/>
+        <p:nvPr/>
+      </p:nvGrpSpPr>
+      <p:grpSpPr>
+        <a:xfrm>
+          <a:off x="0" y="0"/>
+          <a:ext cx="0" cy="0"/>
+          <a:chOff x="0" y="0"/>
+          <a:chExt cx="0" cy="0"/>
+        </a:xfrm>
+      </p:grpSpPr>
       <p:sp>
         <p:nvSpPr>
           <p:cNvPr id="3" name="Marcador de contenido 2"/>
@@ -7789,11 +8117,7 @@
             </a:pPr>
             <a:r>
               <a:rPr lang="es-PE" sz="4000" b="1" dirty="0" smtClean="0"/>
-              <a:t>- </a:t>
-            </a:r>
-            <a:r>
-              <a:rPr lang="es-PE" sz="4000" b="1" dirty="0" smtClean="0"/>
-              <a:t>¿Porqué se habla de un giro Copernicano, en el caso de Kant?</a:t>
+              <a:t>- ¿Porqué se habla de un giro Copernicano, en el caso de Kant?</a:t>
             </a:r>
             <a:endParaRPr lang="es-PE" b="1" dirty="0" smtClean="0">
               <a:solidFill>
@@ -7865,7 +8189,7 @@
 </p:sld>
 </file>
 
-<file path=ppt/slides/slide31.xml><?xml version="1.0" encoding="utf-8"?>
+<file path=ppt/slides/slide33.xml><?xml version="1.0" encoding="utf-8"?>
 <p:sld xmlns:a="http://schemas.openxmlformats.org/drawingml/2006/main" xmlns:r="http://schemas.openxmlformats.org/officeDocument/2006/relationships" xmlns:p="http://schemas.openxmlformats.org/presentationml/2006/main">
   <p:cSld>
     <p:spTree>
@@ -7940,239 +8264,148 @@
           <a:chExt cx="0" cy="0"/>
         </a:xfrm>
       </p:grpSpPr>
-      <p:pic>
-        <p:nvPicPr>
-          <p:cNvPr id="4" name="Imagen 3"/>
-          <p:cNvPicPr>
-            <a:picLocks noChangeAspect="1"/>
-          </p:cNvPicPr>
-          <p:nvPr/>
-        </p:nvPicPr>
-        <p:blipFill>
-          <a:blip r:embed="rId2"/>
-          <a:stretch>
-            <a:fillRect/>
-          </a:stretch>
-        </p:blipFill>
-        <p:spPr>
-          <a:xfrm>
-            <a:off x="9529" y="4365104"/>
-            <a:ext cx="4227149" cy="2471964"/>
-          </a:xfrm>
-          <a:prstGeom prst="rect">
-            <a:avLst/>
-          </a:prstGeom>
-        </p:spPr>
-      </p:pic>
-      <p:cxnSp>
-        <p:nvCxnSpPr>
-          <p:cNvPr id="8" name="Conector recto de flecha 7"/>
-          <p:cNvCxnSpPr/>
-          <p:nvPr/>
-        </p:nvCxnSpPr>
-        <p:spPr>
-          <a:xfrm>
-            <a:off x="2156938" y="3538304"/>
-            <a:ext cx="0" cy="704769"/>
-          </a:xfrm>
-          <a:prstGeom prst="straightConnector1">
-            <a:avLst/>
-          </a:prstGeom>
+      <p:sp>
+        <p:nvSpPr>
+          <p:cNvPr id="3" name="Marcador de contenido 2"/>
+          <p:cNvSpPr>
+            <a:spLocks noGrp="1"/>
+          </p:cNvSpPr>
+          <p:nvPr>
+            <p:ph idx="1"/>
+          </p:nvPr>
+        </p:nvSpPr>
+        <p:spPr>
+          <a:xfrm>
+            <a:off x="457200" y="620688"/>
+            <a:ext cx="8229600" cy="5505475"/>
+          </a:xfrm>
+        </p:spPr>
+        <p:txBody>
+          <a:bodyPr>
+            <a:normAutofit fontScale="92500" lnSpcReduction="20000"/>
+          </a:bodyPr>
+          <a:lstStyle/>
+          <a:p>
+            <a:pPr marL="0" indent="0">
+              <a:buNone/>
+            </a:pPr>
+            <a:endParaRPr lang="es-PE" dirty="0"/>
+          </a:p>
+          <a:p>
+            <a:pPr marL="0" indent="0">
+              <a:buNone/>
+            </a:pPr>
+            <a:r>
+              <a:rPr lang="es-PE" sz="4000" b="1" dirty="0" smtClean="0"/>
+              <a:t>- ¿Porqué se habla de un giro Copernicano, en el caso de Kant?</a:t>
+            </a:r>
+            <a:endParaRPr lang="es-PE" b="1" dirty="0" smtClean="0">
+              <a:solidFill>
+                <a:schemeClr val="bg1">
+                  <a:lumMod val="75000"/>
+                </a:schemeClr>
+              </a:solidFill>
+            </a:endParaRPr>
+          </a:p>
+          <a:p>
+            <a:pPr marL="0" indent="0">
+              <a:buNone/>
+            </a:pPr>
+            <a:endParaRPr lang="es-PE" sz="4000" b="1" dirty="0"/>
+          </a:p>
+          <a:p>
+            <a:pPr>
+              <a:buFontTx/>
+              <a:buChar char="-"/>
+            </a:pPr>
+            <a:r>
+              <a:rPr lang="es-PE" sz="4000" b="1" dirty="0" smtClean="0"/>
+              <a:t>¿Qué elementos componen la extensión de sus obras y pensamientos? ¿Qué se pregunta?</a:t>
+            </a:r>
+          </a:p>
+          <a:p>
+            <a:pPr>
+              <a:buFontTx/>
+              <a:buChar char="-"/>
+            </a:pPr>
+            <a:endParaRPr lang="es-PE" sz="4000" b="1" dirty="0"/>
+          </a:p>
+          <a:p>
+            <a:pPr>
+              <a:buFontTx/>
+              <a:buChar char="-"/>
+            </a:pPr>
+            <a:r>
+              <a:rPr lang="es-PE" sz="4000" b="1" dirty="0" smtClean="0"/>
+              <a:t>¿Qué tiene que ver el giro copernicano con la C.R.P.?</a:t>
+            </a:r>
+          </a:p>
+          <a:p>
+            <a:pPr>
+              <a:buFontTx/>
+              <a:buChar char="-"/>
+            </a:pPr>
+            <a:endParaRPr lang="es-PE" sz="4000" b="1" dirty="0"/>
+          </a:p>
+          <a:p>
+            <a:pPr>
+              <a:buFontTx/>
+              <a:buChar char="-"/>
+            </a:pPr>
+            <a:endParaRPr lang="es-PE" sz="4000" b="1" dirty="0"/>
+          </a:p>
+        </p:txBody>
+      </p:sp>
+      <p:sp>
+        <p:nvSpPr>
+          <p:cNvPr id="2" name="Rectángulo 1"/>
+          <p:cNvSpPr/>
+          <p:nvPr/>
+        </p:nvSpPr>
+        <p:spPr>
+          <a:xfrm>
+            <a:off x="251520" y="836712"/>
+            <a:ext cx="7272808" cy="1440160"/>
+          </a:xfrm>
+          <a:prstGeom prst="rect">
+            <a:avLst/>
+          </a:prstGeom>
+          <a:noFill/>
           <a:ln w="76200">
-            <a:tailEnd type="triangle"/>
+            <a:solidFill>
+              <a:srgbClr val="FF0000"/>
+            </a:solidFill>
           </a:ln>
         </p:spPr>
         <p:style>
-          <a:lnRef idx="1">
-            <a:schemeClr val="accent1"/>
+          <a:lnRef idx="2">
+            <a:schemeClr val="accent1">
+              <a:shade val="50000"/>
+            </a:schemeClr>
           </a:lnRef>
-          <a:fillRef idx="0">
+          <a:fillRef idx="1">
             <a:schemeClr val="accent1"/>
           </a:fillRef>
           <a:effectRef idx="0">
             <a:schemeClr val="accent1"/>
           </a:effectRef>
           <a:fontRef idx="minor">
-            <a:schemeClr val="tx1"/>
+            <a:schemeClr val="lt1"/>
           </a:fontRef>
         </p:style>
-      </p:cxnSp>
-      <p:pic>
-        <p:nvPicPr>
-          <p:cNvPr id="10" name="Imagen 9"/>
-          <p:cNvPicPr>
-            <a:picLocks noChangeAspect="1"/>
-          </p:cNvPicPr>
-          <p:nvPr/>
-        </p:nvPicPr>
-        <p:blipFill>
-          <a:blip r:embed="rId3"/>
-          <a:stretch>
-            <a:fillRect/>
-          </a:stretch>
-        </p:blipFill>
-        <p:spPr>
-          <a:xfrm>
-            <a:off x="0" y="0"/>
-            <a:ext cx="4313876" cy="3379203"/>
-          </a:xfrm>
-          <a:prstGeom prst="rect">
-            <a:avLst/>
-          </a:prstGeom>
-        </p:spPr>
-      </p:pic>
-      <p:sp>
-        <p:nvSpPr>
-          <p:cNvPr id="18" name="CuadroTexto 17"/>
-          <p:cNvSpPr txBox="1"/>
-          <p:nvPr/>
-        </p:nvSpPr>
-        <p:spPr>
-          <a:xfrm>
-            <a:off x="2514873" y="3677532"/>
-            <a:ext cx="3312369" cy="369332"/>
-          </a:xfrm>
-          <a:prstGeom prst="rect">
-            <a:avLst/>
-          </a:prstGeom>
-          <a:noFill/>
-        </p:spPr>
-        <p:txBody>
-          <a:bodyPr wrap="square" rtlCol="0">
-            <a:spAutoFit/>
-          </a:bodyPr>
-          <a:lstStyle/>
-          <a:p>
-            <a:r>
-              <a:rPr lang="es-PE" dirty="0" smtClean="0"/>
-              <a:t>Giro Copernicano</a:t>
-            </a:r>
-            <a:endParaRPr lang="es-PE" dirty="0"/>
-          </a:p>
-        </p:txBody>
-      </p:sp>
-      <p:sp>
-        <p:nvSpPr>
-          <p:cNvPr id="12" name="CuadroTexto 11"/>
-          <p:cNvSpPr txBox="1"/>
-          <p:nvPr/>
-        </p:nvSpPr>
-        <p:spPr>
-          <a:xfrm>
-            <a:off x="6804248" y="5277920"/>
-            <a:ext cx="1872208" cy="646331"/>
-          </a:xfrm>
-          <a:prstGeom prst="rect">
-            <a:avLst/>
-          </a:prstGeom>
-          <a:noFill/>
-        </p:spPr>
-        <p:txBody>
-          <a:bodyPr wrap="square" rtlCol="0">
-            <a:spAutoFit/>
-          </a:bodyPr>
-          <a:lstStyle/>
-          <a:p>
-            <a:r>
-              <a:rPr lang="es-PE" dirty="0" smtClean="0"/>
-              <a:t>Teoría Heliocéntrica</a:t>
-            </a:r>
-            <a:endParaRPr lang="es-PE" dirty="0"/>
-          </a:p>
-        </p:txBody>
-      </p:sp>
-      <p:sp>
-        <p:nvSpPr>
-          <p:cNvPr id="13" name="CuadroTexto 12"/>
-          <p:cNvSpPr txBox="1"/>
-          <p:nvPr/>
-        </p:nvSpPr>
-        <p:spPr>
-          <a:xfrm>
-            <a:off x="6444208" y="2086222"/>
-            <a:ext cx="1872208" cy="646331"/>
-          </a:xfrm>
-          <a:prstGeom prst="rect">
-            <a:avLst/>
-          </a:prstGeom>
-          <a:noFill/>
-        </p:spPr>
-        <p:txBody>
-          <a:bodyPr wrap="square" rtlCol="0">
-            <a:spAutoFit/>
-          </a:bodyPr>
-          <a:lstStyle/>
-          <a:p>
-            <a:pPr algn="r"/>
-            <a:r>
-              <a:rPr lang="es-PE" dirty="0" smtClean="0"/>
-              <a:t>Teoría Geocéntrica</a:t>
-            </a:r>
-            <a:endParaRPr lang="es-PE" dirty="0"/>
-          </a:p>
-        </p:txBody>
-      </p:sp>
-      <p:cxnSp>
-        <p:nvCxnSpPr>
-          <p:cNvPr id="14" name="Conector recto de flecha 13"/>
-          <p:cNvCxnSpPr/>
-          <p:nvPr/>
-        </p:nvCxnSpPr>
-        <p:spPr>
-          <a:xfrm>
-            <a:off x="7740352" y="3440699"/>
-            <a:ext cx="0" cy="704769"/>
-          </a:xfrm>
-          <a:prstGeom prst="straightConnector1">
-            <a:avLst/>
-          </a:prstGeom>
-          <a:ln w="76200">
-            <a:tailEnd type="triangle"/>
-          </a:ln>
-        </p:spPr>
-        <p:style>
-          <a:lnRef idx="1">
-            <a:schemeClr val="accent1"/>
-          </a:lnRef>
-          <a:fillRef idx="0">
-            <a:schemeClr val="accent1"/>
-          </a:fillRef>
-          <a:effectRef idx="0">
-            <a:schemeClr val="accent1"/>
-          </a:effectRef>
-          <a:fontRef idx="minor">
-            <a:schemeClr val="tx1"/>
-          </a:fontRef>
-        </p:style>
-      </p:cxnSp>
-      <p:pic>
-        <p:nvPicPr>
-          <p:cNvPr id="3" name="Imagen 2"/>
-          <p:cNvPicPr>
-            <a:picLocks noChangeAspect="1"/>
-          </p:cNvPicPr>
-          <p:nvPr/>
-        </p:nvPicPr>
-        <p:blipFill>
-          <a:blip r:embed="rId4"/>
-          <a:stretch>
-            <a:fillRect/>
-          </a:stretch>
-        </p:blipFill>
-        <p:spPr>
-          <a:xfrm>
-            <a:off x="4594612" y="3006361"/>
-            <a:ext cx="1964393" cy="1768653"/>
-          </a:xfrm>
-          <a:prstGeom prst="rect">
-            <a:avLst/>
-          </a:prstGeom>
-        </p:spPr>
-      </p:pic>
+        <p:txBody>
+          <a:bodyPr rtlCol="0" anchor="ctr"/>
+          <a:lstStyle/>
+          <a:p>
+            <a:pPr algn="ctr"/>
+            <a:endParaRPr lang="es-PE"/>
+          </a:p>
+        </p:txBody>
+      </p:sp>
     </p:spTree>
     <p:extLst>
       <p:ext uri="{BB962C8B-B14F-4D97-AF65-F5344CB8AC3E}">
-        <p14:creationId xmlns:p14="http://schemas.microsoft.com/office/powerpoint/2010/main" val="3057863547"/>
+        <p14:creationId xmlns:p14="http://schemas.microsoft.com/office/powerpoint/2010/main" val="1991544293"/>
       </p:ext>
     </p:extLst>
   </p:cSld>
@@ -8201,38 +8434,55 @@
       </p:grpSpPr>
       <p:pic>
         <p:nvPicPr>
-          <p:cNvPr id="5" name="Imagen 4"/>
+          <p:cNvPr id="1026" name="Picture 2" descr="https://upload.wikimedia.org/wikipedia/commons/e/ea/Apparent_retrograde_motion.gif"/>
           <p:cNvPicPr>
-            <a:picLocks noChangeAspect="1"/>
+            <a:picLocks noChangeAspect="1" noChangeArrowheads="1" noCrop="1"/>
           </p:cNvPicPr>
           <p:nvPr/>
         </p:nvPicPr>
         <p:blipFill>
-          <a:blip r:embed="rId2"/>
+          <a:blip r:embed="rId2">
+            <a:extLst>
+              <a:ext uri="{28A0092B-C50C-407E-A947-70E740481C1C}">
+                <a14:useLocalDpi xmlns:a14="http://schemas.microsoft.com/office/drawing/2010/main" val="0"/>
+              </a:ext>
+            </a:extLst>
+          </a:blip>
+          <a:srcRect/>
           <a:stretch>
             <a:fillRect/>
           </a:stretch>
         </p:blipFill>
-        <p:spPr>
-          <a:xfrm>
-            <a:off x="1187624" y="1340768"/>
-            <a:ext cx="6650417" cy="3384376"/>
-          </a:xfrm>
-          <a:prstGeom prst="rect">
-            <a:avLst/>
-          </a:prstGeom>
+        <p:spPr bwMode="auto">
+          <a:xfrm>
+            <a:off x="798628" y="1732294"/>
+            <a:ext cx="7272808" cy="3636404"/>
+          </a:xfrm>
+          <a:prstGeom prst="rect">
+            <a:avLst/>
+          </a:prstGeom>
+          <a:noFill/>
+          <a:extLst>
+            <a:ext uri="{909E8E84-426E-40DD-AFC4-6F175D3DCCD1}">
+              <a14:hiddenFill xmlns:a14="http://schemas.microsoft.com/office/drawing/2010/main">
+                <a:solidFill>
+                  <a:srgbClr val="FFFFFF"/>
+                </a:solidFill>
+              </a14:hiddenFill>
+            </a:ext>
+          </a:extLst>
         </p:spPr>
       </p:pic>
       <p:sp>
         <p:nvSpPr>
-          <p:cNvPr id="2" name="CuadroTexto 1"/>
+          <p:cNvPr id="5" name="CuadroTexto 4"/>
           <p:cNvSpPr txBox="1"/>
           <p:nvPr/>
         </p:nvSpPr>
         <p:spPr>
           <a:xfrm>
-            <a:off x="827584" y="260648"/>
-            <a:ext cx="7776864" cy="369332"/>
+            <a:off x="827584" y="1162745"/>
+            <a:ext cx="1872208" cy="646331"/>
           </a:xfrm>
           <a:prstGeom prst="rect">
             <a:avLst/>
@@ -8247,7 +8497,7 @@
           <a:p>
             <a:r>
               <a:rPr lang="es-PE" dirty="0" smtClean="0"/>
-              <a:t>Un salto al campo de la epistemología, es decir, acerca del cómo conocemos …</a:t>
+              <a:t>Teoría Heliocéntrica</a:t>
             </a:r>
             <a:endParaRPr lang="es-PE" dirty="0"/>
           </a:p>
@@ -8261,8 +8511,8 @@
         </p:nvSpPr>
         <p:spPr>
           <a:xfrm>
-            <a:off x="1763688" y="5466942"/>
-            <a:ext cx="6234252" cy="369332"/>
+            <a:off x="4076328" y="701080"/>
+            <a:ext cx="1872208" cy="923330"/>
           </a:xfrm>
           <a:prstGeom prst="rect">
             <a:avLst/>
@@ -8276,23 +8526,203 @@
           <a:lstStyle/>
           <a:p>
             <a:r>
+              <a:rPr lang="es-PE" dirty="0" smtClean="0">
+                <a:solidFill>
+                  <a:srgbClr val="FF0000"/>
+                </a:solidFill>
+              </a:rPr>
+              <a:t>Rojo</a:t>
+            </a:r>
+            <a:r>
               <a:rPr lang="es-PE" dirty="0" smtClean="0"/>
-              <a:t>Este modelo del Sujeto/Objeto va a ser combatido por Kant</a:t>
+              <a:t>: Marte</a:t>
+            </a:r>
+          </a:p>
+          <a:p>
+            <a:r>
+              <a:rPr lang="es-PE" dirty="0" smtClean="0">
+                <a:solidFill>
+                  <a:schemeClr val="accent1"/>
+                </a:solidFill>
+              </a:rPr>
+              <a:t>Azul</a:t>
+            </a:r>
+            <a:r>
+              <a:rPr lang="es-PE" dirty="0" smtClean="0"/>
+              <a:t>: Tierra</a:t>
+            </a:r>
+          </a:p>
+          <a:p>
+            <a:r>
+              <a:rPr lang="es-PE" dirty="0" smtClean="0">
+                <a:solidFill>
+                  <a:srgbClr val="FFC000"/>
+                </a:solidFill>
+              </a:rPr>
+              <a:t>Amarillo</a:t>
+            </a:r>
+            <a:r>
+              <a:rPr lang="es-PE" dirty="0" smtClean="0"/>
+              <a:t>: Sol</a:t>
             </a:r>
             <a:endParaRPr lang="es-PE" dirty="0"/>
           </a:p>
         </p:txBody>
       </p:sp>
+      <p:sp>
+        <p:nvSpPr>
+          <p:cNvPr id="8" name="CuadroTexto 7"/>
+          <p:cNvSpPr txBox="1"/>
+          <p:nvPr/>
+        </p:nvSpPr>
+        <p:spPr>
+          <a:xfrm>
+            <a:off x="6628121" y="1162745"/>
+            <a:ext cx="1872208" cy="646331"/>
+          </a:xfrm>
+          <a:prstGeom prst="rect">
+            <a:avLst/>
+          </a:prstGeom>
+          <a:noFill/>
+        </p:spPr>
+        <p:txBody>
+          <a:bodyPr wrap="square" rtlCol="0">
+            <a:spAutoFit/>
+          </a:bodyPr>
+          <a:lstStyle/>
+          <a:p>
+            <a:pPr algn="r"/>
+            <a:r>
+              <a:rPr lang="es-PE" dirty="0" smtClean="0"/>
+              <a:t>Teoría Geocéntrica</a:t>
+            </a:r>
+            <a:endParaRPr lang="es-PE" dirty="0"/>
+          </a:p>
+        </p:txBody>
+      </p:sp>
+      <p:pic>
+        <p:nvPicPr>
+          <p:cNvPr id="6" name="Imagen 5"/>
+          <p:cNvPicPr>
+            <a:picLocks noChangeAspect="1"/>
+          </p:cNvPicPr>
+          <p:nvPr/>
+        </p:nvPicPr>
+        <p:blipFill>
+          <a:blip r:embed="rId3"/>
+          <a:stretch>
+            <a:fillRect/>
+          </a:stretch>
+        </p:blipFill>
+        <p:spPr>
+          <a:xfrm>
+            <a:off x="220185" y="4725144"/>
+            <a:ext cx="1524000" cy="1962150"/>
+          </a:xfrm>
+          <a:prstGeom prst="rect">
+            <a:avLst/>
+          </a:prstGeom>
+        </p:spPr>
+      </p:pic>
+      <p:pic>
+        <p:nvPicPr>
+          <p:cNvPr id="9" name="Imagen 8"/>
+          <p:cNvPicPr>
+            <a:picLocks noChangeAspect="1"/>
+          </p:cNvPicPr>
+          <p:nvPr/>
+        </p:nvPicPr>
+        <p:blipFill>
+          <a:blip r:embed="rId4"/>
+          <a:stretch>
+            <a:fillRect/>
+          </a:stretch>
+        </p:blipFill>
+        <p:spPr>
+          <a:xfrm>
+            <a:off x="6246231" y="5119294"/>
+            <a:ext cx="1359768" cy="1681434"/>
+          </a:xfrm>
+          <a:prstGeom prst="rect">
+            <a:avLst/>
+          </a:prstGeom>
+        </p:spPr>
+      </p:pic>
+      <p:sp>
+        <p:nvSpPr>
+          <p:cNvPr id="10" name="CuadroTexto 9"/>
+          <p:cNvSpPr txBox="1"/>
+          <p:nvPr/>
+        </p:nvSpPr>
+        <p:spPr>
+          <a:xfrm>
+            <a:off x="4223200" y="5291916"/>
+            <a:ext cx="2232248" cy="369332"/>
+          </a:xfrm>
+          <a:prstGeom prst="rect">
+            <a:avLst/>
+          </a:prstGeom>
+          <a:noFill/>
+        </p:spPr>
+        <p:txBody>
+          <a:bodyPr wrap="square" rtlCol="0">
+            <a:spAutoFit/>
+          </a:bodyPr>
+          <a:lstStyle/>
+          <a:p>
+            <a:r>
+              <a:rPr lang="es-PE" dirty="0" err="1" smtClean="0"/>
+              <a:t>Eudoxo</a:t>
+            </a:r>
+            <a:r>
+              <a:rPr lang="es-PE" dirty="0" smtClean="0"/>
+              <a:t> y Ptolomeo</a:t>
+            </a:r>
+            <a:endParaRPr lang="es-PE" dirty="0"/>
+          </a:p>
+        </p:txBody>
+      </p:sp>
+      <p:pic>
+        <p:nvPicPr>
+          <p:cNvPr id="11" name="Imagen 10"/>
+          <p:cNvPicPr>
+            <a:picLocks noChangeAspect="1"/>
+          </p:cNvPicPr>
+          <p:nvPr/>
+        </p:nvPicPr>
+        <p:blipFill>
+          <a:blip r:embed="rId5"/>
+          <a:stretch>
+            <a:fillRect/>
+          </a:stretch>
+        </p:blipFill>
+        <p:spPr>
+          <a:xfrm flipH="1">
+            <a:off x="7662354" y="5193007"/>
+            <a:ext cx="1283602" cy="1524763"/>
+          </a:xfrm>
+          <a:prstGeom prst="rect">
+            <a:avLst/>
+          </a:prstGeom>
+        </p:spPr>
+      </p:pic>
     </p:spTree>
     <p:extLst>
       <p:ext uri="{BB962C8B-B14F-4D97-AF65-F5344CB8AC3E}">
-        <p14:creationId xmlns:p14="http://schemas.microsoft.com/office/powerpoint/2010/main" val="4261355122"/>
+        <p14:creationId xmlns:p14="http://schemas.microsoft.com/office/powerpoint/2010/main" val="2427763832"/>
       </p:ext>
     </p:extLst>
   </p:cSld>
   <p:clrMapOvr>
     <a:masterClrMapping/>
   </p:clrMapOvr>
+  <p:timing>
+    <p:tnLst>
+      <p:par>
+        <p:cTn id="1" dur="indefinite" restart="never" nodeType="tmRoot"/>
+      </p:par>
+    </p:tnLst>
+  </p:timing>
 </p:sld>
 </file>
 
@@ -8315,7 +8745,7 @@
       </p:grpSpPr>
       <p:pic>
         <p:nvPicPr>
-          <p:cNvPr id="7" name="Imagen 6"/>
+          <p:cNvPr id="4" name="Imagen 3"/>
           <p:cNvPicPr>
             <a:picLocks noChangeAspect="1"/>
           </p:cNvPicPr>
@@ -8329,17 +8759,50 @@
         </p:blipFill>
         <p:spPr>
           <a:xfrm>
-            <a:off x="898412" y="2214648"/>
-            <a:ext cx="7634028" cy="4258437"/>
+            <a:off x="9529" y="4365104"/>
+            <a:ext cx="4227149" cy="2471964"/>
           </a:xfrm>
           <a:prstGeom prst="rect">
             <a:avLst/>
           </a:prstGeom>
         </p:spPr>
       </p:pic>
+      <p:cxnSp>
+        <p:nvCxnSpPr>
+          <p:cNvPr id="8" name="Conector recto de flecha 7"/>
+          <p:cNvCxnSpPr/>
+          <p:nvPr/>
+        </p:nvCxnSpPr>
+        <p:spPr>
+          <a:xfrm>
+            <a:off x="2156938" y="3538304"/>
+            <a:ext cx="0" cy="704769"/>
+          </a:xfrm>
+          <a:prstGeom prst="straightConnector1">
+            <a:avLst/>
+          </a:prstGeom>
+          <a:ln w="76200">
+            <a:tailEnd type="triangle"/>
+          </a:ln>
+        </p:spPr>
+        <p:style>
+          <a:lnRef idx="1">
+            <a:schemeClr val="accent1"/>
+          </a:lnRef>
+          <a:fillRef idx="0">
+            <a:schemeClr val="accent1"/>
+          </a:fillRef>
+          <a:effectRef idx="0">
+            <a:schemeClr val="accent1"/>
+          </a:effectRef>
+          <a:fontRef idx="minor">
+            <a:schemeClr val="tx1"/>
+          </a:fontRef>
+        </p:style>
+      </p:cxnSp>
       <p:pic>
         <p:nvPicPr>
-          <p:cNvPr id="6" name="Imagen 5"/>
+          <p:cNvPr id="10" name="Imagen 9"/>
           <p:cNvPicPr>
             <a:picLocks noChangeAspect="1"/>
           </p:cNvPicPr>
@@ -8353,8 +8816,8 @@
         </p:blipFill>
         <p:spPr>
           <a:xfrm>
-            <a:off x="855828" y="2214648"/>
-            <a:ext cx="3932196" cy="2217080"/>
+            <a:off x="0" y="0"/>
+            <a:ext cx="4313876" cy="3379203"/>
           </a:xfrm>
           <a:prstGeom prst="rect">
             <a:avLst/>
@@ -8363,14 +8826,14 @@
       </p:pic>
       <p:sp>
         <p:nvSpPr>
-          <p:cNvPr id="3" name="CuadroTexto 2"/>
+          <p:cNvPr id="18" name="CuadroTexto 17"/>
           <p:cNvSpPr txBox="1"/>
           <p:nvPr/>
         </p:nvSpPr>
         <p:spPr>
           <a:xfrm>
-            <a:off x="611560" y="1032279"/>
-            <a:ext cx="7920880" cy="646331"/>
+            <a:off x="2514873" y="3677532"/>
+            <a:ext cx="3312369" cy="369332"/>
           </a:xfrm>
           <a:prstGeom prst="rect">
             <a:avLst/>
@@ -8385,23 +8848,109 @@
           <a:p>
             <a:r>
               <a:rPr lang="es-PE" dirty="0" smtClean="0"/>
-              <a:t>Kant propondrá que lo que conocemos es “la cosa para mí” (fenómeno, lo que aparece), pero nunca conocemos “la cosa en sí” (</a:t>
-            </a:r>
-            <a:r>
-              <a:rPr lang="es-PE" dirty="0" err="1" smtClean="0"/>
-              <a:t>noumeno</a:t>
-            </a:r>
+              <a:t>Giro Copernicano</a:t>
+            </a:r>
+            <a:endParaRPr lang="es-PE" dirty="0"/>
+          </a:p>
+        </p:txBody>
+      </p:sp>
+      <p:sp>
+        <p:nvSpPr>
+          <p:cNvPr id="12" name="CuadroTexto 11"/>
+          <p:cNvSpPr txBox="1"/>
+          <p:nvPr/>
+        </p:nvSpPr>
+        <p:spPr>
+          <a:xfrm>
+            <a:off x="6804248" y="5277920"/>
+            <a:ext cx="1872208" cy="646331"/>
+          </a:xfrm>
+          <a:prstGeom prst="rect">
+            <a:avLst/>
+          </a:prstGeom>
+          <a:noFill/>
+        </p:spPr>
+        <p:txBody>
+          <a:bodyPr wrap="square" rtlCol="0">
+            <a:spAutoFit/>
+          </a:bodyPr>
+          <a:lstStyle/>
+          <a:p>
             <a:r>
               <a:rPr lang="es-PE" dirty="0" smtClean="0"/>
-              <a:t>).</a:t>
+              <a:t>Teoría Heliocéntrica</a:t>
             </a:r>
             <a:endParaRPr lang="es-PE" dirty="0"/>
           </a:p>
         </p:txBody>
       </p:sp>
+      <p:sp>
+        <p:nvSpPr>
+          <p:cNvPr id="13" name="CuadroTexto 12"/>
+          <p:cNvSpPr txBox="1"/>
+          <p:nvPr/>
+        </p:nvSpPr>
+        <p:spPr>
+          <a:xfrm>
+            <a:off x="6444208" y="2086222"/>
+            <a:ext cx="1872208" cy="646331"/>
+          </a:xfrm>
+          <a:prstGeom prst="rect">
+            <a:avLst/>
+          </a:prstGeom>
+          <a:noFill/>
+        </p:spPr>
+        <p:txBody>
+          <a:bodyPr wrap="square" rtlCol="0">
+            <a:spAutoFit/>
+          </a:bodyPr>
+          <a:lstStyle/>
+          <a:p>
+            <a:pPr algn="r"/>
+            <a:r>
+              <a:rPr lang="es-PE" dirty="0" smtClean="0"/>
+              <a:t>Teoría Geocéntrica</a:t>
+            </a:r>
+            <a:endParaRPr lang="es-PE" dirty="0"/>
+          </a:p>
+        </p:txBody>
+      </p:sp>
+      <p:cxnSp>
+        <p:nvCxnSpPr>
+          <p:cNvPr id="14" name="Conector recto de flecha 13"/>
+          <p:cNvCxnSpPr/>
+          <p:nvPr/>
+        </p:nvCxnSpPr>
+        <p:spPr>
+          <a:xfrm>
+            <a:off x="7740352" y="3440699"/>
+            <a:ext cx="0" cy="704769"/>
+          </a:xfrm>
+          <a:prstGeom prst="straightConnector1">
+            <a:avLst/>
+          </a:prstGeom>
+          <a:ln w="76200">
+            <a:tailEnd type="triangle"/>
+          </a:ln>
+        </p:spPr>
+        <p:style>
+          <a:lnRef idx="1">
+            <a:schemeClr val="accent1"/>
+          </a:lnRef>
+          <a:fillRef idx="0">
+            <a:schemeClr val="accent1"/>
+          </a:fillRef>
+          <a:effectRef idx="0">
+            <a:schemeClr val="accent1"/>
+          </a:effectRef>
+          <a:fontRef idx="minor">
+            <a:schemeClr val="tx1"/>
+          </a:fontRef>
+        </p:style>
+      </p:cxnSp>
       <p:pic>
         <p:nvPicPr>
-          <p:cNvPr id="4" name="Imagen 3"/>
+          <p:cNvPr id="3" name="Imagen 2"/>
           <p:cNvPicPr>
             <a:picLocks noChangeAspect="1"/>
           </p:cNvPicPr>
@@ -8415,8 +8964,8 @@
         </p:blipFill>
         <p:spPr>
           <a:xfrm>
-            <a:off x="827584" y="4394879"/>
-            <a:ext cx="3960440" cy="2078206"/>
+            <a:off x="4594612" y="3006361"/>
+            <a:ext cx="1964393" cy="1768653"/>
           </a:xfrm>
           <a:prstGeom prst="rect">
             <a:avLst/>
@@ -8426,7 +8975,7 @@
     </p:spTree>
     <p:extLst>
       <p:ext uri="{BB962C8B-B14F-4D97-AF65-F5344CB8AC3E}">
-        <p14:creationId xmlns:p14="http://schemas.microsoft.com/office/powerpoint/2010/main" val="347501254"/>
+        <p14:creationId xmlns:p14="http://schemas.microsoft.com/office/powerpoint/2010/main" val="3057863547"/>
       </p:ext>
     </p:extLst>
   </p:cSld>
@@ -8455,7 +9004,7 @@
       </p:grpSpPr>
       <p:pic>
         <p:nvPicPr>
-          <p:cNvPr id="4" name="Imagen 3"/>
+          <p:cNvPr id="5" name="Imagen 4"/>
           <p:cNvPicPr>
             <a:picLocks noChangeAspect="1"/>
           </p:cNvPicPr>
@@ -8469,192 +9018,24 @@
         </p:blipFill>
         <p:spPr>
           <a:xfrm>
-            <a:off x="9529" y="4365104"/>
-            <a:ext cx="4227149" cy="2471964"/>
+            <a:off x="1187624" y="1340768"/>
+            <a:ext cx="6650417" cy="3384376"/>
           </a:xfrm>
           <a:prstGeom prst="rect">
             <a:avLst/>
           </a:prstGeom>
         </p:spPr>
       </p:pic>
-      <p:cxnSp>
-        <p:nvCxnSpPr>
-          <p:cNvPr id="6" name="Conector recto 5"/>
-          <p:cNvCxnSpPr/>
-          <p:nvPr/>
-        </p:nvCxnSpPr>
-        <p:spPr>
-          <a:xfrm>
-            <a:off x="4644008" y="188640"/>
-            <a:ext cx="0" cy="6336704"/>
-          </a:xfrm>
-          <a:prstGeom prst="line">
-            <a:avLst/>
-          </a:prstGeom>
-        </p:spPr>
-        <p:style>
-          <a:lnRef idx="1">
-            <a:schemeClr val="accent1"/>
-          </a:lnRef>
-          <a:fillRef idx="0">
-            <a:schemeClr val="accent1"/>
-          </a:fillRef>
-          <a:effectRef idx="0">
-            <a:schemeClr val="accent1"/>
-          </a:effectRef>
-          <a:fontRef idx="minor">
-            <a:schemeClr val="tx1"/>
-          </a:fontRef>
-        </p:style>
-      </p:cxnSp>
-      <p:cxnSp>
-        <p:nvCxnSpPr>
-          <p:cNvPr id="8" name="Conector recto de flecha 7"/>
-          <p:cNvCxnSpPr/>
-          <p:nvPr/>
-        </p:nvCxnSpPr>
-        <p:spPr>
-          <a:xfrm>
-            <a:off x="2156938" y="3538304"/>
-            <a:ext cx="0" cy="704769"/>
-          </a:xfrm>
-          <a:prstGeom prst="straightConnector1">
-            <a:avLst/>
-          </a:prstGeom>
-          <a:ln w="76200">
-            <a:tailEnd type="triangle"/>
-          </a:ln>
-        </p:spPr>
-        <p:style>
-          <a:lnRef idx="1">
-            <a:schemeClr val="accent1"/>
-          </a:lnRef>
-          <a:fillRef idx="0">
-            <a:schemeClr val="accent1"/>
-          </a:fillRef>
-          <a:effectRef idx="0">
-            <a:schemeClr val="accent1"/>
-          </a:effectRef>
-          <a:fontRef idx="minor">
-            <a:schemeClr val="tx1"/>
-          </a:fontRef>
-        </p:style>
-      </p:cxnSp>
-      <p:cxnSp>
-        <p:nvCxnSpPr>
-          <p:cNvPr id="9" name="Conector recto de flecha 8"/>
-          <p:cNvCxnSpPr/>
-          <p:nvPr/>
-        </p:nvCxnSpPr>
-        <p:spPr>
-          <a:xfrm>
-            <a:off x="6923541" y="3538304"/>
-            <a:ext cx="0" cy="648072"/>
-          </a:xfrm>
-          <a:prstGeom prst="straightConnector1">
-            <a:avLst/>
-          </a:prstGeom>
-          <a:ln w="76200">
-            <a:tailEnd type="triangle"/>
-          </a:ln>
-        </p:spPr>
-        <p:style>
-          <a:lnRef idx="1">
-            <a:schemeClr val="accent1"/>
-          </a:lnRef>
-          <a:fillRef idx="0">
-            <a:schemeClr val="accent1"/>
-          </a:fillRef>
-          <a:effectRef idx="0">
-            <a:schemeClr val="accent1"/>
-          </a:effectRef>
-          <a:fontRef idx="minor">
-            <a:schemeClr val="tx1"/>
-          </a:fontRef>
-        </p:style>
-      </p:cxnSp>
-      <p:pic>
-        <p:nvPicPr>
-          <p:cNvPr id="10" name="Imagen 9"/>
-          <p:cNvPicPr>
-            <a:picLocks noChangeAspect="1"/>
-          </p:cNvPicPr>
-          <p:nvPr/>
-        </p:nvPicPr>
-        <p:blipFill>
-          <a:blip r:embed="rId3"/>
-          <a:stretch>
-            <a:fillRect/>
-          </a:stretch>
-        </p:blipFill>
-        <p:spPr>
-          <a:xfrm>
-            <a:off x="0" y="0"/>
-            <a:ext cx="4313876" cy="3379203"/>
-          </a:xfrm>
-          <a:prstGeom prst="rect">
-            <a:avLst/>
-          </a:prstGeom>
-        </p:spPr>
-      </p:pic>
-      <p:pic>
-        <p:nvPicPr>
-          <p:cNvPr id="15" name="Imagen 14"/>
-          <p:cNvPicPr>
-            <a:picLocks noChangeAspect="1"/>
-          </p:cNvPicPr>
-          <p:nvPr/>
-        </p:nvPicPr>
-        <p:blipFill>
-          <a:blip r:embed="rId4"/>
-          <a:stretch>
-            <a:fillRect/>
-          </a:stretch>
-        </p:blipFill>
-        <p:spPr>
-          <a:xfrm>
-            <a:off x="4793541" y="645485"/>
-            <a:ext cx="4103449" cy="2088232"/>
-          </a:xfrm>
-          <a:prstGeom prst="rect">
-            <a:avLst/>
-          </a:prstGeom>
-        </p:spPr>
-      </p:pic>
-      <p:pic>
-        <p:nvPicPr>
-          <p:cNvPr id="17" name="Imagen 16"/>
-          <p:cNvPicPr>
-            <a:picLocks noChangeAspect="1"/>
-          </p:cNvPicPr>
-          <p:nvPr/>
-        </p:nvPicPr>
-        <p:blipFill>
-          <a:blip r:embed="rId5"/>
-          <a:stretch>
-            <a:fillRect/>
-          </a:stretch>
-        </p:blipFill>
-        <p:spPr>
-          <a:xfrm>
-            <a:off x="5424300" y="4755341"/>
-            <a:ext cx="2406580" cy="1435773"/>
-          </a:xfrm>
-          <a:prstGeom prst="rect">
-            <a:avLst/>
-          </a:prstGeom>
-        </p:spPr>
-      </p:pic>
-      <p:sp>
-        <p:nvSpPr>
-          <p:cNvPr id="18" name="CuadroTexto 17"/>
+      <p:sp>
+        <p:nvSpPr>
+          <p:cNvPr id="2" name="CuadroTexto 1"/>
           <p:cNvSpPr txBox="1"/>
           <p:nvPr/>
         </p:nvSpPr>
         <p:spPr>
           <a:xfrm>
-            <a:off x="144017" y="3706023"/>
-            <a:ext cx="3312369" cy="369332"/>
+            <a:off x="827584" y="260648"/>
+            <a:ext cx="7776864" cy="369332"/>
           </a:xfrm>
           <a:prstGeom prst="rect">
             <a:avLst/>
@@ -8669,7 +9050,7 @@
           <a:p>
             <a:r>
               <a:rPr lang="es-PE" dirty="0" smtClean="0"/>
-              <a:t>Giro Copernicano</a:t>
+              <a:t>Un salto al campo de la epistemología, es decir, acerca del cómo conocemos …</a:t>
             </a:r>
             <a:endParaRPr lang="es-PE" dirty="0"/>
           </a:p>
@@ -8677,14 +9058,14 @@
       </p:sp>
       <p:sp>
         <p:nvSpPr>
-          <p:cNvPr id="11" name="CuadroTexto 10"/>
+          <p:cNvPr id="7" name="CuadroTexto 6"/>
           <p:cNvSpPr txBox="1"/>
           <p:nvPr/>
         </p:nvSpPr>
         <p:spPr>
           <a:xfrm>
-            <a:off x="4660063" y="3659992"/>
-            <a:ext cx="3312369" cy="369332"/>
+            <a:off x="1763688" y="5466942"/>
+            <a:ext cx="6234252" cy="369332"/>
           </a:xfrm>
           <a:prstGeom prst="rect">
             <a:avLst/>
@@ -8699,67 +9080,7 @@
           <a:p>
             <a:r>
               <a:rPr lang="es-PE" dirty="0" smtClean="0"/>
-              <a:t>Giro Copernicano</a:t>
-            </a:r>
-            <a:endParaRPr lang="es-PE" dirty="0"/>
-          </a:p>
-        </p:txBody>
-      </p:sp>
-      <p:sp>
-        <p:nvSpPr>
-          <p:cNvPr id="2" name="CuadroTexto 1"/>
-          <p:cNvSpPr txBox="1"/>
-          <p:nvPr/>
-        </p:nvSpPr>
-        <p:spPr>
-          <a:xfrm>
-            <a:off x="2483768" y="3706023"/>
-            <a:ext cx="1752910" cy="369332"/>
-          </a:xfrm>
-          <a:prstGeom prst="rect">
-            <a:avLst/>
-          </a:prstGeom>
-          <a:noFill/>
-        </p:spPr>
-        <p:txBody>
-          <a:bodyPr wrap="square" rtlCol="0">
-            <a:spAutoFit/>
-          </a:bodyPr>
-          <a:lstStyle/>
-          <a:p>
-            <a:r>
-              <a:rPr lang="es-PE" dirty="0" smtClean="0"/>
-              <a:t>(En astronomía)</a:t>
-            </a:r>
-            <a:endParaRPr lang="es-PE" dirty="0"/>
-          </a:p>
-        </p:txBody>
-      </p:sp>
-      <p:sp>
-        <p:nvSpPr>
-          <p:cNvPr id="13" name="CuadroTexto 12"/>
-          <p:cNvSpPr txBox="1"/>
-          <p:nvPr/>
-        </p:nvSpPr>
-        <p:spPr>
-          <a:xfrm>
-            <a:off x="7073330" y="3659992"/>
-            <a:ext cx="2070670" cy="369332"/>
-          </a:xfrm>
-          <a:prstGeom prst="rect">
-            <a:avLst/>
-          </a:prstGeom>
-          <a:noFill/>
-        </p:spPr>
-        <p:txBody>
-          <a:bodyPr wrap="square" rtlCol="0">
-            <a:spAutoFit/>
-          </a:bodyPr>
-          <a:lstStyle/>
-          <a:p>
-            <a:r>
-              <a:rPr lang="es-PE" dirty="0" smtClean="0"/>
-              <a:t>(En epistemología)</a:t>
+              <a:t>Este modelo del Sujeto/Objeto va a ser combatido por Kant</a:t>
             </a:r>
             <a:endParaRPr lang="es-PE" dirty="0"/>
           </a:p>
@@ -8768,7 +9089,7 @@
     </p:spTree>
     <p:extLst>
       <p:ext uri="{BB962C8B-B14F-4D97-AF65-F5344CB8AC3E}">
-        <p14:creationId xmlns:p14="http://schemas.microsoft.com/office/powerpoint/2010/main" val="2908510392"/>
+        <p14:creationId xmlns:p14="http://schemas.microsoft.com/office/powerpoint/2010/main" val="4261355122"/>
       </p:ext>
     </p:extLst>
   </p:cSld>
@@ -8795,152 +9116,120 @@
           <a:chExt cx="0" cy="0"/>
         </a:xfrm>
       </p:grpSpPr>
-      <p:sp>
-        <p:nvSpPr>
-          <p:cNvPr id="3" name="Marcador de contenido 2"/>
-          <p:cNvSpPr>
-            <a:spLocks noGrp="1"/>
-          </p:cNvSpPr>
-          <p:nvPr>
-            <p:ph idx="1"/>
-          </p:nvPr>
-        </p:nvSpPr>
-        <p:spPr>
-          <a:xfrm>
-            <a:off x="457200" y="620688"/>
-            <a:ext cx="8229600" cy="5505475"/>
-          </a:xfrm>
-        </p:spPr>
-        <p:txBody>
-          <a:bodyPr>
-            <a:normAutofit fontScale="92500" lnSpcReduction="20000"/>
+      <p:pic>
+        <p:nvPicPr>
+          <p:cNvPr id="7" name="Imagen 6"/>
+          <p:cNvPicPr>
+            <a:picLocks noChangeAspect="1"/>
+          </p:cNvPicPr>
+          <p:nvPr/>
+        </p:nvPicPr>
+        <p:blipFill>
+          <a:blip r:embed="rId2"/>
+          <a:stretch>
+            <a:fillRect/>
+          </a:stretch>
+        </p:blipFill>
+        <p:spPr>
+          <a:xfrm>
+            <a:off x="898412" y="2214648"/>
+            <a:ext cx="7634028" cy="4258437"/>
+          </a:xfrm>
+          <a:prstGeom prst="rect">
+            <a:avLst/>
+          </a:prstGeom>
+        </p:spPr>
+      </p:pic>
+      <p:pic>
+        <p:nvPicPr>
+          <p:cNvPr id="6" name="Imagen 5"/>
+          <p:cNvPicPr>
+            <a:picLocks noChangeAspect="1"/>
+          </p:cNvPicPr>
+          <p:nvPr/>
+        </p:nvPicPr>
+        <p:blipFill>
+          <a:blip r:embed="rId3"/>
+          <a:stretch>
+            <a:fillRect/>
+          </a:stretch>
+        </p:blipFill>
+        <p:spPr>
+          <a:xfrm>
+            <a:off x="855828" y="2214648"/>
+            <a:ext cx="3932196" cy="2217080"/>
+          </a:xfrm>
+          <a:prstGeom prst="rect">
+            <a:avLst/>
+          </a:prstGeom>
+        </p:spPr>
+      </p:pic>
+      <p:sp>
+        <p:nvSpPr>
+          <p:cNvPr id="3" name="CuadroTexto 2"/>
+          <p:cNvSpPr txBox="1"/>
+          <p:nvPr/>
+        </p:nvSpPr>
+        <p:spPr>
+          <a:xfrm>
+            <a:off x="611560" y="1032279"/>
+            <a:ext cx="7920880" cy="646331"/>
+          </a:xfrm>
+          <a:prstGeom prst="rect">
+            <a:avLst/>
+          </a:prstGeom>
+          <a:noFill/>
+        </p:spPr>
+        <p:txBody>
+          <a:bodyPr wrap="square" rtlCol="0">
+            <a:spAutoFit/>
           </a:bodyPr>
           <a:lstStyle/>
           <a:p>
-            <a:pPr marL="0" indent="0">
-              <a:buNone/>
-            </a:pPr>
+            <a:r>
+              <a:rPr lang="es-PE" dirty="0" smtClean="0"/>
+              <a:t>Kant propondrá que lo que conocemos es “la cosa para mí” (fenómeno, lo que aparece), pero nunca conocemos “la cosa en sí” (</a:t>
+            </a:r>
+            <a:r>
+              <a:rPr lang="es-PE" dirty="0" err="1" smtClean="0"/>
+              <a:t>noumeno</a:t>
+            </a:r>
+            <a:r>
+              <a:rPr lang="es-PE" dirty="0" smtClean="0"/>
+              <a:t>).</a:t>
+            </a:r>
             <a:endParaRPr lang="es-PE" dirty="0"/>
           </a:p>
-          <a:p>
-            <a:pPr marL="0" indent="0">
-              <a:buNone/>
-            </a:pPr>
-            <a:r>
-              <a:rPr lang="es-PE" sz="4000" b="1" dirty="0" smtClean="0"/>
-              <a:t>- </a:t>
-            </a:r>
-            <a:r>
-              <a:rPr lang="es-PE" sz="4000" b="1" dirty="0" smtClean="0"/>
-              <a:t>¿Porqué se habla de un giro Copernicano, en el caso de Kant?</a:t>
-            </a:r>
-            <a:endParaRPr lang="es-PE" b="1" dirty="0" smtClean="0">
-              <a:solidFill>
-                <a:schemeClr val="bg1">
-                  <a:lumMod val="75000"/>
-                </a:schemeClr>
-              </a:solidFill>
-            </a:endParaRPr>
-          </a:p>
-          <a:p>
-            <a:pPr marL="0" indent="0">
-              <a:buNone/>
-            </a:pPr>
-            <a:endParaRPr lang="es-PE" sz="4000" b="1" dirty="0"/>
-          </a:p>
-          <a:p>
-            <a:pPr>
-              <a:buFontTx/>
-              <a:buChar char="-"/>
-            </a:pPr>
-            <a:r>
-              <a:rPr lang="es-PE" sz="4000" b="1" dirty="0" smtClean="0"/>
-              <a:t>¿Qué elementos componen la extensión de sus obras y pensamientos? ¿Qué se pregunta?</a:t>
-            </a:r>
-          </a:p>
-          <a:p>
-            <a:pPr>
-              <a:buFontTx/>
-              <a:buChar char="-"/>
-            </a:pPr>
-            <a:endParaRPr lang="es-PE" sz="4000" b="1" dirty="0"/>
-          </a:p>
-          <a:p>
-            <a:pPr>
-              <a:buFontTx/>
-              <a:buChar char="-"/>
-            </a:pPr>
-            <a:r>
-              <a:rPr lang="es-PE" sz="4000" b="1" dirty="0" smtClean="0"/>
-              <a:t>¿Qué tiene que ver el giro copernicano con la C.R.P.?</a:t>
-            </a:r>
-          </a:p>
-          <a:p>
-            <a:pPr>
-              <a:buFontTx/>
-              <a:buChar char="-"/>
-            </a:pPr>
-            <a:endParaRPr lang="es-PE" sz="4000" b="1" dirty="0"/>
-          </a:p>
-          <a:p>
-            <a:pPr>
-              <a:buFontTx/>
-              <a:buChar char="-"/>
-            </a:pPr>
-            <a:endParaRPr lang="es-PE" sz="4000" b="1" dirty="0"/>
-          </a:p>
-        </p:txBody>
-      </p:sp>
-      <p:sp>
-        <p:nvSpPr>
-          <p:cNvPr id="2" name="Rectángulo 1"/>
-          <p:cNvSpPr/>
-          <p:nvPr/>
-        </p:nvSpPr>
-        <p:spPr>
-          <a:xfrm>
-            <a:off x="323528" y="2653344"/>
-            <a:ext cx="7776864" cy="1567743"/>
-          </a:xfrm>
-          <a:prstGeom prst="rect">
-            <a:avLst/>
-          </a:prstGeom>
-          <a:noFill/>
-          <a:ln w="76200">
-            <a:solidFill>
-              <a:srgbClr val="FF0000"/>
-            </a:solidFill>
-          </a:ln>
-        </p:spPr>
-        <p:style>
-          <a:lnRef idx="2">
-            <a:schemeClr val="accent1">
-              <a:shade val="50000"/>
-            </a:schemeClr>
-          </a:lnRef>
-          <a:fillRef idx="1">
-            <a:schemeClr val="accent1"/>
-          </a:fillRef>
-          <a:effectRef idx="0">
-            <a:schemeClr val="accent1"/>
-          </a:effectRef>
-          <a:fontRef idx="minor">
-            <a:schemeClr val="lt1"/>
-          </a:fontRef>
-        </p:style>
-        <p:txBody>
-          <a:bodyPr rtlCol="0" anchor="ctr"/>
-          <a:lstStyle/>
-          <a:p>
-            <a:pPr algn="ctr"/>
-            <a:endParaRPr lang="es-PE"/>
-          </a:p>
-        </p:txBody>
-      </p:sp>
+        </p:txBody>
+      </p:sp>
+      <p:pic>
+        <p:nvPicPr>
+          <p:cNvPr id="4" name="Imagen 3"/>
+          <p:cNvPicPr>
+            <a:picLocks noChangeAspect="1"/>
+          </p:cNvPicPr>
+          <p:nvPr/>
+        </p:nvPicPr>
+        <p:blipFill>
+          <a:blip r:embed="rId4"/>
+          <a:stretch>
+            <a:fillRect/>
+          </a:stretch>
+        </p:blipFill>
+        <p:spPr>
+          <a:xfrm>
+            <a:off x="827584" y="4394879"/>
+            <a:ext cx="3960440" cy="2078206"/>
+          </a:xfrm>
+          <a:prstGeom prst="rect">
+            <a:avLst/>
+          </a:prstGeom>
+        </p:spPr>
+      </p:pic>
     </p:spTree>
     <p:extLst>
       <p:ext uri="{BB962C8B-B14F-4D97-AF65-F5344CB8AC3E}">
-        <p14:creationId xmlns:p14="http://schemas.microsoft.com/office/powerpoint/2010/main" val="2242528497"/>
+        <p14:creationId xmlns:p14="http://schemas.microsoft.com/office/powerpoint/2010/main" val="347501254"/>
       </p:ext>
     </p:extLst>
   </p:cSld>
@@ -8967,176 +9256,44 @@
           <a:chExt cx="0" cy="0"/>
         </a:xfrm>
       </p:grpSpPr>
-      <p:sp>
-        <p:nvSpPr>
-          <p:cNvPr id="3" name="CuadroTexto 2"/>
-          <p:cNvSpPr txBox="1"/>
-          <p:nvPr/>
-        </p:nvSpPr>
-        <p:spPr>
-          <a:xfrm>
-            <a:off x="1187624" y="1700808"/>
-            <a:ext cx="6552728" cy="923330"/>
-          </a:xfrm>
-          <a:prstGeom prst="rect">
-            <a:avLst/>
-          </a:prstGeom>
-          <a:noFill/>
-        </p:spPr>
-        <p:txBody>
-          <a:bodyPr wrap="square" rtlCol="0">
-            <a:spAutoFit/>
-          </a:bodyPr>
-          <a:lstStyle/>
-          <a:p>
-            <a:pPr algn="ctr"/>
-            <a:r>
-              <a:rPr lang="es-PE" dirty="0" err="1" smtClean="0"/>
-              <a:t>Cognition</a:t>
-            </a:r>
-            <a:r>
-              <a:rPr lang="es-PE" dirty="0" smtClean="0"/>
-              <a:t>                                 </a:t>
-            </a:r>
-            <a:r>
-              <a:rPr lang="es-PE" dirty="0" err="1" smtClean="0"/>
-              <a:t>Feeling</a:t>
-            </a:r>
-            <a:r>
-              <a:rPr lang="es-PE" dirty="0" smtClean="0"/>
-              <a:t>                              </a:t>
-            </a:r>
-            <a:r>
-              <a:rPr lang="es-PE" dirty="0" err="1" smtClean="0"/>
-              <a:t>Desire</a:t>
-            </a:r>
-            <a:endParaRPr lang="es-PE" dirty="0" smtClean="0"/>
-          </a:p>
-          <a:p>
-            <a:endParaRPr lang="es-PE" dirty="0"/>
-          </a:p>
-          <a:p>
-            <a:endParaRPr lang="es-PE" dirty="0"/>
-          </a:p>
-        </p:txBody>
-      </p:sp>
-      <p:sp>
-        <p:nvSpPr>
-          <p:cNvPr id="8" name="CuadroTexto 7"/>
-          <p:cNvSpPr txBox="1"/>
-          <p:nvPr/>
-        </p:nvSpPr>
-        <p:spPr>
-          <a:xfrm>
-            <a:off x="793794" y="692696"/>
-            <a:ext cx="7920880" cy="369332"/>
-          </a:xfrm>
-          <a:prstGeom prst="rect">
-            <a:avLst/>
-          </a:prstGeom>
-          <a:noFill/>
-        </p:spPr>
-        <p:txBody>
-          <a:bodyPr wrap="square" rtlCol="0">
-            <a:spAutoFit/>
-          </a:bodyPr>
-          <a:lstStyle/>
-          <a:p>
-            <a:r>
-              <a:rPr lang="es-PE" dirty="0" smtClean="0"/>
-              <a:t>Algunos autores americanos separan los intereses de Kant en estas tres facultades. </a:t>
-            </a:r>
-            <a:endParaRPr lang="es-PE" dirty="0"/>
-          </a:p>
-        </p:txBody>
-      </p:sp>
-      <p:sp>
-        <p:nvSpPr>
-          <p:cNvPr id="10" name="CuadroTexto 9"/>
-          <p:cNvSpPr txBox="1"/>
-          <p:nvPr/>
-        </p:nvSpPr>
-        <p:spPr>
-          <a:xfrm>
-            <a:off x="1367644" y="2868907"/>
-            <a:ext cx="4068452" cy="646331"/>
-          </a:xfrm>
-          <a:prstGeom prst="rect">
-            <a:avLst/>
-          </a:prstGeom>
-          <a:noFill/>
-        </p:spPr>
-        <p:txBody>
-          <a:bodyPr wrap="square" rtlCol="0">
-            <a:spAutoFit/>
-          </a:bodyPr>
-          <a:lstStyle/>
-          <a:p>
-            <a:pPr algn="ctr"/>
-            <a:r>
-              <a:rPr lang="es-PE" dirty="0" smtClean="0"/>
-              <a:t>Campo de la Razón Teórica</a:t>
-            </a:r>
-            <a:endParaRPr lang="es-PE" dirty="0"/>
-          </a:p>
-          <a:p>
-            <a:endParaRPr lang="es-PE" dirty="0"/>
-          </a:p>
-        </p:txBody>
-      </p:sp>
-      <p:sp>
-        <p:nvSpPr>
-          <p:cNvPr id="11" name="CuadroTexto 10"/>
-          <p:cNvSpPr txBox="1"/>
-          <p:nvPr/>
-        </p:nvSpPr>
-        <p:spPr>
-          <a:xfrm>
-            <a:off x="4463988" y="2870542"/>
-            <a:ext cx="4068452" cy="646331"/>
-          </a:xfrm>
-          <a:prstGeom prst="rect">
-            <a:avLst/>
-          </a:prstGeom>
-          <a:noFill/>
-        </p:spPr>
-        <p:txBody>
-          <a:bodyPr wrap="square" rtlCol="0">
-            <a:spAutoFit/>
-          </a:bodyPr>
-          <a:lstStyle/>
-          <a:p>
-            <a:pPr algn="ctr"/>
-            <a:r>
-              <a:rPr lang="es-PE" dirty="0" smtClean="0"/>
-              <a:t>Campo de la Razón Práctica</a:t>
-            </a:r>
-            <a:endParaRPr lang="es-PE" dirty="0"/>
-          </a:p>
-          <a:p>
-            <a:endParaRPr lang="es-PE" dirty="0"/>
-          </a:p>
-        </p:txBody>
-      </p:sp>
+      <p:pic>
+        <p:nvPicPr>
+          <p:cNvPr id="4" name="Imagen 3"/>
+          <p:cNvPicPr>
+            <a:picLocks noChangeAspect="1"/>
+          </p:cNvPicPr>
+          <p:nvPr/>
+        </p:nvPicPr>
+        <p:blipFill>
+          <a:blip r:embed="rId2"/>
+          <a:stretch>
+            <a:fillRect/>
+          </a:stretch>
+        </p:blipFill>
+        <p:spPr>
+          <a:xfrm>
+            <a:off x="9529" y="4365104"/>
+            <a:ext cx="4227149" cy="2471964"/>
+          </a:xfrm>
+          <a:prstGeom prst="rect">
+            <a:avLst/>
+          </a:prstGeom>
+        </p:spPr>
+      </p:pic>
       <p:cxnSp>
         <p:nvCxnSpPr>
-          <p:cNvPr id="12" name="Conector recto de flecha 11"/>
-          <p:cNvCxnSpPr>
-            <a:stCxn id="10" idx="0"/>
-          </p:cNvCxnSpPr>
+          <p:cNvPr id="6" name="Conector recto 5"/>
+          <p:cNvCxnSpPr/>
           <p:nvPr/>
         </p:nvCxnSpPr>
         <p:spPr>
-          <a:xfrm flipH="1" flipV="1">
-            <a:off x="2591780" y="2348880"/>
-            <a:ext cx="810090" cy="520027"/>
-          </a:xfrm>
-          <a:prstGeom prst="straightConnector1">
-            <a:avLst/>
-          </a:prstGeom>
-          <a:ln>
-            <a:tailEnd type="triangle"/>
-          </a:ln>
+          <a:xfrm>
+            <a:off x="4644008" y="188640"/>
+            <a:ext cx="0" cy="6336704"/>
+          </a:xfrm>
+          <a:prstGeom prst="line">
+            <a:avLst/>
+          </a:prstGeom>
         </p:spPr>
         <p:style>
           <a:lnRef idx="1">
@@ -9155,21 +9312,19 @@
       </p:cxnSp>
       <p:cxnSp>
         <p:nvCxnSpPr>
-          <p:cNvPr id="14" name="Conector recto de flecha 13"/>
-          <p:cNvCxnSpPr>
-            <a:stCxn id="10" idx="0"/>
-          </p:cNvCxnSpPr>
+          <p:cNvPr id="8" name="Conector recto de flecha 7"/>
+          <p:cNvCxnSpPr/>
           <p:nvPr/>
         </p:nvCxnSpPr>
         <p:spPr>
-          <a:xfrm flipV="1">
-            <a:off x="3401870" y="2348880"/>
-            <a:ext cx="1014899" cy="520027"/>
+          <a:xfrm>
+            <a:off x="2156938" y="3538304"/>
+            <a:ext cx="0" cy="704769"/>
           </a:xfrm>
           <a:prstGeom prst="straightConnector1">
             <a:avLst/>
           </a:prstGeom>
-          <a:ln>
+          <a:ln w="76200">
             <a:tailEnd type="triangle"/>
           </a:ln>
         </p:spPr>
@@ -9190,313 +9345,19 @@
       </p:cxnSp>
       <p:cxnSp>
         <p:nvCxnSpPr>
-          <p:cNvPr id="16" name="Conector recto de flecha 15"/>
-          <p:cNvCxnSpPr/>
-          <p:nvPr/>
-        </p:nvCxnSpPr>
-        <p:spPr>
-          <a:xfrm flipV="1">
-            <a:off x="6660232" y="2194160"/>
-            <a:ext cx="180020" cy="615520"/>
-          </a:xfrm>
-          <a:prstGeom prst="straightConnector1">
-            <a:avLst/>
-          </a:prstGeom>
-          <a:ln>
-            <a:tailEnd type="triangle"/>
-          </a:ln>
-        </p:spPr>
-        <p:style>
-          <a:lnRef idx="1">
-            <a:schemeClr val="accent1"/>
-          </a:lnRef>
-          <a:fillRef idx="0">
-            <a:schemeClr val="accent1"/>
-          </a:fillRef>
-          <a:effectRef idx="0">
-            <a:schemeClr val="accent1"/>
-          </a:effectRef>
-          <a:fontRef idx="minor">
-            <a:schemeClr val="tx1"/>
-          </a:fontRef>
-        </p:style>
-      </p:cxnSp>
-      <p:sp>
-        <p:nvSpPr>
-          <p:cNvPr id="2" name="Rectángulo 1"/>
-          <p:cNvSpPr/>
-          <p:nvPr/>
-        </p:nvSpPr>
-        <p:spPr>
-          <a:xfrm>
-            <a:off x="1655676" y="1699173"/>
-            <a:ext cx="1152128" cy="463300"/>
-          </a:xfrm>
-          <a:prstGeom prst="rect">
-            <a:avLst/>
-          </a:prstGeom>
-          <a:noFill/>
-          <a:ln w="38100">
-            <a:solidFill>
-              <a:srgbClr val="FF0000"/>
-            </a:solidFill>
-          </a:ln>
-        </p:spPr>
-        <p:style>
-          <a:lnRef idx="2">
-            <a:schemeClr val="accent1">
-              <a:shade val="50000"/>
-            </a:schemeClr>
-          </a:lnRef>
-          <a:fillRef idx="1">
-            <a:schemeClr val="accent1"/>
-          </a:fillRef>
-          <a:effectRef idx="0">
-            <a:schemeClr val="accent1"/>
-          </a:effectRef>
-          <a:fontRef idx="minor">
-            <a:schemeClr val="lt1"/>
-          </a:fontRef>
-        </p:style>
-        <p:txBody>
-          <a:bodyPr rtlCol="0" anchor="ctr"/>
-          <a:lstStyle/>
-          <a:p>
-            <a:pPr algn="ctr"/>
-            <a:endParaRPr lang="es-PE"/>
-          </a:p>
-        </p:txBody>
-      </p:sp>
-      <p:sp>
-        <p:nvSpPr>
-          <p:cNvPr id="13" name="Rectángulo 12"/>
-          <p:cNvSpPr/>
-          <p:nvPr/>
-        </p:nvSpPr>
-        <p:spPr>
-          <a:xfrm>
-            <a:off x="4142166" y="1699173"/>
-            <a:ext cx="1152128" cy="463300"/>
-          </a:xfrm>
-          <a:prstGeom prst="rect">
-            <a:avLst/>
-          </a:prstGeom>
-          <a:noFill/>
-          <a:ln w="38100">
-            <a:solidFill>
-              <a:srgbClr val="FF0000"/>
-            </a:solidFill>
-          </a:ln>
-        </p:spPr>
-        <p:style>
-          <a:lnRef idx="2">
-            <a:schemeClr val="accent1">
-              <a:shade val="50000"/>
-            </a:schemeClr>
-          </a:lnRef>
-          <a:fillRef idx="1">
-            <a:schemeClr val="accent1"/>
-          </a:fillRef>
-          <a:effectRef idx="0">
-            <a:schemeClr val="accent1"/>
-          </a:effectRef>
-          <a:fontRef idx="minor">
-            <a:schemeClr val="lt1"/>
-          </a:fontRef>
-        </p:style>
-        <p:txBody>
-          <a:bodyPr rtlCol="0" anchor="ctr"/>
-          <a:lstStyle/>
-          <a:p>
-            <a:pPr algn="ctr"/>
-            <a:endParaRPr lang="es-PE"/>
-          </a:p>
-        </p:txBody>
-      </p:sp>
-      <p:sp>
-        <p:nvSpPr>
-          <p:cNvPr id="15" name="Rectángulo 14"/>
-          <p:cNvSpPr/>
-          <p:nvPr/>
-        </p:nvSpPr>
-        <p:spPr>
-          <a:xfrm>
-            <a:off x="6309193" y="1699173"/>
-            <a:ext cx="1152128" cy="463300"/>
-          </a:xfrm>
-          <a:prstGeom prst="rect">
-            <a:avLst/>
-          </a:prstGeom>
-          <a:noFill/>
-          <a:ln w="38100">
-            <a:solidFill>
-              <a:srgbClr val="FF0000"/>
-            </a:solidFill>
-          </a:ln>
-        </p:spPr>
-        <p:style>
-          <a:lnRef idx="2">
-            <a:schemeClr val="accent1">
-              <a:shade val="50000"/>
-            </a:schemeClr>
-          </a:lnRef>
-          <a:fillRef idx="1">
-            <a:schemeClr val="accent1"/>
-          </a:fillRef>
-          <a:effectRef idx="0">
-            <a:schemeClr val="accent1"/>
-          </a:effectRef>
-          <a:fontRef idx="minor">
-            <a:schemeClr val="lt1"/>
-          </a:fontRef>
-        </p:style>
-        <p:txBody>
-          <a:bodyPr rtlCol="0" anchor="ctr"/>
-          <a:lstStyle/>
-          <a:p>
-            <a:pPr algn="ctr"/>
-            <a:endParaRPr lang="es-PE"/>
-          </a:p>
-        </p:txBody>
-      </p:sp>
-      <p:sp>
-        <p:nvSpPr>
-          <p:cNvPr id="17" name="CuadroTexto 16"/>
-          <p:cNvSpPr txBox="1"/>
-          <p:nvPr/>
-        </p:nvSpPr>
-        <p:spPr>
-          <a:xfrm>
-            <a:off x="1187624" y="4382347"/>
-            <a:ext cx="6552728" cy="923330"/>
-          </a:xfrm>
-          <a:prstGeom prst="rect">
-            <a:avLst/>
-          </a:prstGeom>
-          <a:noFill/>
-        </p:spPr>
-        <p:txBody>
-          <a:bodyPr wrap="square" rtlCol="0">
-            <a:spAutoFit/>
-          </a:bodyPr>
-          <a:lstStyle/>
-          <a:p>
-            <a:pPr algn="ctr"/>
-            <a:r>
-              <a:rPr lang="es-PE" dirty="0" smtClean="0">
-                <a:solidFill>
-                  <a:srgbClr val="00B050"/>
-                </a:solidFill>
-              </a:rPr>
-              <a:t>Entendimiento                          Sensibilidad                           Voluntad</a:t>
-            </a:r>
-          </a:p>
-          <a:p>
-            <a:endParaRPr lang="es-PE" dirty="0">
-              <a:solidFill>
-                <a:srgbClr val="00B050"/>
-              </a:solidFill>
-            </a:endParaRPr>
-          </a:p>
-          <a:p>
-            <a:endParaRPr lang="es-PE" dirty="0">
-              <a:solidFill>
-                <a:srgbClr val="00B050"/>
-              </a:solidFill>
-            </a:endParaRPr>
-          </a:p>
-        </p:txBody>
-      </p:sp>
-      <p:cxnSp>
-        <p:nvCxnSpPr>
           <p:cNvPr id="9" name="Conector recto de flecha 8"/>
           <p:cNvCxnSpPr/>
           <p:nvPr/>
         </p:nvCxnSpPr>
         <p:spPr>
-          <a:xfrm flipH="1">
-            <a:off x="1871700" y="2348880"/>
-            <a:ext cx="144016" cy="1939216"/>
+          <a:xfrm>
+            <a:off x="6923541" y="3538304"/>
+            <a:ext cx="0" cy="648072"/>
           </a:xfrm>
           <a:prstGeom prst="straightConnector1">
             <a:avLst/>
           </a:prstGeom>
-          <a:ln>
-            <a:solidFill>
-              <a:srgbClr val="92D050"/>
-            </a:solidFill>
-            <a:tailEnd type="triangle"/>
-          </a:ln>
-        </p:spPr>
-        <p:style>
-          <a:lnRef idx="1">
-            <a:schemeClr val="accent1"/>
-          </a:lnRef>
-          <a:fillRef idx="0">
-            <a:schemeClr val="accent1"/>
-          </a:fillRef>
-          <a:effectRef idx="0">
-            <a:schemeClr val="accent1"/>
-          </a:effectRef>
-          <a:fontRef idx="minor">
-            <a:schemeClr val="tx1"/>
-          </a:fontRef>
-        </p:style>
-      </p:cxnSp>
-      <p:cxnSp>
-        <p:nvCxnSpPr>
-          <p:cNvPr id="18" name="Conector recto de flecha 17"/>
-          <p:cNvCxnSpPr/>
-          <p:nvPr/>
-        </p:nvCxnSpPr>
-        <p:spPr>
-          <a:xfrm flipH="1">
-            <a:off x="6930262" y="2348880"/>
-            <a:ext cx="144016" cy="1939216"/>
-          </a:xfrm>
-          <a:prstGeom prst="straightConnector1">
-            <a:avLst/>
-          </a:prstGeom>
-          <a:ln>
-            <a:solidFill>
-              <a:srgbClr val="92D050"/>
-            </a:solidFill>
-            <a:tailEnd type="triangle"/>
-          </a:ln>
-        </p:spPr>
-        <p:style>
-          <a:lnRef idx="1">
-            <a:schemeClr val="accent1"/>
-          </a:lnRef>
-          <a:fillRef idx="0">
-            <a:schemeClr val="accent1"/>
-          </a:fillRef>
-          <a:effectRef idx="0">
-            <a:schemeClr val="accent1"/>
-          </a:effectRef>
-          <a:fontRef idx="minor">
-            <a:schemeClr val="tx1"/>
-          </a:fontRef>
-        </p:style>
-      </p:cxnSp>
-      <p:cxnSp>
-        <p:nvCxnSpPr>
-          <p:cNvPr id="19" name="Conector recto de flecha 18"/>
-          <p:cNvCxnSpPr/>
-          <p:nvPr/>
-        </p:nvCxnSpPr>
-        <p:spPr>
-          <a:xfrm flipH="1">
-            <a:off x="4770378" y="2349624"/>
-            <a:ext cx="144016" cy="1939216"/>
-          </a:xfrm>
-          <a:prstGeom prst="straightConnector1">
-            <a:avLst/>
-          </a:prstGeom>
-          <a:ln>
-            <a:solidFill>
-              <a:srgbClr val="92D050"/>
-            </a:solidFill>
+          <a:ln w="76200">
             <a:tailEnd type="triangle"/>
           </a:ln>
         </p:spPr>
@@ -9517,45 +9378,206 @@
       </p:cxnSp>
       <p:pic>
         <p:nvPicPr>
-          <p:cNvPr id="20" name="Imagen 19"/>
+          <p:cNvPr id="10" name="Imagen 9"/>
           <p:cNvPicPr>
             <a:picLocks noChangeAspect="1"/>
           </p:cNvPicPr>
           <p:nvPr/>
         </p:nvPicPr>
         <p:blipFill>
-          <a:blip r:embed="rId2"/>
+          <a:blip r:embed="rId3"/>
           <a:stretch>
             <a:fillRect/>
           </a:stretch>
         </p:blipFill>
         <p:spPr>
           <a:xfrm>
-            <a:off x="2257264" y="5399184"/>
-            <a:ext cx="4791506" cy="1282485"/>
+            <a:off x="0" y="0"/>
+            <a:ext cx="4313876" cy="3379203"/>
           </a:xfrm>
           <a:prstGeom prst="rect">
             <a:avLst/>
           </a:prstGeom>
         </p:spPr>
       </p:pic>
+      <p:pic>
+        <p:nvPicPr>
+          <p:cNvPr id="15" name="Imagen 14"/>
+          <p:cNvPicPr>
+            <a:picLocks noChangeAspect="1"/>
+          </p:cNvPicPr>
+          <p:nvPr/>
+        </p:nvPicPr>
+        <p:blipFill>
+          <a:blip r:embed="rId4"/>
+          <a:stretch>
+            <a:fillRect/>
+          </a:stretch>
+        </p:blipFill>
+        <p:spPr>
+          <a:xfrm>
+            <a:off x="4793541" y="645485"/>
+            <a:ext cx="4103449" cy="2088232"/>
+          </a:xfrm>
+          <a:prstGeom prst="rect">
+            <a:avLst/>
+          </a:prstGeom>
+        </p:spPr>
+      </p:pic>
+      <p:pic>
+        <p:nvPicPr>
+          <p:cNvPr id="17" name="Imagen 16"/>
+          <p:cNvPicPr>
+            <a:picLocks noChangeAspect="1"/>
+          </p:cNvPicPr>
+          <p:nvPr/>
+        </p:nvPicPr>
+        <p:blipFill>
+          <a:blip r:embed="rId5"/>
+          <a:stretch>
+            <a:fillRect/>
+          </a:stretch>
+        </p:blipFill>
+        <p:spPr>
+          <a:xfrm>
+            <a:off x="5424300" y="4755341"/>
+            <a:ext cx="2406580" cy="1435773"/>
+          </a:xfrm>
+          <a:prstGeom prst="rect">
+            <a:avLst/>
+          </a:prstGeom>
+        </p:spPr>
+      </p:pic>
+      <p:sp>
+        <p:nvSpPr>
+          <p:cNvPr id="18" name="CuadroTexto 17"/>
+          <p:cNvSpPr txBox="1"/>
+          <p:nvPr/>
+        </p:nvSpPr>
+        <p:spPr>
+          <a:xfrm>
+            <a:off x="144017" y="3706023"/>
+            <a:ext cx="3312369" cy="369332"/>
+          </a:xfrm>
+          <a:prstGeom prst="rect">
+            <a:avLst/>
+          </a:prstGeom>
+          <a:noFill/>
+        </p:spPr>
+        <p:txBody>
+          <a:bodyPr wrap="square" rtlCol="0">
+            <a:spAutoFit/>
+          </a:bodyPr>
+          <a:lstStyle/>
+          <a:p>
+            <a:r>
+              <a:rPr lang="es-PE" dirty="0" smtClean="0"/>
+              <a:t>Giro Copernicano</a:t>
+            </a:r>
+            <a:endParaRPr lang="es-PE" dirty="0"/>
+          </a:p>
+        </p:txBody>
+      </p:sp>
+      <p:sp>
+        <p:nvSpPr>
+          <p:cNvPr id="11" name="CuadroTexto 10"/>
+          <p:cNvSpPr txBox="1"/>
+          <p:nvPr/>
+        </p:nvSpPr>
+        <p:spPr>
+          <a:xfrm>
+            <a:off x="4660063" y="3659992"/>
+            <a:ext cx="3312369" cy="369332"/>
+          </a:xfrm>
+          <a:prstGeom prst="rect">
+            <a:avLst/>
+          </a:prstGeom>
+          <a:noFill/>
+        </p:spPr>
+        <p:txBody>
+          <a:bodyPr wrap="square" rtlCol="0">
+            <a:spAutoFit/>
+          </a:bodyPr>
+          <a:lstStyle/>
+          <a:p>
+            <a:r>
+              <a:rPr lang="es-PE" dirty="0" smtClean="0"/>
+              <a:t>Giro Copernicano</a:t>
+            </a:r>
+            <a:endParaRPr lang="es-PE" dirty="0"/>
+          </a:p>
+        </p:txBody>
+      </p:sp>
+      <p:sp>
+        <p:nvSpPr>
+          <p:cNvPr id="2" name="CuadroTexto 1"/>
+          <p:cNvSpPr txBox="1"/>
+          <p:nvPr/>
+        </p:nvSpPr>
+        <p:spPr>
+          <a:xfrm>
+            <a:off x="2483768" y="3706023"/>
+            <a:ext cx="1752910" cy="369332"/>
+          </a:xfrm>
+          <a:prstGeom prst="rect">
+            <a:avLst/>
+          </a:prstGeom>
+          <a:noFill/>
+        </p:spPr>
+        <p:txBody>
+          <a:bodyPr wrap="square" rtlCol="0">
+            <a:spAutoFit/>
+          </a:bodyPr>
+          <a:lstStyle/>
+          <a:p>
+            <a:r>
+              <a:rPr lang="es-PE" dirty="0" smtClean="0"/>
+              <a:t>(En astronomía)</a:t>
+            </a:r>
+            <a:endParaRPr lang="es-PE" dirty="0"/>
+          </a:p>
+        </p:txBody>
+      </p:sp>
+      <p:sp>
+        <p:nvSpPr>
+          <p:cNvPr id="13" name="CuadroTexto 12"/>
+          <p:cNvSpPr txBox="1"/>
+          <p:nvPr/>
+        </p:nvSpPr>
+        <p:spPr>
+          <a:xfrm>
+            <a:off x="7073330" y="3659992"/>
+            <a:ext cx="2070670" cy="369332"/>
+          </a:xfrm>
+          <a:prstGeom prst="rect">
+            <a:avLst/>
+          </a:prstGeom>
+          <a:noFill/>
+        </p:spPr>
+        <p:txBody>
+          <a:bodyPr wrap="square" rtlCol="0">
+            <a:spAutoFit/>
+          </a:bodyPr>
+          <a:lstStyle/>
+          <a:p>
+            <a:r>
+              <a:rPr lang="es-PE" dirty="0" smtClean="0"/>
+              <a:t>(En epistemología)</a:t>
+            </a:r>
+            <a:endParaRPr lang="es-PE" dirty="0"/>
+          </a:p>
+        </p:txBody>
+      </p:sp>
     </p:spTree>
     <p:extLst>
       <p:ext uri="{BB962C8B-B14F-4D97-AF65-F5344CB8AC3E}">
-        <p14:creationId xmlns:p14="http://schemas.microsoft.com/office/powerpoint/2010/main" val="1596985660"/>
+        <p14:creationId xmlns:p14="http://schemas.microsoft.com/office/powerpoint/2010/main" val="2908510392"/>
       </p:ext>
     </p:extLst>
   </p:cSld>
   <p:clrMapOvr>
     <a:masterClrMapping/>
   </p:clrMapOvr>
-  <p:timing>
-    <p:tnLst>
-      <p:par>
-        <p:cTn id="1" dur="indefinite" restart="never" nodeType="tmRoot"/>
-      </p:par>
-    </p:tnLst>
-  </p:timing>
 </p:sld>
 </file>
 

--- a/assets uarm/2023 1 UarmPCrit/Kant intro crp prefmc2.pptx
+++ b/assets uarm/2023 1 UarmPCrit/Kant intro crp prefmc2.pptx
@@ -9,38 +9,39 @@
     <p:sldId id="291" r:id="rId3"/>
     <p:sldId id="287" r:id="rId4"/>
     <p:sldId id="288" r:id="rId5"/>
-    <p:sldId id="290" r:id="rId6"/>
-    <p:sldId id="289" r:id="rId7"/>
-    <p:sldId id="269" r:id="rId8"/>
-    <p:sldId id="272" r:id="rId9"/>
-    <p:sldId id="271" r:id="rId10"/>
-    <p:sldId id="267" r:id="rId11"/>
-    <p:sldId id="273" r:id="rId12"/>
-    <p:sldId id="268" r:id="rId13"/>
-    <p:sldId id="274" r:id="rId14"/>
-    <p:sldId id="275" r:id="rId15"/>
-    <p:sldId id="270" r:id="rId16"/>
-    <p:sldId id="258" r:id="rId17"/>
-    <p:sldId id="260" r:id="rId18"/>
-    <p:sldId id="285" r:id="rId19"/>
-    <p:sldId id="261" r:id="rId20"/>
-    <p:sldId id="277" r:id="rId21"/>
-    <p:sldId id="276" r:id="rId22"/>
-    <p:sldId id="262" r:id="rId23"/>
-    <p:sldId id="278" r:id="rId24"/>
-    <p:sldId id="263" r:id="rId25"/>
-    <p:sldId id="279" r:id="rId26"/>
-    <p:sldId id="264" r:id="rId27"/>
-    <p:sldId id="280" r:id="rId28"/>
-    <p:sldId id="281" r:id="rId29"/>
-    <p:sldId id="282" r:id="rId30"/>
-    <p:sldId id="283" r:id="rId31"/>
-    <p:sldId id="265" r:id="rId32"/>
-    <p:sldId id="266" r:id="rId33"/>
-    <p:sldId id="284" r:id="rId34"/>
-    <p:sldId id="286" r:id="rId35"/>
-    <p:sldId id="292" r:id="rId36"/>
-    <p:sldId id="259" r:id="rId37"/>
+    <p:sldId id="293" r:id="rId6"/>
+    <p:sldId id="290" r:id="rId7"/>
+    <p:sldId id="289" r:id="rId8"/>
+    <p:sldId id="269" r:id="rId9"/>
+    <p:sldId id="272" r:id="rId10"/>
+    <p:sldId id="271" r:id="rId11"/>
+    <p:sldId id="267" r:id="rId12"/>
+    <p:sldId id="273" r:id="rId13"/>
+    <p:sldId id="268" r:id="rId14"/>
+    <p:sldId id="274" r:id="rId15"/>
+    <p:sldId id="275" r:id="rId16"/>
+    <p:sldId id="270" r:id="rId17"/>
+    <p:sldId id="258" r:id="rId18"/>
+    <p:sldId id="260" r:id="rId19"/>
+    <p:sldId id="285" r:id="rId20"/>
+    <p:sldId id="261" r:id="rId21"/>
+    <p:sldId id="277" r:id="rId22"/>
+    <p:sldId id="276" r:id="rId23"/>
+    <p:sldId id="262" r:id="rId24"/>
+    <p:sldId id="278" r:id="rId25"/>
+    <p:sldId id="263" r:id="rId26"/>
+    <p:sldId id="279" r:id="rId27"/>
+    <p:sldId id="264" r:id="rId28"/>
+    <p:sldId id="280" r:id="rId29"/>
+    <p:sldId id="281" r:id="rId30"/>
+    <p:sldId id="282" r:id="rId31"/>
+    <p:sldId id="283" r:id="rId32"/>
+    <p:sldId id="265" r:id="rId33"/>
+    <p:sldId id="266" r:id="rId34"/>
+    <p:sldId id="284" r:id="rId35"/>
+    <p:sldId id="286" r:id="rId36"/>
+    <p:sldId id="292" r:id="rId37"/>
+    <p:sldId id="259" r:id="rId38"/>
   </p:sldIdLst>
   <p:sldSz cx="9144000" cy="6858000" type="screen4x3"/>
   <p:notesSz cx="6858000" cy="9144000"/>
@@ -340,7 +341,7 @@
             <a:fld id="{0CE51B5F-2EC2-45DF-AB75-99A90E626838}" type="datetimeFigureOut">
               <a:rPr lang="es-PE" smtClean="0"/>
               <a:pPr/>
-              <a:t>28/09/2023</a:t>
+              <a:t>29/09/2023</a:t>
             </a:fld>
             <a:endParaRPr lang="es-PE"/>
           </a:p>
@@ -507,7 +508,7 @@
             <a:fld id="{0CE51B5F-2EC2-45DF-AB75-99A90E626838}" type="datetimeFigureOut">
               <a:rPr lang="es-PE" smtClean="0"/>
               <a:pPr/>
-              <a:t>28/09/2023</a:t>
+              <a:t>29/09/2023</a:t>
             </a:fld>
             <a:endParaRPr lang="es-PE"/>
           </a:p>
@@ -684,7 +685,7 @@
             <a:fld id="{0CE51B5F-2EC2-45DF-AB75-99A90E626838}" type="datetimeFigureOut">
               <a:rPr lang="es-PE" smtClean="0"/>
               <a:pPr/>
-              <a:t>28/09/2023</a:t>
+              <a:t>29/09/2023</a:t>
             </a:fld>
             <a:endParaRPr lang="es-PE"/>
           </a:p>
@@ -851,7 +852,7 @@
             <a:fld id="{0CE51B5F-2EC2-45DF-AB75-99A90E626838}" type="datetimeFigureOut">
               <a:rPr lang="es-PE" smtClean="0"/>
               <a:pPr/>
-              <a:t>28/09/2023</a:t>
+              <a:t>29/09/2023</a:t>
             </a:fld>
             <a:endParaRPr lang="es-PE"/>
           </a:p>
@@ -1094,7 +1095,7 @@
             <a:fld id="{0CE51B5F-2EC2-45DF-AB75-99A90E626838}" type="datetimeFigureOut">
               <a:rPr lang="es-PE" smtClean="0"/>
               <a:pPr/>
-              <a:t>28/09/2023</a:t>
+              <a:t>29/09/2023</a:t>
             </a:fld>
             <a:endParaRPr lang="es-PE"/>
           </a:p>
@@ -1379,7 +1380,7 @@
             <a:fld id="{0CE51B5F-2EC2-45DF-AB75-99A90E626838}" type="datetimeFigureOut">
               <a:rPr lang="es-PE" smtClean="0"/>
               <a:pPr/>
-              <a:t>28/09/2023</a:t>
+              <a:t>29/09/2023</a:t>
             </a:fld>
             <a:endParaRPr lang="es-PE"/>
           </a:p>
@@ -1798,7 +1799,7 @@
             <a:fld id="{0CE51B5F-2EC2-45DF-AB75-99A90E626838}" type="datetimeFigureOut">
               <a:rPr lang="es-PE" smtClean="0"/>
               <a:pPr/>
-              <a:t>28/09/2023</a:t>
+              <a:t>29/09/2023</a:t>
             </a:fld>
             <a:endParaRPr lang="es-PE"/>
           </a:p>
@@ -1913,7 +1914,7 @@
             <a:fld id="{0CE51B5F-2EC2-45DF-AB75-99A90E626838}" type="datetimeFigureOut">
               <a:rPr lang="es-PE" smtClean="0"/>
               <a:pPr/>
-              <a:t>28/09/2023</a:t>
+              <a:t>29/09/2023</a:t>
             </a:fld>
             <a:endParaRPr lang="es-PE"/>
           </a:p>
@@ -2005,7 +2006,7 @@
             <a:fld id="{0CE51B5F-2EC2-45DF-AB75-99A90E626838}" type="datetimeFigureOut">
               <a:rPr lang="es-PE" smtClean="0"/>
               <a:pPr/>
-              <a:t>28/09/2023</a:t>
+              <a:t>29/09/2023</a:t>
             </a:fld>
             <a:endParaRPr lang="es-PE"/>
           </a:p>
@@ -2279,7 +2280,7 @@
             <a:fld id="{0CE51B5F-2EC2-45DF-AB75-99A90E626838}" type="datetimeFigureOut">
               <a:rPr lang="es-PE" smtClean="0"/>
               <a:pPr/>
-              <a:t>28/09/2023</a:t>
+              <a:t>29/09/2023</a:t>
             </a:fld>
             <a:endParaRPr lang="es-PE"/>
           </a:p>
@@ -2529,7 +2530,7 @@
             <a:fld id="{0CE51B5F-2EC2-45DF-AB75-99A90E626838}" type="datetimeFigureOut">
               <a:rPr lang="es-PE" smtClean="0"/>
               <a:pPr/>
-              <a:t>28/09/2023</a:t>
+              <a:t>29/09/2023</a:t>
             </a:fld>
             <a:endParaRPr lang="es-PE"/>
           </a:p>
@@ -2739,7 +2740,7 @@
             <a:fld id="{0CE51B5F-2EC2-45DF-AB75-99A90E626838}" type="datetimeFigureOut">
               <a:rPr lang="es-PE" smtClean="0"/>
               <a:pPr/>
-              <a:t>28/09/2023</a:t>
+              <a:t>29/09/2023</a:t>
             </a:fld>
             <a:endParaRPr lang="es-PE"/>
           </a:p>
@@ -3232,7 +3233,7 @@
       </p:grpSpPr>
       <p:pic>
         <p:nvPicPr>
-          <p:cNvPr id="5" name="Imagen 4"/>
+          <p:cNvPr id="4" name="Imagen 3"/>
           <p:cNvPicPr>
             <a:picLocks noChangeAspect="1"/>
           </p:cNvPicPr>
@@ -3246,24 +3247,81 @@
         </p:blipFill>
         <p:spPr>
           <a:xfrm>
-            <a:off x="1187624" y="1340768"/>
-            <a:ext cx="6650417" cy="3384376"/>
+            <a:off x="9529" y="4365104"/>
+            <a:ext cx="4227149" cy="2471964"/>
           </a:xfrm>
           <a:prstGeom prst="rect">
             <a:avLst/>
           </a:prstGeom>
         </p:spPr>
       </p:pic>
-      <p:sp>
-        <p:nvSpPr>
-          <p:cNvPr id="2" name="CuadroTexto 1"/>
+      <p:cxnSp>
+        <p:nvCxnSpPr>
+          <p:cNvPr id="8" name="Conector recto de flecha 7"/>
+          <p:cNvCxnSpPr/>
+          <p:nvPr/>
+        </p:nvCxnSpPr>
+        <p:spPr>
+          <a:xfrm>
+            <a:off x="2156938" y="3538304"/>
+            <a:ext cx="0" cy="704769"/>
+          </a:xfrm>
+          <a:prstGeom prst="straightConnector1">
+            <a:avLst/>
+          </a:prstGeom>
+          <a:ln w="76200">
+            <a:tailEnd type="triangle"/>
+          </a:ln>
+        </p:spPr>
+        <p:style>
+          <a:lnRef idx="1">
+            <a:schemeClr val="accent1"/>
+          </a:lnRef>
+          <a:fillRef idx="0">
+            <a:schemeClr val="accent1"/>
+          </a:fillRef>
+          <a:effectRef idx="0">
+            <a:schemeClr val="accent1"/>
+          </a:effectRef>
+          <a:fontRef idx="minor">
+            <a:schemeClr val="tx1"/>
+          </a:fontRef>
+        </p:style>
+      </p:cxnSp>
+      <p:pic>
+        <p:nvPicPr>
+          <p:cNvPr id="10" name="Imagen 9"/>
+          <p:cNvPicPr>
+            <a:picLocks noChangeAspect="1"/>
+          </p:cNvPicPr>
+          <p:nvPr/>
+        </p:nvPicPr>
+        <p:blipFill>
+          <a:blip r:embed="rId3"/>
+          <a:stretch>
+            <a:fillRect/>
+          </a:stretch>
+        </p:blipFill>
+        <p:spPr>
+          <a:xfrm>
+            <a:off x="0" y="0"/>
+            <a:ext cx="4313876" cy="3379203"/>
+          </a:xfrm>
+          <a:prstGeom prst="rect">
+            <a:avLst/>
+          </a:prstGeom>
+        </p:spPr>
+      </p:pic>
+      <p:sp>
+        <p:nvSpPr>
+          <p:cNvPr id="18" name="CuadroTexto 17"/>
           <p:cNvSpPr txBox="1"/>
           <p:nvPr/>
         </p:nvSpPr>
         <p:spPr>
           <a:xfrm>
-            <a:off x="827584" y="260648"/>
-            <a:ext cx="7776864" cy="369332"/>
+            <a:off x="2514873" y="3677532"/>
+            <a:ext cx="3312369" cy="369332"/>
           </a:xfrm>
           <a:prstGeom prst="rect">
             <a:avLst/>
@@ -3278,7 +3336,7 @@
           <a:p>
             <a:r>
               <a:rPr lang="es-PE" dirty="0" smtClean="0"/>
-              <a:t>Un salto al campo de la epistemología, es decir, acerca del cómo conocemos …</a:t>
+              <a:t>Giro Copernicano</a:t>
             </a:r>
             <a:endParaRPr lang="es-PE" dirty="0"/>
           </a:p>
@@ -3286,14 +3344,14 @@
       </p:sp>
       <p:sp>
         <p:nvSpPr>
-          <p:cNvPr id="7" name="CuadroTexto 6"/>
+          <p:cNvPr id="12" name="CuadroTexto 11"/>
           <p:cNvSpPr txBox="1"/>
           <p:nvPr/>
         </p:nvSpPr>
         <p:spPr>
           <a:xfrm>
-            <a:off x="1763688" y="5466942"/>
-            <a:ext cx="6234252" cy="369332"/>
+            <a:off x="6804248" y="5277920"/>
+            <a:ext cx="1872208" cy="646331"/>
           </a:xfrm>
           <a:prstGeom prst="rect">
             <a:avLst/>
@@ -3308,16 +3366,104 @@
           <a:p>
             <a:r>
               <a:rPr lang="es-PE" dirty="0" smtClean="0"/>
-              <a:t>Este modelo del Sujeto/Objeto va a ser combatido por Kant</a:t>
+              <a:t>Teoría Heliocéntrica</a:t>
             </a:r>
             <a:endParaRPr lang="es-PE" dirty="0"/>
           </a:p>
         </p:txBody>
       </p:sp>
+      <p:sp>
+        <p:nvSpPr>
+          <p:cNvPr id="13" name="CuadroTexto 12"/>
+          <p:cNvSpPr txBox="1"/>
+          <p:nvPr/>
+        </p:nvSpPr>
+        <p:spPr>
+          <a:xfrm>
+            <a:off x="6444208" y="2086222"/>
+            <a:ext cx="1872208" cy="646331"/>
+          </a:xfrm>
+          <a:prstGeom prst="rect">
+            <a:avLst/>
+          </a:prstGeom>
+          <a:noFill/>
+        </p:spPr>
+        <p:txBody>
+          <a:bodyPr wrap="square" rtlCol="0">
+            <a:spAutoFit/>
+          </a:bodyPr>
+          <a:lstStyle/>
+          <a:p>
+            <a:pPr algn="r"/>
+            <a:r>
+              <a:rPr lang="es-PE" dirty="0" smtClean="0"/>
+              <a:t>Teoría Geocéntrica</a:t>
+            </a:r>
+            <a:endParaRPr lang="es-PE" dirty="0"/>
+          </a:p>
+        </p:txBody>
+      </p:sp>
+      <p:cxnSp>
+        <p:nvCxnSpPr>
+          <p:cNvPr id="14" name="Conector recto de flecha 13"/>
+          <p:cNvCxnSpPr/>
+          <p:nvPr/>
+        </p:nvCxnSpPr>
+        <p:spPr>
+          <a:xfrm>
+            <a:off x="7740352" y="3440699"/>
+            <a:ext cx="0" cy="704769"/>
+          </a:xfrm>
+          <a:prstGeom prst="straightConnector1">
+            <a:avLst/>
+          </a:prstGeom>
+          <a:ln w="76200">
+            <a:tailEnd type="triangle"/>
+          </a:ln>
+        </p:spPr>
+        <p:style>
+          <a:lnRef idx="1">
+            <a:schemeClr val="accent1"/>
+          </a:lnRef>
+          <a:fillRef idx="0">
+            <a:schemeClr val="accent1"/>
+          </a:fillRef>
+          <a:effectRef idx="0">
+            <a:schemeClr val="accent1"/>
+          </a:effectRef>
+          <a:fontRef idx="minor">
+            <a:schemeClr val="tx1"/>
+          </a:fontRef>
+        </p:style>
+      </p:cxnSp>
+      <p:pic>
+        <p:nvPicPr>
+          <p:cNvPr id="3" name="Imagen 2"/>
+          <p:cNvPicPr>
+            <a:picLocks noChangeAspect="1"/>
+          </p:cNvPicPr>
+          <p:nvPr/>
+        </p:nvPicPr>
+        <p:blipFill>
+          <a:blip r:embed="rId4"/>
+          <a:stretch>
+            <a:fillRect/>
+          </a:stretch>
+        </p:blipFill>
+        <p:spPr>
+          <a:xfrm>
+            <a:off x="4594612" y="3006361"/>
+            <a:ext cx="1964393" cy="1768653"/>
+          </a:xfrm>
+          <a:prstGeom prst="rect">
+            <a:avLst/>
+          </a:prstGeom>
+        </p:spPr>
+      </p:pic>
     </p:spTree>
     <p:extLst>
       <p:ext uri="{BB962C8B-B14F-4D97-AF65-F5344CB8AC3E}">
-        <p14:creationId xmlns:p14="http://schemas.microsoft.com/office/powerpoint/2010/main" val="4261355122"/>
+        <p14:creationId xmlns:p14="http://schemas.microsoft.com/office/powerpoint/2010/main" val="3057863547"/>
       </p:ext>
     </p:extLst>
   </p:cSld>
@@ -3346,7 +3492,7 @@
       </p:grpSpPr>
       <p:pic>
         <p:nvPicPr>
-          <p:cNvPr id="7" name="Imagen 6"/>
+          <p:cNvPr id="5" name="Imagen 4"/>
           <p:cNvPicPr>
             <a:picLocks noChangeAspect="1"/>
           </p:cNvPicPr>
@@ -3360,48 +3506,24 @@
         </p:blipFill>
         <p:spPr>
           <a:xfrm>
-            <a:off x="898412" y="2214648"/>
-            <a:ext cx="7634028" cy="4258437"/>
+            <a:off x="1187624" y="1340768"/>
+            <a:ext cx="6650417" cy="3384376"/>
           </a:xfrm>
           <a:prstGeom prst="rect">
             <a:avLst/>
           </a:prstGeom>
         </p:spPr>
       </p:pic>
-      <p:pic>
-        <p:nvPicPr>
-          <p:cNvPr id="6" name="Imagen 5"/>
-          <p:cNvPicPr>
-            <a:picLocks noChangeAspect="1"/>
-          </p:cNvPicPr>
-          <p:nvPr/>
-        </p:nvPicPr>
-        <p:blipFill>
-          <a:blip r:embed="rId3"/>
-          <a:stretch>
-            <a:fillRect/>
-          </a:stretch>
-        </p:blipFill>
-        <p:spPr>
-          <a:xfrm>
-            <a:off x="855828" y="2214648"/>
-            <a:ext cx="3932196" cy="2217080"/>
-          </a:xfrm>
-          <a:prstGeom prst="rect">
-            <a:avLst/>
-          </a:prstGeom>
-        </p:spPr>
-      </p:pic>
-      <p:sp>
-        <p:nvSpPr>
-          <p:cNvPr id="3" name="CuadroTexto 2"/>
+      <p:sp>
+        <p:nvSpPr>
+          <p:cNvPr id="2" name="CuadroTexto 1"/>
           <p:cNvSpPr txBox="1"/>
           <p:nvPr/>
         </p:nvSpPr>
         <p:spPr>
           <a:xfrm>
-            <a:off x="611560" y="1032279"/>
-            <a:ext cx="7920880" cy="646331"/>
+            <a:off x="827584" y="260648"/>
+            <a:ext cx="7776864" cy="369332"/>
           </a:xfrm>
           <a:prstGeom prst="rect">
             <a:avLst/>
@@ -3416,72 +3538,46 @@
           <a:p>
             <a:r>
               <a:rPr lang="es-PE" dirty="0" smtClean="0"/>
-              <a:t>Kant propondrá que lo que conocemos es “</a:t>
-            </a:r>
-            <a:r>
-              <a:rPr lang="es-PE" dirty="0" smtClean="0">
-                <a:solidFill>
-                  <a:srgbClr val="FF0000"/>
-                </a:solidFill>
-              </a:rPr>
-              <a:t>la cosa para mí</a:t>
-            </a:r>
-            <a:r>
-              <a:rPr lang="es-PE" dirty="0" smtClean="0"/>
-              <a:t>” (fenómeno, lo que aparece), pero nunca conocemos “</a:t>
-            </a:r>
-            <a:r>
-              <a:rPr lang="es-PE" dirty="0" smtClean="0">
-                <a:solidFill>
-                  <a:srgbClr val="FF0000"/>
-                </a:solidFill>
-              </a:rPr>
-              <a:t>la cosa en sí</a:t>
-            </a:r>
-            <a:r>
-              <a:rPr lang="es-PE" dirty="0" smtClean="0"/>
-              <a:t>” (</a:t>
-            </a:r>
-            <a:r>
-              <a:rPr lang="es-PE" dirty="0" err="1" smtClean="0"/>
-              <a:t>noumeno</a:t>
-            </a:r>
-            <a:r>
-              <a:rPr lang="es-PE" dirty="0" smtClean="0"/>
-              <a:t>).</a:t>
+              <a:t>Un salto al campo de la epistemología, es decir, acerca del cómo conocemos …</a:t>
             </a:r>
             <a:endParaRPr lang="es-PE" dirty="0"/>
           </a:p>
         </p:txBody>
       </p:sp>
-      <p:pic>
-        <p:nvPicPr>
-          <p:cNvPr id="4" name="Imagen 3"/>
-          <p:cNvPicPr>
-            <a:picLocks noChangeAspect="1"/>
-          </p:cNvPicPr>
-          <p:nvPr/>
-        </p:nvPicPr>
-        <p:blipFill>
-          <a:blip r:embed="rId4"/>
-          <a:stretch>
-            <a:fillRect/>
-          </a:stretch>
-        </p:blipFill>
-        <p:spPr>
-          <a:xfrm>
-            <a:off x="827584" y="4394879"/>
-            <a:ext cx="3960440" cy="2078206"/>
+      <p:sp>
+        <p:nvSpPr>
+          <p:cNvPr id="7" name="CuadroTexto 6"/>
+          <p:cNvSpPr txBox="1"/>
+          <p:nvPr/>
+        </p:nvSpPr>
+        <p:spPr>
+          <a:xfrm>
+            <a:off x="1763688" y="5466942"/>
+            <a:ext cx="6234252" cy="369332"/>
           </a:xfrm>
           <a:prstGeom prst="rect">
             <a:avLst/>
           </a:prstGeom>
-        </p:spPr>
-      </p:pic>
+          <a:noFill/>
+        </p:spPr>
+        <p:txBody>
+          <a:bodyPr wrap="square" rtlCol="0">
+            <a:spAutoFit/>
+          </a:bodyPr>
+          <a:lstStyle/>
+          <a:p>
+            <a:r>
+              <a:rPr lang="es-PE" dirty="0" smtClean="0"/>
+              <a:t>Este modelo del Sujeto/Objeto va a ser combatido por Kant</a:t>
+            </a:r>
+            <a:endParaRPr lang="es-PE" dirty="0"/>
+          </a:p>
+        </p:txBody>
+      </p:sp>
     </p:spTree>
     <p:extLst>
       <p:ext uri="{BB962C8B-B14F-4D97-AF65-F5344CB8AC3E}">
-        <p14:creationId xmlns:p14="http://schemas.microsoft.com/office/powerpoint/2010/main" val="347501254"/>
+        <p14:creationId xmlns:p14="http://schemas.microsoft.com/office/powerpoint/2010/main" val="4261355122"/>
       </p:ext>
     </p:extLst>
   </p:cSld>
@@ -3510,6 +3606,170 @@
       </p:grpSpPr>
       <p:pic>
         <p:nvPicPr>
+          <p:cNvPr id="7" name="Imagen 6"/>
+          <p:cNvPicPr>
+            <a:picLocks noChangeAspect="1"/>
+          </p:cNvPicPr>
+          <p:nvPr/>
+        </p:nvPicPr>
+        <p:blipFill>
+          <a:blip r:embed="rId2"/>
+          <a:stretch>
+            <a:fillRect/>
+          </a:stretch>
+        </p:blipFill>
+        <p:spPr>
+          <a:xfrm>
+            <a:off x="898412" y="2214648"/>
+            <a:ext cx="7634028" cy="4258437"/>
+          </a:xfrm>
+          <a:prstGeom prst="rect">
+            <a:avLst/>
+          </a:prstGeom>
+        </p:spPr>
+      </p:pic>
+      <p:pic>
+        <p:nvPicPr>
+          <p:cNvPr id="6" name="Imagen 5"/>
+          <p:cNvPicPr>
+            <a:picLocks noChangeAspect="1"/>
+          </p:cNvPicPr>
+          <p:nvPr/>
+        </p:nvPicPr>
+        <p:blipFill>
+          <a:blip r:embed="rId3"/>
+          <a:stretch>
+            <a:fillRect/>
+          </a:stretch>
+        </p:blipFill>
+        <p:spPr>
+          <a:xfrm>
+            <a:off x="855828" y="2214648"/>
+            <a:ext cx="3932196" cy="2217080"/>
+          </a:xfrm>
+          <a:prstGeom prst="rect">
+            <a:avLst/>
+          </a:prstGeom>
+        </p:spPr>
+      </p:pic>
+      <p:sp>
+        <p:nvSpPr>
+          <p:cNvPr id="3" name="CuadroTexto 2"/>
+          <p:cNvSpPr txBox="1"/>
+          <p:nvPr/>
+        </p:nvSpPr>
+        <p:spPr>
+          <a:xfrm>
+            <a:off x="611560" y="1032279"/>
+            <a:ext cx="7920880" cy="646331"/>
+          </a:xfrm>
+          <a:prstGeom prst="rect">
+            <a:avLst/>
+          </a:prstGeom>
+          <a:noFill/>
+        </p:spPr>
+        <p:txBody>
+          <a:bodyPr wrap="square" rtlCol="0">
+            <a:spAutoFit/>
+          </a:bodyPr>
+          <a:lstStyle/>
+          <a:p>
+            <a:r>
+              <a:rPr lang="es-PE" dirty="0" smtClean="0"/>
+              <a:t>Kant propondrá que lo que conocemos es “</a:t>
+            </a:r>
+            <a:r>
+              <a:rPr lang="es-PE" dirty="0" smtClean="0">
+                <a:solidFill>
+                  <a:srgbClr val="FF0000"/>
+                </a:solidFill>
+              </a:rPr>
+              <a:t>la cosa para mí</a:t>
+            </a:r>
+            <a:r>
+              <a:rPr lang="es-PE" dirty="0" smtClean="0"/>
+              <a:t>” (fenómeno, lo que aparece), pero nunca conocemos “</a:t>
+            </a:r>
+            <a:r>
+              <a:rPr lang="es-PE" dirty="0" smtClean="0">
+                <a:solidFill>
+                  <a:srgbClr val="FF0000"/>
+                </a:solidFill>
+              </a:rPr>
+              <a:t>la cosa en sí</a:t>
+            </a:r>
+            <a:r>
+              <a:rPr lang="es-PE" dirty="0" smtClean="0"/>
+              <a:t>” (</a:t>
+            </a:r>
+            <a:r>
+              <a:rPr lang="es-PE" dirty="0" err="1" smtClean="0"/>
+              <a:t>noumeno</a:t>
+            </a:r>
+            <a:r>
+              <a:rPr lang="es-PE" dirty="0" smtClean="0"/>
+              <a:t>).</a:t>
+            </a:r>
+            <a:endParaRPr lang="es-PE" dirty="0"/>
+          </a:p>
+        </p:txBody>
+      </p:sp>
+      <p:pic>
+        <p:nvPicPr>
+          <p:cNvPr id="4" name="Imagen 3"/>
+          <p:cNvPicPr>
+            <a:picLocks noChangeAspect="1"/>
+          </p:cNvPicPr>
+          <p:nvPr/>
+        </p:nvPicPr>
+        <p:blipFill>
+          <a:blip r:embed="rId4"/>
+          <a:stretch>
+            <a:fillRect/>
+          </a:stretch>
+        </p:blipFill>
+        <p:spPr>
+          <a:xfrm>
+            <a:off x="827584" y="4394879"/>
+            <a:ext cx="3960440" cy="2078206"/>
+          </a:xfrm>
+          <a:prstGeom prst="rect">
+            <a:avLst/>
+          </a:prstGeom>
+        </p:spPr>
+      </p:pic>
+    </p:spTree>
+    <p:extLst>
+      <p:ext uri="{BB962C8B-B14F-4D97-AF65-F5344CB8AC3E}">
+        <p14:creationId xmlns:p14="http://schemas.microsoft.com/office/powerpoint/2010/main" val="347501254"/>
+      </p:ext>
+    </p:extLst>
+  </p:cSld>
+  <p:clrMapOvr>
+    <a:masterClrMapping/>
+  </p:clrMapOvr>
+</p:sld>
+</file>
+
+<file path=ppt/slides/slide13.xml><?xml version="1.0" encoding="utf-8"?>
+<p:sld xmlns:a="http://schemas.openxmlformats.org/drawingml/2006/main" xmlns:r="http://schemas.openxmlformats.org/officeDocument/2006/relationships" xmlns:p="http://schemas.openxmlformats.org/presentationml/2006/main">
+  <p:cSld>
+    <p:spTree>
+      <p:nvGrpSpPr>
+        <p:cNvPr id="1" name=""/>
+        <p:cNvGrpSpPr/>
+        <p:nvPr/>
+      </p:nvGrpSpPr>
+      <p:grpSpPr>
+        <a:xfrm>
+          <a:off x="0" y="0"/>
+          <a:ext cx="0" cy="0"/>
+          <a:chOff x="0" y="0"/>
+          <a:chExt cx="0" cy="0"/>
+        </a:xfrm>
+      </p:grpSpPr>
+      <p:pic>
+        <p:nvPicPr>
           <p:cNvPr id="4" name="Imagen 3"/>
           <p:cNvPicPr>
             <a:picLocks noChangeAspect="1"/>
@@ -3824,181 +4084,6 @@
     <p:extLst>
       <p:ext uri="{BB962C8B-B14F-4D97-AF65-F5344CB8AC3E}">
         <p14:creationId xmlns:p14="http://schemas.microsoft.com/office/powerpoint/2010/main" val="2908510392"/>
-      </p:ext>
-    </p:extLst>
-  </p:cSld>
-  <p:clrMapOvr>
-    <a:masterClrMapping/>
-  </p:clrMapOvr>
-  <p:timing>
-    <p:tnLst>
-      <p:par>
-        <p:cTn id="1" dur="indefinite" restart="never" nodeType="tmRoot"/>
-      </p:par>
-    </p:tnLst>
-  </p:timing>
-</p:sld>
-</file>
-
-<file path=ppt/slides/slide13.xml><?xml version="1.0" encoding="utf-8"?>
-<p:sld xmlns:a="http://schemas.openxmlformats.org/drawingml/2006/main" xmlns:r="http://schemas.openxmlformats.org/officeDocument/2006/relationships" xmlns:p="http://schemas.openxmlformats.org/presentationml/2006/main">
-  <p:cSld>
-    <p:spTree>
-      <p:nvGrpSpPr>
-        <p:cNvPr id="1" name=""/>
-        <p:cNvGrpSpPr/>
-        <p:nvPr/>
-      </p:nvGrpSpPr>
-      <p:grpSpPr>
-        <a:xfrm>
-          <a:off x="0" y="0"/>
-          <a:ext cx="0" cy="0"/>
-          <a:chOff x="0" y="0"/>
-          <a:chExt cx="0" cy="0"/>
-        </a:xfrm>
-      </p:grpSpPr>
-      <p:sp>
-        <p:nvSpPr>
-          <p:cNvPr id="3" name="Marcador de contenido 2"/>
-          <p:cNvSpPr>
-            <a:spLocks noGrp="1"/>
-          </p:cNvSpPr>
-          <p:nvPr>
-            <p:ph idx="1"/>
-          </p:nvPr>
-        </p:nvSpPr>
-        <p:spPr>
-          <a:xfrm>
-            <a:off x="457200" y="620688"/>
-            <a:ext cx="8229600" cy="5505475"/>
-          </a:xfrm>
-        </p:spPr>
-        <p:txBody>
-          <a:bodyPr>
-            <a:normAutofit fontScale="92500" lnSpcReduction="20000"/>
-          </a:bodyPr>
-          <a:lstStyle/>
-          <a:p>
-            <a:pPr marL="0" indent="0">
-              <a:buNone/>
-            </a:pPr>
-            <a:endParaRPr lang="es-PE" dirty="0"/>
-          </a:p>
-          <a:p>
-            <a:pPr marL="0" indent="0">
-              <a:buNone/>
-            </a:pPr>
-            <a:r>
-              <a:rPr lang="es-PE" sz="4000" b="1" dirty="0" smtClean="0"/>
-              <a:t>- ¿Porqué se habla de un giro Copernicano, en el caso de Kant?</a:t>
-            </a:r>
-            <a:endParaRPr lang="es-PE" b="1" dirty="0" smtClean="0">
-              <a:solidFill>
-                <a:schemeClr val="bg1">
-                  <a:lumMod val="75000"/>
-                </a:schemeClr>
-              </a:solidFill>
-            </a:endParaRPr>
-          </a:p>
-          <a:p>
-            <a:pPr marL="0" indent="0">
-              <a:buNone/>
-            </a:pPr>
-            <a:endParaRPr lang="es-PE" sz="4000" b="1" dirty="0"/>
-          </a:p>
-          <a:p>
-            <a:pPr>
-              <a:buFontTx/>
-              <a:buChar char="-"/>
-            </a:pPr>
-            <a:r>
-              <a:rPr lang="es-PE" sz="4000" b="1" dirty="0" smtClean="0"/>
-              <a:t>¿Qué elementos componen la extensión de sus obras y pensamientos? ¿Qué se pregunta?</a:t>
-            </a:r>
-          </a:p>
-          <a:p>
-            <a:pPr>
-              <a:buFontTx/>
-              <a:buChar char="-"/>
-            </a:pPr>
-            <a:endParaRPr lang="es-PE" sz="4000" b="1" dirty="0"/>
-          </a:p>
-          <a:p>
-            <a:pPr>
-              <a:buFontTx/>
-              <a:buChar char="-"/>
-            </a:pPr>
-            <a:r>
-              <a:rPr lang="es-PE" sz="4000" b="1" dirty="0" smtClean="0"/>
-              <a:t>¿Qué tiene que ver el giro copernicano con la C.R.P.?</a:t>
-            </a:r>
-          </a:p>
-          <a:p>
-            <a:pPr>
-              <a:buFontTx/>
-              <a:buChar char="-"/>
-            </a:pPr>
-            <a:endParaRPr lang="es-PE" sz="4000" b="1" dirty="0"/>
-          </a:p>
-          <a:p>
-            <a:pPr>
-              <a:buFontTx/>
-              <a:buChar char="-"/>
-            </a:pPr>
-            <a:endParaRPr lang="es-PE" sz="4000" b="1" dirty="0"/>
-          </a:p>
-        </p:txBody>
-      </p:sp>
-      <p:sp>
-        <p:nvSpPr>
-          <p:cNvPr id="2" name="Rectángulo 1"/>
-          <p:cNvSpPr/>
-          <p:nvPr/>
-        </p:nvSpPr>
-        <p:spPr>
-          <a:xfrm>
-            <a:off x="323528" y="2653344"/>
-            <a:ext cx="7776864" cy="1567743"/>
-          </a:xfrm>
-          <a:prstGeom prst="rect">
-            <a:avLst/>
-          </a:prstGeom>
-          <a:noFill/>
-          <a:ln w="76200">
-            <a:solidFill>
-              <a:srgbClr val="FF0000"/>
-            </a:solidFill>
-          </a:ln>
-        </p:spPr>
-        <p:style>
-          <a:lnRef idx="2">
-            <a:schemeClr val="accent1">
-              <a:shade val="50000"/>
-            </a:schemeClr>
-          </a:lnRef>
-          <a:fillRef idx="1">
-            <a:schemeClr val="accent1"/>
-          </a:fillRef>
-          <a:effectRef idx="0">
-            <a:schemeClr val="accent1"/>
-          </a:effectRef>
-          <a:fontRef idx="minor">
-            <a:schemeClr val="lt1"/>
-          </a:fontRef>
-        </p:style>
-        <p:txBody>
-          <a:bodyPr rtlCol="0" anchor="ctr"/>
-          <a:lstStyle/>
-          <a:p>
-            <a:pPr algn="ctr"/>
-            <a:endParaRPr lang="es-PE"/>
-          </a:p>
-        </p:txBody>
-      </p:sp>
-    </p:spTree>
-    <p:extLst>
-      <p:ext uri="{BB962C8B-B14F-4D97-AF65-F5344CB8AC3E}">
-        <p14:creationId xmlns:p14="http://schemas.microsoft.com/office/powerpoint/2010/main" val="2242528497"/>
       </p:ext>
     </p:extLst>
   </p:cSld>
@@ -4034,258 +4119,96 @@
       </p:grpSpPr>
       <p:sp>
         <p:nvSpPr>
-          <p:cNvPr id="3" name="CuadroTexto 2"/>
-          <p:cNvSpPr txBox="1"/>
-          <p:nvPr/>
-        </p:nvSpPr>
-        <p:spPr>
-          <a:xfrm>
-            <a:off x="1187624" y="1700808"/>
-            <a:ext cx="6552728" cy="923330"/>
-          </a:xfrm>
-          <a:prstGeom prst="rect">
-            <a:avLst/>
-          </a:prstGeom>
-          <a:noFill/>
-        </p:spPr>
-        <p:txBody>
-          <a:bodyPr wrap="square" rtlCol="0">
-            <a:spAutoFit/>
+          <p:cNvPr id="3" name="Marcador de contenido 2"/>
+          <p:cNvSpPr>
+            <a:spLocks noGrp="1"/>
+          </p:cNvSpPr>
+          <p:nvPr>
+            <p:ph idx="1"/>
+          </p:nvPr>
+        </p:nvSpPr>
+        <p:spPr>
+          <a:xfrm>
+            <a:off x="457200" y="620688"/>
+            <a:ext cx="8229600" cy="5505475"/>
+          </a:xfrm>
+        </p:spPr>
+        <p:txBody>
+          <a:bodyPr>
+            <a:normAutofit fontScale="92500" lnSpcReduction="20000"/>
           </a:bodyPr>
           <a:lstStyle/>
           <a:p>
-            <a:pPr algn="ctr"/>
-            <a:r>
-              <a:rPr lang="es-PE" dirty="0" err="1" smtClean="0"/>
-              <a:t>Cognition</a:t>
-            </a:r>
-            <a:r>
-              <a:rPr lang="es-PE" dirty="0" smtClean="0"/>
-              <a:t>                                 </a:t>
-            </a:r>
-            <a:r>
-              <a:rPr lang="es-PE" dirty="0" err="1" smtClean="0"/>
-              <a:t>Feeling</a:t>
-            </a:r>
-            <a:r>
-              <a:rPr lang="es-PE" dirty="0" smtClean="0"/>
-              <a:t>                              </a:t>
-            </a:r>
-            <a:r>
-              <a:rPr lang="es-PE" dirty="0" err="1" smtClean="0"/>
-              <a:t>Desire</a:t>
-            </a:r>
-            <a:endParaRPr lang="es-PE" dirty="0" smtClean="0"/>
-          </a:p>
-          <a:p>
+            <a:pPr marL="0" indent="0">
+              <a:buNone/>
+            </a:pPr>
             <a:endParaRPr lang="es-PE" dirty="0"/>
           </a:p>
           <a:p>
-            <a:endParaRPr lang="es-PE" dirty="0"/>
-          </a:p>
-        </p:txBody>
-      </p:sp>
-      <p:sp>
-        <p:nvSpPr>
-          <p:cNvPr id="8" name="CuadroTexto 7"/>
-          <p:cNvSpPr txBox="1"/>
-          <p:nvPr/>
-        </p:nvSpPr>
-        <p:spPr>
-          <a:xfrm>
-            <a:off x="793794" y="692696"/>
-            <a:ext cx="7920880" cy="369332"/>
-          </a:xfrm>
-          <a:prstGeom prst="rect">
-            <a:avLst/>
-          </a:prstGeom>
-          <a:noFill/>
-        </p:spPr>
-        <p:txBody>
-          <a:bodyPr wrap="square" rtlCol="0">
-            <a:spAutoFit/>
-          </a:bodyPr>
-          <a:lstStyle/>
-          <a:p>
-            <a:r>
-              <a:rPr lang="es-PE" dirty="0" smtClean="0"/>
-              <a:t>Algunos autores americanos separan los intereses de Kant en estas tres facultades. </a:t>
-            </a:r>
-            <a:endParaRPr lang="es-PE" dirty="0"/>
-          </a:p>
-        </p:txBody>
-      </p:sp>
-      <p:sp>
-        <p:nvSpPr>
-          <p:cNvPr id="10" name="CuadroTexto 9"/>
-          <p:cNvSpPr txBox="1"/>
-          <p:nvPr/>
-        </p:nvSpPr>
-        <p:spPr>
-          <a:xfrm>
-            <a:off x="1367644" y="2868907"/>
-            <a:ext cx="4068452" cy="646331"/>
-          </a:xfrm>
-          <a:prstGeom prst="rect">
-            <a:avLst/>
-          </a:prstGeom>
-          <a:noFill/>
-        </p:spPr>
-        <p:txBody>
-          <a:bodyPr wrap="square" rtlCol="0">
-            <a:spAutoFit/>
-          </a:bodyPr>
-          <a:lstStyle/>
-          <a:p>
-            <a:pPr algn="ctr"/>
-            <a:r>
-              <a:rPr lang="es-PE" dirty="0" smtClean="0"/>
-              <a:t>Campo de la Razón Teórica</a:t>
-            </a:r>
-            <a:endParaRPr lang="es-PE" dirty="0"/>
-          </a:p>
-          <a:p>
-            <a:endParaRPr lang="es-PE" dirty="0"/>
-          </a:p>
-        </p:txBody>
-      </p:sp>
-      <p:sp>
-        <p:nvSpPr>
-          <p:cNvPr id="11" name="CuadroTexto 10"/>
-          <p:cNvSpPr txBox="1"/>
-          <p:nvPr/>
-        </p:nvSpPr>
-        <p:spPr>
-          <a:xfrm>
-            <a:off x="4463988" y="2870542"/>
-            <a:ext cx="4068452" cy="646331"/>
-          </a:xfrm>
-          <a:prstGeom prst="rect">
-            <a:avLst/>
-          </a:prstGeom>
-          <a:noFill/>
-        </p:spPr>
-        <p:txBody>
-          <a:bodyPr wrap="square" rtlCol="0">
-            <a:spAutoFit/>
-          </a:bodyPr>
-          <a:lstStyle/>
-          <a:p>
-            <a:pPr algn="ctr"/>
-            <a:r>
-              <a:rPr lang="es-PE" dirty="0" smtClean="0"/>
-              <a:t>Campo de la Razón Práctica</a:t>
-            </a:r>
-            <a:endParaRPr lang="es-PE" dirty="0"/>
-          </a:p>
-          <a:p>
-            <a:endParaRPr lang="es-PE" dirty="0"/>
-          </a:p>
-        </p:txBody>
-      </p:sp>
-      <p:cxnSp>
-        <p:nvCxnSpPr>
-          <p:cNvPr id="12" name="Conector recto de flecha 11"/>
-          <p:cNvCxnSpPr>
-            <a:stCxn id="10" idx="0"/>
-          </p:cNvCxnSpPr>
-          <p:nvPr/>
-        </p:nvCxnSpPr>
-        <p:spPr>
-          <a:xfrm flipH="1" flipV="1">
-            <a:off x="2591780" y="2348880"/>
-            <a:ext cx="810090" cy="520027"/>
-          </a:xfrm>
-          <a:prstGeom prst="straightConnector1">
-            <a:avLst/>
-          </a:prstGeom>
-          <a:ln>
-            <a:tailEnd type="triangle"/>
-          </a:ln>
-        </p:spPr>
-        <p:style>
-          <a:lnRef idx="1">
-            <a:schemeClr val="accent1"/>
-          </a:lnRef>
-          <a:fillRef idx="0">
-            <a:schemeClr val="accent1"/>
-          </a:fillRef>
-          <a:effectRef idx="0">
-            <a:schemeClr val="accent1"/>
-          </a:effectRef>
-          <a:fontRef idx="minor">
-            <a:schemeClr val="tx1"/>
-          </a:fontRef>
-        </p:style>
-      </p:cxnSp>
-      <p:cxnSp>
-        <p:nvCxnSpPr>
-          <p:cNvPr id="14" name="Conector recto de flecha 13"/>
-          <p:cNvCxnSpPr>
-            <a:stCxn id="10" idx="0"/>
-          </p:cNvCxnSpPr>
-          <p:nvPr/>
-        </p:nvCxnSpPr>
-        <p:spPr>
-          <a:xfrm flipV="1">
-            <a:off x="3401870" y="2348880"/>
-            <a:ext cx="1014899" cy="520027"/>
-          </a:xfrm>
-          <a:prstGeom prst="straightConnector1">
-            <a:avLst/>
-          </a:prstGeom>
-          <a:ln>
-            <a:tailEnd type="triangle"/>
-          </a:ln>
-        </p:spPr>
-        <p:style>
-          <a:lnRef idx="1">
-            <a:schemeClr val="accent1"/>
-          </a:lnRef>
-          <a:fillRef idx="0">
-            <a:schemeClr val="accent1"/>
-          </a:fillRef>
-          <a:effectRef idx="0">
-            <a:schemeClr val="accent1"/>
-          </a:effectRef>
-          <a:fontRef idx="minor">
-            <a:schemeClr val="tx1"/>
-          </a:fontRef>
-        </p:style>
-      </p:cxnSp>
-      <p:cxnSp>
-        <p:nvCxnSpPr>
-          <p:cNvPr id="16" name="Conector recto de flecha 15"/>
-          <p:cNvCxnSpPr/>
-          <p:nvPr/>
-        </p:nvCxnSpPr>
-        <p:spPr>
-          <a:xfrm flipV="1">
-            <a:off x="6660232" y="2194160"/>
-            <a:ext cx="180020" cy="615520"/>
-          </a:xfrm>
-          <a:prstGeom prst="straightConnector1">
-            <a:avLst/>
-          </a:prstGeom>
-          <a:ln>
-            <a:tailEnd type="triangle"/>
-          </a:ln>
-        </p:spPr>
-        <p:style>
-          <a:lnRef idx="1">
-            <a:schemeClr val="accent1"/>
-          </a:lnRef>
-          <a:fillRef idx="0">
-            <a:schemeClr val="accent1"/>
-          </a:fillRef>
-          <a:effectRef idx="0">
-            <a:schemeClr val="accent1"/>
-          </a:effectRef>
-          <a:fontRef idx="minor">
-            <a:schemeClr val="tx1"/>
-          </a:fontRef>
-        </p:style>
-      </p:cxnSp>
+            <a:pPr marL="0" indent="0">
+              <a:buNone/>
+            </a:pPr>
+            <a:r>
+              <a:rPr lang="es-PE" sz="4000" b="1" dirty="0" smtClean="0"/>
+              <a:t>- ¿Porqué se habla de un giro Copernicano, en el caso de Kant?</a:t>
+            </a:r>
+            <a:endParaRPr lang="es-PE" b="1" dirty="0" smtClean="0">
+              <a:solidFill>
+                <a:schemeClr val="bg1">
+                  <a:lumMod val="75000"/>
+                </a:schemeClr>
+              </a:solidFill>
+            </a:endParaRPr>
+          </a:p>
+          <a:p>
+            <a:pPr marL="0" indent="0">
+              <a:buNone/>
+            </a:pPr>
+            <a:endParaRPr lang="es-PE" sz="4000" b="1" dirty="0"/>
+          </a:p>
+          <a:p>
+            <a:pPr>
+              <a:buFontTx/>
+              <a:buChar char="-"/>
+            </a:pPr>
+            <a:r>
+              <a:rPr lang="es-PE" sz="4000" b="1" dirty="0" smtClean="0"/>
+              <a:t>¿Qué elementos componen la extensión de sus obras y pensamientos? ¿Qué se pregunta?</a:t>
+            </a:r>
+          </a:p>
+          <a:p>
+            <a:pPr>
+              <a:buFontTx/>
+              <a:buChar char="-"/>
+            </a:pPr>
+            <a:endParaRPr lang="es-PE" sz="4000" b="1" dirty="0"/>
+          </a:p>
+          <a:p>
+            <a:pPr>
+              <a:buFontTx/>
+              <a:buChar char="-"/>
+            </a:pPr>
+            <a:r>
+              <a:rPr lang="es-PE" sz="4000" b="1" dirty="0" smtClean="0"/>
+              <a:t>¿Qué tiene que ver el giro copernicano con la C.R.P.?</a:t>
+            </a:r>
+          </a:p>
+          <a:p>
+            <a:pPr>
+              <a:buFontTx/>
+              <a:buChar char="-"/>
+            </a:pPr>
+            <a:endParaRPr lang="es-PE" sz="4000" b="1" dirty="0"/>
+          </a:p>
+          <a:p>
+            <a:pPr>
+              <a:buFontTx/>
+              <a:buChar char="-"/>
+            </a:pPr>
+            <a:endParaRPr lang="es-PE" sz="4000" b="1" dirty="0"/>
+          </a:p>
+        </p:txBody>
+      </p:sp>
       <p:sp>
         <p:nvSpPr>
           <p:cNvPr id="2" name="Rectángulo 1"/>
@@ -4294,14 +4217,14 @@
         </p:nvSpPr>
         <p:spPr>
           <a:xfrm>
-            <a:off x="1655676" y="1699173"/>
-            <a:ext cx="1152128" cy="463300"/>
+            <a:off x="323528" y="2653344"/>
+            <a:ext cx="7776864" cy="1567743"/>
           </a:xfrm>
           <a:prstGeom prst="rect">
             <a:avLst/>
           </a:prstGeom>
           <a:noFill/>
-          <a:ln w="38100">
+          <a:ln w="76200">
             <a:solidFill>
               <a:srgbClr val="FF0000"/>
             </a:solidFill>
@@ -4332,306 +4255,10 @@
           </a:p>
         </p:txBody>
       </p:sp>
-      <p:sp>
-        <p:nvSpPr>
-          <p:cNvPr id="13" name="Rectángulo 12"/>
-          <p:cNvSpPr/>
-          <p:nvPr/>
-        </p:nvSpPr>
-        <p:spPr>
-          <a:xfrm>
-            <a:off x="4142166" y="1699173"/>
-            <a:ext cx="1152128" cy="463300"/>
-          </a:xfrm>
-          <a:prstGeom prst="rect">
-            <a:avLst/>
-          </a:prstGeom>
-          <a:noFill/>
-          <a:ln w="38100">
-            <a:solidFill>
-              <a:srgbClr val="FF0000"/>
-            </a:solidFill>
-          </a:ln>
-        </p:spPr>
-        <p:style>
-          <a:lnRef idx="2">
-            <a:schemeClr val="accent1">
-              <a:shade val="50000"/>
-            </a:schemeClr>
-          </a:lnRef>
-          <a:fillRef idx="1">
-            <a:schemeClr val="accent1"/>
-          </a:fillRef>
-          <a:effectRef idx="0">
-            <a:schemeClr val="accent1"/>
-          </a:effectRef>
-          <a:fontRef idx="minor">
-            <a:schemeClr val="lt1"/>
-          </a:fontRef>
-        </p:style>
-        <p:txBody>
-          <a:bodyPr rtlCol="0" anchor="ctr"/>
-          <a:lstStyle/>
-          <a:p>
-            <a:pPr algn="ctr"/>
-            <a:endParaRPr lang="es-PE"/>
-          </a:p>
-        </p:txBody>
-      </p:sp>
-      <p:sp>
-        <p:nvSpPr>
-          <p:cNvPr id="15" name="Rectángulo 14"/>
-          <p:cNvSpPr/>
-          <p:nvPr/>
-        </p:nvSpPr>
-        <p:spPr>
-          <a:xfrm>
-            <a:off x="6309193" y="1699173"/>
-            <a:ext cx="1152128" cy="463300"/>
-          </a:xfrm>
-          <a:prstGeom prst="rect">
-            <a:avLst/>
-          </a:prstGeom>
-          <a:noFill/>
-          <a:ln w="38100">
-            <a:solidFill>
-              <a:srgbClr val="FF0000"/>
-            </a:solidFill>
-          </a:ln>
-        </p:spPr>
-        <p:style>
-          <a:lnRef idx="2">
-            <a:schemeClr val="accent1">
-              <a:shade val="50000"/>
-            </a:schemeClr>
-          </a:lnRef>
-          <a:fillRef idx="1">
-            <a:schemeClr val="accent1"/>
-          </a:fillRef>
-          <a:effectRef idx="0">
-            <a:schemeClr val="accent1"/>
-          </a:effectRef>
-          <a:fontRef idx="minor">
-            <a:schemeClr val="lt1"/>
-          </a:fontRef>
-        </p:style>
-        <p:txBody>
-          <a:bodyPr rtlCol="0" anchor="ctr"/>
-          <a:lstStyle/>
-          <a:p>
-            <a:pPr algn="ctr"/>
-            <a:endParaRPr lang="es-PE"/>
-          </a:p>
-        </p:txBody>
-      </p:sp>
-      <p:sp>
-        <p:nvSpPr>
-          <p:cNvPr id="17" name="CuadroTexto 16"/>
-          <p:cNvSpPr txBox="1"/>
-          <p:nvPr/>
-        </p:nvSpPr>
-        <p:spPr>
-          <a:xfrm>
-            <a:off x="1187624" y="4382347"/>
-            <a:ext cx="6552728" cy="923330"/>
-          </a:xfrm>
-          <a:prstGeom prst="rect">
-            <a:avLst/>
-          </a:prstGeom>
-          <a:noFill/>
-        </p:spPr>
-        <p:txBody>
-          <a:bodyPr wrap="square" rtlCol="0">
-            <a:spAutoFit/>
-          </a:bodyPr>
-          <a:lstStyle/>
-          <a:p>
-            <a:pPr algn="ctr"/>
-            <a:r>
-              <a:rPr lang="es-PE" dirty="0" smtClean="0">
-                <a:solidFill>
-                  <a:srgbClr val="00B050"/>
-                </a:solidFill>
-              </a:rPr>
-              <a:t>Entendimiento                          Sensibilidad                           Voluntad</a:t>
-            </a:r>
-          </a:p>
-          <a:p>
-            <a:endParaRPr lang="es-PE" dirty="0">
-              <a:solidFill>
-                <a:srgbClr val="00B050"/>
-              </a:solidFill>
-            </a:endParaRPr>
-          </a:p>
-          <a:p>
-            <a:endParaRPr lang="es-PE" dirty="0">
-              <a:solidFill>
-                <a:srgbClr val="00B050"/>
-              </a:solidFill>
-            </a:endParaRPr>
-          </a:p>
-        </p:txBody>
-      </p:sp>
-      <p:cxnSp>
-        <p:nvCxnSpPr>
-          <p:cNvPr id="9" name="Conector recto de flecha 8"/>
-          <p:cNvCxnSpPr/>
-          <p:nvPr/>
-        </p:nvCxnSpPr>
-        <p:spPr>
-          <a:xfrm flipH="1">
-            <a:off x="1871700" y="2348880"/>
-            <a:ext cx="144016" cy="1939216"/>
-          </a:xfrm>
-          <a:prstGeom prst="straightConnector1">
-            <a:avLst/>
-          </a:prstGeom>
-          <a:ln>
-            <a:solidFill>
-              <a:srgbClr val="92D050"/>
-            </a:solidFill>
-            <a:tailEnd type="triangle"/>
-          </a:ln>
-        </p:spPr>
-        <p:style>
-          <a:lnRef idx="1">
-            <a:schemeClr val="accent1"/>
-          </a:lnRef>
-          <a:fillRef idx="0">
-            <a:schemeClr val="accent1"/>
-          </a:fillRef>
-          <a:effectRef idx="0">
-            <a:schemeClr val="accent1"/>
-          </a:effectRef>
-          <a:fontRef idx="minor">
-            <a:schemeClr val="tx1"/>
-          </a:fontRef>
-        </p:style>
-      </p:cxnSp>
-      <p:cxnSp>
-        <p:nvCxnSpPr>
-          <p:cNvPr id="18" name="Conector recto de flecha 17"/>
-          <p:cNvCxnSpPr/>
-          <p:nvPr/>
-        </p:nvCxnSpPr>
-        <p:spPr>
-          <a:xfrm flipH="1">
-            <a:off x="6930262" y="2348880"/>
-            <a:ext cx="144016" cy="1939216"/>
-          </a:xfrm>
-          <a:prstGeom prst="straightConnector1">
-            <a:avLst/>
-          </a:prstGeom>
-          <a:ln>
-            <a:solidFill>
-              <a:srgbClr val="92D050"/>
-            </a:solidFill>
-            <a:tailEnd type="triangle"/>
-          </a:ln>
-        </p:spPr>
-        <p:style>
-          <a:lnRef idx="1">
-            <a:schemeClr val="accent1"/>
-          </a:lnRef>
-          <a:fillRef idx="0">
-            <a:schemeClr val="accent1"/>
-          </a:fillRef>
-          <a:effectRef idx="0">
-            <a:schemeClr val="accent1"/>
-          </a:effectRef>
-          <a:fontRef idx="minor">
-            <a:schemeClr val="tx1"/>
-          </a:fontRef>
-        </p:style>
-      </p:cxnSp>
-      <p:cxnSp>
-        <p:nvCxnSpPr>
-          <p:cNvPr id="19" name="Conector recto de flecha 18"/>
-          <p:cNvCxnSpPr/>
-          <p:nvPr/>
-        </p:nvCxnSpPr>
-        <p:spPr>
-          <a:xfrm flipH="1">
-            <a:off x="4770378" y="2349624"/>
-            <a:ext cx="144016" cy="1939216"/>
-          </a:xfrm>
-          <a:prstGeom prst="straightConnector1">
-            <a:avLst/>
-          </a:prstGeom>
-          <a:ln>
-            <a:solidFill>
-              <a:srgbClr val="92D050"/>
-            </a:solidFill>
-            <a:tailEnd type="triangle"/>
-          </a:ln>
-        </p:spPr>
-        <p:style>
-          <a:lnRef idx="1">
-            <a:schemeClr val="accent1"/>
-          </a:lnRef>
-          <a:fillRef idx="0">
-            <a:schemeClr val="accent1"/>
-          </a:fillRef>
-          <a:effectRef idx="0">
-            <a:schemeClr val="accent1"/>
-          </a:effectRef>
-          <a:fontRef idx="minor">
-            <a:schemeClr val="tx1"/>
-          </a:fontRef>
-        </p:style>
-      </p:cxnSp>
-      <p:pic>
-        <p:nvPicPr>
-          <p:cNvPr id="20" name="Imagen 19"/>
-          <p:cNvPicPr>
-            <a:picLocks noChangeAspect="1"/>
-          </p:cNvPicPr>
-          <p:nvPr/>
-        </p:nvPicPr>
-        <p:blipFill>
-          <a:blip r:embed="rId2"/>
-          <a:stretch>
-            <a:fillRect/>
-          </a:stretch>
-        </p:blipFill>
-        <p:spPr>
-          <a:xfrm>
-            <a:off x="2257264" y="5399184"/>
-            <a:ext cx="4791506" cy="1282485"/>
-          </a:xfrm>
-          <a:prstGeom prst="rect">
-            <a:avLst/>
-          </a:prstGeom>
-        </p:spPr>
-      </p:pic>
-      <p:pic>
-        <p:nvPicPr>
-          <p:cNvPr id="21" name="Imagen 20"/>
-          <p:cNvPicPr>
-            <a:picLocks noChangeAspect="1"/>
-          </p:cNvPicPr>
-          <p:nvPr/>
-        </p:nvPicPr>
-        <p:blipFill>
-          <a:blip r:embed="rId3"/>
-          <a:stretch>
-            <a:fillRect/>
-          </a:stretch>
-        </p:blipFill>
-        <p:spPr>
-          <a:xfrm>
-            <a:off x="1256624" y="5410884"/>
-            <a:ext cx="1000640" cy="1259083"/>
-          </a:xfrm>
-          <a:prstGeom prst="rect">
-            <a:avLst/>
-          </a:prstGeom>
-        </p:spPr>
-      </p:pic>
     </p:spTree>
     <p:extLst>
       <p:ext uri="{BB962C8B-B14F-4D97-AF65-F5344CB8AC3E}">
-        <p14:creationId xmlns:p14="http://schemas.microsoft.com/office/powerpoint/2010/main" val="1596985660"/>
+        <p14:creationId xmlns:p14="http://schemas.microsoft.com/office/powerpoint/2010/main" val="2242528497"/>
       </p:ext>
     </p:extLst>
   </p:cSld>
@@ -4667,14 +4294,14 @@
       </p:grpSpPr>
       <p:sp>
         <p:nvSpPr>
-          <p:cNvPr id="8" name="CuadroTexto 7"/>
+          <p:cNvPr id="3" name="CuadroTexto 2"/>
           <p:cNvSpPr txBox="1"/>
           <p:nvPr/>
         </p:nvSpPr>
         <p:spPr>
           <a:xfrm>
-            <a:off x="899592" y="244770"/>
-            <a:ext cx="7920880" cy="6463308"/>
+            <a:off x="1187624" y="1700808"/>
+            <a:ext cx="6552728" cy="923330"/>
           </a:xfrm>
           <a:prstGeom prst="rect">
             <a:avLst/>
@@ -4687,240 +4314,250 @@
           </a:bodyPr>
           <a:lstStyle/>
           <a:p>
-            <a:r>
-              <a:rPr lang="es-PE" dirty="0" smtClean="0"/>
-              <a:t>Otros especialistas indican que en la obra de Kant se busca responder a </a:t>
-            </a:r>
-            <a:r>
-              <a:rPr lang="es-PE" dirty="0" smtClean="0">
-                <a:solidFill>
-                  <a:srgbClr val="00B050"/>
-                </a:solidFill>
-              </a:rPr>
-              <a:t>cuatro</a:t>
-            </a:r>
-            <a:r>
-              <a:rPr lang="es-PE" dirty="0" smtClean="0"/>
-              <a:t> grandes interrogantes:</a:t>
-            </a:r>
-          </a:p>
-          <a:p>
+            <a:pPr algn="ctr"/>
+            <a:r>
+              <a:rPr lang="es-PE" dirty="0" err="1" smtClean="0"/>
+              <a:t>Cognition</a:t>
+            </a:r>
+            <a:r>
+              <a:rPr lang="es-PE" dirty="0" smtClean="0"/>
+              <a:t>                                 </a:t>
+            </a:r>
+            <a:r>
+              <a:rPr lang="es-PE" dirty="0" err="1" smtClean="0"/>
+              <a:t>Feeling</a:t>
+            </a:r>
+            <a:r>
+              <a:rPr lang="es-PE" dirty="0" smtClean="0"/>
+              <a:t>                              </a:t>
+            </a:r>
+            <a:r>
+              <a:rPr lang="es-PE" dirty="0" err="1" smtClean="0"/>
+              <a:t>Desire</a:t>
+            </a:r>
             <a:endParaRPr lang="es-PE" dirty="0" smtClean="0"/>
           </a:p>
           <a:p>
-            <a:endParaRPr lang="es-PE" dirty="0" smtClean="0"/>
-          </a:p>
-          <a:p>
             <a:endParaRPr lang="es-PE" dirty="0"/>
           </a:p>
           <a:p>
-            <a:endParaRPr lang="es-PE" dirty="0" smtClean="0"/>
-          </a:p>
-          <a:p>
             <a:endParaRPr lang="es-PE" dirty="0"/>
           </a:p>
-          <a:p>
-            <a:endParaRPr lang="es-PE" dirty="0" smtClean="0"/>
-          </a:p>
-          <a:p>
+        </p:txBody>
+      </p:sp>
+      <p:sp>
+        <p:nvSpPr>
+          <p:cNvPr id="8" name="CuadroTexto 7"/>
+          <p:cNvSpPr txBox="1"/>
+          <p:nvPr/>
+        </p:nvSpPr>
+        <p:spPr>
+          <a:xfrm>
+            <a:off x="793794" y="692696"/>
+            <a:ext cx="7920880" cy="369332"/>
+          </a:xfrm>
+          <a:prstGeom prst="rect">
+            <a:avLst/>
+          </a:prstGeom>
+          <a:noFill/>
+        </p:spPr>
+        <p:txBody>
+          <a:bodyPr wrap="square" rtlCol="0">
+            <a:spAutoFit/>
+          </a:bodyPr>
+          <a:lstStyle/>
+          <a:p>
+            <a:r>
+              <a:rPr lang="es-PE" dirty="0" smtClean="0"/>
+              <a:t>Algunos autores americanos separan los intereses de Kant en estas tres facultades. </a:t>
+            </a:r>
             <a:endParaRPr lang="es-PE" dirty="0"/>
           </a:p>
-          <a:p>
+        </p:txBody>
+      </p:sp>
+      <p:sp>
+        <p:nvSpPr>
+          <p:cNvPr id="10" name="CuadroTexto 9"/>
+          <p:cNvSpPr txBox="1"/>
+          <p:nvPr/>
+        </p:nvSpPr>
+        <p:spPr>
+          <a:xfrm>
+            <a:off x="1367644" y="2868907"/>
+            <a:ext cx="4068452" cy="646331"/>
+          </a:xfrm>
+          <a:prstGeom prst="rect">
+            <a:avLst/>
+          </a:prstGeom>
+          <a:noFill/>
+        </p:spPr>
+        <p:txBody>
+          <a:bodyPr wrap="square" rtlCol="0">
+            <a:spAutoFit/>
+          </a:bodyPr>
+          <a:lstStyle/>
+          <a:p>
+            <a:pPr algn="ctr"/>
+            <a:r>
+              <a:rPr lang="es-PE" dirty="0" smtClean="0"/>
+              <a:t>Campo de la Razón Teórica</a:t>
+            </a:r>
             <a:endParaRPr lang="es-PE" dirty="0"/>
           </a:p>
           <a:p>
             <a:endParaRPr lang="es-PE" dirty="0"/>
           </a:p>
-          <a:p>
-            <a:pPr marL="285750" indent="-285750">
-              <a:buFontTx/>
-              <a:buChar char="-"/>
-            </a:pPr>
-            <a:r>
-              <a:rPr lang="es-PE" dirty="0" smtClean="0"/>
-              <a:t>¿Qué puedo </a:t>
-            </a:r>
-            <a:r>
-              <a:rPr lang="es-PE" dirty="0" smtClean="0">
-                <a:solidFill>
-                  <a:srgbClr val="00B050"/>
-                </a:solidFill>
-              </a:rPr>
-              <a:t>conocer</a:t>
-            </a:r>
-            <a:r>
-              <a:rPr lang="es-PE" dirty="0" smtClean="0"/>
-              <a:t>?                                    (Campo de la Metafísica y 						epistemología)</a:t>
-            </a:r>
-          </a:p>
-          <a:p>
-            <a:endParaRPr lang="es-PE" dirty="0" smtClean="0"/>
-          </a:p>
-          <a:p>
-            <a:pPr marL="285750" indent="-285750">
-              <a:buFontTx/>
-              <a:buChar char="-"/>
-            </a:pPr>
+        </p:txBody>
+      </p:sp>
+      <p:sp>
+        <p:nvSpPr>
+          <p:cNvPr id="11" name="CuadroTexto 10"/>
+          <p:cNvSpPr txBox="1"/>
+          <p:nvPr/>
+        </p:nvSpPr>
+        <p:spPr>
+          <a:xfrm>
+            <a:off x="4463988" y="2870542"/>
+            <a:ext cx="4068452" cy="646331"/>
+          </a:xfrm>
+          <a:prstGeom prst="rect">
+            <a:avLst/>
+          </a:prstGeom>
+          <a:noFill/>
+        </p:spPr>
+        <p:txBody>
+          <a:bodyPr wrap="square" rtlCol="0">
+            <a:spAutoFit/>
+          </a:bodyPr>
+          <a:lstStyle/>
+          <a:p>
+            <a:pPr algn="ctr"/>
+            <a:r>
+              <a:rPr lang="es-PE" dirty="0" smtClean="0"/>
+              <a:t>Campo de la Razón Práctica</a:t>
+            </a:r>
             <a:endParaRPr lang="es-PE" dirty="0"/>
           </a:p>
           <a:p>
-            <a:pPr marL="285750" indent="-285750">
-              <a:buFontTx/>
-              <a:buChar char="-"/>
-            </a:pPr>
-            <a:r>
-              <a:rPr lang="es-PE" dirty="0" smtClean="0"/>
-              <a:t>¿</a:t>
-            </a:r>
-            <a:r>
-              <a:rPr lang="es-PE" dirty="0"/>
-              <a:t>Qué </a:t>
-            </a:r>
-            <a:r>
-              <a:rPr lang="es-PE" dirty="0" smtClean="0"/>
-              <a:t>debo </a:t>
-            </a:r>
-            <a:r>
-              <a:rPr lang="es-PE" dirty="0" smtClean="0">
-                <a:solidFill>
-                  <a:srgbClr val="00B050"/>
-                </a:solidFill>
-              </a:rPr>
-              <a:t>hacer</a:t>
-            </a:r>
-            <a:r>
-              <a:rPr lang="es-PE" dirty="0" smtClean="0"/>
-              <a:t>?		          </a:t>
-            </a:r>
-            <a:r>
-              <a:rPr lang="es-PE" dirty="0"/>
-              <a:t>(Campo de la </a:t>
-            </a:r>
-            <a:r>
-              <a:rPr lang="es-PE" dirty="0" smtClean="0"/>
-              <a:t>Moral)</a:t>
-            </a:r>
             <a:endParaRPr lang="es-PE" dirty="0"/>
           </a:p>
-          <a:p>
-            <a:pPr marL="285750" indent="-285750">
-              <a:buFontTx/>
-              <a:buChar char="-"/>
-            </a:pPr>
-            <a:endParaRPr lang="es-PE" dirty="0" smtClean="0"/>
-          </a:p>
-          <a:p>
-            <a:pPr marL="285750" indent="-285750">
-              <a:buFontTx/>
-              <a:buChar char="-"/>
-            </a:pPr>
-            <a:endParaRPr lang="es-PE" dirty="0"/>
-          </a:p>
-          <a:p>
-            <a:pPr marL="285750" indent="-285750">
-              <a:buFontTx/>
-              <a:buChar char="-"/>
-            </a:pPr>
-            <a:r>
-              <a:rPr lang="es-PE" dirty="0" smtClean="0"/>
-              <a:t>¿</a:t>
-            </a:r>
-            <a:r>
-              <a:rPr lang="es-PE" dirty="0"/>
-              <a:t>Qué puedo </a:t>
-            </a:r>
-            <a:r>
-              <a:rPr lang="es-PE" dirty="0" smtClean="0">
-                <a:solidFill>
-                  <a:srgbClr val="00B050"/>
-                </a:solidFill>
-              </a:rPr>
-              <a:t>esperar</a:t>
-            </a:r>
-            <a:r>
-              <a:rPr lang="es-PE" dirty="0" smtClean="0"/>
-              <a:t>?		          </a:t>
-            </a:r>
-            <a:r>
-              <a:rPr lang="es-PE" dirty="0"/>
-              <a:t>(Campo de la </a:t>
-            </a:r>
-            <a:r>
-              <a:rPr lang="es-PE" dirty="0" smtClean="0"/>
-              <a:t>Religión)</a:t>
-            </a:r>
-            <a:endParaRPr lang="es-PE" dirty="0"/>
-          </a:p>
-          <a:p>
-            <a:pPr marL="285750" indent="-285750">
-              <a:buFontTx/>
-              <a:buChar char="-"/>
-            </a:pPr>
-            <a:endParaRPr lang="es-PE" dirty="0" smtClean="0"/>
-          </a:p>
-          <a:p>
-            <a:pPr marL="285750" indent="-285750">
-              <a:buFontTx/>
-              <a:buChar char="-"/>
-            </a:pPr>
-            <a:endParaRPr lang="es-PE" dirty="0"/>
-          </a:p>
-          <a:p>
-            <a:pPr marL="285750" indent="-285750">
-              <a:buFontTx/>
-              <a:buChar char="-"/>
-            </a:pPr>
-            <a:r>
-              <a:rPr lang="es-PE" dirty="0" smtClean="0"/>
-              <a:t>¿</a:t>
-            </a:r>
-            <a:r>
-              <a:rPr lang="es-PE" dirty="0"/>
-              <a:t>Qué </a:t>
-            </a:r>
-            <a:r>
-              <a:rPr lang="es-PE" dirty="0" smtClean="0"/>
-              <a:t>es el ser </a:t>
-            </a:r>
-            <a:r>
-              <a:rPr lang="es-PE" dirty="0" smtClean="0">
-                <a:solidFill>
-                  <a:srgbClr val="00B050"/>
-                </a:solidFill>
-              </a:rPr>
-              <a:t>humano</a:t>
-            </a:r>
-            <a:r>
-              <a:rPr lang="es-PE" dirty="0" smtClean="0"/>
-              <a:t>?                                </a:t>
-            </a:r>
-            <a:r>
-              <a:rPr lang="es-PE" dirty="0"/>
-              <a:t>(Campo de la </a:t>
-            </a:r>
-            <a:r>
-              <a:rPr lang="es-PE" dirty="0" smtClean="0"/>
-              <a:t>Antropología)</a:t>
-            </a:r>
-            <a:endParaRPr lang="es-PE" dirty="0"/>
-          </a:p>
-          <a:p>
-            <a:endParaRPr lang="es-PE" dirty="0"/>
-          </a:p>
-        </p:txBody>
-      </p:sp>
-      <p:sp>
-        <p:nvSpPr>
-          <p:cNvPr id="17" name="Flecha derecha 16"/>
+        </p:txBody>
+      </p:sp>
+      <p:cxnSp>
+        <p:nvCxnSpPr>
+          <p:cNvPr id="12" name="Conector recto de flecha 11"/>
+          <p:cNvCxnSpPr>
+            <a:stCxn id="10" idx="0"/>
+          </p:cNvCxnSpPr>
+          <p:nvPr/>
+        </p:nvCxnSpPr>
+        <p:spPr>
+          <a:xfrm flipH="1" flipV="1">
+            <a:off x="2591780" y="2348880"/>
+            <a:ext cx="810090" cy="520027"/>
+          </a:xfrm>
+          <a:prstGeom prst="straightConnector1">
+            <a:avLst/>
+          </a:prstGeom>
+          <a:ln>
+            <a:tailEnd type="triangle"/>
+          </a:ln>
+        </p:spPr>
+        <p:style>
+          <a:lnRef idx="1">
+            <a:schemeClr val="accent1"/>
+          </a:lnRef>
+          <a:fillRef idx="0">
+            <a:schemeClr val="accent1"/>
+          </a:fillRef>
+          <a:effectRef idx="0">
+            <a:schemeClr val="accent1"/>
+          </a:effectRef>
+          <a:fontRef idx="minor">
+            <a:schemeClr val="tx1"/>
+          </a:fontRef>
+        </p:style>
+      </p:cxnSp>
+      <p:cxnSp>
+        <p:nvCxnSpPr>
+          <p:cNvPr id="14" name="Conector recto de flecha 13"/>
+          <p:cNvCxnSpPr>
+            <a:stCxn id="10" idx="0"/>
+          </p:cNvCxnSpPr>
+          <p:nvPr/>
+        </p:nvCxnSpPr>
+        <p:spPr>
+          <a:xfrm flipV="1">
+            <a:off x="3401870" y="2348880"/>
+            <a:ext cx="1014899" cy="520027"/>
+          </a:xfrm>
+          <a:prstGeom prst="straightConnector1">
+            <a:avLst/>
+          </a:prstGeom>
+          <a:ln>
+            <a:tailEnd type="triangle"/>
+          </a:ln>
+        </p:spPr>
+        <p:style>
+          <a:lnRef idx="1">
+            <a:schemeClr val="accent1"/>
+          </a:lnRef>
+          <a:fillRef idx="0">
+            <a:schemeClr val="accent1"/>
+          </a:fillRef>
+          <a:effectRef idx="0">
+            <a:schemeClr val="accent1"/>
+          </a:effectRef>
+          <a:fontRef idx="minor">
+            <a:schemeClr val="tx1"/>
+          </a:fontRef>
+        </p:style>
+      </p:cxnSp>
+      <p:cxnSp>
+        <p:nvCxnSpPr>
+          <p:cNvPr id="16" name="Conector recto de flecha 15"/>
+          <p:cNvCxnSpPr/>
+          <p:nvPr/>
+        </p:nvCxnSpPr>
+        <p:spPr>
+          <a:xfrm flipV="1">
+            <a:off x="6660232" y="2194160"/>
+            <a:ext cx="180020" cy="615520"/>
+          </a:xfrm>
+          <a:prstGeom prst="straightConnector1">
+            <a:avLst/>
+          </a:prstGeom>
+          <a:ln>
+            <a:tailEnd type="triangle"/>
+          </a:ln>
+        </p:spPr>
+        <p:style>
+          <a:lnRef idx="1">
+            <a:schemeClr val="accent1"/>
+          </a:lnRef>
+          <a:fillRef idx="0">
+            <a:schemeClr val="accent1"/>
+          </a:fillRef>
+          <a:effectRef idx="0">
+            <a:schemeClr val="accent1"/>
+          </a:effectRef>
+          <a:fontRef idx="minor">
+            <a:schemeClr val="tx1"/>
+          </a:fontRef>
+        </p:style>
+      </p:cxnSp>
+      <p:sp>
+        <p:nvSpPr>
+          <p:cNvPr id="2" name="Rectángulo 1"/>
           <p:cNvSpPr/>
           <p:nvPr/>
         </p:nvSpPr>
         <p:spPr>
           <a:xfrm>
-            <a:off x="3644102" y="5037868"/>
-            <a:ext cx="1224136" cy="216024"/>
-          </a:xfrm>
-          <a:prstGeom prst="rightArrow">
+            <a:off x="1655676" y="1699173"/>
+            <a:ext cx="1152128" cy="463300"/>
+          </a:xfrm>
+          <a:prstGeom prst="rect">
             <a:avLst/>
           </a:prstGeom>
           <a:noFill/>
@@ -4947,12 +4584,7 @@
           </a:fontRef>
         </p:style>
         <p:txBody>
-          <a:bodyPr rot="0" spcFirstLastPara="0" vertOverflow="overflow" horzOverflow="overflow" vert="horz" wrap="square" lIns="91440" tIns="45720" rIns="91440" bIns="45720" numCol="1" spcCol="0" rtlCol="0" fromWordArt="0" anchor="ctr" anchorCtr="0" forceAA="0" compatLnSpc="1">
-            <a:prstTxWarp prst="textNoShape">
-              <a:avLst/>
-            </a:prstTxWarp>
-            <a:noAutofit/>
-          </a:bodyPr>
+          <a:bodyPr rtlCol="0" anchor="ctr"/>
           <a:lstStyle/>
           <a:p>
             <a:pPr algn="ctr"/>
@@ -4962,16 +4594,16 @@
       </p:sp>
       <p:sp>
         <p:nvSpPr>
-          <p:cNvPr id="19" name="Flecha derecha 18"/>
+          <p:cNvPr id="13" name="Rectángulo 12"/>
           <p:cNvSpPr/>
           <p:nvPr/>
         </p:nvSpPr>
         <p:spPr>
           <a:xfrm>
-            <a:off x="3644102" y="5787857"/>
-            <a:ext cx="1224136" cy="216024"/>
-          </a:xfrm>
-          <a:prstGeom prst="rightArrow">
+            <a:off x="4142166" y="1699173"/>
+            <a:ext cx="1152128" cy="463300"/>
+          </a:xfrm>
+          <a:prstGeom prst="rect">
             <a:avLst/>
           </a:prstGeom>
           <a:noFill/>
@@ -4998,12 +4630,7 @@
           </a:fontRef>
         </p:style>
         <p:txBody>
-          <a:bodyPr rot="0" spcFirstLastPara="0" vertOverflow="overflow" horzOverflow="overflow" vert="horz" wrap="square" lIns="91440" tIns="45720" rIns="91440" bIns="45720" numCol="1" spcCol="0" rtlCol="0" fromWordArt="0" anchor="ctr" anchorCtr="0" forceAA="0" compatLnSpc="1">
-            <a:prstTxWarp prst="textNoShape">
-              <a:avLst/>
-            </a:prstTxWarp>
-            <a:noAutofit/>
-          </a:bodyPr>
+          <a:bodyPr rtlCol="0" anchor="ctr"/>
           <a:lstStyle/>
           <a:p>
             <a:pPr algn="ctr"/>
@@ -5013,16 +4640,16 @@
       </p:sp>
       <p:sp>
         <p:nvSpPr>
-          <p:cNvPr id="20" name="Flecha derecha 19"/>
+          <p:cNvPr id="15" name="Rectángulo 14"/>
           <p:cNvSpPr/>
           <p:nvPr/>
         </p:nvSpPr>
         <p:spPr>
           <a:xfrm>
-            <a:off x="3674546" y="3358951"/>
-            <a:ext cx="1224136" cy="216024"/>
-          </a:xfrm>
-          <a:prstGeom prst="rightArrow">
+            <a:off x="6309193" y="1699173"/>
+            <a:ext cx="1152128" cy="463300"/>
+          </a:xfrm>
+          <a:prstGeom prst="rect">
             <a:avLst/>
           </a:prstGeom>
           <a:noFill/>
@@ -5049,12 +4676,7 @@
           </a:fontRef>
         </p:style>
         <p:txBody>
-          <a:bodyPr rot="0" spcFirstLastPara="0" vertOverflow="overflow" horzOverflow="overflow" vert="horz" wrap="square" lIns="91440" tIns="45720" rIns="91440" bIns="45720" numCol="1" spcCol="0" rtlCol="0" fromWordArt="0" anchor="ctr" anchorCtr="0" forceAA="0" compatLnSpc="1">
-            <a:prstTxWarp prst="textNoShape">
-              <a:avLst/>
-            </a:prstTxWarp>
-            <a:noAutofit/>
-          </a:bodyPr>
+          <a:bodyPr rtlCol="0" anchor="ctr"/>
           <a:lstStyle/>
           <a:p>
             <a:pPr algn="ctr"/>
@@ -5064,58 +4686,163 @@
       </p:sp>
       <p:sp>
         <p:nvSpPr>
-          <p:cNvPr id="21" name="Flecha derecha 20"/>
-          <p:cNvSpPr/>
-          <p:nvPr/>
-        </p:nvSpPr>
-        <p:spPr>
-          <a:xfrm>
-            <a:off x="3674546" y="4209994"/>
-            <a:ext cx="1224136" cy="216024"/>
-          </a:xfrm>
-          <a:prstGeom prst="rightArrow">
+          <p:cNvPr id="17" name="CuadroTexto 16"/>
+          <p:cNvSpPr txBox="1"/>
+          <p:nvPr/>
+        </p:nvSpPr>
+        <p:spPr>
+          <a:xfrm>
+            <a:off x="1187624" y="4382347"/>
+            <a:ext cx="6552728" cy="923330"/>
+          </a:xfrm>
+          <a:prstGeom prst="rect">
             <a:avLst/>
           </a:prstGeom>
           <a:noFill/>
-          <a:ln w="38100">
+        </p:spPr>
+        <p:txBody>
+          <a:bodyPr wrap="square" rtlCol="0">
+            <a:spAutoFit/>
+          </a:bodyPr>
+          <a:lstStyle/>
+          <a:p>
+            <a:pPr algn="ctr"/>
+            <a:r>
+              <a:rPr lang="es-PE" dirty="0" smtClean="0">
+                <a:solidFill>
+                  <a:srgbClr val="00B050"/>
+                </a:solidFill>
+              </a:rPr>
+              <a:t>Entendimiento                          Sensibilidad                           Voluntad</a:t>
+            </a:r>
+          </a:p>
+          <a:p>
+            <a:endParaRPr lang="es-PE" dirty="0">
+              <a:solidFill>
+                <a:srgbClr val="00B050"/>
+              </a:solidFill>
+            </a:endParaRPr>
+          </a:p>
+          <a:p>
+            <a:endParaRPr lang="es-PE" dirty="0">
+              <a:solidFill>
+                <a:srgbClr val="00B050"/>
+              </a:solidFill>
+            </a:endParaRPr>
+          </a:p>
+        </p:txBody>
+      </p:sp>
+      <p:cxnSp>
+        <p:nvCxnSpPr>
+          <p:cNvPr id="9" name="Conector recto de flecha 8"/>
+          <p:cNvCxnSpPr/>
+          <p:nvPr/>
+        </p:nvCxnSpPr>
+        <p:spPr>
+          <a:xfrm flipH="1">
+            <a:off x="1871700" y="2348880"/>
+            <a:ext cx="144016" cy="1939216"/>
+          </a:xfrm>
+          <a:prstGeom prst="straightConnector1">
+            <a:avLst/>
+          </a:prstGeom>
+          <a:ln>
             <a:solidFill>
-              <a:srgbClr val="FF0000"/>
+              <a:srgbClr val="92D050"/>
             </a:solidFill>
+            <a:tailEnd type="triangle"/>
           </a:ln>
         </p:spPr>
         <p:style>
-          <a:lnRef idx="2">
-            <a:schemeClr val="accent1">
-              <a:shade val="50000"/>
-            </a:schemeClr>
+          <a:lnRef idx="1">
+            <a:schemeClr val="accent1"/>
           </a:lnRef>
-          <a:fillRef idx="1">
+          <a:fillRef idx="0">
             <a:schemeClr val="accent1"/>
           </a:fillRef>
           <a:effectRef idx="0">
             <a:schemeClr val="accent1"/>
           </a:effectRef>
           <a:fontRef idx="minor">
-            <a:schemeClr val="lt1"/>
+            <a:schemeClr val="tx1"/>
           </a:fontRef>
         </p:style>
-        <p:txBody>
-          <a:bodyPr rot="0" spcFirstLastPara="0" vertOverflow="overflow" horzOverflow="overflow" vert="horz" wrap="square" lIns="91440" tIns="45720" rIns="91440" bIns="45720" numCol="1" spcCol="0" rtlCol="0" fromWordArt="0" anchor="ctr" anchorCtr="0" forceAA="0" compatLnSpc="1">
-            <a:prstTxWarp prst="textNoShape">
-              <a:avLst/>
-            </a:prstTxWarp>
-            <a:noAutofit/>
-          </a:bodyPr>
-          <a:lstStyle/>
-          <a:p>
-            <a:pPr algn="ctr"/>
-            <a:endParaRPr lang="es-PE"/>
-          </a:p>
-        </p:txBody>
-      </p:sp>
+      </p:cxnSp>
+      <p:cxnSp>
+        <p:nvCxnSpPr>
+          <p:cNvPr id="18" name="Conector recto de flecha 17"/>
+          <p:cNvCxnSpPr/>
+          <p:nvPr/>
+        </p:nvCxnSpPr>
+        <p:spPr>
+          <a:xfrm flipH="1">
+            <a:off x="6930262" y="2348880"/>
+            <a:ext cx="144016" cy="1939216"/>
+          </a:xfrm>
+          <a:prstGeom prst="straightConnector1">
+            <a:avLst/>
+          </a:prstGeom>
+          <a:ln>
+            <a:solidFill>
+              <a:srgbClr val="92D050"/>
+            </a:solidFill>
+            <a:tailEnd type="triangle"/>
+          </a:ln>
+        </p:spPr>
+        <p:style>
+          <a:lnRef idx="1">
+            <a:schemeClr val="accent1"/>
+          </a:lnRef>
+          <a:fillRef idx="0">
+            <a:schemeClr val="accent1"/>
+          </a:fillRef>
+          <a:effectRef idx="0">
+            <a:schemeClr val="accent1"/>
+          </a:effectRef>
+          <a:fontRef idx="minor">
+            <a:schemeClr val="tx1"/>
+          </a:fontRef>
+        </p:style>
+      </p:cxnSp>
+      <p:cxnSp>
+        <p:nvCxnSpPr>
+          <p:cNvPr id="19" name="Conector recto de flecha 18"/>
+          <p:cNvCxnSpPr/>
+          <p:nvPr/>
+        </p:nvCxnSpPr>
+        <p:spPr>
+          <a:xfrm flipH="1">
+            <a:off x="4770378" y="2349624"/>
+            <a:ext cx="144016" cy="1939216"/>
+          </a:xfrm>
+          <a:prstGeom prst="straightConnector1">
+            <a:avLst/>
+          </a:prstGeom>
+          <a:ln>
+            <a:solidFill>
+              <a:srgbClr val="92D050"/>
+            </a:solidFill>
+            <a:tailEnd type="triangle"/>
+          </a:ln>
+        </p:spPr>
+        <p:style>
+          <a:lnRef idx="1">
+            <a:schemeClr val="accent1"/>
+          </a:lnRef>
+          <a:fillRef idx="0">
+            <a:schemeClr val="accent1"/>
+          </a:fillRef>
+          <a:effectRef idx="0">
+            <a:schemeClr val="accent1"/>
+          </a:effectRef>
+          <a:fontRef idx="minor">
+            <a:schemeClr val="tx1"/>
+          </a:fontRef>
+        </p:style>
+      </p:cxnSp>
       <p:pic>
         <p:nvPicPr>
-          <p:cNvPr id="22" name="Imagen 21"/>
+          <p:cNvPr id="20" name="Imagen 19"/>
           <p:cNvPicPr>
             <a:picLocks noChangeAspect="1"/>
           </p:cNvPicPr>
@@ -5129,8 +4856,32 @@
         </p:blipFill>
         <p:spPr>
           <a:xfrm>
-            <a:off x="2123728" y="1058198"/>
-            <a:ext cx="4752528" cy="1983243"/>
+            <a:off x="2257264" y="5399184"/>
+            <a:ext cx="4791506" cy="1282485"/>
+          </a:xfrm>
+          <a:prstGeom prst="rect">
+            <a:avLst/>
+          </a:prstGeom>
+        </p:spPr>
+      </p:pic>
+      <p:pic>
+        <p:nvPicPr>
+          <p:cNvPr id="21" name="Imagen 20"/>
+          <p:cNvPicPr>
+            <a:picLocks noChangeAspect="1"/>
+          </p:cNvPicPr>
+          <p:nvPr/>
+        </p:nvPicPr>
+        <p:blipFill>
+          <a:blip r:embed="rId3"/>
+          <a:stretch>
+            <a:fillRect/>
+          </a:stretch>
+        </p:blipFill>
+        <p:spPr>
+          <a:xfrm>
+            <a:off x="1256624" y="5410884"/>
+            <a:ext cx="1000640" cy="1259083"/>
           </a:xfrm>
           <a:prstGeom prst="rect">
             <a:avLst/>
@@ -5140,7 +4891,7 @@
     </p:spTree>
     <p:extLst>
       <p:ext uri="{BB962C8B-B14F-4D97-AF65-F5344CB8AC3E}">
-        <p14:creationId xmlns:p14="http://schemas.microsoft.com/office/powerpoint/2010/main" val="2460636803"/>
+        <p14:creationId xmlns:p14="http://schemas.microsoft.com/office/powerpoint/2010/main" val="1596985660"/>
       </p:ext>
     </p:extLst>
   </p:cSld>
@@ -5176,14 +4927,14 @@
       </p:grpSpPr>
       <p:sp>
         <p:nvSpPr>
-          <p:cNvPr id="4" name="3 CuadroTexto"/>
+          <p:cNvPr id="8" name="CuadroTexto 7"/>
           <p:cNvSpPr txBox="1"/>
           <p:nvPr/>
         </p:nvSpPr>
         <p:spPr>
           <a:xfrm>
-            <a:off x="357158" y="357166"/>
-            <a:ext cx="8429684" cy="954107"/>
+            <a:off x="899592" y="244770"/>
+            <a:ext cx="7920880" cy="6463308"/>
           </a:xfrm>
           <a:prstGeom prst="rect">
             <a:avLst/>
@@ -5197,280 +4948,239 @@
           <a:lstStyle/>
           <a:p>
             <a:r>
-              <a:rPr lang="es-PE" sz="2800" dirty="0" smtClean="0"/>
-              <a:t>El pensamiento de Kant se ocupa en parte de la Filosofía </a:t>
-            </a:r>
-            <a:r>
-              <a:rPr lang="es-PE" sz="2800" dirty="0" smtClean="0">
+              <a:rPr lang="es-PE" dirty="0" smtClean="0"/>
+              <a:t>Otros especialistas indican que en la obra de Kant se busca responder a </a:t>
+            </a:r>
+            <a:r>
+              <a:rPr lang="es-PE" dirty="0" smtClean="0">
                 <a:solidFill>
                   <a:srgbClr val="00B050"/>
                 </a:solidFill>
               </a:rPr>
-              <a:t>Práctica</a:t>
-            </a:r>
-            <a:r>
-              <a:rPr lang="es-PE" sz="2800" dirty="0" smtClean="0"/>
-              <a:t>.</a:t>
-            </a:r>
-            <a:endParaRPr lang="es-PE" sz="2800" dirty="0"/>
-          </a:p>
-        </p:txBody>
-      </p:sp>
-      <p:pic>
-        <p:nvPicPr>
-          <p:cNvPr id="3073" name="Picture 1"/>
-          <p:cNvPicPr>
-            <a:picLocks noChangeAspect="1" noChangeArrowheads="1"/>
-          </p:cNvPicPr>
-          <p:nvPr/>
-        </p:nvPicPr>
-        <p:blipFill>
-          <a:blip r:embed="rId2"/>
-          <a:srcRect/>
-          <a:stretch>
-            <a:fillRect/>
-          </a:stretch>
-        </p:blipFill>
-        <p:spPr bwMode="auto">
-          <a:xfrm>
-            <a:off x="3428992" y="1000109"/>
-            <a:ext cx="4929222" cy="1785950"/>
-          </a:xfrm>
-          <a:prstGeom prst="rect">
-            <a:avLst/>
-          </a:prstGeom>
-          <a:noFill/>
-          <a:ln w="9525">
-            <a:noFill/>
-            <a:miter lim="800000"/>
-            <a:headEnd/>
-            <a:tailEnd/>
-          </a:ln>
-          <a:effectLst/>
-        </p:spPr>
-      </p:pic>
-      <p:sp>
-        <p:nvSpPr>
-          <p:cNvPr id="7" name="6 CuadroTexto"/>
-          <p:cNvSpPr txBox="1"/>
-          <p:nvPr/>
-        </p:nvSpPr>
-        <p:spPr>
-          <a:xfrm>
-            <a:off x="494605" y="2771412"/>
-            <a:ext cx="8358246" cy="2923877"/>
-          </a:xfrm>
-          <a:prstGeom prst="rect">
-            <a:avLst/>
-          </a:prstGeom>
-          <a:noFill/>
-        </p:spPr>
-        <p:txBody>
-          <a:bodyPr wrap="square" rtlCol="0">
-            <a:spAutoFit/>
-          </a:bodyPr>
-          <a:lstStyle/>
-          <a:p>
-            <a:pPr algn="just"/>
-            <a:r>
-              <a:rPr lang="es-PE" sz="1600" dirty="0" smtClean="0"/>
-              <a:t>Pero también se ocupa de la epistemología. La </a:t>
-            </a:r>
-            <a:r>
-              <a:rPr lang="es-PE" sz="1600" dirty="0" smtClean="0">
+              <a:t>cuatro</a:t>
+            </a:r>
+            <a:r>
+              <a:rPr lang="es-PE" dirty="0" smtClean="0"/>
+              <a:t> grandes interrogantes:</a:t>
+            </a:r>
+          </a:p>
+          <a:p>
+            <a:endParaRPr lang="es-PE" dirty="0" smtClean="0"/>
+          </a:p>
+          <a:p>
+            <a:endParaRPr lang="es-PE" dirty="0" smtClean="0"/>
+          </a:p>
+          <a:p>
+            <a:endParaRPr lang="es-PE" dirty="0"/>
+          </a:p>
+          <a:p>
+            <a:endParaRPr lang="es-PE" dirty="0" smtClean="0"/>
+          </a:p>
+          <a:p>
+            <a:endParaRPr lang="es-PE" dirty="0"/>
+          </a:p>
+          <a:p>
+            <a:endParaRPr lang="es-PE" dirty="0" smtClean="0"/>
+          </a:p>
+          <a:p>
+            <a:endParaRPr lang="es-PE" dirty="0"/>
+          </a:p>
+          <a:p>
+            <a:endParaRPr lang="es-PE" dirty="0"/>
+          </a:p>
+          <a:p>
+            <a:endParaRPr lang="es-PE" dirty="0"/>
+          </a:p>
+          <a:p>
+            <a:pPr marL="285750" indent="-285750">
+              <a:buFontTx/>
+              <a:buChar char="-"/>
+            </a:pPr>
+            <a:r>
+              <a:rPr lang="es-PE" dirty="0" smtClean="0"/>
+              <a:t>¿Qué puedo </a:t>
+            </a:r>
+            <a:r>
+              <a:rPr lang="es-PE" dirty="0" smtClean="0">
                 <a:solidFill>
                   <a:srgbClr val="00B050"/>
                 </a:solidFill>
               </a:rPr>
-              <a:t>razón</a:t>
-            </a:r>
-            <a:r>
-              <a:rPr lang="es-PE" sz="1600" dirty="0" smtClean="0"/>
-              <a:t> </a:t>
-            </a:r>
-            <a:r>
-              <a:rPr lang="es-PE" sz="1600" dirty="0" smtClean="0">
+              <a:t>conocer</a:t>
+            </a:r>
+            <a:r>
+              <a:rPr lang="es-PE" dirty="0" smtClean="0"/>
+              <a:t>?                                    (Campo de la Metafísica y 						epistemología)</a:t>
+            </a:r>
+          </a:p>
+          <a:p>
+            <a:endParaRPr lang="es-PE" dirty="0" smtClean="0"/>
+          </a:p>
+          <a:p>
+            <a:pPr marL="285750" indent="-285750">
+              <a:buFontTx/>
+              <a:buChar char="-"/>
+            </a:pPr>
+            <a:endParaRPr lang="es-PE" dirty="0"/>
+          </a:p>
+          <a:p>
+            <a:pPr marL="285750" indent="-285750">
+              <a:buFontTx/>
+              <a:buChar char="-"/>
+            </a:pPr>
+            <a:r>
+              <a:rPr lang="es-PE" dirty="0" smtClean="0"/>
+              <a:t>¿</a:t>
+            </a:r>
+            <a:r>
+              <a:rPr lang="es-PE" dirty="0"/>
+              <a:t>Qué </a:t>
+            </a:r>
+            <a:r>
+              <a:rPr lang="es-PE" dirty="0" smtClean="0"/>
+              <a:t>debo </a:t>
+            </a:r>
+            <a:r>
+              <a:rPr lang="es-PE" dirty="0" smtClean="0">
                 <a:solidFill>
                   <a:srgbClr val="00B050"/>
                 </a:solidFill>
               </a:rPr>
-              <a:t>teórica</a:t>
-            </a:r>
-            <a:r>
-              <a:rPr lang="es-PE" sz="1600" dirty="0" smtClean="0"/>
-              <a:t> se ocupa del conocimiento de la realidad, y más precisamente, de las estructuras mediante las cuáles conocemos. </a:t>
-            </a:r>
-          </a:p>
-          <a:p>
-            <a:endParaRPr lang="es-PE" sz="1600" dirty="0"/>
-          </a:p>
-          <a:p>
-            <a:pPr algn="just"/>
-            <a:r>
-              <a:rPr lang="es-PE" sz="1600" dirty="0" smtClean="0"/>
-              <a:t>El proyecto de Kant es conocido como filosofía </a:t>
-            </a:r>
-            <a:r>
-              <a:rPr lang="es-PE" sz="1600" dirty="0" smtClean="0">
-                <a:solidFill>
-                  <a:srgbClr val="FF0000"/>
-                </a:solidFill>
-              </a:rPr>
-              <a:t>crítica</a:t>
-            </a:r>
-            <a:r>
-              <a:rPr lang="es-PE" sz="1600" dirty="0" smtClean="0"/>
-              <a:t>. </a:t>
-            </a:r>
-            <a:r>
-              <a:rPr lang="es-PE" sz="2000" dirty="0" smtClean="0">
-                <a:solidFill>
-                  <a:schemeClr val="tx2">
-                    <a:lumMod val="60000"/>
-                    <a:lumOff val="40000"/>
-                  </a:schemeClr>
-                </a:solidFill>
-              </a:rPr>
-              <a:t>Supone una crítica a la razón misma</a:t>
-            </a:r>
-            <a:r>
-              <a:rPr lang="es-PE" sz="1600" dirty="0" smtClean="0"/>
-              <a:t>. La razón se critica a sí misma para saber qué puede conocer legítimamente y qué no. (Límites de la razón).</a:t>
-            </a:r>
-          </a:p>
-          <a:p>
-            <a:pPr algn="just"/>
-            <a:endParaRPr lang="es-PE" sz="1600" dirty="0"/>
-          </a:p>
-          <a:p>
-            <a:pPr algn="just"/>
-            <a:r>
-              <a:rPr lang="es-PE" sz="1600" dirty="0" smtClean="0"/>
-              <a:t> Estas siguientes ideas son ejemplos de lo que </a:t>
-            </a:r>
-            <a:r>
-              <a:rPr lang="es-PE" sz="1600" dirty="0"/>
-              <a:t>nuestra </a:t>
-            </a:r>
-            <a:r>
-              <a:rPr lang="es-PE" sz="1600" dirty="0" smtClean="0">
+              <a:t>hacer</a:t>
+            </a:r>
+            <a:r>
+              <a:rPr lang="es-PE" dirty="0" smtClean="0"/>
+              <a:t>?		          </a:t>
+            </a:r>
+            <a:r>
+              <a:rPr lang="es-PE" dirty="0"/>
+              <a:t>(Campo de la </a:t>
+            </a:r>
+            <a:r>
+              <a:rPr lang="es-PE" dirty="0" smtClean="0"/>
+              <a:t>Moral)</a:t>
+            </a:r>
+            <a:endParaRPr lang="es-PE" dirty="0"/>
+          </a:p>
+          <a:p>
+            <a:pPr marL="285750" indent="-285750">
+              <a:buFontTx/>
+              <a:buChar char="-"/>
+            </a:pPr>
+            <a:endParaRPr lang="es-PE" dirty="0" smtClean="0"/>
+          </a:p>
+          <a:p>
+            <a:pPr marL="285750" indent="-285750">
+              <a:buFontTx/>
+              <a:buChar char="-"/>
+            </a:pPr>
+            <a:endParaRPr lang="es-PE" dirty="0"/>
+          </a:p>
+          <a:p>
+            <a:pPr marL="285750" indent="-285750">
+              <a:buFontTx/>
+              <a:buChar char="-"/>
+            </a:pPr>
+            <a:r>
+              <a:rPr lang="es-PE" dirty="0" smtClean="0"/>
+              <a:t>¿</a:t>
+            </a:r>
+            <a:r>
+              <a:rPr lang="es-PE" dirty="0"/>
+              <a:t>Qué puedo </a:t>
+            </a:r>
+            <a:r>
+              <a:rPr lang="es-PE" dirty="0" smtClean="0">
                 <a:solidFill>
                   <a:srgbClr val="00B050"/>
                 </a:solidFill>
               </a:rPr>
-              <a:t>razón práctica </a:t>
-            </a:r>
-            <a:r>
-              <a:rPr lang="es-PE" sz="1600" dirty="0"/>
-              <a:t>postula </a:t>
-            </a:r>
-            <a:r>
-              <a:rPr lang="es-PE" sz="1600" dirty="0" smtClean="0"/>
-              <a:t>sin tener experiencia plena de los mismos:</a:t>
-            </a:r>
-          </a:p>
-          <a:p>
-            <a:endParaRPr lang="es-PE" sz="1600" dirty="0"/>
-          </a:p>
-          <a:p>
-            <a:endParaRPr lang="es-PE" sz="1600" dirty="0"/>
-          </a:p>
-        </p:txBody>
-      </p:sp>
-      <p:sp>
-        <p:nvSpPr>
-          <p:cNvPr id="2" name="CuadroTexto 1"/>
-          <p:cNvSpPr txBox="1"/>
-          <p:nvPr/>
-        </p:nvSpPr>
-        <p:spPr>
-          <a:xfrm>
-            <a:off x="1505376" y="4811933"/>
-            <a:ext cx="6336704" cy="1815882"/>
-          </a:xfrm>
-          <a:prstGeom prst="rect">
-            <a:avLst/>
-          </a:prstGeom>
-          <a:noFill/>
-        </p:spPr>
-        <p:txBody>
-          <a:bodyPr wrap="square" rtlCol="0">
-            <a:spAutoFit/>
-          </a:bodyPr>
-          <a:lstStyle/>
-          <a:p>
-            <a:pPr algn="ctr"/>
-            <a:r>
-              <a:rPr lang="es-PE" sz="2800" dirty="0" smtClean="0"/>
-              <a:t>DIOS</a:t>
-            </a:r>
-          </a:p>
-          <a:p>
-            <a:pPr algn="ctr"/>
-            <a:r>
-              <a:rPr lang="es-PE" sz="2800" dirty="0" smtClean="0"/>
-              <a:t>ALMA INMORTAL</a:t>
-            </a:r>
-          </a:p>
-          <a:p>
-            <a:pPr algn="ctr"/>
-            <a:r>
-              <a:rPr lang="es-PE" sz="2800" dirty="0" smtClean="0"/>
-              <a:t>LIBERTAD</a:t>
-            </a:r>
-          </a:p>
-          <a:p>
-            <a:pPr algn="ctr"/>
-            <a:r>
-              <a:rPr lang="es-PE" sz="2800" dirty="0" smtClean="0"/>
-              <a:t>MUNDO </a:t>
-            </a:r>
-            <a:endParaRPr lang="es-PE" sz="2800" dirty="0"/>
-          </a:p>
-        </p:txBody>
-      </p:sp>
-      <p:sp>
-        <p:nvSpPr>
-          <p:cNvPr id="3" name="CuadroTexto 2"/>
-          <p:cNvSpPr txBox="1"/>
-          <p:nvPr/>
-        </p:nvSpPr>
-        <p:spPr>
-          <a:xfrm>
-            <a:off x="6012160" y="815443"/>
-            <a:ext cx="1584176" cy="369332"/>
-          </a:xfrm>
-          <a:prstGeom prst="rect">
-            <a:avLst/>
-          </a:prstGeom>
-          <a:noFill/>
-        </p:spPr>
-        <p:txBody>
-          <a:bodyPr wrap="square" rtlCol="0">
-            <a:spAutoFit/>
-          </a:bodyPr>
-          <a:lstStyle/>
-          <a:p>
-            <a:r>
-              <a:rPr lang="es-PE" dirty="0" smtClean="0"/>
-              <a:t>- historia</a:t>
+              <a:t>esperar</a:t>
+            </a:r>
+            <a:r>
+              <a:rPr lang="es-PE" dirty="0" smtClean="0"/>
+              <a:t>?		          </a:t>
+            </a:r>
+            <a:r>
+              <a:rPr lang="es-PE" dirty="0"/>
+              <a:t>(Campo de la </a:t>
+            </a:r>
+            <a:r>
+              <a:rPr lang="es-PE" dirty="0" smtClean="0"/>
+              <a:t>Religión)</a:t>
             </a:r>
             <a:endParaRPr lang="es-PE" dirty="0"/>
           </a:p>
-        </p:txBody>
-      </p:sp>
-      <p:sp>
-        <p:nvSpPr>
-          <p:cNvPr id="8" name="Rectángulo 7"/>
+          <a:p>
+            <a:pPr marL="285750" indent="-285750">
+              <a:buFontTx/>
+              <a:buChar char="-"/>
+            </a:pPr>
+            <a:endParaRPr lang="es-PE" dirty="0" smtClean="0"/>
+          </a:p>
+          <a:p>
+            <a:pPr marL="285750" indent="-285750">
+              <a:buFontTx/>
+              <a:buChar char="-"/>
+            </a:pPr>
+            <a:endParaRPr lang="es-PE" dirty="0"/>
+          </a:p>
+          <a:p>
+            <a:pPr marL="285750" indent="-285750">
+              <a:buFontTx/>
+              <a:buChar char="-"/>
+            </a:pPr>
+            <a:r>
+              <a:rPr lang="es-PE" dirty="0" smtClean="0"/>
+              <a:t>¿</a:t>
+            </a:r>
+            <a:r>
+              <a:rPr lang="es-PE" dirty="0"/>
+              <a:t>Qué </a:t>
+            </a:r>
+            <a:r>
+              <a:rPr lang="es-PE" dirty="0" smtClean="0"/>
+              <a:t>es el ser </a:t>
+            </a:r>
+            <a:r>
+              <a:rPr lang="es-PE" dirty="0" smtClean="0">
+                <a:solidFill>
+                  <a:srgbClr val="00B050"/>
+                </a:solidFill>
+              </a:rPr>
+              <a:t>humano</a:t>
+            </a:r>
+            <a:r>
+              <a:rPr lang="es-PE" dirty="0" smtClean="0"/>
+              <a:t>?                                </a:t>
+            </a:r>
+            <a:r>
+              <a:rPr lang="es-PE" dirty="0"/>
+              <a:t>(Campo de la </a:t>
+            </a:r>
+            <a:r>
+              <a:rPr lang="es-PE" dirty="0" smtClean="0"/>
+              <a:t>Antropología)</a:t>
+            </a:r>
+            <a:endParaRPr lang="es-PE" dirty="0"/>
+          </a:p>
+          <a:p>
+            <a:endParaRPr lang="es-PE" dirty="0"/>
+          </a:p>
+        </p:txBody>
+      </p:sp>
+      <p:sp>
+        <p:nvSpPr>
+          <p:cNvPr id="17" name="Flecha derecha 16"/>
           <p:cNvSpPr/>
           <p:nvPr/>
         </p:nvSpPr>
         <p:spPr>
           <a:xfrm>
-            <a:off x="494605" y="3429000"/>
-            <a:ext cx="8469883" cy="1080120"/>
-          </a:xfrm>
-          <a:prstGeom prst="rect">
+            <a:off x="3644102" y="5037868"/>
+            <a:ext cx="1224136" cy="216024"/>
+          </a:xfrm>
+          <a:prstGeom prst="rightArrow">
             <a:avLst/>
           </a:prstGeom>
           <a:noFill/>
@@ -5510,7 +5220,189 @@
           </a:p>
         </p:txBody>
       </p:sp>
+      <p:sp>
+        <p:nvSpPr>
+          <p:cNvPr id="19" name="Flecha derecha 18"/>
+          <p:cNvSpPr/>
+          <p:nvPr/>
+        </p:nvSpPr>
+        <p:spPr>
+          <a:xfrm>
+            <a:off x="3644102" y="5787857"/>
+            <a:ext cx="1224136" cy="216024"/>
+          </a:xfrm>
+          <a:prstGeom prst="rightArrow">
+            <a:avLst/>
+          </a:prstGeom>
+          <a:noFill/>
+          <a:ln w="38100">
+            <a:solidFill>
+              <a:srgbClr val="FF0000"/>
+            </a:solidFill>
+          </a:ln>
+        </p:spPr>
+        <p:style>
+          <a:lnRef idx="2">
+            <a:schemeClr val="accent1">
+              <a:shade val="50000"/>
+            </a:schemeClr>
+          </a:lnRef>
+          <a:fillRef idx="1">
+            <a:schemeClr val="accent1"/>
+          </a:fillRef>
+          <a:effectRef idx="0">
+            <a:schemeClr val="accent1"/>
+          </a:effectRef>
+          <a:fontRef idx="minor">
+            <a:schemeClr val="lt1"/>
+          </a:fontRef>
+        </p:style>
+        <p:txBody>
+          <a:bodyPr rot="0" spcFirstLastPara="0" vertOverflow="overflow" horzOverflow="overflow" vert="horz" wrap="square" lIns="91440" tIns="45720" rIns="91440" bIns="45720" numCol="1" spcCol="0" rtlCol="0" fromWordArt="0" anchor="ctr" anchorCtr="0" forceAA="0" compatLnSpc="1">
+            <a:prstTxWarp prst="textNoShape">
+              <a:avLst/>
+            </a:prstTxWarp>
+            <a:noAutofit/>
+          </a:bodyPr>
+          <a:lstStyle/>
+          <a:p>
+            <a:pPr algn="ctr"/>
+            <a:endParaRPr lang="es-PE"/>
+          </a:p>
+        </p:txBody>
+      </p:sp>
+      <p:sp>
+        <p:nvSpPr>
+          <p:cNvPr id="20" name="Flecha derecha 19"/>
+          <p:cNvSpPr/>
+          <p:nvPr/>
+        </p:nvSpPr>
+        <p:spPr>
+          <a:xfrm>
+            <a:off x="3674546" y="3358951"/>
+            <a:ext cx="1224136" cy="216024"/>
+          </a:xfrm>
+          <a:prstGeom prst="rightArrow">
+            <a:avLst/>
+          </a:prstGeom>
+          <a:noFill/>
+          <a:ln w="38100">
+            <a:solidFill>
+              <a:srgbClr val="FF0000"/>
+            </a:solidFill>
+          </a:ln>
+        </p:spPr>
+        <p:style>
+          <a:lnRef idx="2">
+            <a:schemeClr val="accent1">
+              <a:shade val="50000"/>
+            </a:schemeClr>
+          </a:lnRef>
+          <a:fillRef idx="1">
+            <a:schemeClr val="accent1"/>
+          </a:fillRef>
+          <a:effectRef idx="0">
+            <a:schemeClr val="accent1"/>
+          </a:effectRef>
+          <a:fontRef idx="minor">
+            <a:schemeClr val="lt1"/>
+          </a:fontRef>
+        </p:style>
+        <p:txBody>
+          <a:bodyPr rot="0" spcFirstLastPara="0" vertOverflow="overflow" horzOverflow="overflow" vert="horz" wrap="square" lIns="91440" tIns="45720" rIns="91440" bIns="45720" numCol="1" spcCol="0" rtlCol="0" fromWordArt="0" anchor="ctr" anchorCtr="0" forceAA="0" compatLnSpc="1">
+            <a:prstTxWarp prst="textNoShape">
+              <a:avLst/>
+            </a:prstTxWarp>
+            <a:noAutofit/>
+          </a:bodyPr>
+          <a:lstStyle/>
+          <a:p>
+            <a:pPr algn="ctr"/>
+            <a:endParaRPr lang="es-PE"/>
+          </a:p>
+        </p:txBody>
+      </p:sp>
+      <p:sp>
+        <p:nvSpPr>
+          <p:cNvPr id="21" name="Flecha derecha 20"/>
+          <p:cNvSpPr/>
+          <p:nvPr/>
+        </p:nvSpPr>
+        <p:spPr>
+          <a:xfrm>
+            <a:off x="3674546" y="4209994"/>
+            <a:ext cx="1224136" cy="216024"/>
+          </a:xfrm>
+          <a:prstGeom prst="rightArrow">
+            <a:avLst/>
+          </a:prstGeom>
+          <a:noFill/>
+          <a:ln w="38100">
+            <a:solidFill>
+              <a:srgbClr val="FF0000"/>
+            </a:solidFill>
+          </a:ln>
+        </p:spPr>
+        <p:style>
+          <a:lnRef idx="2">
+            <a:schemeClr val="accent1">
+              <a:shade val="50000"/>
+            </a:schemeClr>
+          </a:lnRef>
+          <a:fillRef idx="1">
+            <a:schemeClr val="accent1"/>
+          </a:fillRef>
+          <a:effectRef idx="0">
+            <a:schemeClr val="accent1"/>
+          </a:effectRef>
+          <a:fontRef idx="minor">
+            <a:schemeClr val="lt1"/>
+          </a:fontRef>
+        </p:style>
+        <p:txBody>
+          <a:bodyPr rot="0" spcFirstLastPara="0" vertOverflow="overflow" horzOverflow="overflow" vert="horz" wrap="square" lIns="91440" tIns="45720" rIns="91440" bIns="45720" numCol="1" spcCol="0" rtlCol="0" fromWordArt="0" anchor="ctr" anchorCtr="0" forceAA="0" compatLnSpc="1">
+            <a:prstTxWarp prst="textNoShape">
+              <a:avLst/>
+            </a:prstTxWarp>
+            <a:noAutofit/>
+          </a:bodyPr>
+          <a:lstStyle/>
+          <a:p>
+            <a:pPr algn="ctr"/>
+            <a:endParaRPr lang="es-PE"/>
+          </a:p>
+        </p:txBody>
+      </p:sp>
+      <p:pic>
+        <p:nvPicPr>
+          <p:cNvPr id="22" name="Imagen 21"/>
+          <p:cNvPicPr>
+            <a:picLocks noChangeAspect="1"/>
+          </p:cNvPicPr>
+          <p:nvPr/>
+        </p:nvPicPr>
+        <p:blipFill>
+          <a:blip r:embed="rId2"/>
+          <a:stretch>
+            <a:fillRect/>
+          </a:stretch>
+        </p:blipFill>
+        <p:spPr>
+          <a:xfrm>
+            <a:off x="2123728" y="1058198"/>
+            <a:ext cx="4752528" cy="1983243"/>
+          </a:xfrm>
+          <a:prstGeom prst="rect">
+            <a:avLst/>
+          </a:prstGeom>
+        </p:spPr>
+      </p:pic>
     </p:spTree>
+    <p:extLst>
+      <p:ext uri="{BB962C8B-B14F-4D97-AF65-F5344CB8AC3E}">
+        <p14:creationId xmlns:p14="http://schemas.microsoft.com/office/powerpoint/2010/main" val="2460636803"/>
+      </p:ext>
+    </p:extLst>
   </p:cSld>
   <p:clrMapOvr>
     <a:masterClrMapping/>
@@ -5550,8 +5442,8 @@
         </p:nvSpPr>
         <p:spPr>
           <a:xfrm>
-            <a:off x="357158" y="214290"/>
-            <a:ext cx="8501122" cy="6340197"/>
+            <a:off x="357158" y="357166"/>
+            <a:ext cx="8429684" cy="954107"/>
           </a:xfrm>
           <a:prstGeom prst="rect">
             <a:avLst/>
@@ -5564,193 +5456,29 @@
           </a:bodyPr>
           <a:lstStyle/>
           <a:p>
-            <a:pPr algn="just"/>
-            <a:r>
-              <a:rPr lang="es-PE" sz="1400" dirty="0" smtClean="0"/>
-              <a:t>Kant recibe la tradición alemana </a:t>
-            </a:r>
-            <a:r>
-              <a:rPr lang="es-PE" sz="1400" dirty="0" smtClean="0">
-                <a:solidFill>
-                  <a:srgbClr val="C00000"/>
-                </a:solidFill>
-              </a:rPr>
-              <a:t>racionalista</a:t>
-            </a:r>
-            <a:r>
-              <a:rPr lang="es-PE" sz="1400" dirty="0" smtClean="0"/>
-              <a:t>. Lo que sostiene esta tradición es que </a:t>
-            </a:r>
-            <a:r>
-              <a:rPr lang="es-PE" sz="1400" dirty="0" smtClean="0">
-                <a:solidFill>
-                  <a:srgbClr val="C00000"/>
-                </a:solidFill>
-              </a:rPr>
-              <a:t>existen ideas innatas</a:t>
-            </a:r>
-            <a:r>
-              <a:rPr lang="es-PE" sz="1400" dirty="0" smtClean="0"/>
-              <a:t> a la razón, de modo que no necesito salir de mi razón para tener conocimiento de la realidad, en este sentido, se prescinde totalmente de la experiencia.</a:t>
-            </a:r>
-          </a:p>
-          <a:p>
-            <a:pPr algn="just"/>
-            <a:endParaRPr lang="es-PE" sz="1400" dirty="0"/>
-          </a:p>
-          <a:p>
-            <a:pPr algn="just"/>
-            <a:endParaRPr lang="es-PE" sz="1400" dirty="0" smtClean="0"/>
-          </a:p>
-          <a:p>
-            <a:pPr algn="just"/>
-            <a:endParaRPr lang="es-PE" sz="1400" dirty="0"/>
-          </a:p>
-          <a:p>
-            <a:pPr algn="just"/>
-            <a:endParaRPr lang="es-PE" sz="1400" dirty="0" smtClean="0"/>
-          </a:p>
-          <a:p>
-            <a:pPr algn="just"/>
-            <a:endParaRPr lang="es-PE" sz="1400" dirty="0"/>
-          </a:p>
-          <a:p>
-            <a:pPr algn="just"/>
-            <a:endParaRPr lang="es-PE" sz="1400" dirty="0" smtClean="0"/>
-          </a:p>
-          <a:p>
-            <a:pPr algn="just"/>
-            <a:endParaRPr lang="es-PE" sz="1400" dirty="0"/>
-          </a:p>
-          <a:p>
-            <a:pPr algn="just"/>
-            <a:endParaRPr lang="es-PE" sz="1400" dirty="0" smtClean="0"/>
-          </a:p>
-          <a:p>
-            <a:pPr algn="just"/>
-            <a:endParaRPr lang="es-PE" sz="1400" dirty="0"/>
-          </a:p>
-          <a:p>
-            <a:pPr algn="just"/>
-            <a:endParaRPr lang="es-PE" sz="1400" dirty="0" smtClean="0"/>
-          </a:p>
-          <a:p>
-            <a:pPr algn="just"/>
-            <a:endParaRPr lang="es-PE" sz="1400" dirty="0"/>
-          </a:p>
-          <a:p>
-            <a:pPr algn="just"/>
-            <a:endParaRPr lang="es-PE" sz="1400" dirty="0" smtClean="0"/>
-          </a:p>
-          <a:p>
-            <a:pPr algn="just"/>
-            <a:endParaRPr lang="es-PE" sz="1400" dirty="0"/>
-          </a:p>
-          <a:p>
-            <a:pPr algn="just"/>
-            <a:endParaRPr lang="es-PE" sz="1400" dirty="0" smtClean="0"/>
-          </a:p>
-          <a:p>
-            <a:pPr algn="just"/>
-            <a:endParaRPr lang="es-PE" sz="1400" dirty="0"/>
-          </a:p>
-          <a:p>
-            <a:pPr algn="just"/>
-            <a:endParaRPr lang="es-PE" sz="1400" dirty="0" smtClean="0"/>
-          </a:p>
-          <a:p>
-            <a:pPr algn="just"/>
-            <a:endParaRPr lang="es-PE" sz="1400" dirty="0"/>
-          </a:p>
-          <a:p>
-            <a:pPr algn="just"/>
-            <a:endParaRPr lang="es-PE" sz="1400" dirty="0" smtClean="0"/>
-          </a:p>
-          <a:p>
-            <a:pPr algn="just"/>
-            <a:endParaRPr lang="es-PE" sz="1400" dirty="0"/>
-          </a:p>
-          <a:p>
-            <a:pPr algn="just"/>
-            <a:endParaRPr lang="es-PE" sz="1400" dirty="0" smtClean="0"/>
-          </a:p>
-          <a:p>
-            <a:pPr algn="just"/>
-            <a:endParaRPr lang="es-PE" sz="1400" dirty="0"/>
-          </a:p>
-          <a:p>
-            <a:pPr algn="just"/>
-            <a:r>
-              <a:rPr lang="es-PE" sz="1400" dirty="0" smtClean="0"/>
-              <a:t>Los mercaderes ingleses llevaron a </a:t>
-            </a:r>
-            <a:r>
-              <a:rPr lang="es-PE" sz="1400" dirty="0" err="1" smtClean="0"/>
-              <a:t>Köningsberg</a:t>
-            </a:r>
-            <a:r>
-              <a:rPr lang="es-PE" sz="1400" dirty="0" smtClean="0"/>
-              <a:t> los textos de </a:t>
-            </a:r>
-            <a:r>
-              <a:rPr lang="es-PE" sz="1400" dirty="0" err="1" smtClean="0"/>
-              <a:t>Hume</a:t>
-            </a:r>
-            <a:r>
-              <a:rPr lang="es-PE" sz="1400" dirty="0" smtClean="0"/>
-              <a:t>, el escéptico </a:t>
-            </a:r>
-            <a:r>
-              <a:rPr lang="es-PE" sz="1400" dirty="0" smtClean="0">
-                <a:solidFill>
-                  <a:srgbClr val="C00000"/>
-                </a:solidFill>
-              </a:rPr>
-              <a:t>empirista</a:t>
-            </a:r>
-            <a:r>
-              <a:rPr lang="es-PE" sz="1400" dirty="0" smtClean="0"/>
-              <a:t>. Al removerle las convicciones racionalistas (como por ejemplo, la idea de causalidad), Kant declara que </a:t>
-            </a:r>
-            <a:r>
-              <a:rPr lang="es-PE" sz="1400" dirty="0" err="1" smtClean="0"/>
-              <a:t>Hume</a:t>
-            </a:r>
-            <a:r>
-              <a:rPr lang="es-PE" sz="1400" dirty="0" smtClean="0"/>
-              <a:t> le ha despertado de su sueño dogmático</a:t>
-            </a:r>
-            <a:r>
-              <a:rPr lang="es-PE" sz="1400" dirty="0" smtClean="0">
-                <a:solidFill>
-                  <a:srgbClr val="C00000"/>
-                </a:solidFill>
-              </a:rPr>
-              <a:t>: NO HAY IDEAS INNATAS</a:t>
-            </a:r>
-            <a:r>
-              <a:rPr lang="es-PE" sz="1400" dirty="0" smtClean="0"/>
-              <a:t>, su origen se encuentra en la experiencia. Mientras los racionalistas consideraban las ideas innatas como intuiciones racionales, los empiristas creen en una intuición sensible. </a:t>
-            </a:r>
-            <a:r>
-              <a:rPr lang="es-PE" sz="1400" dirty="0" smtClean="0">
+            <a:r>
+              <a:rPr lang="es-PE" sz="2800" dirty="0" smtClean="0"/>
+              <a:t>El pensamiento de Kant se ocupa en parte de la Filosofía </a:t>
+            </a:r>
+            <a:r>
+              <a:rPr lang="es-PE" sz="2800" dirty="0" smtClean="0">
                 <a:solidFill>
                   <a:srgbClr val="00B050"/>
                 </a:solidFill>
               </a:rPr>
-              <a:t>Kant, de algún modo, sintetiza ambas corrientes.</a:t>
-            </a:r>
-            <a:endParaRPr lang="es-PE" sz="1400" dirty="0">
-              <a:solidFill>
-                <a:srgbClr val="00B050"/>
-              </a:solidFill>
-            </a:endParaRPr>
+              <a:t>Práctica</a:t>
+            </a:r>
+            <a:r>
+              <a:rPr lang="es-PE" sz="2800" dirty="0" smtClean="0"/>
+              <a:t>.</a:t>
+            </a:r>
+            <a:endParaRPr lang="es-PE" sz="2800" dirty="0"/>
           </a:p>
         </p:txBody>
       </p:sp>
       <p:pic>
         <p:nvPicPr>
-          <p:cNvPr id="17410" name="Picture 2"/>
+          <p:cNvPr id="3073" name="Picture 1"/>
           <p:cNvPicPr>
             <a:picLocks noChangeAspect="1" noChangeArrowheads="1"/>
           </p:cNvPicPr>
@@ -5765,8 +5493,8 @@
         </p:blipFill>
         <p:spPr bwMode="auto">
           <a:xfrm>
-            <a:off x="0" y="1268760"/>
-            <a:ext cx="8878303" cy="3816424"/>
+            <a:off x="3428992" y="1000109"/>
+            <a:ext cx="4929222" cy="1785950"/>
           </a:xfrm>
           <a:prstGeom prst="rect">
             <a:avLst/>
@@ -5783,116 +5511,224 @@
       </p:pic>
       <p:sp>
         <p:nvSpPr>
-          <p:cNvPr id="2" name="Rectángulo 1"/>
+          <p:cNvPr id="7" name="6 CuadroTexto"/>
+          <p:cNvSpPr txBox="1"/>
+          <p:nvPr/>
+        </p:nvSpPr>
+        <p:spPr>
+          <a:xfrm>
+            <a:off x="494605" y="2771412"/>
+            <a:ext cx="8358246" cy="2923877"/>
+          </a:xfrm>
+          <a:prstGeom prst="rect">
+            <a:avLst/>
+          </a:prstGeom>
+          <a:noFill/>
+        </p:spPr>
+        <p:txBody>
+          <a:bodyPr wrap="square" rtlCol="0">
+            <a:spAutoFit/>
+          </a:bodyPr>
+          <a:lstStyle/>
+          <a:p>
+            <a:pPr algn="just"/>
+            <a:r>
+              <a:rPr lang="es-PE" sz="1600" dirty="0" smtClean="0"/>
+              <a:t>Pero también se ocupa de la epistemología. La </a:t>
+            </a:r>
+            <a:r>
+              <a:rPr lang="es-PE" sz="1600" dirty="0" smtClean="0">
+                <a:solidFill>
+                  <a:srgbClr val="00B050"/>
+                </a:solidFill>
+              </a:rPr>
+              <a:t>razón</a:t>
+            </a:r>
+            <a:r>
+              <a:rPr lang="es-PE" sz="1600" dirty="0" smtClean="0"/>
+              <a:t> </a:t>
+            </a:r>
+            <a:r>
+              <a:rPr lang="es-PE" sz="1600" dirty="0" smtClean="0">
+                <a:solidFill>
+                  <a:srgbClr val="00B050"/>
+                </a:solidFill>
+              </a:rPr>
+              <a:t>teórica</a:t>
+            </a:r>
+            <a:r>
+              <a:rPr lang="es-PE" sz="1600" dirty="0" smtClean="0"/>
+              <a:t> se ocupa del conocimiento de la realidad, y más precisamente, de las estructuras mediante las cuáles conocemos. </a:t>
+            </a:r>
+          </a:p>
+          <a:p>
+            <a:endParaRPr lang="es-PE" sz="1600" dirty="0"/>
+          </a:p>
+          <a:p>
+            <a:pPr algn="just"/>
+            <a:r>
+              <a:rPr lang="es-PE" sz="1600" dirty="0" smtClean="0"/>
+              <a:t>El proyecto de Kant es conocido como filosofía </a:t>
+            </a:r>
+            <a:r>
+              <a:rPr lang="es-PE" sz="1600" dirty="0" smtClean="0">
+                <a:solidFill>
+                  <a:srgbClr val="FF0000"/>
+                </a:solidFill>
+              </a:rPr>
+              <a:t>crítica</a:t>
+            </a:r>
+            <a:r>
+              <a:rPr lang="es-PE" sz="1600" dirty="0" smtClean="0"/>
+              <a:t>. </a:t>
+            </a:r>
+            <a:r>
+              <a:rPr lang="es-PE" sz="2000" dirty="0" smtClean="0">
+                <a:solidFill>
+                  <a:schemeClr val="tx2">
+                    <a:lumMod val="60000"/>
+                    <a:lumOff val="40000"/>
+                  </a:schemeClr>
+                </a:solidFill>
+              </a:rPr>
+              <a:t>Supone una crítica a la razón misma</a:t>
+            </a:r>
+            <a:r>
+              <a:rPr lang="es-PE" sz="1600" dirty="0" smtClean="0"/>
+              <a:t>. La razón se critica a sí misma para saber qué puede conocer legítimamente y qué no. (Límites de la razón).</a:t>
+            </a:r>
+          </a:p>
+          <a:p>
+            <a:pPr algn="just"/>
+            <a:endParaRPr lang="es-PE" sz="1600" dirty="0"/>
+          </a:p>
+          <a:p>
+            <a:pPr algn="just"/>
+            <a:r>
+              <a:rPr lang="es-PE" sz="1600" dirty="0" smtClean="0"/>
+              <a:t> Estas siguientes ideas son ejemplos de lo que </a:t>
+            </a:r>
+            <a:r>
+              <a:rPr lang="es-PE" sz="1600" dirty="0"/>
+              <a:t>nuestra </a:t>
+            </a:r>
+            <a:r>
+              <a:rPr lang="es-PE" sz="1600" dirty="0" smtClean="0">
+                <a:solidFill>
+                  <a:srgbClr val="00B050"/>
+                </a:solidFill>
+              </a:rPr>
+              <a:t>razón práctica </a:t>
+            </a:r>
+            <a:r>
+              <a:rPr lang="es-PE" sz="1600" dirty="0"/>
+              <a:t>postula </a:t>
+            </a:r>
+            <a:r>
+              <a:rPr lang="es-PE" sz="1600" dirty="0" smtClean="0"/>
+              <a:t>sin tener experiencia plena de los mismos:</a:t>
+            </a:r>
+          </a:p>
+          <a:p>
+            <a:endParaRPr lang="es-PE" sz="1600" dirty="0"/>
+          </a:p>
+          <a:p>
+            <a:endParaRPr lang="es-PE" sz="1600" dirty="0"/>
+          </a:p>
+        </p:txBody>
+      </p:sp>
+      <p:sp>
+        <p:nvSpPr>
+          <p:cNvPr id="2" name="CuadroTexto 1"/>
+          <p:cNvSpPr txBox="1"/>
+          <p:nvPr/>
+        </p:nvSpPr>
+        <p:spPr>
+          <a:xfrm>
+            <a:off x="1505376" y="4811933"/>
+            <a:ext cx="6336704" cy="1815882"/>
+          </a:xfrm>
+          <a:prstGeom prst="rect">
+            <a:avLst/>
+          </a:prstGeom>
+          <a:noFill/>
+        </p:spPr>
+        <p:txBody>
+          <a:bodyPr wrap="square" rtlCol="0">
+            <a:spAutoFit/>
+          </a:bodyPr>
+          <a:lstStyle/>
+          <a:p>
+            <a:pPr algn="ctr"/>
+            <a:r>
+              <a:rPr lang="es-PE" sz="2800" dirty="0" smtClean="0"/>
+              <a:t>DIOS</a:t>
+            </a:r>
+          </a:p>
+          <a:p>
+            <a:pPr algn="ctr"/>
+            <a:r>
+              <a:rPr lang="es-PE" sz="2800" dirty="0" smtClean="0"/>
+              <a:t>ALMA INMORTAL</a:t>
+            </a:r>
+          </a:p>
+          <a:p>
+            <a:pPr algn="ctr"/>
+            <a:r>
+              <a:rPr lang="es-PE" sz="2800" dirty="0" smtClean="0"/>
+              <a:t>LIBERTAD</a:t>
+            </a:r>
+          </a:p>
+          <a:p>
+            <a:pPr algn="ctr"/>
+            <a:r>
+              <a:rPr lang="es-PE" sz="2800" dirty="0" smtClean="0"/>
+              <a:t>MUNDO </a:t>
+            </a:r>
+            <a:endParaRPr lang="es-PE" sz="2800" dirty="0"/>
+          </a:p>
+        </p:txBody>
+      </p:sp>
+      <p:sp>
+        <p:nvSpPr>
+          <p:cNvPr id="3" name="CuadroTexto 2"/>
+          <p:cNvSpPr txBox="1"/>
+          <p:nvPr/>
+        </p:nvSpPr>
+        <p:spPr>
+          <a:xfrm>
+            <a:off x="6012160" y="815443"/>
+            <a:ext cx="1584176" cy="369332"/>
+          </a:xfrm>
+          <a:prstGeom prst="rect">
+            <a:avLst/>
+          </a:prstGeom>
+          <a:noFill/>
+        </p:spPr>
+        <p:txBody>
+          <a:bodyPr wrap="square" rtlCol="0">
+            <a:spAutoFit/>
+          </a:bodyPr>
+          <a:lstStyle/>
+          <a:p>
+            <a:r>
+              <a:rPr lang="es-PE" dirty="0" smtClean="0"/>
+              <a:t>- historia</a:t>
+            </a:r>
+            <a:endParaRPr lang="es-PE" dirty="0"/>
+          </a:p>
+        </p:txBody>
+      </p:sp>
+      <p:sp>
+        <p:nvSpPr>
+          <p:cNvPr id="8" name="Rectángulo 7"/>
           <p:cNvSpPr/>
           <p:nvPr/>
         </p:nvSpPr>
         <p:spPr>
           <a:xfrm>
-            <a:off x="1331640" y="1271108"/>
-            <a:ext cx="2376264" cy="357692"/>
-          </a:xfrm>
-          <a:prstGeom prst="rect">
-            <a:avLst/>
-          </a:prstGeom>
-          <a:noFill/>
-          <a:ln w="38100">
-            <a:solidFill>
-              <a:srgbClr val="FF0000"/>
-            </a:solidFill>
-          </a:ln>
-        </p:spPr>
-        <p:style>
-          <a:lnRef idx="2">
-            <a:schemeClr val="accent1">
-              <a:shade val="50000"/>
-            </a:schemeClr>
-          </a:lnRef>
-          <a:fillRef idx="1">
-            <a:schemeClr val="accent1"/>
-          </a:fillRef>
-          <a:effectRef idx="0">
-            <a:schemeClr val="accent1"/>
-          </a:effectRef>
-          <a:fontRef idx="minor">
-            <a:schemeClr val="lt1"/>
-          </a:fontRef>
-        </p:style>
-        <p:txBody>
-          <a:bodyPr rot="0" spcFirstLastPara="0" vertOverflow="overflow" horzOverflow="overflow" vert="horz" wrap="square" lIns="91440" tIns="45720" rIns="91440" bIns="45720" numCol="1" spcCol="0" rtlCol="0" fromWordArt="0" anchor="ctr" anchorCtr="0" forceAA="0" compatLnSpc="1">
-            <a:prstTxWarp prst="textNoShape">
-              <a:avLst/>
-            </a:prstTxWarp>
-            <a:noAutofit/>
-          </a:bodyPr>
-          <a:lstStyle/>
-          <a:p>
-            <a:pPr algn="ctr"/>
-            <a:endParaRPr lang="es-PE"/>
-          </a:p>
-        </p:txBody>
-      </p:sp>
-      <p:sp>
-        <p:nvSpPr>
-          <p:cNvPr id="3" name="Rectángulo 2"/>
-          <p:cNvSpPr/>
-          <p:nvPr/>
-        </p:nvSpPr>
-        <p:spPr>
-          <a:xfrm>
-            <a:off x="611560" y="4725144"/>
-            <a:ext cx="2736304" cy="360040"/>
-          </a:xfrm>
-          <a:prstGeom prst="rect">
-            <a:avLst/>
-          </a:prstGeom>
-          <a:noFill/>
-          <a:ln w="38100">
-            <a:solidFill>
-              <a:srgbClr val="FF0000"/>
-            </a:solidFill>
-          </a:ln>
-        </p:spPr>
-        <p:style>
-          <a:lnRef idx="2">
-            <a:schemeClr val="accent1">
-              <a:shade val="50000"/>
-            </a:schemeClr>
-          </a:lnRef>
-          <a:fillRef idx="1">
-            <a:schemeClr val="accent1"/>
-          </a:fillRef>
-          <a:effectRef idx="0">
-            <a:schemeClr val="accent1"/>
-          </a:effectRef>
-          <a:fontRef idx="minor">
-            <a:schemeClr val="lt1"/>
-          </a:fontRef>
-        </p:style>
-        <p:txBody>
-          <a:bodyPr rot="0" spcFirstLastPara="0" vertOverflow="overflow" horzOverflow="overflow" vert="horz" wrap="square" lIns="91440" tIns="45720" rIns="91440" bIns="45720" numCol="1" spcCol="0" rtlCol="0" fromWordArt="0" anchor="ctr" anchorCtr="0" forceAA="0" compatLnSpc="1">
-            <a:prstTxWarp prst="textNoShape">
-              <a:avLst/>
-            </a:prstTxWarp>
-            <a:noAutofit/>
-          </a:bodyPr>
-          <a:lstStyle/>
-          <a:p>
-            <a:pPr algn="ctr"/>
-            <a:endParaRPr lang="es-PE"/>
-          </a:p>
-        </p:txBody>
-      </p:sp>
-      <p:sp>
-        <p:nvSpPr>
-          <p:cNvPr id="5" name="Rectángulo 4"/>
-          <p:cNvSpPr/>
-          <p:nvPr/>
-        </p:nvSpPr>
-        <p:spPr>
-          <a:xfrm>
-            <a:off x="7596336" y="2708920"/>
-            <a:ext cx="1080120" cy="720080"/>
+            <a:off x="494605" y="3429000"/>
+            <a:ext cx="8469883" cy="1080120"/>
           </a:xfrm>
           <a:prstGeom prst="rect">
             <a:avLst/>
@@ -5968,96 +5804,243 @@
       </p:grpSpPr>
       <p:sp>
         <p:nvSpPr>
-          <p:cNvPr id="3" name="Marcador de contenido 2"/>
-          <p:cNvSpPr>
-            <a:spLocks noGrp="1"/>
-          </p:cNvSpPr>
-          <p:nvPr>
-            <p:ph idx="1"/>
-          </p:nvPr>
-        </p:nvSpPr>
-        <p:spPr>
-          <a:xfrm>
-            <a:off x="457200" y="620688"/>
-            <a:ext cx="8229600" cy="5505475"/>
-          </a:xfrm>
-        </p:spPr>
-        <p:txBody>
-          <a:bodyPr>
-            <a:normAutofit fontScale="92500" lnSpcReduction="20000"/>
+          <p:cNvPr id="4" name="3 CuadroTexto"/>
+          <p:cNvSpPr txBox="1"/>
+          <p:nvPr/>
+        </p:nvSpPr>
+        <p:spPr>
+          <a:xfrm>
+            <a:off x="357158" y="214290"/>
+            <a:ext cx="8501122" cy="6340197"/>
+          </a:xfrm>
+          <a:prstGeom prst="rect">
+            <a:avLst/>
+          </a:prstGeom>
+          <a:noFill/>
+        </p:spPr>
+        <p:txBody>
+          <a:bodyPr wrap="square" rtlCol="0">
+            <a:spAutoFit/>
           </a:bodyPr>
           <a:lstStyle/>
           <a:p>
-            <a:pPr marL="0" indent="0">
-              <a:buNone/>
-            </a:pPr>
-            <a:endParaRPr lang="es-PE" dirty="0"/>
-          </a:p>
-          <a:p>
-            <a:pPr marL="0" indent="0">
-              <a:buNone/>
-            </a:pPr>
-            <a:r>
-              <a:rPr lang="es-PE" sz="4000" b="1" dirty="0" smtClean="0"/>
-              <a:t>- ¿Porqué se habla de un giro Copernicano, en el caso de Kant?</a:t>
-            </a:r>
-            <a:endParaRPr lang="es-PE" b="1" dirty="0" smtClean="0">
+            <a:pPr algn="just"/>
+            <a:r>
+              <a:rPr lang="es-PE" sz="1400" dirty="0" smtClean="0"/>
+              <a:t>Kant recibe la tradición alemana </a:t>
+            </a:r>
+            <a:r>
+              <a:rPr lang="es-PE" sz="1400" dirty="0" smtClean="0">
+                <a:solidFill>
+                  <a:srgbClr val="C00000"/>
+                </a:solidFill>
+              </a:rPr>
+              <a:t>racionalista</a:t>
+            </a:r>
+            <a:r>
+              <a:rPr lang="es-PE" sz="1400" dirty="0" smtClean="0"/>
+              <a:t>. Lo que sostiene esta tradición es que </a:t>
+            </a:r>
+            <a:r>
+              <a:rPr lang="es-PE" sz="1400" dirty="0" smtClean="0">
+                <a:solidFill>
+                  <a:srgbClr val="C00000"/>
+                </a:solidFill>
+              </a:rPr>
+              <a:t>existen ideas innatas</a:t>
+            </a:r>
+            <a:r>
+              <a:rPr lang="es-PE" sz="1400" dirty="0" smtClean="0"/>
+              <a:t> a la razón, de modo que no necesito salir de mi razón para tener conocimiento de la realidad, en este sentido, se prescinde totalmente de la experiencia.</a:t>
+            </a:r>
+          </a:p>
+          <a:p>
+            <a:pPr algn="just"/>
+            <a:endParaRPr lang="es-PE" sz="1400" dirty="0"/>
+          </a:p>
+          <a:p>
+            <a:pPr algn="just"/>
+            <a:endParaRPr lang="es-PE" sz="1400" dirty="0" smtClean="0"/>
+          </a:p>
+          <a:p>
+            <a:pPr algn="just"/>
+            <a:endParaRPr lang="es-PE" sz="1400" dirty="0"/>
+          </a:p>
+          <a:p>
+            <a:pPr algn="just"/>
+            <a:endParaRPr lang="es-PE" sz="1400" dirty="0" smtClean="0"/>
+          </a:p>
+          <a:p>
+            <a:pPr algn="just"/>
+            <a:endParaRPr lang="es-PE" sz="1400" dirty="0"/>
+          </a:p>
+          <a:p>
+            <a:pPr algn="just"/>
+            <a:endParaRPr lang="es-PE" sz="1400" dirty="0" smtClean="0"/>
+          </a:p>
+          <a:p>
+            <a:pPr algn="just"/>
+            <a:endParaRPr lang="es-PE" sz="1400" dirty="0"/>
+          </a:p>
+          <a:p>
+            <a:pPr algn="just"/>
+            <a:endParaRPr lang="es-PE" sz="1400" dirty="0" smtClean="0"/>
+          </a:p>
+          <a:p>
+            <a:pPr algn="just"/>
+            <a:endParaRPr lang="es-PE" sz="1400" dirty="0"/>
+          </a:p>
+          <a:p>
+            <a:pPr algn="just"/>
+            <a:endParaRPr lang="es-PE" sz="1400" dirty="0" smtClean="0"/>
+          </a:p>
+          <a:p>
+            <a:pPr algn="just"/>
+            <a:endParaRPr lang="es-PE" sz="1400" dirty="0"/>
+          </a:p>
+          <a:p>
+            <a:pPr algn="just"/>
+            <a:endParaRPr lang="es-PE" sz="1400" dirty="0" smtClean="0"/>
+          </a:p>
+          <a:p>
+            <a:pPr algn="just"/>
+            <a:endParaRPr lang="es-PE" sz="1400" dirty="0"/>
+          </a:p>
+          <a:p>
+            <a:pPr algn="just"/>
+            <a:endParaRPr lang="es-PE" sz="1400" dirty="0" smtClean="0"/>
+          </a:p>
+          <a:p>
+            <a:pPr algn="just"/>
+            <a:endParaRPr lang="es-PE" sz="1400" dirty="0"/>
+          </a:p>
+          <a:p>
+            <a:pPr algn="just"/>
+            <a:endParaRPr lang="es-PE" sz="1400" dirty="0" smtClean="0"/>
+          </a:p>
+          <a:p>
+            <a:pPr algn="just"/>
+            <a:endParaRPr lang="es-PE" sz="1400" dirty="0"/>
+          </a:p>
+          <a:p>
+            <a:pPr algn="just"/>
+            <a:endParaRPr lang="es-PE" sz="1400" dirty="0" smtClean="0"/>
+          </a:p>
+          <a:p>
+            <a:pPr algn="just"/>
+            <a:endParaRPr lang="es-PE" sz="1400" dirty="0"/>
+          </a:p>
+          <a:p>
+            <a:pPr algn="just"/>
+            <a:endParaRPr lang="es-PE" sz="1400" dirty="0" smtClean="0"/>
+          </a:p>
+          <a:p>
+            <a:pPr algn="just"/>
+            <a:endParaRPr lang="es-PE" sz="1400" dirty="0"/>
+          </a:p>
+          <a:p>
+            <a:pPr algn="just"/>
+            <a:r>
+              <a:rPr lang="es-PE" sz="1400" dirty="0" smtClean="0"/>
+              <a:t>Los mercaderes ingleses llevaron a </a:t>
+            </a:r>
+            <a:r>
+              <a:rPr lang="es-PE" sz="1400" dirty="0" err="1" smtClean="0"/>
+              <a:t>Köningsberg</a:t>
+            </a:r>
+            <a:r>
+              <a:rPr lang="es-PE" sz="1400" dirty="0" smtClean="0"/>
+              <a:t> los textos de </a:t>
+            </a:r>
+            <a:r>
+              <a:rPr lang="es-PE" sz="1400" dirty="0" err="1" smtClean="0"/>
+              <a:t>Hume</a:t>
+            </a:r>
+            <a:r>
+              <a:rPr lang="es-PE" sz="1400" dirty="0" smtClean="0"/>
+              <a:t>, el escéptico </a:t>
+            </a:r>
+            <a:r>
+              <a:rPr lang="es-PE" sz="1400" dirty="0" smtClean="0">
+                <a:solidFill>
+                  <a:srgbClr val="C00000"/>
+                </a:solidFill>
+              </a:rPr>
+              <a:t>empirista</a:t>
+            </a:r>
+            <a:r>
+              <a:rPr lang="es-PE" sz="1400" dirty="0" smtClean="0"/>
+              <a:t>. Al removerle las convicciones racionalistas (como por ejemplo, la idea de causalidad), Kant declara que </a:t>
+            </a:r>
+            <a:r>
+              <a:rPr lang="es-PE" sz="1400" dirty="0" err="1" smtClean="0"/>
+              <a:t>Hume</a:t>
+            </a:r>
+            <a:r>
+              <a:rPr lang="es-PE" sz="1400" dirty="0" smtClean="0"/>
+              <a:t> le ha despertado de su sueño dogmático</a:t>
+            </a:r>
+            <a:r>
+              <a:rPr lang="es-PE" sz="1400" dirty="0" smtClean="0">
+                <a:solidFill>
+                  <a:srgbClr val="C00000"/>
+                </a:solidFill>
+              </a:rPr>
+              <a:t>: NO HAY IDEAS INNATAS</a:t>
+            </a:r>
+            <a:r>
+              <a:rPr lang="es-PE" sz="1400" dirty="0" smtClean="0"/>
+              <a:t>, su origen se encuentra en la experiencia. Mientras los racionalistas consideraban las ideas innatas como intuiciones racionales, los empiristas creen en una intuición sensible. </a:t>
+            </a:r>
+            <a:r>
+              <a:rPr lang="es-PE" sz="1400" dirty="0" smtClean="0">
+                <a:solidFill>
+                  <a:srgbClr val="00B050"/>
+                </a:solidFill>
+              </a:rPr>
+              <a:t>Kant, de algún modo, sintetiza ambas corrientes.</a:t>
+            </a:r>
+            <a:endParaRPr lang="es-PE" sz="1400" dirty="0">
               <a:solidFill>
-                <a:schemeClr val="bg1">
-                  <a:lumMod val="75000"/>
-                </a:schemeClr>
+                <a:srgbClr val="00B050"/>
               </a:solidFill>
             </a:endParaRPr>
           </a:p>
-          <a:p>
-            <a:pPr marL="0" indent="0">
-              <a:buNone/>
-            </a:pPr>
-            <a:endParaRPr lang="es-PE" sz="4000" b="1" dirty="0"/>
-          </a:p>
-          <a:p>
-            <a:pPr>
-              <a:buFontTx/>
-              <a:buChar char="-"/>
-            </a:pPr>
-            <a:r>
-              <a:rPr lang="es-PE" sz="4000" b="1" dirty="0" smtClean="0"/>
-              <a:t>¿Qué elementos componen la extensión de sus obras y pensamientos? ¿Qué se pregunta?</a:t>
-            </a:r>
-          </a:p>
-          <a:p>
-            <a:pPr>
-              <a:buFontTx/>
-              <a:buChar char="-"/>
-            </a:pPr>
-            <a:endParaRPr lang="es-PE" sz="4000" b="1" dirty="0"/>
-          </a:p>
-          <a:p>
-            <a:pPr>
-              <a:buFontTx/>
-              <a:buChar char="-"/>
-            </a:pPr>
-            <a:r>
-              <a:rPr lang="es-PE" sz="4000" b="1" dirty="0" smtClean="0"/>
-              <a:t>¿Qué tiene que ver el giro copernicano con la C.R.P.?</a:t>
-            </a:r>
-          </a:p>
-          <a:p>
-            <a:pPr>
-              <a:buFontTx/>
-              <a:buChar char="-"/>
-            </a:pPr>
-            <a:endParaRPr lang="es-PE" sz="4000" b="1" dirty="0"/>
-          </a:p>
-          <a:p>
-            <a:pPr>
-              <a:buFontTx/>
-              <a:buChar char="-"/>
-            </a:pPr>
-            <a:endParaRPr lang="es-PE" sz="4000" b="1" dirty="0"/>
-          </a:p>
-        </p:txBody>
-      </p:sp>
+        </p:txBody>
+      </p:sp>
+      <p:pic>
+        <p:nvPicPr>
+          <p:cNvPr id="17410" name="Picture 2"/>
+          <p:cNvPicPr>
+            <a:picLocks noChangeAspect="1" noChangeArrowheads="1"/>
+          </p:cNvPicPr>
+          <p:nvPr/>
+        </p:nvPicPr>
+        <p:blipFill>
+          <a:blip r:embed="rId2"/>
+          <a:srcRect/>
+          <a:stretch>
+            <a:fillRect/>
+          </a:stretch>
+        </p:blipFill>
+        <p:spPr bwMode="auto">
+          <a:xfrm>
+            <a:off x="0" y="1268760"/>
+            <a:ext cx="8878303" cy="3816424"/>
+          </a:xfrm>
+          <a:prstGeom prst="rect">
+            <a:avLst/>
+          </a:prstGeom>
+          <a:noFill/>
+          <a:ln w="9525">
+            <a:noFill/>
+            <a:miter lim="800000"/>
+            <a:headEnd/>
+            <a:tailEnd/>
+          </a:ln>
+          <a:effectLst/>
+        </p:spPr>
+      </p:pic>
       <p:sp>
         <p:nvSpPr>
           <p:cNvPr id="2" name="Rectángulo 1"/>
@@ -6066,14 +6049,14 @@
         </p:nvSpPr>
         <p:spPr>
           <a:xfrm>
-            <a:off x="461422" y="4551691"/>
-            <a:ext cx="8225377" cy="1567743"/>
+            <a:off x="1331640" y="1271108"/>
+            <a:ext cx="2376264" cy="357692"/>
           </a:xfrm>
           <a:prstGeom prst="rect">
             <a:avLst/>
           </a:prstGeom>
           <a:noFill/>
-          <a:ln w="76200">
+          <a:ln w="38100">
             <a:solidFill>
               <a:srgbClr val="FF0000"/>
             </a:solidFill>
@@ -6096,7 +6079,12 @@
           </a:fontRef>
         </p:style>
         <p:txBody>
-          <a:bodyPr rtlCol="0" anchor="ctr"/>
+          <a:bodyPr rot="0" spcFirstLastPara="0" vertOverflow="overflow" horzOverflow="overflow" vert="horz" wrap="square" lIns="91440" tIns="45720" rIns="91440" bIns="45720" numCol="1" spcCol="0" rtlCol="0" fromWordArt="0" anchor="ctr" anchorCtr="0" forceAA="0" compatLnSpc="1">
+            <a:prstTxWarp prst="textNoShape">
+              <a:avLst/>
+            </a:prstTxWarp>
+            <a:noAutofit/>
+          </a:bodyPr>
           <a:lstStyle/>
           <a:p>
             <a:pPr algn="ctr"/>
@@ -6104,16 +6092,120 @@
           </a:p>
         </p:txBody>
       </p:sp>
+      <p:sp>
+        <p:nvSpPr>
+          <p:cNvPr id="3" name="Rectángulo 2"/>
+          <p:cNvSpPr/>
+          <p:nvPr/>
+        </p:nvSpPr>
+        <p:spPr>
+          <a:xfrm>
+            <a:off x="611560" y="4725144"/>
+            <a:ext cx="2736304" cy="360040"/>
+          </a:xfrm>
+          <a:prstGeom prst="rect">
+            <a:avLst/>
+          </a:prstGeom>
+          <a:noFill/>
+          <a:ln w="38100">
+            <a:solidFill>
+              <a:srgbClr val="FF0000"/>
+            </a:solidFill>
+          </a:ln>
+        </p:spPr>
+        <p:style>
+          <a:lnRef idx="2">
+            <a:schemeClr val="accent1">
+              <a:shade val="50000"/>
+            </a:schemeClr>
+          </a:lnRef>
+          <a:fillRef idx="1">
+            <a:schemeClr val="accent1"/>
+          </a:fillRef>
+          <a:effectRef idx="0">
+            <a:schemeClr val="accent1"/>
+          </a:effectRef>
+          <a:fontRef idx="minor">
+            <a:schemeClr val="lt1"/>
+          </a:fontRef>
+        </p:style>
+        <p:txBody>
+          <a:bodyPr rot="0" spcFirstLastPara="0" vertOverflow="overflow" horzOverflow="overflow" vert="horz" wrap="square" lIns="91440" tIns="45720" rIns="91440" bIns="45720" numCol="1" spcCol="0" rtlCol="0" fromWordArt="0" anchor="ctr" anchorCtr="0" forceAA="0" compatLnSpc="1">
+            <a:prstTxWarp prst="textNoShape">
+              <a:avLst/>
+            </a:prstTxWarp>
+            <a:noAutofit/>
+          </a:bodyPr>
+          <a:lstStyle/>
+          <a:p>
+            <a:pPr algn="ctr"/>
+            <a:endParaRPr lang="es-PE"/>
+          </a:p>
+        </p:txBody>
+      </p:sp>
+      <p:sp>
+        <p:nvSpPr>
+          <p:cNvPr id="5" name="Rectángulo 4"/>
+          <p:cNvSpPr/>
+          <p:nvPr/>
+        </p:nvSpPr>
+        <p:spPr>
+          <a:xfrm>
+            <a:off x="7596336" y="2708920"/>
+            <a:ext cx="1080120" cy="720080"/>
+          </a:xfrm>
+          <a:prstGeom prst="rect">
+            <a:avLst/>
+          </a:prstGeom>
+          <a:noFill/>
+          <a:ln w="38100">
+            <a:solidFill>
+              <a:srgbClr val="FF0000"/>
+            </a:solidFill>
+          </a:ln>
+        </p:spPr>
+        <p:style>
+          <a:lnRef idx="2">
+            <a:schemeClr val="accent1">
+              <a:shade val="50000"/>
+            </a:schemeClr>
+          </a:lnRef>
+          <a:fillRef idx="1">
+            <a:schemeClr val="accent1"/>
+          </a:fillRef>
+          <a:effectRef idx="0">
+            <a:schemeClr val="accent1"/>
+          </a:effectRef>
+          <a:fontRef idx="minor">
+            <a:schemeClr val="lt1"/>
+          </a:fontRef>
+        </p:style>
+        <p:txBody>
+          <a:bodyPr rot="0" spcFirstLastPara="0" vertOverflow="overflow" horzOverflow="overflow" vert="horz" wrap="square" lIns="91440" tIns="45720" rIns="91440" bIns="45720" numCol="1" spcCol="0" rtlCol="0" fromWordArt="0" anchor="ctr" anchorCtr="0" forceAA="0" compatLnSpc="1">
+            <a:prstTxWarp prst="textNoShape">
+              <a:avLst/>
+            </a:prstTxWarp>
+            <a:noAutofit/>
+          </a:bodyPr>
+          <a:lstStyle/>
+          <a:p>
+            <a:pPr algn="ctr"/>
+            <a:endParaRPr lang="es-PE"/>
+          </a:p>
+        </p:txBody>
+      </p:sp>
     </p:spTree>
-    <p:extLst>
-      <p:ext uri="{BB962C8B-B14F-4D97-AF65-F5344CB8AC3E}">
-        <p14:creationId xmlns:p14="http://schemas.microsoft.com/office/powerpoint/2010/main" val="2498334702"/>
-      </p:ext>
-    </p:extLst>
   </p:cSld>
   <p:clrMapOvr>
     <a:masterClrMapping/>
   </p:clrMapOvr>
+  <p:timing>
+    <p:tnLst>
+      <p:par>
+        <p:cTn id="1" dur="indefinite" restart="never" nodeType="tmRoot"/>
+      </p:par>
+    </p:tnLst>
+  </p:timing>
 </p:sld>
 </file>
 
@@ -6136,150 +6228,148 @@
       </p:grpSpPr>
       <p:sp>
         <p:nvSpPr>
-          <p:cNvPr id="4" name="3 CuadroTexto"/>
-          <p:cNvSpPr txBox="1"/>
-          <p:nvPr/>
-        </p:nvSpPr>
-        <p:spPr>
-          <a:xfrm>
-            <a:off x="428596" y="428604"/>
-            <a:ext cx="8286808" cy="3416320"/>
-          </a:xfrm>
-          <a:prstGeom prst="rect">
-            <a:avLst/>
-          </a:prstGeom>
-          <a:noFill/>
-        </p:spPr>
-        <p:txBody>
-          <a:bodyPr wrap="square" rtlCol="0">
-            <a:spAutoFit/>
+          <p:cNvPr id="3" name="Marcador de contenido 2"/>
+          <p:cNvSpPr>
+            <a:spLocks noGrp="1"/>
+          </p:cNvSpPr>
+          <p:nvPr>
+            <p:ph idx="1"/>
+          </p:nvPr>
+        </p:nvSpPr>
+        <p:spPr>
+          <a:xfrm>
+            <a:off x="457200" y="620688"/>
+            <a:ext cx="8229600" cy="5505475"/>
+          </a:xfrm>
+        </p:spPr>
+        <p:txBody>
+          <a:bodyPr>
+            <a:normAutofit fontScale="92500" lnSpcReduction="20000"/>
           </a:bodyPr>
           <a:lstStyle/>
           <a:p>
-            <a:pPr>
-              <a:buNone/>
-            </a:pPr>
-            <a:r>
-              <a:rPr lang="es-PE" dirty="0" smtClean="0"/>
-              <a:t>Así, Kant rescata la importancia de la </a:t>
-            </a:r>
-            <a:r>
-              <a:rPr lang="es-PE" dirty="0" smtClean="0">
-                <a:solidFill>
-                  <a:srgbClr val="FF0000"/>
-                </a:solidFill>
-              </a:rPr>
-              <a:t>SENSIBILIDAD</a:t>
-            </a:r>
-            <a:r>
-              <a:rPr lang="es-PE" dirty="0" smtClean="0"/>
-              <a:t>.</a:t>
-            </a:r>
-          </a:p>
-          <a:p>
-            <a:pPr>
-              <a:buNone/>
-            </a:pPr>
-            <a:endParaRPr lang="es-PE" dirty="0" smtClean="0"/>
-          </a:p>
-          <a:p>
-            <a:pPr algn="just">
-              <a:buNone/>
-            </a:pPr>
-            <a:r>
-              <a:rPr lang="es-PE" dirty="0" smtClean="0"/>
-              <a:t>La sensibilidad es lo que nos pone en contacto directo con los objetos. Cuando capto los datos sensibles, mi mente ordena las ideas bajo </a:t>
-            </a:r>
-            <a:r>
-              <a:rPr lang="es-PE" dirty="0" smtClean="0">
-                <a:solidFill>
-                  <a:srgbClr val="FF0000"/>
-                </a:solidFill>
-              </a:rPr>
-              <a:t>CATEGORÍAS</a:t>
-            </a:r>
-            <a:r>
-              <a:rPr lang="es-PE" dirty="0" smtClean="0"/>
-              <a:t>, lo que presupone una estructura para el conocimiento y evita el caos de sensaciones. </a:t>
-            </a:r>
-          </a:p>
-          <a:p>
-            <a:pPr algn="just">
+            <a:pPr marL="0" indent="0">
               <a:buNone/>
             </a:pPr>
             <a:endParaRPr lang="es-PE" dirty="0"/>
           </a:p>
           <a:p>
-            <a:pPr algn="just">
+            <a:pPr marL="0" indent="0">
               <a:buNone/>
             </a:pPr>
             <a:r>
-              <a:rPr lang="es-PE" dirty="0" smtClean="0"/>
-              <a:t>La cosa en sí es el mundo, lo captado por nuestra </a:t>
-            </a:r>
-            <a:r>
-              <a:rPr lang="es-PE" dirty="0" err="1" smtClean="0"/>
-              <a:t>sensibilidad+entendimiento</a:t>
-            </a:r>
-            <a:r>
-              <a:rPr lang="es-PE" dirty="0" smtClean="0"/>
-              <a:t> es el fenómeno que se constituye cuando se aplican las categorías de la mente a los datos sensibles. </a:t>
-            </a:r>
-            <a:r>
-              <a:rPr lang="es-PE" dirty="0" smtClean="0">
-                <a:solidFill>
-                  <a:srgbClr val="FF0000"/>
-                </a:solidFill>
-              </a:rPr>
-              <a:t>Según Kant: PODEMOS CONOCER LOS FENÓMENOS PERO NO LA COSA EN SÍ.</a:t>
-            </a:r>
-          </a:p>
-          <a:p>
-            <a:pPr algn="just">
+              <a:rPr lang="es-PE" sz="4000" b="1" dirty="0" smtClean="0"/>
+              <a:t>- ¿Porqué se habla de un giro Copernicano, en el caso de Kant?</a:t>
+            </a:r>
+            <a:endParaRPr lang="es-PE" b="1" dirty="0" smtClean="0">
+              <a:solidFill>
+                <a:schemeClr val="bg1">
+                  <a:lumMod val="75000"/>
+                </a:schemeClr>
+              </a:solidFill>
+            </a:endParaRPr>
+          </a:p>
+          <a:p>
+            <a:pPr marL="0" indent="0">
               <a:buNone/>
             </a:pPr>
-            <a:endParaRPr lang="es-PE" dirty="0"/>
-          </a:p>
-          <a:p>
-            <a:pPr algn="just">
-              <a:buNone/>
+            <a:endParaRPr lang="es-PE" sz="4000" b="1" dirty="0"/>
+          </a:p>
+          <a:p>
+            <a:pPr>
+              <a:buFontTx/>
+              <a:buChar char="-"/>
             </a:pPr>
-            <a:endParaRPr lang="es-PE" dirty="0" smtClean="0">
-              <a:solidFill>
-                <a:srgbClr val="FF0000"/>
-              </a:solidFill>
-            </a:endParaRPr>
-          </a:p>
-          <a:p>
-            <a:endParaRPr lang="es-PE" dirty="0"/>
-          </a:p>
-        </p:txBody>
-      </p:sp>
-      <p:pic>
-        <p:nvPicPr>
-          <p:cNvPr id="2" name="Imagen 1"/>
-          <p:cNvPicPr>
-            <a:picLocks noChangeAspect="1"/>
-          </p:cNvPicPr>
-          <p:nvPr/>
-        </p:nvPicPr>
-        <p:blipFill>
-          <a:blip r:embed="rId2"/>
-          <a:stretch>
-            <a:fillRect/>
-          </a:stretch>
-        </p:blipFill>
-        <p:spPr>
-          <a:xfrm>
-            <a:off x="1790700" y="3501008"/>
-            <a:ext cx="5562600" cy="2867025"/>
+            <a:r>
+              <a:rPr lang="es-PE" sz="4000" b="1" dirty="0" smtClean="0"/>
+              <a:t>¿Qué elementos componen la extensión de sus obras y pensamientos? ¿Qué se pregunta?</a:t>
+            </a:r>
+          </a:p>
+          <a:p>
+            <a:pPr>
+              <a:buFontTx/>
+              <a:buChar char="-"/>
+            </a:pPr>
+            <a:endParaRPr lang="es-PE" sz="4000" b="1" dirty="0"/>
+          </a:p>
+          <a:p>
+            <a:pPr>
+              <a:buFontTx/>
+              <a:buChar char="-"/>
+            </a:pPr>
+            <a:r>
+              <a:rPr lang="es-PE" sz="4000" b="1" dirty="0" smtClean="0"/>
+              <a:t>¿Qué tiene que ver el giro copernicano con la C.R.P.?</a:t>
+            </a:r>
+          </a:p>
+          <a:p>
+            <a:pPr>
+              <a:buFontTx/>
+              <a:buChar char="-"/>
+            </a:pPr>
+            <a:endParaRPr lang="es-PE" sz="4000" b="1" dirty="0"/>
+          </a:p>
+          <a:p>
+            <a:pPr>
+              <a:buFontTx/>
+              <a:buChar char="-"/>
+            </a:pPr>
+            <a:endParaRPr lang="es-PE" sz="4000" b="1" dirty="0"/>
+          </a:p>
+        </p:txBody>
+      </p:sp>
+      <p:sp>
+        <p:nvSpPr>
+          <p:cNvPr id="2" name="Rectángulo 1"/>
+          <p:cNvSpPr/>
+          <p:nvPr/>
+        </p:nvSpPr>
+        <p:spPr>
+          <a:xfrm>
+            <a:off x="461422" y="4551691"/>
+            <a:ext cx="8225377" cy="1567743"/>
           </a:xfrm>
           <a:prstGeom prst="rect">
             <a:avLst/>
           </a:prstGeom>
-        </p:spPr>
-      </p:pic>
+          <a:noFill/>
+          <a:ln w="76200">
+            <a:solidFill>
+              <a:srgbClr val="FF0000"/>
+            </a:solidFill>
+          </a:ln>
+        </p:spPr>
+        <p:style>
+          <a:lnRef idx="2">
+            <a:schemeClr val="accent1">
+              <a:shade val="50000"/>
+            </a:schemeClr>
+          </a:lnRef>
+          <a:fillRef idx="1">
+            <a:schemeClr val="accent1"/>
+          </a:fillRef>
+          <a:effectRef idx="0">
+            <a:schemeClr val="accent1"/>
+          </a:effectRef>
+          <a:fontRef idx="minor">
+            <a:schemeClr val="lt1"/>
+          </a:fontRef>
+        </p:style>
+        <p:txBody>
+          <a:bodyPr rtlCol="0" anchor="ctr"/>
+          <a:lstStyle/>
+          <a:p>
+            <a:pPr algn="ctr"/>
+            <a:endParaRPr lang="es-PE"/>
+          </a:p>
+        </p:txBody>
+      </p:sp>
     </p:spTree>
+    <p:extLst>
+      <p:ext uri="{BB962C8B-B14F-4D97-AF65-F5344CB8AC3E}">
+        <p14:creationId xmlns:p14="http://schemas.microsoft.com/office/powerpoint/2010/main" val="2498334702"/>
+      </p:ext>
+    </p:extLst>
   </p:cSld>
   <p:clrMapOvr>
     <a:masterClrMapping/>
@@ -6441,8 +6531,8 @@
         </p:nvSpPr>
         <p:spPr>
           <a:xfrm>
-            <a:off x="4716016" y="19472"/>
-            <a:ext cx="3999388" cy="7017306"/>
+            <a:off x="428596" y="428604"/>
+            <a:ext cx="8286808" cy="3416320"/>
           </a:xfrm>
           <a:prstGeom prst="rect">
             <a:avLst/>
@@ -6458,13 +6548,48 @@
             <a:pPr>
               <a:buNone/>
             </a:pPr>
+            <a:r>
+              <a:rPr lang="es-PE" dirty="0" smtClean="0"/>
+              <a:t>Así, Kant rescata la importancia de la </a:t>
+            </a:r>
             <a:r>
               <a:rPr lang="es-PE" dirty="0" smtClean="0">
                 <a:solidFill>
                   <a:srgbClr val="FF0000"/>
                 </a:solidFill>
               </a:rPr>
+              <a:t>SENSIBILIDAD</a:t>
+            </a:r>
+            <a:r>
+              <a:rPr lang="es-PE" dirty="0" smtClean="0"/>
               <a:t>.</a:t>
+            </a:r>
+          </a:p>
+          <a:p>
+            <a:pPr>
+              <a:buNone/>
+            </a:pPr>
+            <a:endParaRPr lang="es-PE" dirty="0" smtClean="0"/>
+          </a:p>
+          <a:p>
+            <a:pPr algn="just">
+              <a:buNone/>
+            </a:pPr>
+            <a:r>
+              <a:rPr lang="es-PE" dirty="0" smtClean="0"/>
+              <a:t>La sensibilidad es lo que nos pone en contacto directo con los objetos. Cuando capto los datos sensibles, mi mente ordena las ideas bajo </a:t>
+            </a:r>
+            <a:r>
+              <a:rPr lang="es-PE" dirty="0" smtClean="0">
+                <a:solidFill>
+                  <a:srgbClr val="FF0000"/>
+                </a:solidFill>
+              </a:rPr>
+              <a:t>CATEGORÍAS</a:t>
+            </a:r>
+            <a:r>
+              <a:rPr lang="es-PE" dirty="0" smtClean="0"/>
+              <a:t>, lo que presupone una estructura para el conocimiento y evita el caos de sensaciones. </a:t>
             </a:r>
           </a:p>
           <a:p>
@@ -6479,19 +6604,23 @@
             </a:pPr>
             <a:r>
               <a:rPr lang="es-PE" dirty="0" smtClean="0"/>
-              <a:t>Entonces… puede ser legítimo preguntarnos…. ¿Qué pasa con la </a:t>
+              <a:t>La cosa en sí es el mundo, lo captado por nuestra </a:t>
+            </a:r>
+            <a:r>
+              <a:rPr lang="es-PE" dirty="0" err="1" smtClean="0"/>
+              <a:t>sensibilidad+entendimiento</a:t>
+            </a:r>
+            <a:r>
+              <a:rPr lang="es-PE" dirty="0" smtClean="0"/>
+              <a:t> es el fenómeno que se constituye cuando se aplican las categorías de la mente a los datos sensibles. </a:t>
             </a:r>
             <a:r>
               <a:rPr lang="es-PE" dirty="0" smtClean="0">
                 <a:solidFill>
-                  <a:srgbClr val="00B050"/>
+                  <a:srgbClr val="FF0000"/>
                 </a:solidFill>
               </a:rPr>
-              <a:t>verdad</a:t>
-            </a:r>
-            <a:r>
-              <a:rPr lang="es-PE" dirty="0" smtClean="0"/>
-              <a:t>?</a:t>
+              <a:t>Según Kant: PODEMOS CONOCER LOS FENÓMENOS PERO NO LA COSA EN SÍ.</a:t>
             </a:r>
           </a:p>
           <a:p>
@@ -6499,54 +6628,6 @@
               <a:buNone/>
             </a:pPr>
             <a:endParaRPr lang="es-PE" dirty="0"/>
-          </a:p>
-          <a:p>
-            <a:pPr algn="just">
-              <a:buNone/>
-            </a:pPr>
-            <a:r>
-              <a:rPr lang="es-PE" dirty="0" smtClean="0"/>
-              <a:t>Al cuestionar los alcances de la razón y fijar los límites en la experiencia, llegamos a la idea que supone que no podemos conocer realmente la “verdad” o la cosa en sí, ni mucho menos a Dios y a sus supuestos “interpretes”.</a:t>
-            </a:r>
-          </a:p>
-          <a:p>
-            <a:pPr algn="just">
-              <a:buNone/>
-            </a:pPr>
-            <a:endParaRPr lang="es-PE" dirty="0"/>
-          </a:p>
-          <a:p>
-            <a:pPr algn="just">
-              <a:buNone/>
-            </a:pPr>
-            <a:r>
-              <a:rPr lang="es-PE" dirty="0" smtClean="0"/>
-              <a:t>De éste modo, se cortan las alas del despotismo…. En este sentido, la C.R.P. no es sólo un texto sobre teoría del </a:t>
-            </a:r>
-            <a:r>
-              <a:rPr lang="es-PE" dirty="0" smtClean="0">
-                <a:solidFill>
-                  <a:srgbClr val="00B050"/>
-                </a:solidFill>
-              </a:rPr>
-              <a:t>conocimiento humano</a:t>
-            </a:r>
-            <a:r>
-              <a:rPr lang="es-PE" dirty="0" smtClean="0"/>
-              <a:t>, sino que además tiene claros alcances </a:t>
-            </a:r>
-            <a:r>
-              <a:rPr lang="es-PE" dirty="0" smtClean="0">
-                <a:solidFill>
-                  <a:srgbClr val="00B050"/>
-                </a:solidFill>
-              </a:rPr>
-              <a:t>políticos</a:t>
-            </a:r>
-            <a:r>
-              <a:rPr lang="es-PE" dirty="0" smtClean="0"/>
-              <a:t>. No olvidemos que al soberano Guillermo II no le gustará para nada tal concepto y Kant, y todo quien enseñe sus doctrinas será “censurado”, por usar una palabra ligera. </a:t>
-            </a:r>
           </a:p>
           <a:p>
             <a:pPr algn="just">
@@ -6565,7 +6646,7 @@
       </p:sp>
       <p:pic>
         <p:nvPicPr>
-          <p:cNvPr id="3" name="Imagen 2"/>
+          <p:cNvPr id="2" name="Imagen 1"/>
           <p:cNvPicPr>
             <a:picLocks noChangeAspect="1"/>
           </p:cNvPicPr>
@@ -6579,8 +6660,8 @@
         </p:blipFill>
         <p:spPr>
           <a:xfrm>
-            <a:off x="251520" y="332656"/>
-            <a:ext cx="4145806" cy="6242400"/>
+            <a:off x="1790700" y="3501008"/>
+            <a:ext cx="5562600" cy="2867025"/>
           </a:xfrm>
           <a:prstGeom prst="rect">
             <a:avLst/>
@@ -6588,11 +6669,6 @@
         </p:spPr>
       </p:pic>
     </p:spTree>
-    <p:extLst>
-      <p:ext uri="{BB962C8B-B14F-4D97-AF65-F5344CB8AC3E}">
-        <p14:creationId xmlns:p14="http://schemas.microsoft.com/office/powerpoint/2010/main" val="130871090"/>
-      </p:ext>
-    </p:extLst>
   </p:cSld>
   <p:clrMapOvr>
     <a:masterClrMapping/>
@@ -6617,9 +6693,139 @@
           <a:chExt cx="0" cy="0"/>
         </a:xfrm>
       </p:grpSpPr>
+      <p:sp>
+        <p:nvSpPr>
+          <p:cNvPr id="4" name="3 CuadroTexto"/>
+          <p:cNvSpPr txBox="1"/>
+          <p:nvPr/>
+        </p:nvSpPr>
+        <p:spPr>
+          <a:xfrm>
+            <a:off x="4716016" y="19472"/>
+            <a:ext cx="3999388" cy="7017306"/>
+          </a:xfrm>
+          <a:prstGeom prst="rect">
+            <a:avLst/>
+          </a:prstGeom>
+          <a:noFill/>
+        </p:spPr>
+        <p:txBody>
+          <a:bodyPr wrap="square" rtlCol="0">
+            <a:spAutoFit/>
+          </a:bodyPr>
+          <a:lstStyle/>
+          <a:p>
+            <a:pPr>
+              <a:buNone/>
+            </a:pPr>
+            <a:r>
+              <a:rPr lang="es-PE" dirty="0" smtClean="0">
+                <a:solidFill>
+                  <a:srgbClr val="FF0000"/>
+                </a:solidFill>
+              </a:rPr>
+              <a:t>.</a:t>
+            </a:r>
+          </a:p>
+          <a:p>
+            <a:pPr algn="just">
+              <a:buNone/>
+            </a:pPr>
+            <a:endParaRPr lang="es-PE" dirty="0"/>
+          </a:p>
+          <a:p>
+            <a:pPr algn="just">
+              <a:buNone/>
+            </a:pPr>
+            <a:r>
+              <a:rPr lang="es-PE" dirty="0" smtClean="0"/>
+              <a:t>Entonces… puede ser legítimo preguntarnos…. ¿Qué pasa con la </a:t>
+            </a:r>
+            <a:r>
+              <a:rPr lang="es-PE" dirty="0" smtClean="0">
+                <a:solidFill>
+                  <a:srgbClr val="00B050"/>
+                </a:solidFill>
+              </a:rPr>
+              <a:t>verdad</a:t>
+            </a:r>
+            <a:r>
+              <a:rPr lang="es-PE" dirty="0" smtClean="0"/>
+              <a:t>?</a:t>
+            </a:r>
+          </a:p>
+          <a:p>
+            <a:pPr algn="just">
+              <a:buNone/>
+            </a:pPr>
+            <a:endParaRPr lang="es-PE" dirty="0"/>
+          </a:p>
+          <a:p>
+            <a:pPr algn="just">
+              <a:buNone/>
+            </a:pPr>
+            <a:r>
+              <a:rPr lang="es-PE" dirty="0" smtClean="0"/>
+              <a:t>Al cuestionar los alcances de la razón y fijar los límites en la experiencia, llegamos a la idea que supone que no podemos conocer realmente la “verdad” o la cosa en sí, ni mucho menos a Dios y a sus supuestos “interpretes”.</a:t>
+            </a:r>
+          </a:p>
+          <a:p>
+            <a:pPr algn="just">
+              <a:buNone/>
+            </a:pPr>
+            <a:endParaRPr lang="es-PE" dirty="0"/>
+          </a:p>
+          <a:p>
+            <a:pPr algn="just">
+              <a:buNone/>
+            </a:pPr>
+            <a:r>
+              <a:rPr lang="es-PE" dirty="0" smtClean="0"/>
+              <a:t>De éste modo, se cortan las alas del despotismo…. En este sentido, la C.R.P. no es sólo un texto sobre teoría del </a:t>
+            </a:r>
+            <a:r>
+              <a:rPr lang="es-PE" dirty="0" smtClean="0">
+                <a:solidFill>
+                  <a:srgbClr val="00B050"/>
+                </a:solidFill>
+              </a:rPr>
+              <a:t>conocimiento humano</a:t>
+            </a:r>
+            <a:r>
+              <a:rPr lang="es-PE" dirty="0" smtClean="0"/>
+              <a:t>, sino que además tiene claros alcances </a:t>
+            </a:r>
+            <a:r>
+              <a:rPr lang="es-PE" dirty="0" smtClean="0">
+                <a:solidFill>
+                  <a:srgbClr val="00B050"/>
+                </a:solidFill>
+              </a:rPr>
+              <a:t>políticos</a:t>
+            </a:r>
+            <a:r>
+              <a:rPr lang="es-PE" dirty="0" smtClean="0"/>
+              <a:t>. No olvidemos que al soberano Guillermo II no le gustará para nada tal concepto y Kant, y todo quien enseñe sus doctrinas será “censurado”, por usar una palabra ligera. </a:t>
+            </a:r>
+          </a:p>
+          <a:p>
+            <a:pPr algn="just">
+              <a:buNone/>
+            </a:pPr>
+            <a:endParaRPr lang="es-PE" dirty="0" smtClean="0">
+              <a:solidFill>
+                <a:srgbClr val="FF0000"/>
+              </a:solidFill>
+            </a:endParaRPr>
+          </a:p>
+          <a:p>
+            <a:endParaRPr lang="es-PE" dirty="0"/>
+          </a:p>
+        </p:txBody>
+      </p:sp>
       <p:pic>
         <p:nvPicPr>
-          <p:cNvPr id="5" name="Imagen 4"/>
+          <p:cNvPr id="3" name="Imagen 2"/>
           <p:cNvPicPr>
             <a:picLocks noChangeAspect="1"/>
           </p:cNvPicPr>
@@ -6633,8 +6839,8 @@
         </p:blipFill>
         <p:spPr>
           <a:xfrm>
-            <a:off x="899592" y="908720"/>
-            <a:ext cx="7488832" cy="4724498"/>
+            <a:off x="251520" y="332656"/>
+            <a:ext cx="4145806" cy="6242400"/>
           </a:xfrm>
           <a:prstGeom prst="rect">
             <a:avLst/>
@@ -6644,7 +6850,7 @@
     </p:spTree>
     <p:extLst>
       <p:ext uri="{BB962C8B-B14F-4D97-AF65-F5344CB8AC3E}">
-        <p14:creationId xmlns:p14="http://schemas.microsoft.com/office/powerpoint/2010/main" val="2145563828"/>
+        <p14:creationId xmlns:p14="http://schemas.microsoft.com/office/powerpoint/2010/main" val="130871090"/>
       </p:ext>
     </p:extLst>
   </p:cSld>
@@ -6671,175 +6877,9 @@
           <a:chExt cx="0" cy="0"/>
         </a:xfrm>
       </p:grpSpPr>
-      <p:sp>
-        <p:nvSpPr>
-          <p:cNvPr id="4" name="3 CuadroTexto"/>
-          <p:cNvSpPr txBox="1"/>
-          <p:nvPr/>
-        </p:nvSpPr>
-        <p:spPr>
-          <a:xfrm>
-            <a:off x="285720" y="285728"/>
-            <a:ext cx="8501122" cy="7017306"/>
-          </a:xfrm>
-          <a:prstGeom prst="rect">
-            <a:avLst/>
-          </a:prstGeom>
-          <a:noFill/>
-        </p:spPr>
-        <p:txBody>
-          <a:bodyPr wrap="square" rtlCol="0">
-            <a:spAutoFit/>
-          </a:bodyPr>
-          <a:lstStyle/>
-          <a:p>
-            <a:pPr algn="just"/>
-            <a:r>
-              <a:rPr lang="es-PE" dirty="0" smtClean="0"/>
-              <a:t>J. Locke había establecido que la </a:t>
-            </a:r>
-            <a:r>
-              <a:rPr lang="es-PE" dirty="0" smtClean="0">
-                <a:solidFill>
-                  <a:srgbClr val="00B050"/>
-                </a:solidFill>
-              </a:rPr>
-              <a:t>mente</a:t>
-            </a:r>
-            <a:r>
-              <a:rPr lang="es-PE" dirty="0" smtClean="0"/>
-              <a:t> es como un </a:t>
-            </a:r>
-            <a:r>
-              <a:rPr lang="es-PE" dirty="0" smtClean="0">
-                <a:solidFill>
-                  <a:srgbClr val="00B050"/>
-                </a:solidFill>
-              </a:rPr>
-              <a:t>papel en blanco </a:t>
-            </a:r>
-            <a:r>
-              <a:rPr lang="es-PE" dirty="0" smtClean="0"/>
-              <a:t>en donde se plasman nuestras impresiones (Una </a:t>
-            </a:r>
-            <a:r>
-              <a:rPr lang="es-PE" dirty="0" smtClean="0">
-                <a:solidFill>
-                  <a:srgbClr val="00B050"/>
-                </a:solidFill>
-              </a:rPr>
-              <a:t>tabula rasa</a:t>
-            </a:r>
-            <a:r>
-              <a:rPr lang="es-PE" dirty="0" smtClean="0"/>
-              <a:t>, en contra del concepto de ideas innatas). Para Kant, en la mente hay una estructura predeterminada y percibimos las cosas ordenadamente gracias a dicha arquitectónica. </a:t>
-            </a:r>
-          </a:p>
-          <a:p>
-            <a:pPr algn="just"/>
-            <a:endParaRPr lang="es-PE" dirty="0"/>
-          </a:p>
-          <a:p>
-            <a:pPr algn="just"/>
-            <a:endParaRPr lang="es-PE" dirty="0" smtClean="0"/>
-          </a:p>
-          <a:p>
-            <a:pPr algn="just"/>
-            <a:endParaRPr lang="es-PE" dirty="0"/>
-          </a:p>
-          <a:p>
-            <a:pPr algn="just"/>
-            <a:endParaRPr lang="es-PE" dirty="0" smtClean="0"/>
-          </a:p>
-          <a:p>
-            <a:pPr algn="just"/>
-            <a:endParaRPr lang="es-PE" dirty="0"/>
-          </a:p>
-          <a:p>
-            <a:pPr algn="just"/>
-            <a:endParaRPr lang="es-PE" dirty="0" smtClean="0"/>
-          </a:p>
-          <a:p>
-            <a:pPr algn="just"/>
-            <a:r>
-              <a:rPr lang="es-PE" dirty="0" smtClean="0"/>
-              <a:t>La estructura organiza datos de la experiencia y </a:t>
-            </a:r>
-            <a:r>
-              <a:rPr lang="es-PE" dirty="0" smtClean="0">
-                <a:solidFill>
-                  <a:srgbClr val="FF0000"/>
-                </a:solidFill>
-              </a:rPr>
-              <a:t>FORMA</a:t>
-            </a:r>
-            <a:r>
-              <a:rPr lang="es-PE" dirty="0" smtClean="0"/>
-              <a:t> el objeto. La mente “distorsiona” los contenidos del mundo; en nuestra mente se constituyen objetos de otra naturaleza que no son equivalentes a los de la realidad, es decir, una vez más, no hay correlato exacto entre fenómeno y cosa en sí. </a:t>
-            </a:r>
-          </a:p>
-          <a:p>
-            <a:pPr algn="just"/>
-            <a:endParaRPr lang="es-PE" dirty="0"/>
-          </a:p>
-          <a:p>
-            <a:pPr algn="just"/>
-            <a:endParaRPr lang="es-PE" dirty="0" smtClean="0"/>
-          </a:p>
-          <a:p>
-            <a:pPr algn="just"/>
-            <a:endParaRPr lang="es-PE" dirty="0"/>
-          </a:p>
-          <a:p>
-            <a:pPr algn="just"/>
-            <a:endParaRPr lang="es-PE" dirty="0" smtClean="0"/>
-          </a:p>
-          <a:p>
-            <a:pPr algn="just"/>
-            <a:endParaRPr lang="es-PE" dirty="0"/>
-          </a:p>
-          <a:p>
-            <a:pPr algn="just"/>
-            <a:r>
-              <a:rPr lang="es-PE" dirty="0" smtClean="0"/>
-              <a:t>Por ejemplo: la idea de causa/efecto no está propiamente en la realidad, sino que se trata de </a:t>
-            </a:r>
-            <a:r>
-              <a:rPr lang="es-PE" i="1" dirty="0" smtClean="0">
-                <a:solidFill>
-                  <a:srgbClr val="FF0000"/>
-                </a:solidFill>
-              </a:rPr>
-              <a:t>nuestra </a:t>
-            </a:r>
-            <a:r>
-              <a:rPr lang="es-PE" dirty="0" smtClean="0"/>
-              <a:t>manera de entender el mundo, lo mismo sucede con el espacio/tiempo, estas son condiciones que posibilitan el conocimiento, </a:t>
-            </a:r>
-            <a:r>
-              <a:rPr lang="es-PE" b="1" u="sng" dirty="0" smtClean="0"/>
-              <a:t>son formas puras de sensibilidad.</a:t>
-            </a:r>
-          </a:p>
-          <a:p>
-            <a:pPr algn="just"/>
-            <a:endParaRPr lang="es-PE" b="1" u="sng" dirty="0">
-              <a:solidFill>
-                <a:srgbClr val="FF0000"/>
-              </a:solidFill>
-            </a:endParaRPr>
-          </a:p>
-          <a:p>
-            <a:endParaRPr lang="es-PE" dirty="0"/>
-          </a:p>
-          <a:p>
-            <a:endParaRPr lang="es-PE" dirty="0"/>
-          </a:p>
-        </p:txBody>
-      </p:sp>
       <p:pic>
         <p:nvPicPr>
-          <p:cNvPr id="2" name="Imagen 1"/>
+          <p:cNvPr id="5" name="Imagen 4"/>
           <p:cNvPicPr>
             <a:picLocks noChangeAspect="1"/>
           </p:cNvPicPr>
@@ -6853,32 +6893,8 @@
         </p:blipFill>
         <p:spPr>
           <a:xfrm>
-            <a:off x="3707904" y="1556792"/>
-            <a:ext cx="1386359" cy="1393024"/>
-          </a:xfrm>
-          <a:prstGeom prst="rect">
-            <a:avLst/>
-          </a:prstGeom>
-        </p:spPr>
-      </p:pic>
-      <p:pic>
-        <p:nvPicPr>
-          <p:cNvPr id="3" name="Imagen 2"/>
-          <p:cNvPicPr>
-            <a:picLocks noChangeAspect="1"/>
-          </p:cNvPicPr>
-          <p:nvPr/>
-        </p:nvPicPr>
-        <p:blipFill>
-          <a:blip r:embed="rId3"/>
-          <a:stretch>
-            <a:fillRect/>
-          </a:stretch>
-        </p:blipFill>
-        <p:spPr>
-          <a:xfrm>
-            <a:off x="3275856" y="4220880"/>
-            <a:ext cx="2219461" cy="1229240"/>
+            <a:off x="899592" y="908720"/>
+            <a:ext cx="7488832" cy="4724498"/>
           </a:xfrm>
           <a:prstGeom prst="rect">
             <a:avLst/>
@@ -6886,6 +6902,11 @@
         </p:spPr>
       </p:pic>
     </p:spTree>
+    <p:extLst>
+      <p:ext uri="{BB962C8B-B14F-4D97-AF65-F5344CB8AC3E}">
+        <p14:creationId xmlns:p14="http://schemas.microsoft.com/office/powerpoint/2010/main" val="2145563828"/>
+      </p:ext>
+    </p:extLst>
   </p:cSld>
   <p:clrMapOvr>
     <a:masterClrMapping/>
@@ -6918,7 +6939,7 @@
         </p:nvSpPr>
         <p:spPr>
           <a:xfrm>
-            <a:off x="323528" y="81925"/>
+            <a:off x="285720" y="285728"/>
             <a:ext cx="8501122" cy="7017306"/>
           </a:xfrm>
           <a:prstGeom prst="rect">
@@ -6931,6 +6952,135 @@
             <a:spAutoFit/>
           </a:bodyPr>
           <a:lstStyle/>
+          <a:p>
+            <a:pPr algn="just"/>
+            <a:r>
+              <a:rPr lang="es-PE" dirty="0" smtClean="0"/>
+              <a:t>J. Locke había establecido que la </a:t>
+            </a:r>
+            <a:r>
+              <a:rPr lang="es-PE" dirty="0" smtClean="0">
+                <a:solidFill>
+                  <a:srgbClr val="00B050"/>
+                </a:solidFill>
+              </a:rPr>
+              <a:t>mente</a:t>
+            </a:r>
+            <a:r>
+              <a:rPr lang="es-PE" dirty="0" smtClean="0"/>
+              <a:t> es como un </a:t>
+            </a:r>
+            <a:r>
+              <a:rPr lang="es-PE" dirty="0" smtClean="0">
+                <a:solidFill>
+                  <a:srgbClr val="00B050"/>
+                </a:solidFill>
+              </a:rPr>
+              <a:t>papel en blanco </a:t>
+            </a:r>
+            <a:r>
+              <a:rPr lang="es-PE" dirty="0" smtClean="0"/>
+              <a:t>en donde se plasman nuestras impresiones (Una </a:t>
+            </a:r>
+            <a:r>
+              <a:rPr lang="es-PE" dirty="0" smtClean="0">
+                <a:solidFill>
+                  <a:srgbClr val="00B050"/>
+                </a:solidFill>
+              </a:rPr>
+              <a:t>tabula rasa</a:t>
+            </a:r>
+            <a:r>
+              <a:rPr lang="es-PE" dirty="0" smtClean="0"/>
+              <a:t>, en contra del concepto de ideas innatas). Para Kant, en la mente hay una estructura predeterminada y percibimos las cosas ordenadamente gracias a dicha arquitectónica. </a:t>
+            </a:r>
+          </a:p>
+          <a:p>
+            <a:pPr algn="just"/>
+            <a:endParaRPr lang="es-PE" dirty="0"/>
+          </a:p>
+          <a:p>
+            <a:pPr algn="just"/>
+            <a:endParaRPr lang="es-PE" dirty="0" smtClean="0"/>
+          </a:p>
+          <a:p>
+            <a:pPr algn="just"/>
+            <a:endParaRPr lang="es-PE" dirty="0"/>
+          </a:p>
+          <a:p>
+            <a:pPr algn="just"/>
+            <a:endParaRPr lang="es-PE" dirty="0" smtClean="0"/>
+          </a:p>
+          <a:p>
+            <a:pPr algn="just"/>
+            <a:endParaRPr lang="es-PE" dirty="0"/>
+          </a:p>
+          <a:p>
+            <a:pPr algn="just"/>
+            <a:endParaRPr lang="es-PE" dirty="0" smtClean="0"/>
+          </a:p>
+          <a:p>
+            <a:pPr algn="just"/>
+            <a:r>
+              <a:rPr lang="es-PE" dirty="0" smtClean="0"/>
+              <a:t>La estructura organiza datos de la experiencia y </a:t>
+            </a:r>
+            <a:r>
+              <a:rPr lang="es-PE" dirty="0" smtClean="0">
+                <a:solidFill>
+                  <a:srgbClr val="FF0000"/>
+                </a:solidFill>
+              </a:rPr>
+              <a:t>FORMA</a:t>
+            </a:r>
+            <a:r>
+              <a:rPr lang="es-PE" dirty="0" smtClean="0"/>
+              <a:t> el objeto. La mente “distorsiona” los contenidos del mundo; en nuestra mente se constituyen objetos de otra naturaleza que no son equivalentes a los de la realidad, es decir, una vez más, no hay correlato exacto entre fenómeno y cosa en sí. </a:t>
+            </a:r>
+          </a:p>
+          <a:p>
+            <a:pPr algn="just"/>
+            <a:endParaRPr lang="es-PE" dirty="0"/>
+          </a:p>
+          <a:p>
+            <a:pPr algn="just"/>
+            <a:endParaRPr lang="es-PE" dirty="0" smtClean="0"/>
+          </a:p>
+          <a:p>
+            <a:pPr algn="just"/>
+            <a:endParaRPr lang="es-PE" dirty="0"/>
+          </a:p>
+          <a:p>
+            <a:pPr algn="just"/>
+            <a:endParaRPr lang="es-PE" dirty="0" smtClean="0"/>
+          </a:p>
+          <a:p>
+            <a:pPr algn="just"/>
+            <a:endParaRPr lang="es-PE" dirty="0"/>
+          </a:p>
+          <a:p>
+            <a:pPr algn="just"/>
+            <a:r>
+              <a:rPr lang="es-PE" dirty="0" smtClean="0"/>
+              <a:t>Por ejemplo: la idea de causa/efecto no está propiamente en la realidad, sino que se trata de </a:t>
+            </a:r>
+            <a:r>
+              <a:rPr lang="es-PE" i="1" dirty="0" smtClean="0">
+                <a:solidFill>
+                  <a:srgbClr val="FF0000"/>
+                </a:solidFill>
+              </a:rPr>
+              <a:t>nuestra </a:t>
+            </a:r>
+            <a:r>
+              <a:rPr lang="es-PE" dirty="0" smtClean="0"/>
+              <a:t>manera de entender el mundo, lo mismo sucede con el espacio/tiempo, estas son condiciones que posibilitan el conocimiento, </a:t>
+            </a:r>
+            <a:r>
+              <a:rPr lang="es-PE" b="1" u="sng" dirty="0" smtClean="0"/>
+              <a:t>son formas puras de sensibilidad.</a:t>
+            </a:r>
+          </a:p>
           <a:p>
             <a:pPr algn="just"/>
             <a:endParaRPr lang="es-PE" b="1" u="sng" dirty="0">
@@ -6938,159 +7088,6 @@
                 <a:srgbClr val="FF0000"/>
               </a:solidFill>
             </a:endParaRPr>
-          </a:p>
-          <a:p>
-            <a:pPr algn="just"/>
-            <a:r>
-              <a:rPr lang="es-PE" b="1" u="sng" dirty="0" smtClean="0">
-                <a:solidFill>
-                  <a:srgbClr val="FF0000"/>
-                </a:solidFill>
-              </a:rPr>
-              <a:t>Las formas puras, tal y como espacio/tiempo o causa/efecto se encuentran pasivamente en el ámbito de la sensibilidad, mientras que las categorías se ubican en el entendimiento. Todas ellas son </a:t>
-            </a:r>
-            <a:r>
-              <a:rPr lang="es-PE" b="1" u="sng" dirty="0" smtClean="0">
-                <a:solidFill>
-                  <a:srgbClr val="00B050"/>
-                </a:solidFill>
-              </a:rPr>
-              <a:t>condiciones de posibilidad</a:t>
-            </a:r>
-            <a:r>
-              <a:rPr lang="es-PE" b="1" u="sng" dirty="0" smtClean="0">
-                <a:solidFill>
-                  <a:srgbClr val="FF0000"/>
-                </a:solidFill>
-              </a:rPr>
-              <a:t>, estructuras a priori o estructuras trascendentales. </a:t>
-            </a:r>
-          </a:p>
-          <a:p>
-            <a:pPr algn="just"/>
-            <a:endParaRPr lang="es-PE" b="1" u="sng" dirty="0">
-              <a:solidFill>
-                <a:srgbClr val="FF0000"/>
-              </a:solidFill>
-            </a:endParaRPr>
-          </a:p>
-          <a:p>
-            <a:pPr algn="just"/>
-            <a:endParaRPr lang="es-PE" b="1" u="sng" dirty="0" smtClean="0">
-              <a:solidFill>
-                <a:srgbClr val="FF0000"/>
-              </a:solidFill>
-            </a:endParaRPr>
-          </a:p>
-          <a:p>
-            <a:pPr algn="just"/>
-            <a:endParaRPr lang="es-PE" b="1" u="sng" dirty="0">
-              <a:solidFill>
-                <a:srgbClr val="FF0000"/>
-              </a:solidFill>
-            </a:endParaRPr>
-          </a:p>
-          <a:p>
-            <a:pPr algn="just"/>
-            <a:endParaRPr lang="es-PE" b="1" u="sng" dirty="0" smtClean="0">
-              <a:solidFill>
-                <a:srgbClr val="FF0000"/>
-              </a:solidFill>
-            </a:endParaRPr>
-          </a:p>
-          <a:p>
-            <a:pPr algn="just"/>
-            <a:endParaRPr lang="es-PE" b="1" u="sng" dirty="0">
-              <a:solidFill>
-                <a:srgbClr val="FF0000"/>
-              </a:solidFill>
-            </a:endParaRPr>
-          </a:p>
-          <a:p>
-            <a:pPr algn="just"/>
-            <a:endParaRPr lang="es-PE" b="1" u="sng" dirty="0" smtClean="0">
-              <a:solidFill>
-                <a:srgbClr val="FF0000"/>
-              </a:solidFill>
-            </a:endParaRPr>
-          </a:p>
-          <a:p>
-            <a:pPr algn="just"/>
-            <a:endParaRPr lang="es-PE" b="1" u="sng" dirty="0" smtClean="0">
-              <a:solidFill>
-                <a:srgbClr val="FF0000"/>
-              </a:solidFill>
-            </a:endParaRPr>
-          </a:p>
-          <a:p>
-            <a:pPr algn="just"/>
-            <a:endParaRPr lang="es-PE" b="1" u="sng" dirty="0">
-              <a:solidFill>
-                <a:srgbClr val="FF0000"/>
-              </a:solidFill>
-            </a:endParaRPr>
-          </a:p>
-          <a:p>
-            <a:pPr algn="just"/>
-            <a:endParaRPr lang="es-PE" b="1" u="sng" dirty="0">
-              <a:solidFill>
-                <a:srgbClr val="FF0000"/>
-              </a:solidFill>
-            </a:endParaRPr>
-          </a:p>
-          <a:p>
-            <a:pPr algn="just"/>
-            <a:endParaRPr lang="es-PE" b="1" u="sng" dirty="0" smtClean="0">
-              <a:solidFill>
-                <a:srgbClr val="FF0000"/>
-              </a:solidFill>
-            </a:endParaRPr>
-          </a:p>
-          <a:p>
-            <a:pPr algn="just"/>
-            <a:endParaRPr lang="es-PE" b="1" u="sng" dirty="0">
-              <a:solidFill>
-                <a:srgbClr val="FF0000"/>
-              </a:solidFill>
-            </a:endParaRPr>
-          </a:p>
-          <a:p>
-            <a:pPr algn="just"/>
-            <a:r>
-              <a:rPr lang="es-PE" dirty="0" smtClean="0"/>
-              <a:t>El mundo de mis experiencias es el mundo fenoménico. El objeto del mundo, la cosa en sí, produce en mis </a:t>
-            </a:r>
-            <a:r>
-              <a:rPr lang="es-PE" dirty="0" smtClean="0">
-                <a:solidFill>
-                  <a:srgbClr val="00B050"/>
-                </a:solidFill>
-              </a:rPr>
-              <a:t>condiciones de posibilidad </a:t>
-            </a:r>
-            <a:r>
-              <a:rPr lang="es-PE" dirty="0" smtClean="0"/>
-              <a:t>(</a:t>
-            </a:r>
-            <a:r>
-              <a:rPr lang="es-PE" dirty="0" err="1" smtClean="0"/>
-              <a:t>sensib+entend</a:t>
-            </a:r>
-            <a:r>
-              <a:rPr lang="es-PE" dirty="0" smtClean="0"/>
-              <a:t>) un fenómeno.</a:t>
-            </a:r>
-          </a:p>
-          <a:p>
-            <a:pPr algn="just"/>
-            <a:endParaRPr lang="es-PE" dirty="0"/>
-          </a:p>
-          <a:p>
-            <a:pPr algn="just"/>
-            <a:r>
-              <a:rPr lang="es-PE" dirty="0" smtClean="0"/>
-              <a:t>Kant va a señalarnos que el error de la metafísica tradicional es aplicar las categorías del entendimiento “hacia arriba”, es decir, hacia ideas como las de Dios y otras, de las cuales carecemos totalmente de experiencia concreta. Siguiendo a Kant, debemos aplicar las categorías “hacia abajo”, es decir, hacia los objetos del mundo, hacia la sensibilidad.</a:t>
-            </a:r>
           </a:p>
           <a:p>
             <a:endParaRPr lang="es-PE" dirty="0"/>
@@ -7116,71 +7113,39 @@
         </p:blipFill>
         <p:spPr>
           <a:xfrm>
-            <a:off x="1331640" y="1628800"/>
-            <a:ext cx="6712976" cy="2592288"/>
+            <a:off x="3707904" y="1556792"/>
+            <a:ext cx="1386359" cy="1393024"/>
           </a:xfrm>
           <a:prstGeom prst="rect">
             <a:avLst/>
           </a:prstGeom>
         </p:spPr>
       </p:pic>
-      <p:sp>
-        <p:nvSpPr>
-          <p:cNvPr id="3" name="Rectángulo 2"/>
-          <p:cNvSpPr/>
-          <p:nvPr/>
-        </p:nvSpPr>
-        <p:spPr>
-          <a:xfrm>
-            <a:off x="1331640" y="2420888"/>
-            <a:ext cx="2016224" cy="648072"/>
+      <p:pic>
+        <p:nvPicPr>
+          <p:cNvPr id="3" name="Imagen 2"/>
+          <p:cNvPicPr>
+            <a:picLocks noChangeAspect="1"/>
+          </p:cNvPicPr>
+          <p:nvPr/>
+        </p:nvPicPr>
+        <p:blipFill>
+          <a:blip r:embed="rId3"/>
+          <a:stretch>
+            <a:fillRect/>
+          </a:stretch>
+        </p:blipFill>
+        <p:spPr>
+          <a:xfrm>
+            <a:off x="3275856" y="4220880"/>
+            <a:ext cx="2219461" cy="1229240"/>
           </a:xfrm>
           <a:prstGeom prst="rect">
             <a:avLst/>
           </a:prstGeom>
-          <a:noFill/>
-          <a:ln w="38100">
-            <a:solidFill>
-              <a:srgbClr val="92D050"/>
-            </a:solidFill>
-          </a:ln>
-        </p:spPr>
-        <p:style>
-          <a:lnRef idx="2">
-            <a:schemeClr val="accent1">
-              <a:shade val="50000"/>
-            </a:schemeClr>
-          </a:lnRef>
-          <a:fillRef idx="1">
-            <a:schemeClr val="accent1"/>
-          </a:fillRef>
-          <a:effectRef idx="0">
-            <a:schemeClr val="accent1"/>
-          </a:effectRef>
-          <a:fontRef idx="minor">
-            <a:schemeClr val="lt1"/>
-          </a:fontRef>
-        </p:style>
-        <p:txBody>
-          <a:bodyPr rot="0" spcFirstLastPara="0" vertOverflow="overflow" horzOverflow="overflow" vert="horz" wrap="square" lIns="91440" tIns="45720" rIns="91440" bIns="45720" numCol="1" spcCol="0" rtlCol="0" fromWordArt="0" anchor="ctr" anchorCtr="0" forceAA="0" compatLnSpc="1">
-            <a:prstTxWarp prst="textNoShape">
-              <a:avLst/>
-            </a:prstTxWarp>
-            <a:noAutofit/>
-          </a:bodyPr>
-          <a:lstStyle/>
-          <a:p>
-            <a:pPr algn="ctr"/>
-            <a:endParaRPr lang="es-PE"/>
-          </a:p>
-        </p:txBody>
-      </p:sp>
+        </p:spPr>
+      </p:pic>
     </p:spTree>
-    <p:extLst>
-      <p:ext uri="{BB962C8B-B14F-4D97-AF65-F5344CB8AC3E}">
-        <p14:creationId xmlns:p14="http://schemas.microsoft.com/office/powerpoint/2010/main" val="3295092495"/>
-      </p:ext>
-    </p:extLst>
   </p:cSld>
   <p:clrMapOvr>
     <a:masterClrMapping/>
@@ -7213,6 +7178,301 @@
         </p:nvSpPr>
         <p:spPr>
           <a:xfrm>
+            <a:off x="323528" y="81925"/>
+            <a:ext cx="8501122" cy="7017306"/>
+          </a:xfrm>
+          <a:prstGeom prst="rect">
+            <a:avLst/>
+          </a:prstGeom>
+          <a:noFill/>
+        </p:spPr>
+        <p:txBody>
+          <a:bodyPr wrap="square" rtlCol="0">
+            <a:spAutoFit/>
+          </a:bodyPr>
+          <a:lstStyle/>
+          <a:p>
+            <a:pPr algn="just"/>
+            <a:endParaRPr lang="es-PE" b="1" u="sng" dirty="0">
+              <a:solidFill>
+                <a:srgbClr val="FF0000"/>
+              </a:solidFill>
+            </a:endParaRPr>
+          </a:p>
+          <a:p>
+            <a:pPr algn="just"/>
+            <a:r>
+              <a:rPr lang="es-PE" b="1" u="sng" dirty="0" smtClean="0">
+                <a:solidFill>
+                  <a:srgbClr val="FF0000"/>
+                </a:solidFill>
+              </a:rPr>
+              <a:t>Las formas puras, tal y como espacio/tiempo o causa/efecto se encuentran pasivamente en el ámbito de la sensibilidad, mientras que las categorías se ubican en el entendimiento. Todas ellas son </a:t>
+            </a:r>
+            <a:r>
+              <a:rPr lang="es-PE" b="1" u="sng" dirty="0" smtClean="0">
+                <a:solidFill>
+                  <a:srgbClr val="00B050"/>
+                </a:solidFill>
+              </a:rPr>
+              <a:t>condiciones de posibilidad</a:t>
+            </a:r>
+            <a:r>
+              <a:rPr lang="es-PE" b="1" u="sng" dirty="0" smtClean="0">
+                <a:solidFill>
+                  <a:srgbClr val="FF0000"/>
+                </a:solidFill>
+              </a:rPr>
+              <a:t>, estructuras a priori o estructuras trascendentales. </a:t>
+            </a:r>
+          </a:p>
+          <a:p>
+            <a:pPr algn="just"/>
+            <a:endParaRPr lang="es-PE" b="1" u="sng" dirty="0">
+              <a:solidFill>
+                <a:srgbClr val="FF0000"/>
+              </a:solidFill>
+            </a:endParaRPr>
+          </a:p>
+          <a:p>
+            <a:pPr algn="just"/>
+            <a:endParaRPr lang="es-PE" b="1" u="sng" dirty="0" smtClean="0">
+              <a:solidFill>
+                <a:srgbClr val="FF0000"/>
+              </a:solidFill>
+            </a:endParaRPr>
+          </a:p>
+          <a:p>
+            <a:pPr algn="just"/>
+            <a:endParaRPr lang="es-PE" b="1" u="sng" dirty="0">
+              <a:solidFill>
+                <a:srgbClr val="FF0000"/>
+              </a:solidFill>
+            </a:endParaRPr>
+          </a:p>
+          <a:p>
+            <a:pPr algn="just"/>
+            <a:endParaRPr lang="es-PE" b="1" u="sng" dirty="0" smtClean="0">
+              <a:solidFill>
+                <a:srgbClr val="FF0000"/>
+              </a:solidFill>
+            </a:endParaRPr>
+          </a:p>
+          <a:p>
+            <a:pPr algn="just"/>
+            <a:endParaRPr lang="es-PE" b="1" u="sng" dirty="0">
+              <a:solidFill>
+                <a:srgbClr val="FF0000"/>
+              </a:solidFill>
+            </a:endParaRPr>
+          </a:p>
+          <a:p>
+            <a:pPr algn="just"/>
+            <a:endParaRPr lang="es-PE" b="1" u="sng" dirty="0" smtClean="0">
+              <a:solidFill>
+                <a:srgbClr val="FF0000"/>
+              </a:solidFill>
+            </a:endParaRPr>
+          </a:p>
+          <a:p>
+            <a:pPr algn="just"/>
+            <a:endParaRPr lang="es-PE" b="1" u="sng" dirty="0" smtClean="0">
+              <a:solidFill>
+                <a:srgbClr val="FF0000"/>
+              </a:solidFill>
+            </a:endParaRPr>
+          </a:p>
+          <a:p>
+            <a:pPr algn="just"/>
+            <a:endParaRPr lang="es-PE" b="1" u="sng" dirty="0">
+              <a:solidFill>
+                <a:srgbClr val="FF0000"/>
+              </a:solidFill>
+            </a:endParaRPr>
+          </a:p>
+          <a:p>
+            <a:pPr algn="just"/>
+            <a:endParaRPr lang="es-PE" b="1" u="sng" dirty="0">
+              <a:solidFill>
+                <a:srgbClr val="FF0000"/>
+              </a:solidFill>
+            </a:endParaRPr>
+          </a:p>
+          <a:p>
+            <a:pPr algn="just"/>
+            <a:endParaRPr lang="es-PE" b="1" u="sng" dirty="0" smtClean="0">
+              <a:solidFill>
+                <a:srgbClr val="FF0000"/>
+              </a:solidFill>
+            </a:endParaRPr>
+          </a:p>
+          <a:p>
+            <a:pPr algn="just"/>
+            <a:endParaRPr lang="es-PE" b="1" u="sng" dirty="0">
+              <a:solidFill>
+                <a:srgbClr val="FF0000"/>
+              </a:solidFill>
+            </a:endParaRPr>
+          </a:p>
+          <a:p>
+            <a:pPr algn="just"/>
+            <a:r>
+              <a:rPr lang="es-PE" dirty="0" smtClean="0"/>
+              <a:t>El mundo de mis experiencias es el mundo fenoménico. El objeto del mundo, la cosa en sí, produce en mis </a:t>
+            </a:r>
+            <a:r>
+              <a:rPr lang="es-PE" dirty="0" smtClean="0">
+                <a:solidFill>
+                  <a:srgbClr val="00B050"/>
+                </a:solidFill>
+              </a:rPr>
+              <a:t>condiciones de posibilidad </a:t>
+            </a:r>
+            <a:r>
+              <a:rPr lang="es-PE" dirty="0" smtClean="0"/>
+              <a:t>(</a:t>
+            </a:r>
+            <a:r>
+              <a:rPr lang="es-PE" dirty="0" err="1" smtClean="0"/>
+              <a:t>sensib+entend</a:t>
+            </a:r>
+            <a:r>
+              <a:rPr lang="es-PE" dirty="0" smtClean="0"/>
+              <a:t>) un fenómeno.</a:t>
+            </a:r>
+          </a:p>
+          <a:p>
+            <a:pPr algn="just"/>
+            <a:endParaRPr lang="es-PE" dirty="0"/>
+          </a:p>
+          <a:p>
+            <a:pPr algn="just"/>
+            <a:r>
+              <a:rPr lang="es-PE" dirty="0" smtClean="0"/>
+              <a:t>Kant va a señalarnos que el error de la metafísica tradicional es aplicar las categorías del entendimiento “hacia arriba”, es decir, hacia ideas como las de Dios y otras, de las cuales carecemos totalmente de experiencia concreta. Siguiendo a Kant, debemos aplicar las categorías “hacia abajo”, es decir, hacia los objetos del mundo, hacia la sensibilidad.</a:t>
+            </a:r>
+          </a:p>
+          <a:p>
+            <a:endParaRPr lang="es-PE" dirty="0"/>
+          </a:p>
+          <a:p>
+            <a:endParaRPr lang="es-PE" dirty="0"/>
+          </a:p>
+        </p:txBody>
+      </p:sp>
+      <p:pic>
+        <p:nvPicPr>
+          <p:cNvPr id="2" name="Imagen 1"/>
+          <p:cNvPicPr>
+            <a:picLocks noChangeAspect="1"/>
+          </p:cNvPicPr>
+          <p:nvPr/>
+        </p:nvPicPr>
+        <p:blipFill>
+          <a:blip r:embed="rId2"/>
+          <a:stretch>
+            <a:fillRect/>
+          </a:stretch>
+        </p:blipFill>
+        <p:spPr>
+          <a:xfrm>
+            <a:off x="1331640" y="1628800"/>
+            <a:ext cx="6712976" cy="2592288"/>
+          </a:xfrm>
+          <a:prstGeom prst="rect">
+            <a:avLst/>
+          </a:prstGeom>
+        </p:spPr>
+      </p:pic>
+      <p:sp>
+        <p:nvSpPr>
+          <p:cNvPr id="3" name="Rectángulo 2"/>
+          <p:cNvSpPr/>
+          <p:nvPr/>
+        </p:nvSpPr>
+        <p:spPr>
+          <a:xfrm>
+            <a:off x="1331640" y="2420888"/>
+            <a:ext cx="2016224" cy="648072"/>
+          </a:xfrm>
+          <a:prstGeom prst="rect">
+            <a:avLst/>
+          </a:prstGeom>
+          <a:noFill/>
+          <a:ln w="38100">
+            <a:solidFill>
+              <a:srgbClr val="92D050"/>
+            </a:solidFill>
+          </a:ln>
+        </p:spPr>
+        <p:style>
+          <a:lnRef idx="2">
+            <a:schemeClr val="accent1">
+              <a:shade val="50000"/>
+            </a:schemeClr>
+          </a:lnRef>
+          <a:fillRef idx="1">
+            <a:schemeClr val="accent1"/>
+          </a:fillRef>
+          <a:effectRef idx="0">
+            <a:schemeClr val="accent1"/>
+          </a:effectRef>
+          <a:fontRef idx="minor">
+            <a:schemeClr val="lt1"/>
+          </a:fontRef>
+        </p:style>
+        <p:txBody>
+          <a:bodyPr rot="0" spcFirstLastPara="0" vertOverflow="overflow" horzOverflow="overflow" vert="horz" wrap="square" lIns="91440" tIns="45720" rIns="91440" bIns="45720" numCol="1" spcCol="0" rtlCol="0" fromWordArt="0" anchor="ctr" anchorCtr="0" forceAA="0" compatLnSpc="1">
+            <a:prstTxWarp prst="textNoShape">
+              <a:avLst/>
+            </a:prstTxWarp>
+            <a:noAutofit/>
+          </a:bodyPr>
+          <a:lstStyle/>
+          <a:p>
+            <a:pPr algn="ctr"/>
+            <a:endParaRPr lang="es-PE"/>
+          </a:p>
+        </p:txBody>
+      </p:sp>
+    </p:spTree>
+    <p:extLst>
+      <p:ext uri="{BB962C8B-B14F-4D97-AF65-F5344CB8AC3E}">
+        <p14:creationId xmlns:p14="http://schemas.microsoft.com/office/powerpoint/2010/main" val="3295092495"/>
+      </p:ext>
+    </p:extLst>
+  </p:cSld>
+  <p:clrMapOvr>
+    <a:masterClrMapping/>
+  </p:clrMapOvr>
+</p:sld>
+</file>
+
+<file path=ppt/slides/slide25.xml><?xml version="1.0" encoding="utf-8"?>
+<p:sld xmlns:a="http://schemas.openxmlformats.org/drawingml/2006/main" xmlns:r="http://schemas.openxmlformats.org/officeDocument/2006/relationships" xmlns:p="http://schemas.openxmlformats.org/presentationml/2006/main">
+  <p:cSld>
+    <p:spTree>
+      <p:nvGrpSpPr>
+        <p:cNvPr id="1" name=""/>
+        <p:cNvGrpSpPr/>
+        <p:nvPr/>
+      </p:nvGrpSpPr>
+      <p:grpSpPr>
+        <a:xfrm>
+          <a:off x="0" y="0"/>
+          <a:ext cx="0" cy="0"/>
+          <a:chOff x="0" y="0"/>
+          <a:chExt cx="0" cy="0"/>
+        </a:xfrm>
+      </p:grpSpPr>
+      <p:sp>
+        <p:nvSpPr>
+          <p:cNvPr id="4" name="3 CuadroTexto"/>
+          <p:cNvSpPr txBox="1"/>
+          <p:nvPr/>
+        </p:nvSpPr>
+        <p:spPr>
+          <a:xfrm>
             <a:off x="500033" y="296736"/>
             <a:ext cx="8429684" cy="1200329"/>
           </a:xfrm>
@@ -7276,7 +7536,7 @@
 </p:sld>
 </file>
 
-<file path=ppt/slides/slide25.xml><?xml version="1.0" encoding="utf-8"?>
+<file path=ppt/slides/slide26.xml><?xml version="1.0" encoding="utf-8"?>
 <p:sld xmlns:a="http://schemas.openxmlformats.org/drawingml/2006/main" xmlns:r="http://schemas.openxmlformats.org/officeDocument/2006/relationships" xmlns:p="http://schemas.openxmlformats.org/presentationml/2006/main">
   <p:cSld>
     <p:spTree>
@@ -7459,139 +7719,6 @@
 </p:sld>
 </file>
 
-<file path=ppt/slides/slide26.xml><?xml version="1.0" encoding="utf-8"?>
-<p:sld xmlns:a="http://schemas.openxmlformats.org/drawingml/2006/main" xmlns:r="http://schemas.openxmlformats.org/officeDocument/2006/relationships" xmlns:p="http://schemas.openxmlformats.org/presentationml/2006/main">
-  <p:cSld>
-    <p:spTree>
-      <p:nvGrpSpPr>
-        <p:cNvPr id="1" name=""/>
-        <p:cNvGrpSpPr/>
-        <p:nvPr/>
-      </p:nvGrpSpPr>
-      <p:grpSpPr>
-        <a:xfrm>
-          <a:off x="0" y="0"/>
-          <a:ext cx="0" cy="0"/>
-          <a:chOff x="0" y="0"/>
-          <a:chExt cx="0" cy="0"/>
-        </a:xfrm>
-      </p:grpSpPr>
-      <p:sp>
-        <p:nvSpPr>
-          <p:cNvPr id="4" name="3 CuadroTexto"/>
-          <p:cNvSpPr txBox="1"/>
-          <p:nvPr/>
-        </p:nvSpPr>
-        <p:spPr>
-          <a:xfrm>
-            <a:off x="285720" y="285728"/>
-            <a:ext cx="8501122" cy="3416320"/>
-          </a:xfrm>
-          <a:prstGeom prst="rect">
-            <a:avLst/>
-          </a:prstGeom>
-          <a:noFill/>
-        </p:spPr>
-        <p:txBody>
-          <a:bodyPr wrap="square" rtlCol="0">
-            <a:spAutoFit/>
-          </a:bodyPr>
-          <a:lstStyle/>
-          <a:p>
-            <a:r>
-              <a:rPr lang="es-PE" dirty="0" smtClean="0"/>
-              <a:t>Algunos apuntes sobre los postulados de la Razón Práctica: </a:t>
-            </a:r>
-          </a:p>
-          <a:p>
-            <a:r>
-              <a:rPr lang="es-PE" dirty="0" smtClean="0"/>
-              <a:t>(</a:t>
-            </a:r>
-            <a:r>
-              <a:rPr lang="es-PE" dirty="0" smtClean="0">
-                <a:solidFill>
-                  <a:srgbClr val="00B050"/>
-                </a:solidFill>
-              </a:rPr>
-              <a:t>Mundo</a:t>
-            </a:r>
-            <a:r>
-              <a:rPr lang="es-PE" dirty="0" smtClean="0"/>
-              <a:t>, Alma libre/inmortal, Dios)</a:t>
-            </a:r>
-          </a:p>
-          <a:p>
-            <a:endParaRPr lang="es-PE" dirty="0"/>
-          </a:p>
-          <a:p>
-            <a:r>
-              <a:rPr lang="es-PE" dirty="0" smtClean="0"/>
-              <a:t>“</a:t>
-            </a:r>
-            <a:r>
-              <a:rPr lang="es-PE" dirty="0" smtClean="0">
-                <a:solidFill>
-                  <a:srgbClr val="00B050"/>
-                </a:solidFill>
-              </a:rPr>
-              <a:t>Mundo</a:t>
-            </a:r>
-            <a:r>
-              <a:rPr lang="es-PE" dirty="0" smtClean="0"/>
-              <a:t>” llamamos al conjunto de experiencias. No podemos conocer sino parcialmente este mundo, no su totalidad. El mundo es una idea metafísica: va más allá de la posibilidad de nuestra experiencia. La razón teórica necesita el postulado del “mundo” por parte de la razón práctica. La razón práctica postula sin necesidad de experiencia, siempre y cuando se demuestre la necesidad de sus postulados con los elementos de la lógica, como sucede con las leyes generales que rigen la naturaleza. </a:t>
-            </a:r>
-          </a:p>
-          <a:p>
-            <a:endParaRPr lang="es-PE" dirty="0"/>
-          </a:p>
-          <a:p>
-            <a:endParaRPr lang="es-PE" dirty="0"/>
-          </a:p>
-          <a:p>
-            <a:endParaRPr lang="es-PE" dirty="0" smtClean="0"/>
-          </a:p>
-        </p:txBody>
-      </p:sp>
-      <p:pic>
-        <p:nvPicPr>
-          <p:cNvPr id="2" name="Imagen 1"/>
-          <p:cNvPicPr>
-            <a:picLocks noChangeAspect="1"/>
-          </p:cNvPicPr>
-          <p:nvPr/>
-        </p:nvPicPr>
-        <p:blipFill>
-          <a:blip r:embed="rId2"/>
-          <a:stretch>
-            <a:fillRect/>
-          </a:stretch>
-        </p:blipFill>
-        <p:spPr>
-          <a:xfrm>
-            <a:off x="1943993" y="3212976"/>
-            <a:ext cx="5184576" cy="3449660"/>
-          </a:xfrm>
-          <a:prstGeom prst="rect">
-            <a:avLst/>
-          </a:prstGeom>
-        </p:spPr>
-      </p:pic>
-    </p:spTree>
-  </p:cSld>
-  <p:clrMapOvr>
-    <a:masterClrMapping/>
-  </p:clrMapOvr>
-  <p:timing>
-    <p:tnLst>
-      <p:par>
-        <p:cTn id="1" dur="indefinite" restart="never" nodeType="tmRoot"/>
-      </p:par>
-    </p:tnLst>
-  </p:timing>
-</p:sld>
-</file>
-
 <file path=ppt/slides/slide27.xml><?xml version="1.0" encoding="utf-8"?>
 <p:sld xmlns:a="http://schemas.openxmlformats.org/drawingml/2006/main" xmlns:r="http://schemas.openxmlformats.org/officeDocument/2006/relationships" xmlns:p="http://schemas.openxmlformats.org/presentationml/2006/main">
   <p:cSld>
@@ -7609,9 +7736,86 @@
           <a:chExt cx="0" cy="0"/>
         </a:xfrm>
       </p:grpSpPr>
+      <p:sp>
+        <p:nvSpPr>
+          <p:cNvPr id="4" name="3 CuadroTexto"/>
+          <p:cNvSpPr txBox="1"/>
+          <p:nvPr/>
+        </p:nvSpPr>
+        <p:spPr>
+          <a:xfrm>
+            <a:off x="285720" y="285728"/>
+            <a:ext cx="8501122" cy="3416320"/>
+          </a:xfrm>
+          <a:prstGeom prst="rect">
+            <a:avLst/>
+          </a:prstGeom>
+          <a:noFill/>
+        </p:spPr>
+        <p:txBody>
+          <a:bodyPr wrap="square" rtlCol="0">
+            <a:spAutoFit/>
+          </a:bodyPr>
+          <a:lstStyle/>
+          <a:p>
+            <a:r>
+              <a:rPr lang="es-PE" dirty="0" smtClean="0"/>
+              <a:t>Algunos apuntes sobre los postulados de la Razón Práctica: </a:t>
+            </a:r>
+          </a:p>
+          <a:p>
+            <a:r>
+              <a:rPr lang="es-PE" dirty="0" smtClean="0"/>
+              <a:t>(</a:t>
+            </a:r>
+            <a:r>
+              <a:rPr lang="es-PE" dirty="0" smtClean="0">
+                <a:solidFill>
+                  <a:srgbClr val="00B050"/>
+                </a:solidFill>
+              </a:rPr>
+              <a:t>Mundo</a:t>
+            </a:r>
+            <a:r>
+              <a:rPr lang="es-PE" dirty="0" smtClean="0"/>
+              <a:t>, Alma libre/inmortal, Dios)</a:t>
+            </a:r>
+          </a:p>
+          <a:p>
+            <a:endParaRPr lang="es-PE" dirty="0"/>
+          </a:p>
+          <a:p>
+            <a:r>
+              <a:rPr lang="es-PE" dirty="0" smtClean="0"/>
+              <a:t>“</a:t>
+            </a:r>
+            <a:r>
+              <a:rPr lang="es-PE" dirty="0" smtClean="0">
+                <a:solidFill>
+                  <a:srgbClr val="00B050"/>
+                </a:solidFill>
+              </a:rPr>
+              <a:t>Mundo</a:t>
+            </a:r>
+            <a:r>
+              <a:rPr lang="es-PE" dirty="0" smtClean="0"/>
+              <a:t>” llamamos al conjunto de experiencias. No podemos conocer sino parcialmente este mundo, no su totalidad. El mundo es una idea metafísica: va más allá de la posibilidad de nuestra experiencia. La razón teórica necesita el postulado del “mundo” por parte de la razón práctica. La razón práctica postula sin necesidad de experiencia, siempre y cuando se demuestre la necesidad de sus postulados con los elementos de la lógica, como sucede con las leyes generales que rigen la naturaleza. </a:t>
+            </a:r>
+          </a:p>
+          <a:p>
+            <a:endParaRPr lang="es-PE" dirty="0"/>
+          </a:p>
+          <a:p>
+            <a:endParaRPr lang="es-PE" dirty="0"/>
+          </a:p>
+          <a:p>
+            <a:endParaRPr lang="es-PE" dirty="0" smtClean="0"/>
+          </a:p>
+        </p:txBody>
+      </p:sp>
       <p:pic>
         <p:nvPicPr>
-          <p:cNvPr id="3" name="Imagen 2"/>
+          <p:cNvPr id="2" name="Imagen 1"/>
           <p:cNvPicPr>
             <a:picLocks noChangeAspect="1"/>
           </p:cNvPicPr>
@@ -7625,202 +7829,15 @@
         </p:blipFill>
         <p:spPr>
           <a:xfrm>
-            <a:off x="827584" y="3356992"/>
-            <a:ext cx="6797201" cy="3501008"/>
+            <a:off x="1943993" y="3212976"/>
+            <a:ext cx="5184576" cy="3449660"/>
           </a:xfrm>
           <a:prstGeom prst="rect">
             <a:avLst/>
           </a:prstGeom>
         </p:spPr>
       </p:pic>
-      <p:sp>
-        <p:nvSpPr>
-          <p:cNvPr id="4" name="3 CuadroTexto"/>
-          <p:cNvSpPr txBox="1"/>
-          <p:nvPr/>
-        </p:nvSpPr>
-        <p:spPr>
-          <a:xfrm>
-            <a:off x="285720" y="285728"/>
-            <a:ext cx="8501122" cy="3693319"/>
-          </a:xfrm>
-          <a:prstGeom prst="rect">
-            <a:avLst/>
-          </a:prstGeom>
-          <a:noFill/>
-        </p:spPr>
-        <p:txBody>
-          <a:bodyPr wrap="square" rtlCol="0">
-            <a:spAutoFit/>
-          </a:bodyPr>
-          <a:lstStyle/>
-          <a:p>
-            <a:r>
-              <a:rPr lang="es-PE" dirty="0" smtClean="0"/>
-              <a:t>Algunos apuntes sobre los postulados de la Razón Práctica: </a:t>
-            </a:r>
-          </a:p>
-          <a:p>
-            <a:r>
-              <a:rPr lang="es-PE" dirty="0" smtClean="0"/>
-              <a:t>(Mundo, </a:t>
-            </a:r>
-            <a:r>
-              <a:rPr lang="es-PE" dirty="0" smtClean="0">
-                <a:solidFill>
-                  <a:srgbClr val="00B050"/>
-                </a:solidFill>
-              </a:rPr>
-              <a:t>Alma libre/inmortal</a:t>
-            </a:r>
-            <a:r>
-              <a:rPr lang="es-PE" dirty="0" smtClean="0"/>
-              <a:t>, Dios)</a:t>
-            </a:r>
-          </a:p>
-          <a:p>
-            <a:endParaRPr lang="es-PE" dirty="0"/>
-          </a:p>
-          <a:p>
-            <a:r>
-              <a:rPr lang="es-PE" dirty="0" smtClean="0"/>
-              <a:t>La idea de mundo es la condición que hace posible que mi experiencia tenga sentido, del mismo modo que la idea de </a:t>
-            </a:r>
-            <a:r>
-              <a:rPr lang="es-PE" dirty="0" smtClean="0">
-                <a:solidFill>
-                  <a:srgbClr val="00B050"/>
-                </a:solidFill>
-              </a:rPr>
-              <a:t>alma libre </a:t>
-            </a:r>
-            <a:r>
-              <a:rPr lang="es-PE" dirty="0" smtClean="0"/>
-              <a:t>condiciona el sentido de nuestro juicio moral.  Los postulados de la razón práctica dotan de sentido nuestra experiencia.  </a:t>
-            </a:r>
-          </a:p>
-          <a:p>
-            <a:endParaRPr lang="es-PE" dirty="0"/>
-          </a:p>
-          <a:p>
-            <a:r>
-              <a:rPr lang="es-PE" dirty="0" smtClean="0"/>
-              <a:t>Si no tuviéramos un alma libre…. Nos meteríamos en problemas densos… (e importantes)</a:t>
-            </a:r>
-          </a:p>
-          <a:p>
-            <a:endParaRPr lang="es-PE" dirty="0"/>
-          </a:p>
-          <a:p>
-            <a:r>
-              <a:rPr lang="es-PE" dirty="0" smtClean="0"/>
-              <a:t>La relación entre </a:t>
-            </a:r>
-            <a:r>
-              <a:rPr lang="es-PE" dirty="0" smtClean="0">
-                <a:solidFill>
-                  <a:srgbClr val="FF0000"/>
-                </a:solidFill>
-              </a:rPr>
-              <a:t>razón</a:t>
-            </a:r>
-            <a:r>
-              <a:rPr lang="es-PE" dirty="0" smtClean="0"/>
-              <a:t> y mis </a:t>
-            </a:r>
-            <a:r>
-              <a:rPr lang="es-PE" dirty="0" smtClean="0">
-                <a:solidFill>
-                  <a:schemeClr val="tx2">
-                    <a:lumMod val="60000"/>
-                    <a:lumOff val="40000"/>
-                  </a:schemeClr>
-                </a:solidFill>
-              </a:rPr>
-              <a:t>fenómenos</a:t>
-            </a:r>
-            <a:r>
-              <a:rPr lang="es-PE" dirty="0" smtClean="0"/>
-              <a:t> no es la de causa/efecto, sino la de </a:t>
-            </a:r>
-            <a:r>
-              <a:rPr lang="es-PE" dirty="0" smtClean="0">
-                <a:solidFill>
-                  <a:srgbClr val="00B050"/>
-                </a:solidFill>
-              </a:rPr>
-              <a:t>dotación de sentido</a:t>
-            </a:r>
-            <a:r>
-              <a:rPr lang="es-PE" dirty="0" smtClean="0"/>
-              <a:t>.</a:t>
-            </a:r>
-          </a:p>
-          <a:p>
-            <a:endParaRPr lang="es-PE" dirty="0"/>
-          </a:p>
-          <a:p>
-            <a:endParaRPr lang="es-PE" dirty="0" smtClean="0"/>
-          </a:p>
-        </p:txBody>
-      </p:sp>
-      <p:sp>
-        <p:nvSpPr>
-          <p:cNvPr id="2" name="Rectángulo 1"/>
-          <p:cNvSpPr/>
-          <p:nvPr/>
-        </p:nvSpPr>
-        <p:spPr>
-          <a:xfrm>
-            <a:off x="285720" y="2636912"/>
-            <a:ext cx="8501122" cy="936104"/>
-          </a:xfrm>
-          <a:prstGeom prst="rect">
-            <a:avLst/>
-          </a:prstGeom>
-          <a:noFill/>
-          <a:ln w="38100">
-            <a:solidFill>
-              <a:srgbClr val="FF0000"/>
-            </a:solidFill>
-          </a:ln>
-        </p:spPr>
-        <p:style>
-          <a:lnRef idx="2">
-            <a:schemeClr val="accent1">
-              <a:shade val="50000"/>
-            </a:schemeClr>
-          </a:lnRef>
-          <a:fillRef idx="1">
-            <a:schemeClr val="accent1"/>
-          </a:fillRef>
-          <a:effectRef idx="0">
-            <a:schemeClr val="accent1"/>
-          </a:effectRef>
-          <a:fontRef idx="minor">
-            <a:schemeClr val="lt1"/>
-          </a:fontRef>
-        </p:style>
-        <p:txBody>
-          <a:bodyPr rot="0" spcFirstLastPara="0" vertOverflow="overflow" horzOverflow="overflow" vert="horz" wrap="square" lIns="91440" tIns="45720" rIns="91440" bIns="45720" numCol="1" spcCol="0" rtlCol="0" fromWordArt="0" anchor="ctr" anchorCtr="0" forceAA="0" compatLnSpc="1">
-            <a:prstTxWarp prst="textNoShape">
-              <a:avLst/>
-            </a:prstTxWarp>
-            <a:noAutofit/>
-          </a:bodyPr>
-          <a:lstStyle/>
-          <a:p>
-            <a:pPr algn="ctr"/>
-            <a:endParaRPr lang="es-PE"/>
-          </a:p>
-        </p:txBody>
-      </p:sp>
     </p:spTree>
-    <p:extLst>
-      <p:ext uri="{BB962C8B-B14F-4D97-AF65-F5344CB8AC3E}">
-        <p14:creationId xmlns:p14="http://schemas.microsoft.com/office/powerpoint/2010/main" val="3631470083"/>
-      </p:ext>
-    </p:extLst>
   </p:cSld>
   <p:clrMapOvr>
     <a:masterClrMapping/>
@@ -7852,89 +7869,9 @@
           <a:chExt cx="0" cy="0"/>
         </a:xfrm>
       </p:grpSpPr>
-      <p:sp>
-        <p:nvSpPr>
-          <p:cNvPr id="4" name="3 CuadroTexto"/>
-          <p:cNvSpPr txBox="1"/>
-          <p:nvPr/>
-        </p:nvSpPr>
-        <p:spPr>
-          <a:xfrm>
-            <a:off x="285720" y="285728"/>
-            <a:ext cx="8501122" cy="2308324"/>
-          </a:xfrm>
-          <a:prstGeom prst="rect">
-            <a:avLst/>
-          </a:prstGeom>
-          <a:noFill/>
-        </p:spPr>
-        <p:txBody>
-          <a:bodyPr wrap="square" rtlCol="0">
-            <a:spAutoFit/>
-          </a:bodyPr>
-          <a:lstStyle/>
-          <a:p>
-            <a:r>
-              <a:rPr lang="es-PE" dirty="0" smtClean="0"/>
-              <a:t>Algunos apuntes sobre los postulados de la Razón Práctica: </a:t>
-            </a:r>
-          </a:p>
-          <a:p>
-            <a:r>
-              <a:rPr lang="es-PE" dirty="0" smtClean="0"/>
-              <a:t>(Mundo, Alma libre/inmortal, </a:t>
-            </a:r>
-            <a:r>
-              <a:rPr lang="es-PE" dirty="0" smtClean="0">
-                <a:solidFill>
-                  <a:srgbClr val="00B050"/>
-                </a:solidFill>
-              </a:rPr>
-              <a:t>Dios</a:t>
-            </a:r>
-            <a:r>
-              <a:rPr lang="es-PE" dirty="0" smtClean="0"/>
-              <a:t>)</a:t>
-            </a:r>
-          </a:p>
-          <a:p>
-            <a:endParaRPr lang="es-PE" dirty="0"/>
-          </a:p>
-          <a:p>
-            <a:r>
-              <a:rPr lang="es-PE" dirty="0" smtClean="0"/>
-              <a:t>Tanto la idea de “mundo”, como la de “alma”, se llenan de sentido con la idea de “</a:t>
-            </a:r>
-            <a:r>
-              <a:rPr lang="es-PE" dirty="0" smtClean="0">
-                <a:solidFill>
-                  <a:srgbClr val="00B050"/>
-                </a:solidFill>
-              </a:rPr>
-              <a:t>Dios</a:t>
-            </a:r>
-            <a:r>
-              <a:rPr lang="es-PE" dirty="0" smtClean="0"/>
-              <a:t>”.</a:t>
-            </a:r>
-          </a:p>
-          <a:p>
-            <a:r>
-              <a:rPr lang="es-PE" dirty="0" smtClean="0"/>
-              <a:t>El límite de la razón es la experiencia, de Dios no puedo tener experiencia, pero eso no me impide tener fe, o alguna apertura a lo sublime. </a:t>
-            </a:r>
-          </a:p>
-          <a:p>
-            <a:endParaRPr lang="es-PE" dirty="0"/>
-          </a:p>
-          <a:p>
-            <a:endParaRPr lang="es-PE" dirty="0" smtClean="0"/>
-          </a:p>
-        </p:txBody>
-      </p:sp>
       <p:pic>
         <p:nvPicPr>
-          <p:cNvPr id="2" name="Imagen 1"/>
+          <p:cNvPr id="3" name="Imagen 2"/>
           <p:cNvPicPr>
             <a:picLocks noChangeAspect="1"/>
           </p:cNvPicPr>
@@ -7948,8 +7885,8 @@
         </p:blipFill>
         <p:spPr>
           <a:xfrm>
-            <a:off x="386261" y="4616121"/>
-            <a:ext cx="1488034" cy="1035154"/>
+            <a:off x="827584" y="3356992"/>
+            <a:ext cx="6797201" cy="3501008"/>
           </a:xfrm>
           <a:prstGeom prst="rect">
             <a:avLst/>
@@ -7958,16 +7895,147 @@
       </p:pic>
       <p:sp>
         <p:nvSpPr>
-          <p:cNvPr id="3" name="Señal de prohibido 2"/>
+          <p:cNvPr id="4" name="3 CuadroTexto"/>
+          <p:cNvSpPr txBox="1"/>
+          <p:nvPr/>
+        </p:nvSpPr>
+        <p:spPr>
+          <a:xfrm>
+            <a:off x="285720" y="285728"/>
+            <a:ext cx="8501122" cy="3693319"/>
+          </a:xfrm>
+          <a:prstGeom prst="rect">
+            <a:avLst/>
+          </a:prstGeom>
+          <a:noFill/>
+        </p:spPr>
+        <p:txBody>
+          <a:bodyPr wrap="square" rtlCol="0">
+            <a:spAutoFit/>
+          </a:bodyPr>
+          <a:lstStyle/>
+          <a:p>
+            <a:r>
+              <a:rPr lang="es-PE" dirty="0" smtClean="0"/>
+              <a:t>Algunos apuntes sobre los postulados de la Razón Práctica: </a:t>
+            </a:r>
+          </a:p>
+          <a:p>
+            <a:r>
+              <a:rPr lang="es-PE" dirty="0" smtClean="0"/>
+              <a:t>(Mundo, </a:t>
+            </a:r>
+            <a:r>
+              <a:rPr lang="es-PE" dirty="0" smtClean="0">
+                <a:solidFill>
+                  <a:srgbClr val="00B050"/>
+                </a:solidFill>
+              </a:rPr>
+              <a:t>Alma libre/inmortal</a:t>
+            </a:r>
+            <a:r>
+              <a:rPr lang="es-PE" dirty="0" smtClean="0"/>
+              <a:t>, Dios)</a:t>
+            </a:r>
+          </a:p>
+          <a:p>
+            <a:endParaRPr lang="es-PE" dirty="0"/>
+          </a:p>
+          <a:p>
+            <a:r>
+              <a:rPr lang="es-PE" dirty="0" smtClean="0"/>
+              <a:t>La idea de mundo es la condición que hace posible que mi experiencia tenga sentido, del mismo modo que la idea de </a:t>
+            </a:r>
+            <a:r>
+              <a:rPr lang="es-PE" dirty="0" smtClean="0">
+                <a:solidFill>
+                  <a:srgbClr val="00B050"/>
+                </a:solidFill>
+              </a:rPr>
+              <a:t>alma libre </a:t>
+            </a:r>
+            <a:r>
+              <a:rPr lang="es-PE" dirty="0" smtClean="0"/>
+              <a:t>condiciona el sentido de nuestro juicio moral.  Los postulados de la razón práctica dotan de sentido nuestra experiencia.  </a:t>
+            </a:r>
+          </a:p>
+          <a:p>
+            <a:endParaRPr lang="es-PE" dirty="0"/>
+          </a:p>
+          <a:p>
+            <a:r>
+              <a:rPr lang="es-PE" dirty="0" smtClean="0"/>
+              <a:t>Si no tuviéramos un alma libre…. Nos meteríamos en problemas densos… (e importantes)</a:t>
+            </a:r>
+          </a:p>
+          <a:p>
+            <a:endParaRPr lang="es-PE" dirty="0"/>
+          </a:p>
+          <a:p>
+            <a:r>
+              <a:rPr lang="es-PE" dirty="0" smtClean="0"/>
+              <a:t>La relación entre </a:t>
+            </a:r>
+            <a:r>
+              <a:rPr lang="es-PE" dirty="0" smtClean="0">
+                <a:solidFill>
+                  <a:srgbClr val="FF0000"/>
+                </a:solidFill>
+              </a:rPr>
+              <a:t>razón</a:t>
+            </a:r>
+            <a:r>
+              <a:rPr lang="es-PE" dirty="0" smtClean="0"/>
+              <a:t> y mis </a:t>
+            </a:r>
+            <a:r>
+              <a:rPr lang="es-PE" dirty="0" smtClean="0">
+                <a:solidFill>
+                  <a:schemeClr val="tx2">
+                    <a:lumMod val="60000"/>
+                    <a:lumOff val="40000"/>
+                  </a:schemeClr>
+                </a:solidFill>
+              </a:rPr>
+              <a:t>fenómenos</a:t>
+            </a:r>
+            <a:r>
+              <a:rPr lang="es-PE" dirty="0" smtClean="0"/>
+              <a:t> no es la de causa/efecto, sino la de </a:t>
+            </a:r>
+            <a:r>
+              <a:rPr lang="es-PE" dirty="0" smtClean="0">
+                <a:solidFill>
+                  <a:srgbClr val="00B050"/>
+                </a:solidFill>
+              </a:rPr>
+              <a:t>dotación de sentido</a:t>
+            </a:r>
+            <a:r>
+              <a:rPr lang="es-PE" dirty="0" smtClean="0"/>
+              <a:t>.</a:t>
+            </a:r>
+          </a:p>
+          <a:p>
+            <a:endParaRPr lang="es-PE" dirty="0"/>
+          </a:p>
+          <a:p>
+            <a:endParaRPr lang="es-PE" dirty="0" smtClean="0"/>
+          </a:p>
+        </p:txBody>
+      </p:sp>
+      <p:sp>
+        <p:nvSpPr>
+          <p:cNvPr id="2" name="Rectángulo 1"/>
           <p:cNvSpPr/>
           <p:nvPr/>
         </p:nvSpPr>
         <p:spPr>
           <a:xfrm>
-            <a:off x="179512" y="4437112"/>
-            <a:ext cx="2160240" cy="1728192"/>
-          </a:xfrm>
-          <a:prstGeom prst="noSmoking">
+            <a:off x="285720" y="2636912"/>
+            <a:ext cx="8501122" cy="936104"/>
+          </a:xfrm>
+          <a:prstGeom prst="rect">
             <a:avLst/>
           </a:prstGeom>
           <a:noFill/>
@@ -8003,42 +8071,14 @@
           <a:lstStyle/>
           <a:p>
             <a:pPr algn="ctr"/>
-            <a:endParaRPr lang="es-PE">
-              <a:solidFill>
-                <a:schemeClr val="tx1"/>
-              </a:solidFill>
-            </a:endParaRPr>
-          </a:p>
-        </p:txBody>
-      </p:sp>
-      <p:pic>
-        <p:nvPicPr>
-          <p:cNvPr id="5" name="Imagen 4"/>
-          <p:cNvPicPr>
-            <a:picLocks noChangeAspect="1"/>
-          </p:cNvPicPr>
-          <p:nvPr/>
-        </p:nvPicPr>
-        <p:blipFill>
-          <a:blip r:embed="rId3"/>
-          <a:stretch>
-            <a:fillRect/>
-          </a:stretch>
-        </p:blipFill>
-        <p:spPr>
-          <a:xfrm>
-            <a:off x="3995936" y="2254601"/>
-            <a:ext cx="3456384" cy="4365021"/>
-          </a:xfrm>
-          <a:prstGeom prst="rect">
-            <a:avLst/>
-          </a:prstGeom>
-        </p:spPr>
-      </p:pic>
+            <a:endParaRPr lang="es-PE"/>
+          </a:p>
+        </p:txBody>
+      </p:sp>
     </p:spTree>
     <p:extLst>
       <p:ext uri="{BB962C8B-B14F-4D97-AF65-F5344CB8AC3E}">
-        <p14:creationId xmlns:p14="http://schemas.microsoft.com/office/powerpoint/2010/main" val="1740312642"/>
+        <p14:creationId xmlns:p14="http://schemas.microsoft.com/office/powerpoint/2010/main" val="3631470083"/>
       </p:ext>
     </p:extLst>
   </p:cSld>
@@ -8072,9 +8112,89 @@
           <a:chExt cx="0" cy="0"/>
         </a:xfrm>
       </p:grpSpPr>
+      <p:sp>
+        <p:nvSpPr>
+          <p:cNvPr id="4" name="3 CuadroTexto"/>
+          <p:cNvSpPr txBox="1"/>
+          <p:nvPr/>
+        </p:nvSpPr>
+        <p:spPr>
+          <a:xfrm>
+            <a:off x="285720" y="285728"/>
+            <a:ext cx="8501122" cy="2308324"/>
+          </a:xfrm>
+          <a:prstGeom prst="rect">
+            <a:avLst/>
+          </a:prstGeom>
+          <a:noFill/>
+        </p:spPr>
+        <p:txBody>
+          <a:bodyPr wrap="square" rtlCol="0">
+            <a:spAutoFit/>
+          </a:bodyPr>
+          <a:lstStyle/>
+          <a:p>
+            <a:r>
+              <a:rPr lang="es-PE" dirty="0" smtClean="0"/>
+              <a:t>Algunos apuntes sobre los postulados de la Razón Práctica: </a:t>
+            </a:r>
+          </a:p>
+          <a:p>
+            <a:r>
+              <a:rPr lang="es-PE" dirty="0" smtClean="0"/>
+              <a:t>(Mundo, Alma libre/inmortal, </a:t>
+            </a:r>
+            <a:r>
+              <a:rPr lang="es-PE" dirty="0" smtClean="0">
+                <a:solidFill>
+                  <a:srgbClr val="00B050"/>
+                </a:solidFill>
+              </a:rPr>
+              <a:t>Dios</a:t>
+            </a:r>
+            <a:r>
+              <a:rPr lang="es-PE" dirty="0" smtClean="0"/>
+              <a:t>)</a:t>
+            </a:r>
+          </a:p>
+          <a:p>
+            <a:endParaRPr lang="es-PE" dirty="0"/>
+          </a:p>
+          <a:p>
+            <a:r>
+              <a:rPr lang="es-PE" dirty="0" smtClean="0"/>
+              <a:t>Tanto la idea de “mundo”, como la de “alma”, se llenan de sentido con la idea de “</a:t>
+            </a:r>
+            <a:r>
+              <a:rPr lang="es-PE" dirty="0" smtClean="0">
+                <a:solidFill>
+                  <a:srgbClr val="00B050"/>
+                </a:solidFill>
+              </a:rPr>
+              <a:t>Dios</a:t>
+            </a:r>
+            <a:r>
+              <a:rPr lang="es-PE" dirty="0" smtClean="0"/>
+              <a:t>”.</a:t>
+            </a:r>
+          </a:p>
+          <a:p>
+            <a:r>
+              <a:rPr lang="es-PE" dirty="0" smtClean="0"/>
+              <a:t>El límite de la razón es la experiencia, de Dios no puedo tener experiencia, pero eso no me impide tener fe, o alguna apertura a lo sublime. </a:t>
+            </a:r>
+          </a:p>
+          <a:p>
+            <a:endParaRPr lang="es-PE" dirty="0"/>
+          </a:p>
+          <a:p>
+            <a:endParaRPr lang="es-PE" dirty="0" smtClean="0"/>
+          </a:p>
+        </p:txBody>
+      </p:sp>
       <p:pic>
         <p:nvPicPr>
-          <p:cNvPr id="4" name="Imagen 3"/>
+          <p:cNvPr id="2" name="Imagen 1"/>
           <p:cNvPicPr>
             <a:picLocks noChangeAspect="1"/>
           </p:cNvPicPr>
@@ -8088,8 +8208,87 @@
         </p:blipFill>
         <p:spPr>
           <a:xfrm>
-            <a:off x="0" y="692696"/>
-            <a:ext cx="9144000" cy="5688632"/>
+            <a:off x="386261" y="4616121"/>
+            <a:ext cx="1488034" cy="1035154"/>
+          </a:xfrm>
+          <a:prstGeom prst="rect">
+            <a:avLst/>
+          </a:prstGeom>
+        </p:spPr>
+      </p:pic>
+      <p:sp>
+        <p:nvSpPr>
+          <p:cNvPr id="3" name="Señal de prohibido 2"/>
+          <p:cNvSpPr/>
+          <p:nvPr/>
+        </p:nvSpPr>
+        <p:spPr>
+          <a:xfrm>
+            <a:off x="179512" y="4437112"/>
+            <a:ext cx="2160240" cy="1728192"/>
+          </a:xfrm>
+          <a:prstGeom prst="noSmoking">
+            <a:avLst/>
+          </a:prstGeom>
+          <a:noFill/>
+          <a:ln w="38100">
+            <a:solidFill>
+              <a:srgbClr val="FF0000"/>
+            </a:solidFill>
+          </a:ln>
+        </p:spPr>
+        <p:style>
+          <a:lnRef idx="2">
+            <a:schemeClr val="accent1">
+              <a:shade val="50000"/>
+            </a:schemeClr>
+          </a:lnRef>
+          <a:fillRef idx="1">
+            <a:schemeClr val="accent1"/>
+          </a:fillRef>
+          <a:effectRef idx="0">
+            <a:schemeClr val="accent1"/>
+          </a:effectRef>
+          <a:fontRef idx="minor">
+            <a:schemeClr val="lt1"/>
+          </a:fontRef>
+        </p:style>
+        <p:txBody>
+          <a:bodyPr rot="0" spcFirstLastPara="0" vertOverflow="overflow" horzOverflow="overflow" vert="horz" wrap="square" lIns="91440" tIns="45720" rIns="91440" bIns="45720" numCol="1" spcCol="0" rtlCol="0" fromWordArt="0" anchor="ctr" anchorCtr="0" forceAA="0" compatLnSpc="1">
+            <a:prstTxWarp prst="textNoShape">
+              <a:avLst/>
+            </a:prstTxWarp>
+            <a:noAutofit/>
+          </a:bodyPr>
+          <a:lstStyle/>
+          <a:p>
+            <a:pPr algn="ctr"/>
+            <a:endParaRPr lang="es-PE">
+              <a:solidFill>
+                <a:schemeClr val="tx1"/>
+              </a:solidFill>
+            </a:endParaRPr>
+          </a:p>
+        </p:txBody>
+      </p:sp>
+      <p:pic>
+        <p:nvPicPr>
+          <p:cNvPr id="5" name="Imagen 4"/>
+          <p:cNvPicPr>
+            <a:picLocks noChangeAspect="1"/>
+          </p:cNvPicPr>
+          <p:nvPr/>
+        </p:nvPicPr>
+        <p:blipFill>
+          <a:blip r:embed="rId3"/>
+          <a:stretch>
+            <a:fillRect/>
+          </a:stretch>
+        </p:blipFill>
+        <p:spPr>
+          <a:xfrm>
+            <a:off x="3995936" y="2254601"/>
+            <a:ext cx="3456384" cy="4365021"/>
           </a:xfrm>
           <a:prstGeom prst="rect">
             <a:avLst/>
@@ -8099,13 +8298,20 @@
     </p:spTree>
     <p:extLst>
       <p:ext uri="{BB962C8B-B14F-4D97-AF65-F5344CB8AC3E}">
-        <p14:creationId xmlns:p14="http://schemas.microsoft.com/office/powerpoint/2010/main" val="2523799920"/>
+        <p14:creationId xmlns:p14="http://schemas.microsoft.com/office/powerpoint/2010/main" val="1740312642"/>
       </p:ext>
     </p:extLst>
   </p:cSld>
   <p:clrMapOvr>
     <a:masterClrMapping/>
   </p:clrMapOvr>
+  <p:timing>
+    <p:tnLst>
+      <p:par>
+        <p:cTn id="1" dur="indefinite" restart="never" nodeType="tmRoot"/>
+      </p:par>
+    </p:tnLst>
+  </p:timing>
 </p:sld>
 </file>
 
@@ -8221,7 +8427,7 @@
       </p:grpSpPr>
       <p:pic>
         <p:nvPicPr>
-          <p:cNvPr id="2" name="Imagen 1"/>
+          <p:cNvPr id="4" name="Imagen 3"/>
           <p:cNvPicPr>
             <a:picLocks noChangeAspect="1"/>
           </p:cNvPicPr>
@@ -8235,8 +8441,8 @@
         </p:blipFill>
         <p:spPr>
           <a:xfrm>
-            <a:off x="251520" y="620688"/>
-            <a:ext cx="8675524" cy="5184576"/>
+            <a:off x="0" y="692696"/>
+            <a:ext cx="9144000" cy="5688632"/>
           </a:xfrm>
           <a:prstGeom prst="rect">
             <a:avLst/>
@@ -8246,7 +8452,7 @@
     </p:spTree>
     <p:extLst>
       <p:ext uri="{BB962C8B-B14F-4D97-AF65-F5344CB8AC3E}">
-        <p14:creationId xmlns:p14="http://schemas.microsoft.com/office/powerpoint/2010/main" val="423887319"/>
+        <p14:creationId xmlns:p14="http://schemas.microsoft.com/office/powerpoint/2010/main" val="2523799920"/>
       </p:ext>
     </p:extLst>
   </p:cSld>
@@ -8273,6 +8479,60 @@
           <a:chExt cx="0" cy="0"/>
         </a:xfrm>
       </p:grpSpPr>
+      <p:pic>
+        <p:nvPicPr>
+          <p:cNvPr id="2" name="Imagen 1"/>
+          <p:cNvPicPr>
+            <a:picLocks noChangeAspect="1"/>
+          </p:cNvPicPr>
+          <p:nvPr/>
+        </p:nvPicPr>
+        <p:blipFill>
+          <a:blip r:embed="rId2"/>
+          <a:stretch>
+            <a:fillRect/>
+          </a:stretch>
+        </p:blipFill>
+        <p:spPr>
+          <a:xfrm>
+            <a:off x="251520" y="620688"/>
+            <a:ext cx="8675524" cy="5184576"/>
+          </a:xfrm>
+          <a:prstGeom prst="rect">
+            <a:avLst/>
+          </a:prstGeom>
+        </p:spPr>
+      </p:pic>
+    </p:spTree>
+    <p:extLst>
+      <p:ext uri="{BB962C8B-B14F-4D97-AF65-F5344CB8AC3E}">
+        <p14:creationId xmlns:p14="http://schemas.microsoft.com/office/powerpoint/2010/main" val="423887319"/>
+      </p:ext>
+    </p:extLst>
+  </p:cSld>
+  <p:clrMapOvr>
+    <a:masterClrMapping/>
+  </p:clrMapOvr>
+</p:sld>
+</file>
+
+<file path=ppt/slides/slide32.xml><?xml version="1.0" encoding="utf-8"?>
+<p:sld xmlns:a="http://schemas.openxmlformats.org/drawingml/2006/main" xmlns:r="http://schemas.openxmlformats.org/officeDocument/2006/relationships" xmlns:p="http://schemas.openxmlformats.org/presentationml/2006/main">
+  <p:cSld>
+    <p:spTree>
+      <p:nvGrpSpPr>
+        <p:cNvPr id="1" name=""/>
+        <p:cNvGrpSpPr/>
+        <p:nvPr/>
+      </p:nvGrpSpPr>
+      <p:grpSpPr>
+        <a:xfrm>
+          <a:off x="0" y="0"/>
+          <a:ext cx="0" cy="0"/>
+          <a:chOff x="0" y="0"/>
+          <a:chExt cx="0" cy="0"/>
+        </a:xfrm>
+      </p:grpSpPr>
       <p:sp>
         <p:nvSpPr>
           <p:cNvPr id="4" name="3 CuadroTexto"/>
@@ -8361,7 +8621,7 @@
 </p:sld>
 </file>
 
-<file path=ppt/slides/slide32.xml><?xml version="1.0" encoding="utf-8"?>
+<file path=ppt/slides/slide33.xml><?xml version="1.0" encoding="utf-8"?>
 <p:sld xmlns:a="http://schemas.openxmlformats.org/drawingml/2006/main" xmlns:r="http://schemas.openxmlformats.org/officeDocument/2006/relationships" xmlns:p="http://schemas.openxmlformats.org/presentationml/2006/main">
   <p:cSld>
     <p:spTree>
@@ -8461,114 +8721,6 @@
         </p:spPr>
       </p:pic>
     </p:spTree>
-  </p:cSld>
-  <p:clrMapOvr>
-    <a:masterClrMapping/>
-  </p:clrMapOvr>
-</p:sld>
-</file>
-
-<file path=ppt/slides/slide33.xml><?xml version="1.0" encoding="utf-8"?>
-<p:sld xmlns:a="http://schemas.openxmlformats.org/drawingml/2006/main" xmlns:r="http://schemas.openxmlformats.org/officeDocument/2006/relationships" xmlns:p="http://schemas.openxmlformats.org/presentationml/2006/main">
-  <p:cSld>
-    <p:spTree>
-      <p:nvGrpSpPr>
-        <p:cNvPr id="1" name=""/>
-        <p:cNvGrpSpPr/>
-        <p:nvPr/>
-      </p:nvGrpSpPr>
-      <p:grpSpPr>
-        <a:xfrm>
-          <a:off x="0" y="0"/>
-          <a:ext cx="0" cy="0"/>
-          <a:chOff x="0" y="0"/>
-          <a:chExt cx="0" cy="0"/>
-        </a:xfrm>
-      </p:grpSpPr>
-      <p:pic>
-        <p:nvPicPr>
-          <p:cNvPr id="4" name="Imagen 3"/>
-          <p:cNvPicPr>
-            <a:picLocks noChangeAspect="1"/>
-          </p:cNvPicPr>
-          <p:nvPr/>
-        </p:nvPicPr>
-        <p:blipFill>
-          <a:blip r:embed="rId2"/>
-          <a:stretch>
-            <a:fillRect/>
-          </a:stretch>
-        </p:blipFill>
-        <p:spPr>
-          <a:xfrm>
-            <a:off x="1403648" y="3861048"/>
-            <a:ext cx="6325056" cy="2376264"/>
-          </a:xfrm>
-          <a:prstGeom prst="rect">
-            <a:avLst/>
-          </a:prstGeom>
-        </p:spPr>
-      </p:pic>
-      <p:pic>
-        <p:nvPicPr>
-          <p:cNvPr id="5" name="Imagen 4"/>
-          <p:cNvPicPr>
-            <a:picLocks noChangeAspect="1"/>
-          </p:cNvPicPr>
-          <p:nvPr/>
-        </p:nvPicPr>
-        <p:blipFill>
-          <a:blip r:embed="rId3"/>
-          <a:stretch>
-            <a:fillRect/>
-          </a:stretch>
-        </p:blipFill>
-        <p:spPr>
-          <a:xfrm>
-            <a:off x="2218263" y="1628800"/>
-            <a:ext cx="4695825" cy="1876425"/>
-          </a:xfrm>
-          <a:prstGeom prst="rect">
-            <a:avLst/>
-          </a:prstGeom>
-        </p:spPr>
-      </p:pic>
-      <p:sp>
-        <p:nvSpPr>
-          <p:cNvPr id="6" name="CuadroTexto 5"/>
-          <p:cNvSpPr txBox="1"/>
-          <p:nvPr/>
-        </p:nvSpPr>
-        <p:spPr>
-          <a:xfrm>
-            <a:off x="1115616" y="404664"/>
-            <a:ext cx="7200800" cy="923330"/>
-          </a:xfrm>
-          <a:prstGeom prst="rect">
-            <a:avLst/>
-          </a:prstGeom>
-          <a:noFill/>
-        </p:spPr>
-        <p:txBody>
-          <a:bodyPr wrap="square" rtlCol="0">
-            <a:spAutoFit/>
-          </a:bodyPr>
-          <a:lstStyle/>
-          <a:p>
-            <a:r>
-              <a:rPr lang="es-PE" dirty="0" smtClean="0"/>
-              <a:t>Pero su proyecto crítico se refiere, en este contexto, al ámbito de la razón. Sin embargo, la invitación al pensar crítico será mucho mejor desarrollado en su obra ética, política y antropológica.</a:t>
-            </a:r>
-            <a:endParaRPr lang="es-PE" dirty="0"/>
-          </a:p>
-        </p:txBody>
-      </p:sp>
-    </p:spTree>
-    <p:extLst>
-      <p:ext uri="{BB962C8B-B14F-4D97-AF65-F5344CB8AC3E}">
-        <p14:creationId xmlns:p14="http://schemas.microsoft.com/office/powerpoint/2010/main" val="2507641072"/>
-      </p:ext>
-    </p:extLst>
   </p:cSld>
   <p:clrMapOvr>
     <a:masterClrMapping/>
@@ -8593,102 +8745,88 @@
           <a:chExt cx="0" cy="0"/>
         </a:xfrm>
       </p:grpSpPr>
-      <p:sp>
-        <p:nvSpPr>
-          <p:cNvPr id="3" name="Marcador de contenido 2"/>
-          <p:cNvSpPr>
-            <a:spLocks noGrp="1"/>
-          </p:cNvSpPr>
-          <p:nvPr>
-            <p:ph idx="1"/>
-          </p:nvPr>
-        </p:nvSpPr>
-        <p:spPr>
-          <a:xfrm>
-            <a:off x="457200" y="620688"/>
-            <a:ext cx="8229600" cy="5505475"/>
-          </a:xfrm>
-        </p:spPr>
-        <p:txBody>
-          <a:bodyPr>
-            <a:normAutofit fontScale="92500" lnSpcReduction="20000"/>
+      <p:pic>
+        <p:nvPicPr>
+          <p:cNvPr id="4" name="Imagen 3"/>
+          <p:cNvPicPr>
+            <a:picLocks noChangeAspect="1"/>
+          </p:cNvPicPr>
+          <p:nvPr/>
+        </p:nvPicPr>
+        <p:blipFill>
+          <a:blip r:embed="rId2"/>
+          <a:stretch>
+            <a:fillRect/>
+          </a:stretch>
+        </p:blipFill>
+        <p:spPr>
+          <a:xfrm>
+            <a:off x="1403648" y="3861048"/>
+            <a:ext cx="6325056" cy="2376264"/>
+          </a:xfrm>
+          <a:prstGeom prst="rect">
+            <a:avLst/>
+          </a:prstGeom>
+        </p:spPr>
+      </p:pic>
+      <p:pic>
+        <p:nvPicPr>
+          <p:cNvPr id="5" name="Imagen 4"/>
+          <p:cNvPicPr>
+            <a:picLocks noChangeAspect="1"/>
+          </p:cNvPicPr>
+          <p:nvPr/>
+        </p:nvPicPr>
+        <p:blipFill>
+          <a:blip r:embed="rId3"/>
+          <a:stretch>
+            <a:fillRect/>
+          </a:stretch>
+        </p:blipFill>
+        <p:spPr>
+          <a:xfrm>
+            <a:off x="2218263" y="1628800"/>
+            <a:ext cx="4695825" cy="1876425"/>
+          </a:xfrm>
+          <a:prstGeom prst="rect">
+            <a:avLst/>
+          </a:prstGeom>
+        </p:spPr>
+      </p:pic>
+      <p:sp>
+        <p:nvSpPr>
+          <p:cNvPr id="6" name="CuadroTexto 5"/>
+          <p:cNvSpPr txBox="1"/>
+          <p:nvPr/>
+        </p:nvSpPr>
+        <p:spPr>
+          <a:xfrm>
+            <a:off x="1115616" y="404664"/>
+            <a:ext cx="7200800" cy="923330"/>
+          </a:xfrm>
+          <a:prstGeom prst="rect">
+            <a:avLst/>
+          </a:prstGeom>
+          <a:noFill/>
+        </p:spPr>
+        <p:txBody>
+          <a:bodyPr wrap="square" rtlCol="0">
+            <a:spAutoFit/>
           </a:bodyPr>
           <a:lstStyle/>
           <a:p>
-            <a:pPr marL="0" indent="0">
-              <a:buNone/>
-            </a:pPr>
+            <a:r>
+              <a:rPr lang="es-PE" dirty="0" smtClean="0"/>
+              <a:t>Pero su proyecto crítico se refiere, en este contexto, al ámbito de la razón. Sin embargo, la invitación al pensar crítico será mucho mejor desarrollado en su obra ética, política y antropológica.</a:t>
+            </a:r>
             <a:endParaRPr lang="es-PE" dirty="0"/>
-          </a:p>
-          <a:p>
-            <a:pPr marL="0" indent="0">
-              <a:buNone/>
-            </a:pPr>
-            <a:r>
-              <a:rPr lang="es-PE" sz="4000" b="1" dirty="0" smtClean="0"/>
-              <a:t>- ¿Porqué se habla de un giro Copernicano, en el caso de Kant?</a:t>
-            </a:r>
-            <a:endParaRPr lang="es-PE" b="1" dirty="0" smtClean="0">
-              <a:solidFill>
-                <a:schemeClr val="bg1">
-                  <a:lumMod val="75000"/>
-                </a:schemeClr>
-              </a:solidFill>
-            </a:endParaRPr>
-          </a:p>
-          <a:p>
-            <a:pPr marL="0" indent="0">
-              <a:buNone/>
-            </a:pPr>
-            <a:endParaRPr lang="es-PE" sz="4000" b="1" dirty="0"/>
-          </a:p>
-          <a:p>
-            <a:pPr>
-              <a:buFontTx/>
-              <a:buChar char="-"/>
-            </a:pPr>
-            <a:r>
-              <a:rPr lang="es-PE" sz="4000" b="1" dirty="0" smtClean="0"/>
-              <a:t>¿Qué elementos componen la extensión de sus obras y pensamientos? ¿Qué se pregunta?</a:t>
-            </a:r>
-          </a:p>
-          <a:p>
-            <a:pPr>
-              <a:buFontTx/>
-              <a:buChar char="-"/>
-            </a:pPr>
-            <a:endParaRPr lang="es-PE" sz="4000" b="1" dirty="0"/>
-          </a:p>
-          <a:p>
-            <a:pPr>
-              <a:buFontTx/>
-              <a:buChar char="-"/>
-            </a:pPr>
-            <a:r>
-              <a:rPr lang="es-PE" sz="4000" b="1" dirty="0" smtClean="0"/>
-              <a:t>¿Qué tiene que ver el giro copernicano con la C.R.P.?</a:t>
-            </a:r>
-          </a:p>
-          <a:p>
-            <a:pPr>
-              <a:buFontTx/>
-              <a:buChar char="-"/>
-            </a:pPr>
-            <a:endParaRPr lang="es-PE" sz="4000" b="1" dirty="0"/>
-          </a:p>
-          <a:p>
-            <a:pPr>
-              <a:buFontTx/>
-              <a:buChar char="-"/>
-            </a:pPr>
-            <a:endParaRPr lang="es-PE" sz="4000" b="1" dirty="0"/>
           </a:p>
         </p:txBody>
       </p:sp>
     </p:spTree>
     <p:extLst>
       <p:ext uri="{BB962C8B-B14F-4D97-AF65-F5344CB8AC3E}">
-        <p14:creationId xmlns:p14="http://schemas.microsoft.com/office/powerpoint/2010/main" val="579439815"/>
+        <p14:creationId xmlns:p14="http://schemas.microsoft.com/office/powerpoint/2010/main" val="2507641072"/>
       </p:ext>
     </p:extLst>
   </p:cSld>
@@ -8717,6 +8855,128 @@
       </p:grpSpPr>
       <p:sp>
         <p:nvSpPr>
+          <p:cNvPr id="3" name="Marcador de contenido 2"/>
+          <p:cNvSpPr>
+            <a:spLocks noGrp="1"/>
+          </p:cNvSpPr>
+          <p:nvPr>
+            <p:ph idx="1"/>
+          </p:nvPr>
+        </p:nvSpPr>
+        <p:spPr>
+          <a:xfrm>
+            <a:off x="457200" y="620688"/>
+            <a:ext cx="8229600" cy="5505475"/>
+          </a:xfrm>
+        </p:spPr>
+        <p:txBody>
+          <a:bodyPr>
+            <a:normAutofit fontScale="92500" lnSpcReduction="20000"/>
+          </a:bodyPr>
+          <a:lstStyle/>
+          <a:p>
+            <a:pPr marL="0" indent="0">
+              <a:buNone/>
+            </a:pPr>
+            <a:endParaRPr lang="es-PE" dirty="0"/>
+          </a:p>
+          <a:p>
+            <a:pPr marL="0" indent="0">
+              <a:buNone/>
+            </a:pPr>
+            <a:r>
+              <a:rPr lang="es-PE" sz="4000" b="1" dirty="0" smtClean="0"/>
+              <a:t>- ¿Porqué se habla de un giro Copernicano, en el caso de Kant?</a:t>
+            </a:r>
+            <a:endParaRPr lang="es-PE" b="1" dirty="0" smtClean="0">
+              <a:solidFill>
+                <a:schemeClr val="bg1">
+                  <a:lumMod val="75000"/>
+                </a:schemeClr>
+              </a:solidFill>
+            </a:endParaRPr>
+          </a:p>
+          <a:p>
+            <a:pPr marL="0" indent="0">
+              <a:buNone/>
+            </a:pPr>
+            <a:endParaRPr lang="es-PE" sz="4000" b="1" dirty="0"/>
+          </a:p>
+          <a:p>
+            <a:pPr>
+              <a:buFontTx/>
+              <a:buChar char="-"/>
+            </a:pPr>
+            <a:r>
+              <a:rPr lang="es-PE" sz="4000" b="1" dirty="0" smtClean="0"/>
+              <a:t>¿Qué elementos componen la extensión de sus obras y pensamientos? ¿Qué se pregunta?</a:t>
+            </a:r>
+          </a:p>
+          <a:p>
+            <a:pPr>
+              <a:buFontTx/>
+              <a:buChar char="-"/>
+            </a:pPr>
+            <a:endParaRPr lang="es-PE" sz="4000" b="1" dirty="0"/>
+          </a:p>
+          <a:p>
+            <a:pPr>
+              <a:buFontTx/>
+              <a:buChar char="-"/>
+            </a:pPr>
+            <a:r>
+              <a:rPr lang="es-PE" sz="4000" b="1" dirty="0" smtClean="0"/>
+              <a:t>¿Qué tiene que ver el giro copernicano con la C.R.P.?</a:t>
+            </a:r>
+          </a:p>
+          <a:p>
+            <a:pPr>
+              <a:buFontTx/>
+              <a:buChar char="-"/>
+            </a:pPr>
+            <a:endParaRPr lang="es-PE" sz="4000" b="1" dirty="0"/>
+          </a:p>
+          <a:p>
+            <a:pPr>
+              <a:buFontTx/>
+              <a:buChar char="-"/>
+            </a:pPr>
+            <a:endParaRPr lang="es-PE" sz="4000" b="1" dirty="0"/>
+          </a:p>
+        </p:txBody>
+      </p:sp>
+    </p:spTree>
+    <p:extLst>
+      <p:ext uri="{BB962C8B-B14F-4D97-AF65-F5344CB8AC3E}">
+        <p14:creationId xmlns:p14="http://schemas.microsoft.com/office/powerpoint/2010/main" val="579439815"/>
+      </p:ext>
+    </p:extLst>
+  </p:cSld>
+  <p:clrMapOvr>
+    <a:masterClrMapping/>
+  </p:clrMapOvr>
+</p:sld>
+</file>
+
+<file path=ppt/slides/slide36.xml><?xml version="1.0" encoding="utf-8"?>
+<p:sld xmlns:a="http://schemas.openxmlformats.org/drawingml/2006/main" xmlns:r="http://schemas.openxmlformats.org/officeDocument/2006/relationships" xmlns:p="http://schemas.openxmlformats.org/presentationml/2006/main">
+  <p:cSld>
+    <p:spTree>
+      <p:nvGrpSpPr>
+        <p:cNvPr id="1" name=""/>
+        <p:cNvGrpSpPr/>
+        <p:nvPr/>
+      </p:nvGrpSpPr>
+      <p:grpSpPr>
+        <a:xfrm>
+          <a:off x="0" y="0"/>
+          <a:ext cx="0" cy="0"/>
+          <a:chOff x="0" y="0"/>
+          <a:chExt cx="0" cy="0"/>
+        </a:xfrm>
+      </p:grpSpPr>
+      <p:sp>
+        <p:nvSpPr>
           <p:cNvPr id="2" name="Título 1"/>
           <p:cNvSpPr>
             <a:spLocks noGrp="1"/>
@@ -8827,7 +9087,7 @@
 </p:sld>
 </file>
 
-<file path=ppt/slides/slide36.xml><?xml version="1.0" encoding="utf-8"?>
+<file path=ppt/slides/slide37.xml><?xml version="1.0" encoding="utf-8"?>
 <p:sld xmlns:a="http://schemas.openxmlformats.org/drawingml/2006/main" xmlns:r="http://schemas.openxmlformats.org/officeDocument/2006/relationships" xmlns:p="http://schemas.openxmlformats.org/presentationml/2006/main">
   <p:cSld>
     <p:spTree>
@@ -8966,34 +9226,12 @@
             <p:ph type="title"/>
           </p:nvPr>
         </p:nvSpPr>
-        <p:spPr>
-          <a:xfrm>
-            <a:off x="683568" y="28419"/>
-            <a:ext cx="8229600" cy="1143000"/>
-          </a:xfrm>
-        </p:spPr>
-        <p:txBody>
-          <a:bodyPr>
-            <a:normAutofit fontScale="90000"/>
-          </a:bodyPr>
-          <a:lstStyle/>
-          <a:p>
-            <a:r>
-              <a:rPr lang="es-PE" dirty="0">
-                <a:solidFill>
-                  <a:srgbClr val="FF0000"/>
-                </a:solidFill>
-              </a:rPr>
-              <a:t>Filosofía Trascendental</a:t>
-            </a:r>
-            <a:br>
-              <a:rPr lang="es-PE" dirty="0">
-                <a:solidFill>
-                  <a:srgbClr val="FF0000"/>
-                </a:solidFill>
-              </a:rPr>
-            </a:br>
-            <a:endParaRPr lang="es-PE" dirty="0"/>
+        <p:spPr/>
+        <p:txBody>
+          <a:bodyPr/>
+          <a:lstStyle/>
+          <a:p>
+            <a:endParaRPr lang="es-PE"/>
           </a:p>
         </p:txBody>
       </p:sp>
@@ -9007,199 +9245,43 @@
             <p:ph idx="1"/>
           </p:nvPr>
         </p:nvSpPr>
-        <p:spPr>
-          <a:xfrm>
-            <a:off x="457200" y="980728"/>
-            <a:ext cx="8229600" cy="5760640"/>
-          </a:xfrm>
-        </p:spPr>
-        <p:txBody>
-          <a:bodyPr>
-            <a:normAutofit fontScale="77500" lnSpcReduction="20000"/>
-          </a:bodyPr>
-          <a:lstStyle/>
-          <a:p>
-            <a:r>
-              <a:rPr lang="es-PE" dirty="0" smtClean="0"/>
-              <a:t>Espacio: experiencia externa</a:t>
-            </a:r>
-          </a:p>
-          <a:p>
-            <a:r>
-              <a:rPr lang="es-PE" dirty="0" smtClean="0"/>
-              <a:t>Tiempo: experiencia interna</a:t>
-            </a:r>
-          </a:p>
-          <a:p>
-            <a:endParaRPr lang="es-PE" dirty="0" smtClean="0"/>
-          </a:p>
-          <a:p>
-            <a:r>
-              <a:rPr lang="es-PE" dirty="0" smtClean="0"/>
-              <a:t>Estética trascendental: </a:t>
-            </a:r>
-            <a:r>
-              <a:rPr lang="es-PE" dirty="0" smtClean="0">
-                <a:solidFill>
-                  <a:schemeClr val="accent1">
-                    <a:lumMod val="40000"/>
-                    <a:lumOff val="60000"/>
-                  </a:schemeClr>
-                </a:solidFill>
-              </a:rPr>
-              <a:t>intuición</a:t>
-            </a:r>
-            <a:r>
-              <a:rPr lang="es-PE" dirty="0" smtClean="0"/>
-              <a:t> (representación sensible </a:t>
-            </a:r>
-            <a:r>
-              <a:rPr lang="es-PE" dirty="0"/>
-              <a:t>externa </a:t>
-            </a:r>
-            <a:r>
-              <a:rPr lang="es-PE" dirty="0" smtClean="0"/>
-              <a:t>e interna) y </a:t>
-            </a:r>
-            <a:r>
-              <a:rPr lang="es-PE" dirty="0" smtClean="0">
-                <a:solidFill>
-                  <a:schemeClr val="accent1">
-                    <a:lumMod val="40000"/>
-                    <a:lumOff val="60000"/>
-                  </a:schemeClr>
-                </a:solidFill>
-              </a:rPr>
-              <a:t>concepto</a:t>
-            </a:r>
-            <a:r>
-              <a:rPr lang="es-PE" dirty="0" smtClean="0"/>
-              <a:t> (representación del entendimiento y la razón, estructura)</a:t>
-            </a:r>
-          </a:p>
-          <a:p>
-            <a:endParaRPr lang="es-PE" dirty="0" smtClean="0"/>
-          </a:p>
-          <a:p>
-            <a:r>
-              <a:rPr lang="es-PE" dirty="0" smtClean="0"/>
-              <a:t>Lógica trascendental</a:t>
-            </a:r>
-          </a:p>
-          <a:p>
-            <a:pPr marL="742950" lvl="2" indent="-342900"/>
-            <a:r>
-              <a:rPr lang="es-PE" dirty="0"/>
-              <a:t>Analítica Trascendental (Analítico/Sintético) (Categorías: </a:t>
-            </a:r>
-            <a:r>
-              <a:rPr lang="es-PE" dirty="0" smtClean="0">
-                <a:solidFill>
-                  <a:srgbClr val="FF0000"/>
-                </a:solidFill>
-              </a:rPr>
-              <a:t>Cantidad</a:t>
-            </a:r>
-            <a:r>
-              <a:rPr lang="es-PE" dirty="0" smtClean="0"/>
-              <a:t> (unidad, pluralidad, totalidad), </a:t>
-            </a:r>
-            <a:r>
-              <a:rPr lang="es-PE" dirty="0" smtClean="0">
-                <a:solidFill>
-                  <a:srgbClr val="FF0000"/>
-                </a:solidFill>
-              </a:rPr>
-              <a:t>Cualidad</a:t>
-            </a:r>
-            <a:r>
-              <a:rPr lang="es-PE" dirty="0" smtClean="0"/>
-              <a:t> (realidad, negación, limitación), </a:t>
-            </a:r>
-            <a:r>
-              <a:rPr lang="es-PE" dirty="0" smtClean="0">
-                <a:solidFill>
-                  <a:srgbClr val="FF0000"/>
-                </a:solidFill>
-              </a:rPr>
-              <a:t>Relación</a:t>
-            </a:r>
-            <a:r>
-              <a:rPr lang="es-PE" dirty="0" smtClean="0"/>
-              <a:t> (Inherencia, subsistencia (Substancia y accidente), causalidad, dependencia (causa y efecto), comunidad (acción e interacción recíproca)), </a:t>
-            </a:r>
-            <a:r>
-              <a:rPr lang="es-PE" dirty="0" smtClean="0">
-                <a:solidFill>
-                  <a:srgbClr val="FF0000"/>
-                </a:solidFill>
-              </a:rPr>
-              <a:t>Modalidad</a:t>
-            </a:r>
-            <a:r>
-              <a:rPr lang="es-PE" dirty="0" smtClean="0"/>
-              <a:t> (posibilidad, existencia y necesidad))</a:t>
-            </a:r>
-          </a:p>
-          <a:p>
-            <a:pPr marL="742950" lvl="2" indent="-342900"/>
-            <a:endParaRPr lang="es-PE" dirty="0" smtClean="0"/>
-          </a:p>
-          <a:p>
-            <a:pPr marL="342900" lvl="1" indent="-342900">
-              <a:buFont typeface="Arial" pitchFamily="34" charset="0"/>
-              <a:buChar char="•"/>
-            </a:pPr>
-            <a:r>
-              <a:rPr lang="es-PE" dirty="0" smtClean="0"/>
-              <a:t>Dialéctica trascendental (Paralogismos, Antinomias)</a:t>
-            </a:r>
-          </a:p>
-          <a:p>
-            <a:pPr marL="342900" lvl="1" indent="-342900">
-              <a:buFont typeface="Arial" pitchFamily="34" charset="0"/>
-              <a:buChar char="•"/>
-            </a:pPr>
-            <a:r>
-              <a:rPr lang="es-PE" dirty="0" smtClean="0"/>
-              <a:t>Doctrina Trascendental del Método (Cómo afrontar cuestiones metafísicas, límites de la razón, necesidad de la experiencia)</a:t>
-            </a:r>
-            <a:endParaRPr lang="es-PE" dirty="0"/>
-          </a:p>
-          <a:p>
-            <a:pPr marL="457200" lvl="1" indent="0">
-              <a:buNone/>
-            </a:pPr>
-            <a:endParaRPr lang="es-PE" dirty="0" smtClean="0"/>
-          </a:p>
-          <a:p>
-            <a:pPr marL="457200" lvl="1" indent="0">
-              <a:buNone/>
-            </a:pPr>
-            <a:endParaRPr lang="es-PE" dirty="0"/>
-          </a:p>
-          <a:p>
-            <a:pPr marL="457200" lvl="1" indent="0">
-              <a:buNone/>
-            </a:pPr>
-            <a:endParaRPr lang="es-PE" dirty="0" smtClean="0"/>
-          </a:p>
-          <a:p>
-            <a:pPr lvl="1"/>
-            <a:endParaRPr lang="es-PE" dirty="0" smtClean="0"/>
-          </a:p>
-          <a:p>
-            <a:pPr marL="0" indent="0">
-              <a:buNone/>
-            </a:pPr>
-            <a:endParaRPr lang="es-PE" dirty="0" smtClean="0"/>
-          </a:p>
-        </p:txBody>
-      </p:sp>
+        <p:spPr/>
+        <p:txBody>
+          <a:bodyPr/>
+          <a:lstStyle/>
+          <a:p>
+            <a:endParaRPr lang="es-PE"/>
+          </a:p>
+        </p:txBody>
+      </p:sp>
+      <p:pic>
+        <p:nvPicPr>
+          <p:cNvPr id="4" name="Imagen 3"/>
+          <p:cNvPicPr>
+            <a:picLocks noChangeAspect="1"/>
+          </p:cNvPicPr>
+          <p:nvPr/>
+        </p:nvPicPr>
+        <p:blipFill>
+          <a:blip r:embed="rId2"/>
+          <a:stretch>
+            <a:fillRect/>
+          </a:stretch>
+        </p:blipFill>
+        <p:spPr>
+          <a:xfrm>
+            <a:off x="7753" y="0"/>
+            <a:ext cx="9136247" cy="6858000"/>
+          </a:xfrm>
+          <a:prstGeom prst="rect">
+            <a:avLst/>
+          </a:prstGeom>
+        </p:spPr>
+      </p:pic>
     </p:spTree>
     <p:extLst>
       <p:ext uri="{BB962C8B-B14F-4D97-AF65-F5344CB8AC3E}">
-        <p14:creationId xmlns:p14="http://schemas.microsoft.com/office/powerpoint/2010/main" val="2794555875"/>
+        <p14:creationId xmlns:p14="http://schemas.microsoft.com/office/powerpoint/2010/main" val="2826799090"/>
       </p:ext>
     </p:extLst>
   </p:cSld>
@@ -9226,45 +9308,6 @@
           <a:chExt cx="0" cy="0"/>
         </a:xfrm>
       </p:grpSpPr>
-      <p:pic>
-        <p:nvPicPr>
-          <p:cNvPr id="5" name="Imagen 4"/>
-          <p:cNvPicPr>
-            <a:picLocks noChangeAspect="1"/>
-          </p:cNvPicPr>
-          <p:nvPr/>
-        </p:nvPicPr>
-        <p:blipFill>
-          <a:blip r:embed="rId2">
-            <a:extLst>
-              <a:ext uri="{BEBA8EAE-BF5A-486C-A8C5-ECC9F3942E4B}">
-                <a14:imgProps xmlns:a14="http://schemas.microsoft.com/office/drawing/2010/main">
-                  <a14:imgLayer r:embed="rId3">
-                    <a14:imgEffect>
-                      <a14:colorTemperature colorTemp="1500"/>
-                    </a14:imgEffect>
-                    <a14:imgEffect>
-                      <a14:saturation sat="0"/>
-                    </a14:imgEffect>
-                  </a14:imgLayer>
-                </a14:imgProps>
-              </a:ext>
-            </a:extLst>
-          </a:blip>
-          <a:stretch>
-            <a:fillRect/>
-          </a:stretch>
-        </p:blipFill>
-        <p:spPr>
-          <a:xfrm>
-            <a:off x="0" y="0"/>
-            <a:ext cx="9144000" cy="6858000"/>
-          </a:xfrm>
-          <a:prstGeom prst="rect">
-            <a:avLst/>
-          </a:prstGeom>
-        </p:spPr>
-      </p:pic>
       <p:sp>
         <p:nvSpPr>
           <p:cNvPr id="2" name="Título 1"/>
@@ -9277,8 +9320,8 @@
         </p:nvSpPr>
         <p:spPr>
           <a:xfrm>
-            <a:off x="457200" y="274638"/>
-            <a:ext cx="8229600" cy="490066"/>
+            <a:off x="683568" y="28419"/>
+            <a:ext cx="8229600" cy="1143000"/>
           </a:xfrm>
         </p:spPr>
         <p:txBody>
@@ -9288,18 +9331,21 @@
           <a:lstStyle/>
           <a:p>
             <a:r>
-              <a:rPr lang="es-PE" b="1" dirty="0" smtClean="0">
+              <a:rPr lang="es-PE" dirty="0">
                 <a:solidFill>
-                  <a:schemeClr val="bg1"/>
+                  <a:srgbClr val="FF0000"/>
                 </a:solidFill>
               </a:rPr>
-              <a:t>Juicios</a:t>
-            </a:r>
-            <a:endParaRPr lang="es-PE" b="1" dirty="0">
-              <a:solidFill>
-                <a:schemeClr val="bg1"/>
-              </a:solidFill>
-            </a:endParaRPr>
+              <a:t>Filosofía Trascendental</a:t>
+            </a:r>
+            <a:br>
+              <a:rPr lang="es-PE" dirty="0">
+                <a:solidFill>
+                  <a:srgbClr val="FF0000"/>
+                </a:solidFill>
+              </a:rPr>
+            </a:br>
+            <a:endParaRPr lang="es-PE" dirty="0"/>
           </a:p>
         </p:txBody>
       </p:sp>
@@ -9315,14 +9361,9 @@
         </p:nvSpPr>
         <p:spPr>
           <a:xfrm>
-            <a:off x="457200" y="1124744"/>
-            <a:ext cx="8229600" cy="5400600"/>
-          </a:xfrm>
-          <a:solidFill>
-            <a:schemeClr val="tx1">
-              <a:alpha val="25000"/>
-            </a:schemeClr>
-          </a:solidFill>
+            <a:off x="457200" y="980728"/>
+            <a:ext cx="8229600" cy="5760640"/>
+          </a:xfrm>
         </p:spPr>
         <p:txBody>
           <a:bodyPr>
@@ -9330,197 +9371,251 @@
           </a:bodyPr>
           <a:lstStyle/>
           <a:p>
-            <a:r>
-              <a:rPr lang="es-PE" b="1" u="sng" dirty="0" smtClean="0">
+            <a:endParaRPr lang="es-PE" dirty="0" smtClean="0"/>
+          </a:p>
+          <a:p>
+            <a:r>
+              <a:rPr lang="es-PE" u="sng" dirty="0" smtClean="0">
                 <a:solidFill>
-                  <a:schemeClr val="bg1"/>
+                  <a:srgbClr val="FF0000"/>
                 </a:solidFill>
               </a:rPr>
-              <a:t>Juicios analíticos: </a:t>
-            </a:r>
-            <a:r>
-              <a:rPr lang="es-PE" b="1" dirty="0" smtClean="0">
+              <a:t>Estética</a:t>
+            </a:r>
+            <a:r>
+              <a:rPr lang="es-PE" u="sng" dirty="0" smtClean="0"/>
+              <a:t> trascendental</a:t>
+            </a:r>
+            <a:r>
+              <a:rPr lang="es-PE" dirty="0" smtClean="0"/>
+              <a:t>: </a:t>
+            </a:r>
+            <a:r>
+              <a:rPr lang="es-PE" dirty="0" smtClean="0">
                 <a:solidFill>
-                  <a:schemeClr val="bg1"/>
+                  <a:schemeClr val="accent1">
+                    <a:lumMod val="40000"/>
+                    <a:lumOff val="60000"/>
+                  </a:schemeClr>
                 </a:solidFill>
               </a:rPr>
-              <a:t> El predicado esta presupuesto en el sujeto. “Todos </a:t>
-            </a:r>
-            <a:r>
-              <a:rPr lang="es-PE" b="1" dirty="0">
+              <a:t>intuición</a:t>
+            </a:r>
+            <a:r>
+              <a:rPr lang="es-PE" dirty="0" smtClean="0"/>
+              <a:t> (representación sensible </a:t>
+            </a:r>
+            <a:r>
+              <a:rPr lang="es-PE" dirty="0"/>
+              <a:t>externa </a:t>
+            </a:r>
+            <a:r>
+              <a:rPr lang="es-PE" dirty="0" smtClean="0"/>
+              <a:t>e interna) y </a:t>
+            </a:r>
+            <a:r>
+              <a:rPr lang="es-PE" dirty="0" smtClean="0">
                 <a:solidFill>
-                  <a:schemeClr val="bg1"/>
+                  <a:schemeClr val="accent1">
+                    <a:lumMod val="40000"/>
+                    <a:lumOff val="60000"/>
+                  </a:schemeClr>
                 </a:solidFill>
               </a:rPr>
-              <a:t>los solteros son hombres</a:t>
-            </a:r>
-            <a:r>
-              <a:rPr lang="es-PE" b="1" dirty="0" smtClean="0">
+              <a:t>concepto</a:t>
+            </a:r>
+            <a:r>
+              <a:rPr lang="es-PE" dirty="0" smtClean="0"/>
+              <a:t> (representación del entendimiento y la razón, estructura</a:t>
+            </a:r>
+            <a:r>
+              <a:rPr lang="es-PE" dirty="0" smtClean="0"/>
+              <a:t>). </a:t>
+            </a:r>
+            <a:r>
+              <a:rPr lang="es-PE" dirty="0" smtClean="0"/>
+              <a:t>No se dan el uno sin el otro.</a:t>
+            </a:r>
+            <a:endParaRPr lang="es-PE" dirty="0" smtClean="0"/>
+          </a:p>
+          <a:p>
+            <a:r>
+              <a:rPr lang="es-PE" dirty="0" smtClean="0"/>
+              <a:t>Condiciones de posibilidad:</a:t>
+            </a:r>
+          </a:p>
+          <a:p>
+            <a:pPr lvl="1"/>
+            <a:r>
+              <a:rPr lang="es-PE" dirty="0" smtClean="0"/>
+              <a:t>Espacio</a:t>
+            </a:r>
+            <a:r>
+              <a:rPr lang="es-PE" dirty="0"/>
+              <a:t>: experiencia externa</a:t>
+            </a:r>
+          </a:p>
+          <a:p>
+            <a:pPr lvl="1"/>
+            <a:r>
+              <a:rPr lang="es-PE" dirty="0"/>
+              <a:t>Tiempo: experiencia interna</a:t>
+            </a:r>
+          </a:p>
+          <a:p>
+            <a:endParaRPr lang="es-PE" dirty="0" smtClean="0"/>
+          </a:p>
+          <a:p>
+            <a:endParaRPr lang="es-PE" dirty="0" smtClean="0"/>
+          </a:p>
+          <a:p>
+            <a:r>
+              <a:rPr lang="es-PE" dirty="0" smtClean="0"/>
+              <a:t>Lógica trascendental</a:t>
+            </a:r>
+          </a:p>
+          <a:p>
+            <a:pPr marL="1200150" lvl="3" indent="-342900"/>
+            <a:r>
+              <a:rPr lang="es-PE" u="sng" dirty="0">
                 <a:solidFill>
-                  <a:schemeClr val="bg1"/>
+                  <a:srgbClr val="FF0000"/>
                 </a:solidFill>
               </a:rPr>
-              <a:t>.” </a:t>
-            </a:r>
-          </a:p>
-          <a:p>
-            <a:endParaRPr lang="es-PE" b="1" dirty="0" smtClean="0">
-              <a:solidFill>
-                <a:schemeClr val="bg1"/>
-              </a:solidFill>
-            </a:endParaRPr>
-          </a:p>
-          <a:p>
-            <a:r>
-              <a:rPr lang="es-PE" b="1" u="sng" dirty="0" smtClean="0">
+              <a:t>Analítica</a:t>
+            </a:r>
+            <a:r>
+              <a:rPr lang="es-PE" u="sng" dirty="0"/>
+              <a:t> Trascendental </a:t>
+            </a:r>
+            <a:r>
+              <a:rPr lang="es-PE" dirty="0"/>
+              <a:t>(Analítico/Sintético) (Categorías: </a:t>
+            </a:r>
+            <a:r>
+              <a:rPr lang="es-PE" dirty="0" smtClean="0">
                 <a:solidFill>
-                  <a:schemeClr val="bg1"/>
+                  <a:srgbClr val="FF0000"/>
                 </a:solidFill>
               </a:rPr>
-              <a:t>Juicios sintéticos: </a:t>
-            </a:r>
-            <a:r>
-              <a:rPr lang="es-PE" b="1" dirty="0" smtClean="0">
+              <a:t>Cantidad</a:t>
+            </a:r>
+            <a:r>
+              <a:rPr lang="es-PE" dirty="0" smtClean="0"/>
+              <a:t> (unidad, pluralidad, totalidad), </a:t>
+            </a:r>
+            <a:r>
+              <a:rPr lang="es-PE" dirty="0" smtClean="0">
                 <a:solidFill>
-                  <a:schemeClr val="bg1"/>
+                  <a:srgbClr val="FF0000"/>
                 </a:solidFill>
               </a:rPr>
-              <a:t>el predicado agrega información nueva. “El duende baila”.</a:t>
-            </a:r>
-          </a:p>
-          <a:p>
-            <a:endParaRPr lang="es-PE" b="1" dirty="0" smtClean="0">
-              <a:solidFill>
-                <a:schemeClr val="bg1"/>
-              </a:solidFill>
-            </a:endParaRPr>
-          </a:p>
-          <a:p>
-            <a:r>
-              <a:rPr lang="es-PE" b="1" u="sng" dirty="0" smtClean="0">
+              <a:t>Cualidad</a:t>
+            </a:r>
+            <a:r>
+              <a:rPr lang="es-PE" dirty="0" smtClean="0"/>
+              <a:t> (realidad, negación, limitación), </a:t>
+            </a:r>
+            <a:r>
+              <a:rPr lang="es-PE" dirty="0" smtClean="0">
                 <a:solidFill>
-                  <a:schemeClr val="bg1"/>
+                  <a:srgbClr val="FF0000"/>
                 </a:solidFill>
               </a:rPr>
-              <a:t>Juicios a priori:</a:t>
-            </a:r>
-            <a:r>
-              <a:rPr lang="es-PE" b="1" dirty="0" smtClean="0">
+              <a:t>Relación</a:t>
+            </a:r>
+            <a:r>
+              <a:rPr lang="es-PE" dirty="0" smtClean="0"/>
+              <a:t> (Inherencia, subsistencia (Substancia y accidente), causalidad, dependencia (causa y efecto), comunidad (acción e interacción recíproca)), </a:t>
+            </a:r>
+            <a:r>
+              <a:rPr lang="es-PE" dirty="0" smtClean="0">
                 <a:solidFill>
-                  <a:schemeClr val="bg1"/>
+                  <a:srgbClr val="FF0000"/>
                 </a:solidFill>
               </a:rPr>
-              <a:t> se dan independientemente de la experiencia. Su V o F se evalúa al margen de lo empírico. Razón y lógica en lugar de experiencia particular. “1+1=2“</a:t>
-            </a:r>
-          </a:p>
-          <a:p>
-            <a:endParaRPr lang="es-PE" b="1" dirty="0" smtClean="0">
-              <a:solidFill>
-                <a:schemeClr val="bg1"/>
-              </a:solidFill>
-            </a:endParaRPr>
-          </a:p>
-          <a:p>
-            <a:r>
-              <a:rPr lang="es-PE" b="1" u="sng" dirty="0" smtClean="0">
+              <a:t>Modalidad</a:t>
+            </a:r>
+            <a:r>
+              <a:rPr lang="es-PE" dirty="0" smtClean="0"/>
+              <a:t> (posibilidad, existencia y necesidad))</a:t>
+            </a:r>
+          </a:p>
+          <a:p>
+            <a:pPr marL="742950" lvl="2" indent="-342900"/>
+            <a:endParaRPr lang="es-PE" dirty="0" smtClean="0"/>
+          </a:p>
+          <a:p>
+            <a:pPr marL="342900" lvl="1" indent="-342900">
+              <a:buFont typeface="Arial" pitchFamily="34" charset="0"/>
+              <a:buChar char="•"/>
+            </a:pPr>
+            <a:r>
+              <a:rPr lang="es-PE" u="sng" dirty="0" smtClean="0">
                 <a:solidFill>
-                  <a:schemeClr val="bg1"/>
+                  <a:srgbClr val="FF0000"/>
                 </a:solidFill>
               </a:rPr>
-              <a:t>Juicios a posteriori: </a:t>
-            </a:r>
-            <a:r>
-              <a:rPr lang="es-PE" b="1" dirty="0">
-                <a:solidFill>
-                  <a:schemeClr val="bg1"/>
-                </a:solidFill>
-              </a:rPr>
-              <a:t> </a:t>
-            </a:r>
-            <a:r>
-              <a:rPr lang="es-PE" b="1" dirty="0" smtClean="0">
-                <a:solidFill>
-                  <a:schemeClr val="bg1"/>
-                </a:solidFill>
-              </a:rPr>
-              <a:t>Se dan después de la experiencia. “Esto está mal”</a:t>
-            </a:r>
-          </a:p>
-          <a:p>
-            <a:endParaRPr lang="es-PE" b="1" u="sng" dirty="0">
-              <a:solidFill>
-                <a:schemeClr val="bg1"/>
-              </a:solidFill>
-            </a:endParaRPr>
-          </a:p>
-          <a:p>
-            <a:r>
-              <a:rPr lang="es-PE" b="1" u="sng" dirty="0" smtClean="0">
-                <a:solidFill>
-                  <a:schemeClr val="bg1"/>
-                </a:solidFill>
-              </a:rPr>
-              <a:t>Juicios sintéticos a priori: </a:t>
-            </a:r>
-            <a:r>
-              <a:rPr lang="es-PE" b="1" dirty="0">
-                <a:solidFill>
-                  <a:schemeClr val="bg1"/>
-                </a:solidFill>
-              </a:rPr>
-              <a:t> </a:t>
-            </a:r>
-            <a:r>
-              <a:rPr lang="es-PE" b="1" dirty="0" smtClean="0">
-                <a:solidFill>
-                  <a:schemeClr val="bg1"/>
-                </a:solidFill>
-              </a:rPr>
-              <a:t>Representan información nueva que no depende de la experiencia. Juicios matemáticos y algunos en filosofía. (Euclides: la suma de los ángulos de un triángulo = 180º, aritmética, causalidad, indiscernibles, contradicción)</a:t>
-            </a:r>
-            <a:endParaRPr lang="es-PE" b="1" u="sng" dirty="0" smtClean="0">
-              <a:solidFill>
-                <a:schemeClr val="bg1"/>
-              </a:solidFill>
-            </a:endParaRPr>
-          </a:p>
-          <a:p>
-            <a:endParaRPr lang="es-PE" b="1" dirty="0">
-              <a:solidFill>
-                <a:schemeClr val="bg1"/>
-              </a:solidFill>
-            </a:endParaRPr>
-          </a:p>
-          <a:p>
-            <a:endParaRPr lang="es-PE" b="1" dirty="0" smtClean="0">
-              <a:solidFill>
-                <a:schemeClr val="bg1"/>
-              </a:solidFill>
-            </a:endParaRPr>
-          </a:p>
-          <a:p>
-            <a:endParaRPr lang="es-PE" b="1" dirty="0">
-              <a:solidFill>
-                <a:schemeClr val="bg1"/>
-              </a:solidFill>
-            </a:endParaRPr>
+              <a:t>Dialéctica</a:t>
+            </a:r>
+            <a:r>
+              <a:rPr lang="es-PE" u="sng" dirty="0" smtClean="0"/>
+              <a:t> trascendental </a:t>
+            </a:r>
+            <a:r>
+              <a:rPr lang="es-PE" dirty="0" smtClean="0"/>
+              <a:t>(Paralogismos, Antinomias)</a:t>
+            </a:r>
+          </a:p>
+          <a:p>
+            <a:pPr marL="342900" lvl="1" indent="-342900">
+              <a:buFont typeface="Arial" pitchFamily="34" charset="0"/>
+              <a:buChar char="•"/>
+            </a:pPr>
+            <a:r>
+              <a:rPr lang="es-PE" dirty="0" smtClean="0"/>
+              <a:t>Doctrina Trascendental del Método (Cómo afrontar cuestiones metafísicas, límites de la razón, necesidad de la experiencia</a:t>
+            </a:r>
+            <a:r>
+              <a:rPr lang="es-PE" dirty="0" smtClean="0"/>
+              <a:t>) Ideas trascendentales (razón práctica)</a:t>
+            </a:r>
+            <a:endParaRPr lang="es-PE" dirty="0"/>
+          </a:p>
+          <a:p>
+            <a:pPr marL="457200" lvl="1" indent="0">
+              <a:buNone/>
+            </a:pPr>
+            <a:endParaRPr lang="es-PE" dirty="0" smtClean="0"/>
+          </a:p>
+          <a:p>
+            <a:pPr marL="457200" lvl="1" indent="0">
+              <a:buNone/>
+            </a:pPr>
+            <a:endParaRPr lang="es-PE" dirty="0"/>
+          </a:p>
+          <a:p>
+            <a:pPr marL="457200" lvl="1" indent="0">
+              <a:buNone/>
+            </a:pPr>
+            <a:endParaRPr lang="es-PE" dirty="0" smtClean="0"/>
+          </a:p>
+          <a:p>
+            <a:pPr lvl="1"/>
+            <a:endParaRPr lang="es-PE" dirty="0" smtClean="0"/>
           </a:p>
           <a:p>
             <a:pPr marL="0" indent="0">
               <a:buNone/>
             </a:pPr>
-            <a:endParaRPr lang="es-PE" b="1" dirty="0" smtClean="0">
-              <a:solidFill>
-                <a:schemeClr val="bg1"/>
-              </a:solidFill>
-            </a:endParaRPr>
+            <a:endParaRPr lang="es-PE" dirty="0" smtClean="0"/>
           </a:p>
         </p:txBody>
       </p:sp>
     </p:spTree>
     <p:extLst>
       <p:ext uri="{BB962C8B-B14F-4D97-AF65-F5344CB8AC3E}">
-        <p14:creationId xmlns:p14="http://schemas.microsoft.com/office/powerpoint/2010/main" val="2391845224"/>
+        <p14:creationId xmlns:p14="http://schemas.microsoft.com/office/powerpoint/2010/main" val="2794555875"/>
       </p:ext>
     </p:extLst>
   </p:cSld>
@@ -9547,6 +9642,83 @@
           <a:chExt cx="0" cy="0"/>
         </a:xfrm>
       </p:grpSpPr>
+      <p:pic>
+        <p:nvPicPr>
+          <p:cNvPr id="5" name="Imagen 4"/>
+          <p:cNvPicPr>
+            <a:picLocks noChangeAspect="1"/>
+          </p:cNvPicPr>
+          <p:nvPr/>
+        </p:nvPicPr>
+        <p:blipFill>
+          <a:blip r:embed="rId2">
+            <a:extLst>
+              <a:ext uri="{BEBA8EAE-BF5A-486C-A8C5-ECC9F3942E4B}">
+                <a14:imgProps xmlns:a14="http://schemas.microsoft.com/office/drawing/2010/main">
+                  <a14:imgLayer r:embed="rId3">
+                    <a14:imgEffect>
+                      <a14:colorTemperature colorTemp="1500"/>
+                    </a14:imgEffect>
+                    <a14:imgEffect>
+                      <a14:saturation sat="0"/>
+                    </a14:imgEffect>
+                  </a14:imgLayer>
+                </a14:imgProps>
+              </a:ext>
+            </a:extLst>
+          </a:blip>
+          <a:stretch>
+            <a:fillRect/>
+          </a:stretch>
+        </p:blipFill>
+        <p:spPr>
+          <a:xfrm>
+            <a:off x="0" y="0"/>
+            <a:ext cx="9144000" cy="6858000"/>
+          </a:xfrm>
+          <a:prstGeom prst="rect">
+            <a:avLst/>
+          </a:prstGeom>
+        </p:spPr>
+      </p:pic>
+      <p:sp>
+        <p:nvSpPr>
+          <p:cNvPr id="2" name="Título 1"/>
+          <p:cNvSpPr>
+            <a:spLocks noGrp="1"/>
+          </p:cNvSpPr>
+          <p:nvPr>
+            <p:ph type="title"/>
+          </p:nvPr>
+        </p:nvSpPr>
+        <p:spPr>
+          <a:xfrm>
+            <a:off x="457200" y="274638"/>
+            <a:ext cx="8229600" cy="490066"/>
+          </a:xfrm>
+        </p:spPr>
+        <p:txBody>
+          <a:bodyPr>
+            <a:normAutofit fontScale="90000"/>
+          </a:bodyPr>
+          <a:lstStyle/>
+          <a:p>
+            <a:r>
+              <a:rPr lang="es-PE" b="1" dirty="0" smtClean="0">
+                <a:solidFill>
+                  <a:schemeClr val="bg1"/>
+                </a:solidFill>
+              </a:rPr>
+              <a:t>Juicios</a:t>
+            </a:r>
+            <a:endParaRPr lang="es-PE" b="1" dirty="0">
+              <a:solidFill>
+                <a:schemeClr val="bg1"/>
+              </a:solidFill>
+            </a:endParaRPr>
+          </a:p>
+        </p:txBody>
+      </p:sp>
       <p:sp>
         <p:nvSpPr>
           <p:cNvPr id="3" name="Marcador de contenido 2"/>
@@ -9559,136 +9731,212 @@
         </p:nvSpPr>
         <p:spPr>
           <a:xfrm>
-            <a:off x="457200" y="620688"/>
-            <a:ext cx="8229600" cy="5505475"/>
-          </a:xfrm>
+            <a:off x="457200" y="1124744"/>
+            <a:ext cx="8229600" cy="5400600"/>
+          </a:xfrm>
+          <a:solidFill>
+            <a:schemeClr val="tx1">
+              <a:alpha val="25000"/>
+            </a:schemeClr>
+          </a:solidFill>
         </p:spPr>
         <p:txBody>
           <a:bodyPr>
-            <a:normAutofit fontScale="92500" lnSpcReduction="20000"/>
+            <a:normAutofit fontScale="70000" lnSpcReduction="20000"/>
           </a:bodyPr>
           <a:lstStyle/>
+          <a:p>
+            <a:r>
+              <a:rPr lang="es-PE" b="1" u="sng" dirty="0" smtClean="0">
+                <a:solidFill>
+                  <a:schemeClr val="bg1"/>
+                </a:solidFill>
+              </a:rPr>
+              <a:t>Juicios analíticos: </a:t>
+            </a:r>
+            <a:r>
+              <a:rPr lang="es-PE" b="1" dirty="0" smtClean="0">
+                <a:solidFill>
+                  <a:schemeClr val="bg1"/>
+                </a:solidFill>
+              </a:rPr>
+              <a:t> El predicado esta presupuesto en el sujeto. “Todos </a:t>
+            </a:r>
+            <a:r>
+              <a:rPr lang="es-PE" b="1" dirty="0">
+                <a:solidFill>
+                  <a:schemeClr val="bg1"/>
+                </a:solidFill>
+              </a:rPr>
+              <a:t>los solteros son hombres</a:t>
+            </a:r>
+            <a:r>
+              <a:rPr lang="es-PE" b="1" dirty="0" smtClean="0">
+                <a:solidFill>
+                  <a:schemeClr val="bg1"/>
+                </a:solidFill>
+              </a:rPr>
+              <a:t>.” </a:t>
+            </a:r>
+          </a:p>
+          <a:p>
+            <a:endParaRPr lang="es-PE" b="1" dirty="0" smtClean="0">
+              <a:solidFill>
+                <a:schemeClr val="bg1"/>
+              </a:solidFill>
+            </a:endParaRPr>
+          </a:p>
+          <a:p>
+            <a:r>
+              <a:rPr lang="es-PE" b="1" u="sng" dirty="0" smtClean="0">
+                <a:solidFill>
+                  <a:schemeClr val="bg1"/>
+                </a:solidFill>
+              </a:rPr>
+              <a:t>Juicios sintéticos: </a:t>
+            </a:r>
+            <a:r>
+              <a:rPr lang="es-PE" b="1" dirty="0" smtClean="0">
+                <a:solidFill>
+                  <a:schemeClr val="bg1"/>
+                </a:solidFill>
+              </a:rPr>
+              <a:t>el predicado agrega información nueva. “El duende baila”.</a:t>
+            </a:r>
+          </a:p>
+          <a:p>
+            <a:endParaRPr lang="es-PE" b="1" dirty="0" smtClean="0">
+              <a:solidFill>
+                <a:schemeClr val="bg1"/>
+              </a:solidFill>
+            </a:endParaRPr>
+          </a:p>
+          <a:p>
+            <a:r>
+              <a:rPr lang="es-PE" b="1" u="sng" dirty="0" smtClean="0">
+                <a:solidFill>
+                  <a:schemeClr val="bg1"/>
+                </a:solidFill>
+              </a:rPr>
+              <a:t>Juicios a priori:</a:t>
+            </a:r>
+            <a:r>
+              <a:rPr lang="es-PE" b="1" dirty="0" smtClean="0">
+                <a:solidFill>
+                  <a:schemeClr val="bg1"/>
+                </a:solidFill>
+              </a:rPr>
+              <a:t> se dan independientemente de la experiencia. Su V o F se evalúa al margen de lo empírico. Razón y lógica en lugar de experiencia particular. “1+1=2“</a:t>
+            </a:r>
+          </a:p>
+          <a:p>
+            <a:endParaRPr lang="es-PE" b="1" dirty="0" smtClean="0">
+              <a:solidFill>
+                <a:schemeClr val="bg1"/>
+              </a:solidFill>
+            </a:endParaRPr>
+          </a:p>
+          <a:p>
+            <a:r>
+              <a:rPr lang="es-PE" b="1" u="sng" dirty="0" smtClean="0">
+                <a:solidFill>
+                  <a:schemeClr val="bg1"/>
+                </a:solidFill>
+              </a:rPr>
+              <a:t>Juicios a posteriori: </a:t>
+            </a:r>
+            <a:r>
+              <a:rPr lang="es-PE" b="1" dirty="0">
+                <a:solidFill>
+                  <a:schemeClr val="bg1"/>
+                </a:solidFill>
+              </a:rPr>
+              <a:t> </a:t>
+            </a:r>
+            <a:r>
+              <a:rPr lang="es-PE" b="1" dirty="0" smtClean="0">
+                <a:solidFill>
+                  <a:schemeClr val="bg1"/>
+                </a:solidFill>
+              </a:rPr>
+              <a:t>Se dan después de la experiencia. “Esto está mal”</a:t>
+            </a:r>
+          </a:p>
+          <a:p>
+            <a:endParaRPr lang="es-PE" b="1" u="sng" dirty="0">
+              <a:solidFill>
+                <a:schemeClr val="bg1"/>
+              </a:solidFill>
+            </a:endParaRPr>
+          </a:p>
+          <a:p>
+            <a:r>
+              <a:rPr lang="es-PE" b="1" u="sng" dirty="0" smtClean="0">
+                <a:solidFill>
+                  <a:schemeClr val="bg1"/>
+                </a:solidFill>
+              </a:rPr>
+              <a:t>Juicios sintéticos a priori: </a:t>
+            </a:r>
+            <a:r>
+              <a:rPr lang="es-PE" b="1" dirty="0">
+                <a:solidFill>
+                  <a:schemeClr val="bg1"/>
+                </a:solidFill>
+              </a:rPr>
+              <a:t> </a:t>
+            </a:r>
+            <a:r>
+              <a:rPr lang="es-PE" b="1" dirty="0" smtClean="0">
+                <a:solidFill>
+                  <a:schemeClr val="bg1"/>
+                </a:solidFill>
+              </a:rPr>
+              <a:t>Representan información nueva que no depende de la experiencia. Juicios matemáticos y algunos en filosofía. (Euclides: la suma de los ángulos de un triángulo = 180º, aritmética, causalidad, indiscernibles, contradicción)</a:t>
+            </a:r>
+            <a:endParaRPr lang="es-PE" b="1" u="sng" dirty="0" smtClean="0">
+              <a:solidFill>
+                <a:schemeClr val="bg1"/>
+              </a:solidFill>
+            </a:endParaRPr>
+          </a:p>
+          <a:p>
+            <a:endParaRPr lang="es-PE" b="1" dirty="0">
+              <a:solidFill>
+                <a:schemeClr val="bg1"/>
+              </a:solidFill>
+            </a:endParaRPr>
+          </a:p>
+          <a:p>
+            <a:endParaRPr lang="es-PE" b="1" dirty="0" smtClean="0">
+              <a:solidFill>
+                <a:schemeClr val="bg1"/>
+              </a:solidFill>
+            </a:endParaRPr>
+          </a:p>
+          <a:p>
+            <a:endParaRPr lang="es-PE" b="1" dirty="0">
+              <a:solidFill>
+                <a:schemeClr val="bg1"/>
+              </a:solidFill>
+            </a:endParaRPr>
+          </a:p>
           <a:p>
             <a:pPr marL="0" indent="0">
               <a:buNone/>
             </a:pPr>
-            <a:endParaRPr lang="es-PE" dirty="0"/>
-          </a:p>
-          <a:p>
-            <a:pPr marL="0" indent="0">
-              <a:buNone/>
-            </a:pPr>
-            <a:r>
-              <a:rPr lang="es-PE" sz="4000" b="1" dirty="0" smtClean="0"/>
-              <a:t>- ¿Porqué se habla de un giro Copernicano, en el caso de Kant?</a:t>
-            </a:r>
             <a:endParaRPr lang="es-PE" b="1" dirty="0" smtClean="0">
               <a:solidFill>
-                <a:schemeClr val="bg1">
-                  <a:lumMod val="75000"/>
-                </a:schemeClr>
+                <a:schemeClr val="bg1"/>
               </a:solidFill>
             </a:endParaRPr>
-          </a:p>
-          <a:p>
-            <a:pPr marL="0" indent="0">
-              <a:buNone/>
-            </a:pPr>
-            <a:endParaRPr lang="es-PE" sz="4000" b="1" dirty="0"/>
-          </a:p>
-          <a:p>
-            <a:pPr>
-              <a:buFontTx/>
-              <a:buChar char="-"/>
-            </a:pPr>
-            <a:r>
-              <a:rPr lang="es-PE" sz="4000" b="1" dirty="0" smtClean="0"/>
-              <a:t>¿Qué elementos componen la extensión de sus obras y pensamientos? ¿Qué se pregunta?</a:t>
-            </a:r>
-          </a:p>
-          <a:p>
-            <a:pPr>
-              <a:buFontTx/>
-              <a:buChar char="-"/>
-            </a:pPr>
-            <a:endParaRPr lang="es-PE" sz="4000" b="1" dirty="0"/>
-          </a:p>
-          <a:p>
-            <a:pPr>
-              <a:buFontTx/>
-              <a:buChar char="-"/>
-            </a:pPr>
-            <a:r>
-              <a:rPr lang="es-PE" sz="4000" b="1" dirty="0" smtClean="0"/>
-              <a:t>¿Qué tiene que ver el giro copernicano con la C.R.P.?</a:t>
-            </a:r>
-          </a:p>
-          <a:p>
-            <a:pPr>
-              <a:buFontTx/>
-              <a:buChar char="-"/>
-            </a:pPr>
-            <a:endParaRPr lang="es-PE" sz="4000" b="1" dirty="0"/>
-          </a:p>
-          <a:p>
-            <a:pPr>
-              <a:buFontTx/>
-              <a:buChar char="-"/>
-            </a:pPr>
-            <a:endParaRPr lang="es-PE" sz="4000" b="1" dirty="0"/>
-          </a:p>
-        </p:txBody>
-      </p:sp>
-      <p:sp>
-        <p:nvSpPr>
-          <p:cNvPr id="2" name="Rectángulo 1"/>
-          <p:cNvSpPr/>
-          <p:nvPr/>
-        </p:nvSpPr>
-        <p:spPr>
-          <a:xfrm>
-            <a:off x="251520" y="836712"/>
-            <a:ext cx="7272808" cy="1440160"/>
-          </a:xfrm>
-          <a:prstGeom prst="rect">
-            <a:avLst/>
-          </a:prstGeom>
-          <a:noFill/>
-          <a:ln w="76200">
-            <a:solidFill>
-              <a:srgbClr val="FF0000"/>
-            </a:solidFill>
-          </a:ln>
-        </p:spPr>
-        <p:style>
-          <a:lnRef idx="2">
-            <a:schemeClr val="accent1">
-              <a:shade val="50000"/>
-            </a:schemeClr>
-          </a:lnRef>
-          <a:fillRef idx="1">
-            <a:schemeClr val="accent1"/>
-          </a:fillRef>
-          <a:effectRef idx="0">
-            <a:schemeClr val="accent1"/>
-          </a:effectRef>
-          <a:fontRef idx="minor">
-            <a:schemeClr val="lt1"/>
-          </a:fontRef>
-        </p:style>
-        <p:txBody>
-          <a:bodyPr rtlCol="0" anchor="ctr"/>
-          <a:lstStyle/>
-          <a:p>
-            <a:pPr algn="ctr"/>
-            <a:endParaRPr lang="es-PE"/>
           </a:p>
         </p:txBody>
       </p:sp>
     </p:spTree>
     <p:extLst>
       <p:ext uri="{BB962C8B-B14F-4D97-AF65-F5344CB8AC3E}">
-        <p14:creationId xmlns:p14="http://schemas.microsoft.com/office/powerpoint/2010/main" val="1991544293"/>
+        <p14:creationId xmlns:p14="http://schemas.microsoft.com/office/powerpoint/2010/main" val="2391845224"/>
       </p:ext>
     </p:extLst>
   </p:cSld>
@@ -9715,383 +9963,116 @@
           <a:chExt cx="0" cy="0"/>
         </a:xfrm>
       </p:grpSpPr>
-      <p:pic>
-        <p:nvPicPr>
-          <p:cNvPr id="1026" name="Picture 2" descr="https://upload.wikimedia.org/wikipedia/commons/e/ea/Apparent_retrograde_motion.gif"/>
-          <p:cNvPicPr>
-            <a:picLocks noChangeAspect="1" noChangeArrowheads="1" noCrop="1"/>
-          </p:cNvPicPr>
-          <p:nvPr/>
-        </p:nvPicPr>
-        <p:blipFill>
-          <a:blip r:embed="rId2">
-            <a:extLst>
-              <a:ext uri="{28A0092B-C50C-407E-A947-70E740481C1C}">
-                <a14:useLocalDpi xmlns:a14="http://schemas.microsoft.com/office/drawing/2010/main" val="0"/>
-              </a:ext>
-            </a:extLst>
-          </a:blip>
-          <a:srcRect/>
-          <a:stretch>
-            <a:fillRect/>
-          </a:stretch>
-        </p:blipFill>
-        <p:spPr bwMode="auto">
-          <a:xfrm>
-            <a:off x="798628" y="1732294"/>
-            <a:ext cx="7272808" cy="3636404"/>
+      <p:sp>
+        <p:nvSpPr>
+          <p:cNvPr id="3" name="Marcador de contenido 2"/>
+          <p:cNvSpPr>
+            <a:spLocks noGrp="1"/>
+          </p:cNvSpPr>
+          <p:nvPr>
+            <p:ph idx="1"/>
+          </p:nvPr>
+        </p:nvSpPr>
+        <p:spPr>
+          <a:xfrm>
+            <a:off x="457200" y="620688"/>
+            <a:ext cx="8229600" cy="5505475"/>
+          </a:xfrm>
+        </p:spPr>
+        <p:txBody>
+          <a:bodyPr>
+            <a:normAutofit fontScale="92500" lnSpcReduction="20000"/>
+          </a:bodyPr>
+          <a:lstStyle/>
+          <a:p>
+            <a:pPr marL="0" indent="0">
+              <a:buNone/>
+            </a:pPr>
+            <a:endParaRPr lang="es-PE" dirty="0"/>
+          </a:p>
+          <a:p>
+            <a:pPr marL="0" indent="0">
+              <a:buNone/>
+            </a:pPr>
+            <a:r>
+              <a:rPr lang="es-PE" sz="4000" b="1" dirty="0" smtClean="0"/>
+              <a:t>- ¿Porqué se habla de un giro Copernicano, en el caso de Kant?</a:t>
+            </a:r>
+            <a:endParaRPr lang="es-PE" b="1" dirty="0" smtClean="0">
+              <a:solidFill>
+                <a:schemeClr val="bg1">
+                  <a:lumMod val="75000"/>
+                </a:schemeClr>
+              </a:solidFill>
+            </a:endParaRPr>
+          </a:p>
+          <a:p>
+            <a:pPr marL="0" indent="0">
+              <a:buNone/>
+            </a:pPr>
+            <a:endParaRPr lang="es-PE" sz="4000" b="1" dirty="0"/>
+          </a:p>
+          <a:p>
+            <a:pPr>
+              <a:buFontTx/>
+              <a:buChar char="-"/>
+            </a:pPr>
+            <a:r>
+              <a:rPr lang="es-PE" sz="4000" b="1" dirty="0" smtClean="0"/>
+              <a:t>¿Qué elementos componen la extensión de sus obras y pensamientos? ¿Qué se pregunta?</a:t>
+            </a:r>
+          </a:p>
+          <a:p>
+            <a:pPr>
+              <a:buFontTx/>
+              <a:buChar char="-"/>
+            </a:pPr>
+            <a:endParaRPr lang="es-PE" sz="4000" b="1" dirty="0"/>
+          </a:p>
+          <a:p>
+            <a:pPr>
+              <a:buFontTx/>
+              <a:buChar char="-"/>
+            </a:pPr>
+            <a:r>
+              <a:rPr lang="es-PE" sz="4000" b="1" dirty="0" smtClean="0"/>
+              <a:t>¿Qué tiene que ver el giro copernicano con la C.R.P.?</a:t>
+            </a:r>
+          </a:p>
+          <a:p>
+            <a:pPr>
+              <a:buFontTx/>
+              <a:buChar char="-"/>
+            </a:pPr>
+            <a:endParaRPr lang="es-PE" sz="4000" b="1" dirty="0"/>
+          </a:p>
+          <a:p>
+            <a:pPr>
+              <a:buFontTx/>
+              <a:buChar char="-"/>
+            </a:pPr>
+            <a:endParaRPr lang="es-PE" sz="4000" b="1" dirty="0"/>
+          </a:p>
+        </p:txBody>
+      </p:sp>
+      <p:sp>
+        <p:nvSpPr>
+          <p:cNvPr id="2" name="Rectángulo 1"/>
+          <p:cNvSpPr/>
+          <p:nvPr/>
+        </p:nvSpPr>
+        <p:spPr>
+          <a:xfrm>
+            <a:off x="251520" y="836712"/>
+            <a:ext cx="7272808" cy="1440160"/>
           </a:xfrm>
           <a:prstGeom prst="rect">
             <a:avLst/>
           </a:prstGeom>
           <a:noFill/>
-          <a:extLst>
-            <a:ext uri="{909E8E84-426E-40DD-AFC4-6F175D3DCCD1}">
-              <a14:hiddenFill xmlns:a14="http://schemas.microsoft.com/office/drawing/2010/main">
-                <a:solidFill>
-                  <a:srgbClr val="FFFFFF"/>
-                </a:solidFill>
-              </a14:hiddenFill>
-            </a:ext>
-          </a:extLst>
-        </p:spPr>
-      </p:pic>
-      <p:sp>
-        <p:nvSpPr>
-          <p:cNvPr id="5" name="CuadroTexto 4"/>
-          <p:cNvSpPr txBox="1"/>
-          <p:nvPr/>
-        </p:nvSpPr>
-        <p:spPr>
-          <a:xfrm>
-            <a:off x="201809" y="762798"/>
-            <a:ext cx="3141093" cy="1323439"/>
-          </a:xfrm>
-          <a:prstGeom prst="rect">
-            <a:avLst/>
-          </a:prstGeom>
-          <a:noFill/>
-        </p:spPr>
-        <p:txBody>
-          <a:bodyPr wrap="square" rtlCol="0">
-            <a:spAutoFit/>
-          </a:bodyPr>
-          <a:lstStyle/>
-          <a:p>
-            <a:r>
-              <a:rPr lang="es-PE" sz="4000" b="1" u="sng" dirty="0" smtClean="0"/>
-              <a:t>Teoría Heliocéntrica</a:t>
-            </a:r>
-            <a:endParaRPr lang="es-PE" sz="4000" b="1" u="sng" dirty="0"/>
-          </a:p>
-        </p:txBody>
-      </p:sp>
-      <p:sp>
-        <p:nvSpPr>
-          <p:cNvPr id="7" name="CuadroTexto 6"/>
-          <p:cNvSpPr txBox="1"/>
-          <p:nvPr/>
-        </p:nvSpPr>
-        <p:spPr>
-          <a:xfrm>
-            <a:off x="3498928" y="2199221"/>
-            <a:ext cx="1872208" cy="923330"/>
-          </a:xfrm>
-          <a:prstGeom prst="rect">
-            <a:avLst/>
-          </a:prstGeom>
-          <a:noFill/>
-        </p:spPr>
-        <p:txBody>
-          <a:bodyPr wrap="square" rtlCol="0">
-            <a:spAutoFit/>
-          </a:bodyPr>
-          <a:lstStyle/>
-          <a:p>
-            <a:r>
-              <a:rPr lang="es-PE" dirty="0" smtClean="0">
-                <a:solidFill>
-                  <a:srgbClr val="FF0000"/>
-                </a:solidFill>
-              </a:rPr>
-              <a:t>Rojo</a:t>
-            </a:r>
-            <a:r>
-              <a:rPr lang="es-PE" dirty="0" smtClean="0"/>
-              <a:t>: Marte</a:t>
-            </a:r>
-          </a:p>
-          <a:p>
-            <a:r>
-              <a:rPr lang="es-PE" dirty="0" smtClean="0">
-                <a:solidFill>
-                  <a:schemeClr val="accent1"/>
-                </a:solidFill>
-              </a:rPr>
-              <a:t>Azul</a:t>
-            </a:r>
-            <a:r>
-              <a:rPr lang="es-PE" dirty="0" smtClean="0"/>
-              <a:t>: Tierra</a:t>
-            </a:r>
-          </a:p>
-          <a:p>
-            <a:r>
-              <a:rPr lang="es-PE" dirty="0" smtClean="0">
-                <a:solidFill>
-                  <a:srgbClr val="FFC000"/>
-                </a:solidFill>
-              </a:rPr>
-              <a:t>Amarillo</a:t>
-            </a:r>
-            <a:r>
-              <a:rPr lang="es-PE" dirty="0" smtClean="0"/>
-              <a:t>: Sol</a:t>
-            </a:r>
-            <a:endParaRPr lang="es-PE" dirty="0"/>
-          </a:p>
-        </p:txBody>
-      </p:sp>
-      <p:sp>
-        <p:nvSpPr>
-          <p:cNvPr id="8" name="CuadroTexto 7"/>
-          <p:cNvSpPr txBox="1"/>
-          <p:nvPr/>
-        </p:nvSpPr>
-        <p:spPr>
-          <a:xfrm>
-            <a:off x="6014142" y="670265"/>
-            <a:ext cx="3129858" cy="1323439"/>
-          </a:xfrm>
-          <a:prstGeom prst="rect">
-            <a:avLst/>
-          </a:prstGeom>
-          <a:noFill/>
-        </p:spPr>
-        <p:txBody>
-          <a:bodyPr wrap="square" rtlCol="0">
-            <a:spAutoFit/>
-          </a:bodyPr>
-          <a:lstStyle/>
-          <a:p>
-            <a:pPr algn="r"/>
-            <a:r>
-              <a:rPr lang="es-PE" sz="4000" b="1" u="sng" dirty="0" smtClean="0"/>
-              <a:t>Teoría Geocéntrica</a:t>
-            </a:r>
-            <a:endParaRPr lang="es-PE" sz="4000" b="1" u="sng" dirty="0"/>
-          </a:p>
-        </p:txBody>
-      </p:sp>
-      <p:pic>
-        <p:nvPicPr>
-          <p:cNvPr id="6" name="Imagen 5"/>
-          <p:cNvPicPr>
-            <a:picLocks noChangeAspect="1"/>
-          </p:cNvPicPr>
-          <p:nvPr/>
-        </p:nvPicPr>
-        <p:blipFill>
-          <a:blip r:embed="rId3"/>
-          <a:stretch>
-            <a:fillRect/>
-          </a:stretch>
-        </p:blipFill>
-        <p:spPr>
-          <a:xfrm>
-            <a:off x="220185" y="4725144"/>
-            <a:ext cx="1524000" cy="1962150"/>
-          </a:xfrm>
-          <a:prstGeom prst="rect">
-            <a:avLst/>
-          </a:prstGeom>
-        </p:spPr>
-      </p:pic>
-      <p:pic>
-        <p:nvPicPr>
-          <p:cNvPr id="9" name="Imagen 8"/>
-          <p:cNvPicPr>
-            <a:picLocks noChangeAspect="1"/>
-          </p:cNvPicPr>
-          <p:nvPr/>
-        </p:nvPicPr>
-        <p:blipFill>
-          <a:blip r:embed="rId4"/>
-          <a:stretch>
-            <a:fillRect/>
-          </a:stretch>
-        </p:blipFill>
-        <p:spPr>
-          <a:xfrm>
-            <a:off x="6246231" y="5119294"/>
-            <a:ext cx="1359768" cy="1681434"/>
-          </a:xfrm>
-          <a:prstGeom prst="rect">
-            <a:avLst/>
-          </a:prstGeom>
-        </p:spPr>
-      </p:pic>
-      <p:sp>
-        <p:nvSpPr>
-          <p:cNvPr id="10" name="CuadroTexto 9"/>
-          <p:cNvSpPr txBox="1"/>
-          <p:nvPr/>
-        </p:nvSpPr>
-        <p:spPr>
-          <a:xfrm>
-            <a:off x="4223200" y="5291916"/>
-            <a:ext cx="2232248" cy="369332"/>
-          </a:xfrm>
-          <a:prstGeom prst="rect">
-            <a:avLst/>
-          </a:prstGeom>
-          <a:noFill/>
-        </p:spPr>
-        <p:txBody>
-          <a:bodyPr wrap="square" rtlCol="0">
-            <a:spAutoFit/>
-          </a:bodyPr>
-          <a:lstStyle/>
-          <a:p>
-            <a:r>
-              <a:rPr lang="es-PE" dirty="0" err="1" smtClean="0"/>
-              <a:t>Eudoxo</a:t>
-            </a:r>
-            <a:r>
-              <a:rPr lang="es-PE" dirty="0" smtClean="0"/>
-              <a:t> y Ptolomeo</a:t>
-            </a:r>
-            <a:endParaRPr lang="es-PE" dirty="0"/>
-          </a:p>
-        </p:txBody>
-      </p:sp>
-      <p:pic>
-        <p:nvPicPr>
-          <p:cNvPr id="11" name="Imagen 10"/>
-          <p:cNvPicPr>
-            <a:picLocks noChangeAspect="1"/>
-          </p:cNvPicPr>
-          <p:nvPr/>
-        </p:nvPicPr>
-        <p:blipFill>
-          <a:blip r:embed="rId5"/>
-          <a:stretch>
-            <a:fillRect/>
-          </a:stretch>
-        </p:blipFill>
-        <p:spPr>
-          <a:xfrm flipH="1">
-            <a:off x="7662354" y="5193007"/>
-            <a:ext cx="1283602" cy="1524763"/>
-          </a:xfrm>
-          <a:prstGeom prst="rect">
-            <a:avLst/>
-          </a:prstGeom>
-        </p:spPr>
-      </p:pic>
-      <p:pic>
-        <p:nvPicPr>
-          <p:cNvPr id="12" name="Imagen 11"/>
-          <p:cNvPicPr>
-            <a:picLocks noChangeAspect="1"/>
-          </p:cNvPicPr>
-          <p:nvPr/>
-        </p:nvPicPr>
-        <p:blipFill>
-          <a:blip r:embed="rId6"/>
-          <a:stretch>
-            <a:fillRect/>
-          </a:stretch>
-        </p:blipFill>
-        <p:spPr>
-          <a:xfrm>
-            <a:off x="3342903" y="131233"/>
-            <a:ext cx="733425" cy="923925"/>
-          </a:xfrm>
-          <a:prstGeom prst="rect">
-            <a:avLst/>
-          </a:prstGeom>
-        </p:spPr>
-      </p:pic>
-      <p:pic>
-        <p:nvPicPr>
-          <p:cNvPr id="3" name="Imagen 2"/>
-          <p:cNvPicPr>
-            <a:picLocks noChangeAspect="1"/>
-          </p:cNvPicPr>
-          <p:nvPr/>
-        </p:nvPicPr>
-        <p:blipFill>
-          <a:blip r:embed="rId7"/>
-          <a:stretch>
-            <a:fillRect/>
-          </a:stretch>
-        </p:blipFill>
-        <p:spPr>
-          <a:xfrm>
-            <a:off x="5370471" y="47171"/>
-            <a:ext cx="793170" cy="1007987"/>
-          </a:xfrm>
-          <a:prstGeom prst="rect">
-            <a:avLst/>
-          </a:prstGeom>
-        </p:spPr>
-      </p:pic>
-      <p:sp>
-        <p:nvSpPr>
-          <p:cNvPr id="13" name="CuadroTexto 12"/>
-          <p:cNvSpPr txBox="1"/>
-          <p:nvPr/>
-        </p:nvSpPr>
-        <p:spPr>
-          <a:xfrm>
-            <a:off x="4254347" y="216411"/>
-            <a:ext cx="2232248" cy="646331"/>
-          </a:xfrm>
-          <a:prstGeom prst="rect">
-            <a:avLst/>
-          </a:prstGeom>
-          <a:noFill/>
-        </p:spPr>
-        <p:txBody>
-          <a:bodyPr wrap="square" rtlCol="0">
-            <a:spAutoFit/>
-          </a:bodyPr>
-          <a:lstStyle/>
-          <a:p>
-            <a:r>
-              <a:rPr lang="es-PE" dirty="0" smtClean="0"/>
-              <a:t>Newton y</a:t>
-            </a:r>
-          </a:p>
-          <a:p>
-            <a:r>
-              <a:rPr lang="es-PE" dirty="0" smtClean="0"/>
-              <a:t>Laplace</a:t>
-            </a:r>
-          </a:p>
-        </p:txBody>
-      </p:sp>
-      <p:sp>
-        <p:nvSpPr>
-          <p:cNvPr id="4" name="Rectángulo 3"/>
-          <p:cNvSpPr/>
-          <p:nvPr/>
-        </p:nvSpPr>
-        <p:spPr>
-          <a:xfrm>
-            <a:off x="3059832" y="0"/>
-            <a:ext cx="3426763" cy="1162745"/>
-          </a:xfrm>
-          <a:prstGeom prst="rect">
-            <a:avLst/>
-          </a:prstGeom>
-          <a:noFill/>
-          <a:ln w="38100">
+          <a:ln w="76200">
             <a:solidFill>
-              <a:schemeClr val="bg1">
-                <a:lumMod val="85000"/>
-              </a:schemeClr>
+              <a:srgbClr val="FF0000"/>
             </a:solidFill>
           </a:ln>
         </p:spPr>
@@ -10120,89 +10101,16 @@
           </a:p>
         </p:txBody>
       </p:sp>
-      <p:sp>
-        <p:nvSpPr>
-          <p:cNvPr id="15" name="CuadroTexto 14"/>
-          <p:cNvSpPr txBox="1"/>
-          <p:nvPr/>
-        </p:nvSpPr>
-        <p:spPr>
-          <a:xfrm>
-            <a:off x="1763688" y="5381664"/>
-            <a:ext cx="2003528" cy="923330"/>
-          </a:xfrm>
-          <a:prstGeom prst="rect">
-            <a:avLst/>
-          </a:prstGeom>
-          <a:noFill/>
-        </p:spPr>
-        <p:txBody>
-          <a:bodyPr wrap="square" rtlCol="0">
-            <a:spAutoFit/>
-          </a:bodyPr>
-          <a:lstStyle/>
-          <a:p>
-            <a:r>
-              <a:rPr lang="es-PE" dirty="0" smtClean="0"/>
-              <a:t>Copérnico</a:t>
-            </a:r>
-          </a:p>
-          <a:p>
-            <a:r>
-              <a:rPr lang="es-PE" dirty="0" smtClean="0"/>
-              <a:t>Y</a:t>
-            </a:r>
-          </a:p>
-          <a:p>
-            <a:r>
-              <a:rPr lang="es-PE" dirty="0" smtClean="0"/>
-              <a:t>Aristarco de Samos</a:t>
-            </a:r>
-            <a:endParaRPr lang="es-PE" dirty="0"/>
-          </a:p>
-        </p:txBody>
-      </p:sp>
-      <p:pic>
-        <p:nvPicPr>
-          <p:cNvPr id="14" name="Imagen 13"/>
-          <p:cNvPicPr>
-            <a:picLocks noChangeAspect="1"/>
-          </p:cNvPicPr>
-          <p:nvPr/>
-        </p:nvPicPr>
-        <p:blipFill>
-          <a:blip r:embed="rId8"/>
-          <a:stretch>
-            <a:fillRect/>
-          </a:stretch>
-        </p:blipFill>
-        <p:spPr>
-          <a:xfrm>
-            <a:off x="219622" y="3293114"/>
-            <a:ext cx="1085850" cy="1038225"/>
-          </a:xfrm>
-          <a:prstGeom prst="rect">
-            <a:avLst/>
-          </a:prstGeom>
-        </p:spPr>
-      </p:pic>
     </p:spTree>
     <p:extLst>
       <p:ext uri="{BB962C8B-B14F-4D97-AF65-F5344CB8AC3E}">
-        <p14:creationId xmlns:p14="http://schemas.microsoft.com/office/powerpoint/2010/main" val="2427763832"/>
+        <p14:creationId xmlns:p14="http://schemas.microsoft.com/office/powerpoint/2010/main" val="1991544293"/>
       </p:ext>
     </p:extLst>
   </p:cSld>
   <p:clrMapOvr>
     <a:masterClrMapping/>
   </p:clrMapOvr>
-  <p:timing>
-    <p:tnLst>
-      <p:par>
-        <p:cTn id="1" dur="indefinite" restart="never" nodeType="tmRoot"/>
-      </p:par>
-    </p:tnLst>
-  </p:timing>
 </p:sld>
 </file>
 
@@ -10225,64 +10133,175 @@
       </p:grpSpPr>
       <p:pic>
         <p:nvPicPr>
-          <p:cNvPr id="4" name="Imagen 3"/>
+          <p:cNvPr id="1026" name="Picture 2" descr="https://upload.wikimedia.org/wikipedia/commons/e/ea/Apparent_retrograde_motion.gif"/>
           <p:cNvPicPr>
-            <a:picLocks noChangeAspect="1"/>
+            <a:picLocks noChangeAspect="1" noChangeArrowheads="1" noCrop="1"/>
           </p:cNvPicPr>
           <p:nvPr/>
         </p:nvPicPr>
         <p:blipFill>
-          <a:blip r:embed="rId2"/>
+          <a:blip r:embed="rId2">
+            <a:extLst>
+              <a:ext uri="{28A0092B-C50C-407E-A947-70E740481C1C}">
+                <a14:useLocalDpi xmlns:a14="http://schemas.microsoft.com/office/drawing/2010/main" val="0"/>
+              </a:ext>
+            </a:extLst>
+          </a:blip>
+          <a:srcRect/>
           <a:stretch>
             <a:fillRect/>
           </a:stretch>
         </p:blipFill>
-        <p:spPr>
-          <a:xfrm>
-            <a:off x="9529" y="4365104"/>
-            <a:ext cx="4227149" cy="2471964"/>
+        <p:spPr bwMode="auto">
+          <a:xfrm>
+            <a:off x="798628" y="1732294"/>
+            <a:ext cx="7272808" cy="3636404"/>
           </a:xfrm>
           <a:prstGeom prst="rect">
             <a:avLst/>
           </a:prstGeom>
+          <a:noFill/>
+          <a:extLst>
+            <a:ext uri="{909E8E84-426E-40DD-AFC4-6F175D3DCCD1}">
+              <a14:hiddenFill xmlns:a14="http://schemas.microsoft.com/office/drawing/2010/main">
+                <a:solidFill>
+                  <a:srgbClr val="FFFFFF"/>
+                </a:solidFill>
+              </a14:hiddenFill>
+            </a:ext>
+          </a:extLst>
         </p:spPr>
       </p:pic>
-      <p:cxnSp>
-        <p:nvCxnSpPr>
-          <p:cNvPr id="8" name="Conector recto de flecha 7"/>
-          <p:cNvCxnSpPr/>
-          <p:nvPr/>
-        </p:nvCxnSpPr>
-        <p:spPr>
-          <a:xfrm>
-            <a:off x="2156938" y="3538304"/>
-            <a:ext cx="0" cy="704769"/>
-          </a:xfrm>
-          <a:prstGeom prst="straightConnector1">
-            <a:avLst/>
-          </a:prstGeom>
-          <a:ln w="76200">
-            <a:tailEnd type="triangle"/>
-          </a:ln>
-        </p:spPr>
-        <p:style>
-          <a:lnRef idx="1">
-            <a:schemeClr val="accent1"/>
-          </a:lnRef>
-          <a:fillRef idx="0">
-            <a:schemeClr val="accent1"/>
-          </a:fillRef>
-          <a:effectRef idx="0">
-            <a:schemeClr val="accent1"/>
-          </a:effectRef>
-          <a:fontRef idx="minor">
-            <a:schemeClr val="tx1"/>
-          </a:fontRef>
-        </p:style>
-      </p:cxnSp>
+      <p:sp>
+        <p:nvSpPr>
+          <p:cNvPr id="5" name="CuadroTexto 4"/>
+          <p:cNvSpPr txBox="1"/>
+          <p:nvPr/>
+        </p:nvSpPr>
+        <p:spPr>
+          <a:xfrm>
+            <a:off x="201809" y="762798"/>
+            <a:ext cx="3141093" cy="1323439"/>
+          </a:xfrm>
+          <a:prstGeom prst="rect">
+            <a:avLst/>
+          </a:prstGeom>
+          <a:noFill/>
+        </p:spPr>
+        <p:txBody>
+          <a:bodyPr wrap="square" rtlCol="0">
+            <a:spAutoFit/>
+          </a:bodyPr>
+          <a:lstStyle/>
+          <a:p>
+            <a:r>
+              <a:rPr lang="es-PE" sz="4000" b="1" u="sng" dirty="0" smtClean="0"/>
+              <a:t>Teoría Heliocéntrica</a:t>
+            </a:r>
+            <a:endParaRPr lang="es-PE" sz="4000" b="1" u="sng" dirty="0"/>
+          </a:p>
+        </p:txBody>
+      </p:sp>
+      <p:sp>
+        <p:nvSpPr>
+          <p:cNvPr id="7" name="CuadroTexto 6"/>
+          <p:cNvSpPr txBox="1"/>
+          <p:nvPr/>
+        </p:nvSpPr>
+        <p:spPr>
+          <a:xfrm>
+            <a:off x="3498928" y="2199221"/>
+            <a:ext cx="1872208" cy="923330"/>
+          </a:xfrm>
+          <a:prstGeom prst="rect">
+            <a:avLst/>
+          </a:prstGeom>
+          <a:noFill/>
+        </p:spPr>
+        <p:txBody>
+          <a:bodyPr wrap="square" rtlCol="0">
+            <a:spAutoFit/>
+          </a:bodyPr>
+          <a:lstStyle/>
+          <a:p>
+            <a:r>
+              <a:rPr lang="es-PE" dirty="0" smtClean="0">
+                <a:solidFill>
+                  <a:srgbClr val="FF0000"/>
+                </a:solidFill>
+              </a:rPr>
+              <a:t>Rojo</a:t>
+            </a:r>
+            <a:r>
+              <a:rPr lang="es-PE" dirty="0" smtClean="0"/>
+              <a:t>: Marte</a:t>
+            </a:r>
+          </a:p>
+          <a:p>
+            <a:r>
+              <a:rPr lang="es-PE" dirty="0" smtClean="0">
+                <a:solidFill>
+                  <a:schemeClr val="accent1"/>
+                </a:solidFill>
+              </a:rPr>
+              <a:t>Azul</a:t>
+            </a:r>
+            <a:r>
+              <a:rPr lang="es-PE" dirty="0" smtClean="0"/>
+              <a:t>: Tierra</a:t>
+            </a:r>
+          </a:p>
+          <a:p>
+            <a:r>
+              <a:rPr lang="es-PE" dirty="0" smtClean="0">
+                <a:solidFill>
+                  <a:srgbClr val="FFC000"/>
+                </a:solidFill>
+              </a:rPr>
+              <a:t>Amarillo</a:t>
+            </a:r>
+            <a:r>
+              <a:rPr lang="es-PE" dirty="0" smtClean="0"/>
+              <a:t>: Sol</a:t>
+            </a:r>
+            <a:endParaRPr lang="es-PE" dirty="0"/>
+          </a:p>
+        </p:txBody>
+      </p:sp>
+      <p:sp>
+        <p:nvSpPr>
+          <p:cNvPr id="8" name="CuadroTexto 7"/>
+          <p:cNvSpPr txBox="1"/>
+          <p:nvPr/>
+        </p:nvSpPr>
+        <p:spPr>
+          <a:xfrm>
+            <a:off x="6014142" y="670265"/>
+            <a:ext cx="3129858" cy="1323439"/>
+          </a:xfrm>
+          <a:prstGeom prst="rect">
+            <a:avLst/>
+          </a:prstGeom>
+          <a:noFill/>
+        </p:spPr>
+        <p:txBody>
+          <a:bodyPr wrap="square" rtlCol="0">
+            <a:spAutoFit/>
+          </a:bodyPr>
+          <a:lstStyle/>
+          <a:p>
+            <a:pPr algn="r"/>
+            <a:r>
+              <a:rPr lang="es-PE" sz="4000" b="1" u="sng" dirty="0" smtClean="0"/>
+              <a:t>Teoría Geocéntrica</a:t>
+            </a:r>
+            <a:endParaRPr lang="es-PE" sz="4000" b="1" u="sng" dirty="0"/>
+          </a:p>
+        </p:txBody>
+      </p:sp>
       <p:pic>
         <p:nvPicPr>
-          <p:cNvPr id="10" name="Imagen 9"/>
+          <p:cNvPr id="6" name="Imagen 5"/>
           <p:cNvPicPr>
             <a:picLocks noChangeAspect="1"/>
           </p:cNvPicPr>
@@ -10296,141 +10315,17 @@
         </p:blipFill>
         <p:spPr>
           <a:xfrm>
-            <a:off x="0" y="0"/>
-            <a:ext cx="4313876" cy="3379203"/>
+            <a:off x="220185" y="4725144"/>
+            <a:ext cx="1524000" cy="1962150"/>
           </a:xfrm>
           <a:prstGeom prst="rect">
             <a:avLst/>
           </a:prstGeom>
         </p:spPr>
       </p:pic>
-      <p:sp>
-        <p:nvSpPr>
-          <p:cNvPr id="18" name="CuadroTexto 17"/>
-          <p:cNvSpPr txBox="1"/>
-          <p:nvPr/>
-        </p:nvSpPr>
-        <p:spPr>
-          <a:xfrm>
-            <a:off x="2514873" y="3677532"/>
-            <a:ext cx="3312369" cy="369332"/>
-          </a:xfrm>
-          <a:prstGeom prst="rect">
-            <a:avLst/>
-          </a:prstGeom>
-          <a:noFill/>
-        </p:spPr>
-        <p:txBody>
-          <a:bodyPr wrap="square" rtlCol="0">
-            <a:spAutoFit/>
-          </a:bodyPr>
-          <a:lstStyle/>
-          <a:p>
-            <a:r>
-              <a:rPr lang="es-PE" dirty="0" smtClean="0"/>
-              <a:t>Giro Copernicano</a:t>
-            </a:r>
-            <a:endParaRPr lang="es-PE" dirty="0"/>
-          </a:p>
-        </p:txBody>
-      </p:sp>
-      <p:sp>
-        <p:nvSpPr>
-          <p:cNvPr id="12" name="CuadroTexto 11"/>
-          <p:cNvSpPr txBox="1"/>
-          <p:nvPr/>
-        </p:nvSpPr>
-        <p:spPr>
-          <a:xfrm>
-            <a:off x="6804248" y="5277920"/>
-            <a:ext cx="1872208" cy="646331"/>
-          </a:xfrm>
-          <a:prstGeom prst="rect">
-            <a:avLst/>
-          </a:prstGeom>
-          <a:noFill/>
-        </p:spPr>
-        <p:txBody>
-          <a:bodyPr wrap="square" rtlCol="0">
-            <a:spAutoFit/>
-          </a:bodyPr>
-          <a:lstStyle/>
-          <a:p>
-            <a:r>
-              <a:rPr lang="es-PE" dirty="0" smtClean="0"/>
-              <a:t>Teoría Heliocéntrica</a:t>
-            </a:r>
-            <a:endParaRPr lang="es-PE" dirty="0"/>
-          </a:p>
-        </p:txBody>
-      </p:sp>
-      <p:sp>
-        <p:nvSpPr>
-          <p:cNvPr id="13" name="CuadroTexto 12"/>
-          <p:cNvSpPr txBox="1"/>
-          <p:nvPr/>
-        </p:nvSpPr>
-        <p:spPr>
-          <a:xfrm>
-            <a:off x="6444208" y="2086222"/>
-            <a:ext cx="1872208" cy="646331"/>
-          </a:xfrm>
-          <a:prstGeom prst="rect">
-            <a:avLst/>
-          </a:prstGeom>
-          <a:noFill/>
-        </p:spPr>
-        <p:txBody>
-          <a:bodyPr wrap="square" rtlCol="0">
-            <a:spAutoFit/>
-          </a:bodyPr>
-          <a:lstStyle/>
-          <a:p>
-            <a:pPr algn="r"/>
-            <a:r>
-              <a:rPr lang="es-PE" dirty="0" smtClean="0"/>
-              <a:t>Teoría Geocéntrica</a:t>
-            </a:r>
-            <a:endParaRPr lang="es-PE" dirty="0"/>
-          </a:p>
-        </p:txBody>
-      </p:sp>
-      <p:cxnSp>
-        <p:nvCxnSpPr>
-          <p:cNvPr id="14" name="Conector recto de flecha 13"/>
-          <p:cNvCxnSpPr/>
-          <p:nvPr/>
-        </p:nvCxnSpPr>
-        <p:spPr>
-          <a:xfrm>
-            <a:off x="7740352" y="3440699"/>
-            <a:ext cx="0" cy="704769"/>
-          </a:xfrm>
-          <a:prstGeom prst="straightConnector1">
-            <a:avLst/>
-          </a:prstGeom>
-          <a:ln w="76200">
-            <a:tailEnd type="triangle"/>
-          </a:ln>
-        </p:spPr>
-        <p:style>
-          <a:lnRef idx="1">
-            <a:schemeClr val="accent1"/>
-          </a:lnRef>
-          <a:fillRef idx="0">
-            <a:schemeClr val="accent1"/>
-          </a:fillRef>
-          <a:effectRef idx="0">
-            <a:schemeClr val="accent1"/>
-          </a:effectRef>
-          <a:fontRef idx="minor">
-            <a:schemeClr val="tx1"/>
-          </a:fontRef>
-        </p:style>
-      </p:cxnSp>
       <p:pic>
         <p:nvPicPr>
-          <p:cNvPr id="3" name="Imagen 2"/>
+          <p:cNvPr id="9" name="Imagen 8"/>
           <p:cNvPicPr>
             <a:picLocks noChangeAspect="1"/>
           </p:cNvPicPr>
@@ -10444,8 +10339,263 @@
         </p:blipFill>
         <p:spPr>
           <a:xfrm>
-            <a:off x="4594612" y="3006361"/>
-            <a:ext cx="1964393" cy="1768653"/>
+            <a:off x="6246231" y="5119294"/>
+            <a:ext cx="1359768" cy="1681434"/>
+          </a:xfrm>
+          <a:prstGeom prst="rect">
+            <a:avLst/>
+          </a:prstGeom>
+        </p:spPr>
+      </p:pic>
+      <p:sp>
+        <p:nvSpPr>
+          <p:cNvPr id="10" name="CuadroTexto 9"/>
+          <p:cNvSpPr txBox="1"/>
+          <p:nvPr/>
+        </p:nvSpPr>
+        <p:spPr>
+          <a:xfrm>
+            <a:off x="4223200" y="5291916"/>
+            <a:ext cx="2232248" cy="369332"/>
+          </a:xfrm>
+          <a:prstGeom prst="rect">
+            <a:avLst/>
+          </a:prstGeom>
+          <a:noFill/>
+        </p:spPr>
+        <p:txBody>
+          <a:bodyPr wrap="square" rtlCol="0">
+            <a:spAutoFit/>
+          </a:bodyPr>
+          <a:lstStyle/>
+          <a:p>
+            <a:r>
+              <a:rPr lang="es-PE" dirty="0" err="1" smtClean="0"/>
+              <a:t>Eudoxo</a:t>
+            </a:r>
+            <a:r>
+              <a:rPr lang="es-PE" dirty="0" smtClean="0"/>
+              <a:t> y Ptolomeo</a:t>
+            </a:r>
+            <a:endParaRPr lang="es-PE" dirty="0"/>
+          </a:p>
+        </p:txBody>
+      </p:sp>
+      <p:pic>
+        <p:nvPicPr>
+          <p:cNvPr id="11" name="Imagen 10"/>
+          <p:cNvPicPr>
+            <a:picLocks noChangeAspect="1"/>
+          </p:cNvPicPr>
+          <p:nvPr/>
+        </p:nvPicPr>
+        <p:blipFill>
+          <a:blip r:embed="rId5"/>
+          <a:stretch>
+            <a:fillRect/>
+          </a:stretch>
+        </p:blipFill>
+        <p:spPr>
+          <a:xfrm flipH="1">
+            <a:off x="7662354" y="5193007"/>
+            <a:ext cx="1283602" cy="1524763"/>
+          </a:xfrm>
+          <a:prstGeom prst="rect">
+            <a:avLst/>
+          </a:prstGeom>
+        </p:spPr>
+      </p:pic>
+      <p:pic>
+        <p:nvPicPr>
+          <p:cNvPr id="12" name="Imagen 11"/>
+          <p:cNvPicPr>
+            <a:picLocks noChangeAspect="1"/>
+          </p:cNvPicPr>
+          <p:nvPr/>
+        </p:nvPicPr>
+        <p:blipFill>
+          <a:blip r:embed="rId6"/>
+          <a:stretch>
+            <a:fillRect/>
+          </a:stretch>
+        </p:blipFill>
+        <p:spPr>
+          <a:xfrm>
+            <a:off x="3342903" y="131233"/>
+            <a:ext cx="733425" cy="923925"/>
+          </a:xfrm>
+          <a:prstGeom prst="rect">
+            <a:avLst/>
+          </a:prstGeom>
+        </p:spPr>
+      </p:pic>
+      <p:pic>
+        <p:nvPicPr>
+          <p:cNvPr id="3" name="Imagen 2"/>
+          <p:cNvPicPr>
+            <a:picLocks noChangeAspect="1"/>
+          </p:cNvPicPr>
+          <p:nvPr/>
+        </p:nvPicPr>
+        <p:blipFill>
+          <a:blip r:embed="rId7"/>
+          <a:stretch>
+            <a:fillRect/>
+          </a:stretch>
+        </p:blipFill>
+        <p:spPr>
+          <a:xfrm>
+            <a:off x="5370471" y="47171"/>
+            <a:ext cx="793170" cy="1007987"/>
+          </a:xfrm>
+          <a:prstGeom prst="rect">
+            <a:avLst/>
+          </a:prstGeom>
+        </p:spPr>
+      </p:pic>
+      <p:sp>
+        <p:nvSpPr>
+          <p:cNvPr id="13" name="CuadroTexto 12"/>
+          <p:cNvSpPr txBox="1"/>
+          <p:nvPr/>
+        </p:nvSpPr>
+        <p:spPr>
+          <a:xfrm>
+            <a:off x="4254347" y="216411"/>
+            <a:ext cx="2232248" cy="646331"/>
+          </a:xfrm>
+          <a:prstGeom prst="rect">
+            <a:avLst/>
+          </a:prstGeom>
+          <a:noFill/>
+        </p:spPr>
+        <p:txBody>
+          <a:bodyPr wrap="square" rtlCol="0">
+            <a:spAutoFit/>
+          </a:bodyPr>
+          <a:lstStyle/>
+          <a:p>
+            <a:r>
+              <a:rPr lang="es-PE" dirty="0" smtClean="0"/>
+              <a:t>Newton y</a:t>
+            </a:r>
+          </a:p>
+          <a:p>
+            <a:r>
+              <a:rPr lang="es-PE" dirty="0" smtClean="0"/>
+              <a:t>Laplace</a:t>
+            </a:r>
+          </a:p>
+        </p:txBody>
+      </p:sp>
+      <p:sp>
+        <p:nvSpPr>
+          <p:cNvPr id="4" name="Rectángulo 3"/>
+          <p:cNvSpPr/>
+          <p:nvPr/>
+        </p:nvSpPr>
+        <p:spPr>
+          <a:xfrm>
+            <a:off x="3059832" y="0"/>
+            <a:ext cx="3426763" cy="1162745"/>
+          </a:xfrm>
+          <a:prstGeom prst="rect">
+            <a:avLst/>
+          </a:prstGeom>
+          <a:noFill/>
+          <a:ln w="38100">
+            <a:solidFill>
+              <a:schemeClr val="bg1">
+                <a:lumMod val="85000"/>
+              </a:schemeClr>
+            </a:solidFill>
+          </a:ln>
+        </p:spPr>
+        <p:style>
+          <a:lnRef idx="2">
+            <a:schemeClr val="accent1">
+              <a:shade val="50000"/>
+            </a:schemeClr>
+          </a:lnRef>
+          <a:fillRef idx="1">
+            <a:schemeClr val="accent1"/>
+          </a:fillRef>
+          <a:effectRef idx="0">
+            <a:schemeClr val="accent1"/>
+          </a:effectRef>
+          <a:fontRef idx="minor">
+            <a:schemeClr val="lt1"/>
+          </a:fontRef>
+        </p:style>
+        <p:txBody>
+          <a:bodyPr rtlCol="0" anchor="ctr"/>
+          <a:lstStyle/>
+          <a:p>
+            <a:pPr algn="ctr"/>
+            <a:endParaRPr lang="es-PE"/>
+          </a:p>
+        </p:txBody>
+      </p:sp>
+      <p:sp>
+        <p:nvSpPr>
+          <p:cNvPr id="15" name="CuadroTexto 14"/>
+          <p:cNvSpPr txBox="1"/>
+          <p:nvPr/>
+        </p:nvSpPr>
+        <p:spPr>
+          <a:xfrm>
+            <a:off x="1763688" y="5381664"/>
+            <a:ext cx="2003528" cy="923330"/>
+          </a:xfrm>
+          <a:prstGeom prst="rect">
+            <a:avLst/>
+          </a:prstGeom>
+          <a:noFill/>
+        </p:spPr>
+        <p:txBody>
+          <a:bodyPr wrap="square" rtlCol="0">
+            <a:spAutoFit/>
+          </a:bodyPr>
+          <a:lstStyle/>
+          <a:p>
+            <a:r>
+              <a:rPr lang="es-PE" dirty="0" smtClean="0"/>
+              <a:t>Copérnico</a:t>
+            </a:r>
+          </a:p>
+          <a:p>
+            <a:r>
+              <a:rPr lang="es-PE" dirty="0" smtClean="0"/>
+              <a:t>Y</a:t>
+            </a:r>
+          </a:p>
+          <a:p>
+            <a:r>
+              <a:rPr lang="es-PE" dirty="0" smtClean="0"/>
+              <a:t>Aristarco de Samos</a:t>
+            </a:r>
+            <a:endParaRPr lang="es-PE" dirty="0"/>
+          </a:p>
+        </p:txBody>
+      </p:sp>
+      <p:pic>
+        <p:nvPicPr>
+          <p:cNvPr id="14" name="Imagen 13"/>
+          <p:cNvPicPr>
+            <a:picLocks noChangeAspect="1"/>
+          </p:cNvPicPr>
+          <p:nvPr/>
+        </p:nvPicPr>
+        <p:blipFill>
+          <a:blip r:embed="rId8"/>
+          <a:stretch>
+            <a:fillRect/>
+          </a:stretch>
+        </p:blipFill>
+        <p:spPr>
+          <a:xfrm>
+            <a:off x="219622" y="3293114"/>
+            <a:ext cx="1085850" cy="1038225"/>
           </a:xfrm>
           <a:prstGeom prst="rect">
             <a:avLst/>
@@ -10455,13 +10605,20 @@
     </p:spTree>
     <p:extLst>
       <p:ext uri="{BB962C8B-B14F-4D97-AF65-F5344CB8AC3E}">
-        <p14:creationId xmlns:p14="http://schemas.microsoft.com/office/powerpoint/2010/main" val="3057863547"/>
+        <p14:creationId xmlns:p14="http://schemas.microsoft.com/office/powerpoint/2010/main" val="2427763832"/>
       </p:ext>
     </p:extLst>
   </p:cSld>
   <p:clrMapOvr>
     <a:masterClrMapping/>
   </p:clrMapOvr>
+  <p:timing>
+    <p:tnLst>
+      <p:par>
+        <p:cTn id="1" dur="indefinite" restart="never" nodeType="tmRoot"/>
+      </p:par>
+    </p:tnLst>
+  </p:timing>
 </p:sld>
 </file>
 
